--- a/Where to Git beer.pptx
+++ b/Where to Git beer.pptx
@@ -4,15 +4,21 @@
   <p:sldMasterIdLst>
     <p:sldMasterId id="2147483648" r:id="rId1"/>
   </p:sldMasterIdLst>
+  <p:notesMasterIdLst>
+    <p:notesMasterId r:id="rId13"/>
+  </p:notesMasterIdLst>
   <p:sldIdLst>
     <p:sldId id="256" r:id="rId2"/>
-    <p:sldId id="260" r:id="rId3"/>
-    <p:sldId id="261" r:id="rId4"/>
-    <p:sldId id="262" r:id="rId5"/>
-    <p:sldId id="263" r:id="rId6"/>
-    <p:sldId id="264" r:id="rId7"/>
-    <p:sldId id="265" r:id="rId8"/>
-    <p:sldId id="266" r:id="rId9"/>
+    <p:sldId id="267" r:id="rId3"/>
+    <p:sldId id="268" r:id="rId4"/>
+    <p:sldId id="269" r:id="rId5"/>
+    <p:sldId id="270" r:id="rId6"/>
+    <p:sldId id="271" r:id="rId7"/>
+    <p:sldId id="272" r:id="rId8"/>
+    <p:sldId id="273" r:id="rId9"/>
+    <p:sldId id="264" r:id="rId10"/>
+    <p:sldId id="265" r:id="rId11"/>
+    <p:sldId id="266" r:id="rId12"/>
   </p:sldIdLst>
   <p:sldSz cx="12192000" cy="6858000"/>
   <p:notesSz cx="6858000" cy="9144000"/>
@@ -111,6 +117,11 @@
       </a:defRPr>
     </a:lvl9pPr>
   </p:defaultTextStyle>
+  <p:extLst>
+    <p:ext uri="{EFAFB233-063F-42B5-8137-9DF3F51BA10A}">
+      <p15:sldGuideLst xmlns:p15="http://schemas.microsoft.com/office/powerpoint/2012/main"/>
+    </p:ext>
+  </p:extLst>
 </p:presentation>
 </file>
 
@@ -129,13 +140,799 @@
 <file path=ppt/revisionInfo.xml><?xml version="1.0" encoding="utf-8"?>
 <p1510:revInfo xmlns:a="http://schemas.openxmlformats.org/drawingml/2006/main" xmlns:r="http://schemas.openxmlformats.org/officeDocument/2006/relationships" xmlns:p1510="http://schemas.microsoft.com/office/powerpoint/2015/10/main">
   <p1510:revLst>
-    <p1510:client id="{16003460-742A-43EF-8609-8E43AE0E9EB0}" v="49" dt="2019-10-08T02:01:42.955"/>
+    <p1510:client id="{760DD185-EB53-4675-BE43-FD1BFD5F6AF3}" v="46" dt="2019-10-12T02:31:32.495"/>
   </p1510:revLst>
 </p1510:revInfo>
 </file>
 
 <file path=ppt/changesInfos/changesInfo1.xml><?xml version="1.0" encoding="utf-8"?>
 <pc:chgInfo xmlns:a="http://schemas.openxmlformats.org/drawingml/2006/main" xmlns:r="http://schemas.openxmlformats.org/officeDocument/2006/relationships" xmlns:ac="http://schemas.microsoft.com/office/drawing/2013/main/command" xmlns:pc="http://schemas.microsoft.com/office/powerpoint/2013/main/command">
+  <pc:docChgLst>
+    <pc:chgData name="Xiaoran Chen" userId="6ba97237afaf783b" providerId="LiveId" clId="{760DD185-EB53-4675-BE43-FD1BFD5F6AF3}"/>
+    <pc:docChg chg="undo custSel mod addSld delSld modSld sldOrd">
+      <pc:chgData name="Xiaoran Chen" userId="6ba97237afaf783b" providerId="LiveId" clId="{760DD185-EB53-4675-BE43-FD1BFD5F6AF3}" dt="2019-10-12T02:31:36.288" v="347" actId="1076"/>
+      <pc:docMkLst>
+        <pc:docMk/>
+      </pc:docMkLst>
+      <pc:sldChg chg="del">
+        <pc:chgData name="Xiaoran Chen" userId="6ba97237afaf783b" providerId="LiveId" clId="{760DD185-EB53-4675-BE43-FD1BFD5F6AF3}" dt="2019-10-12T00:52:32.914" v="3" actId="2696"/>
+        <pc:sldMkLst>
+          <pc:docMk/>
+          <pc:sldMk cId="2197661827" sldId="260"/>
+        </pc:sldMkLst>
+      </pc:sldChg>
+      <pc:sldChg chg="del">
+        <pc:chgData name="Xiaoran Chen" userId="6ba97237afaf783b" providerId="LiveId" clId="{760DD185-EB53-4675-BE43-FD1BFD5F6AF3}" dt="2019-10-11T23:10:29.079" v="2" actId="2696"/>
+        <pc:sldMkLst>
+          <pc:docMk/>
+          <pc:sldMk cId="2373640018" sldId="261"/>
+        </pc:sldMkLst>
+      </pc:sldChg>
+      <pc:sldChg chg="del">
+        <pc:chgData name="Xiaoran Chen" userId="6ba97237afaf783b" providerId="LiveId" clId="{760DD185-EB53-4675-BE43-FD1BFD5F6AF3}" dt="2019-10-11T23:10:29.075" v="1" actId="2696"/>
+        <pc:sldMkLst>
+          <pc:docMk/>
+          <pc:sldMk cId="1260644930" sldId="262"/>
+        </pc:sldMkLst>
+      </pc:sldChg>
+      <pc:sldChg chg="del">
+        <pc:chgData name="Xiaoran Chen" userId="6ba97237afaf783b" providerId="LiveId" clId="{760DD185-EB53-4675-BE43-FD1BFD5F6AF3}" dt="2019-10-11T23:10:29.075" v="0" actId="2696"/>
+        <pc:sldMkLst>
+          <pc:docMk/>
+          <pc:sldMk cId="959446322" sldId="263"/>
+        </pc:sldMkLst>
+      </pc:sldChg>
+      <pc:sldChg chg="addSp delSp modSp">
+        <pc:chgData name="Xiaoran Chen" userId="6ba97237afaf783b" providerId="LiveId" clId="{760DD185-EB53-4675-BE43-FD1BFD5F6AF3}" dt="2019-10-12T02:31:03.628" v="339" actId="1076"/>
+        <pc:sldMkLst>
+          <pc:docMk/>
+          <pc:sldMk cId="1184446351" sldId="264"/>
+        </pc:sldMkLst>
+        <pc:spChg chg="add del mod">
+          <ac:chgData name="Xiaoran Chen" userId="6ba97237afaf783b" providerId="LiveId" clId="{760DD185-EB53-4675-BE43-FD1BFD5F6AF3}" dt="2019-10-12T02:31:00.565" v="337" actId="478"/>
+          <ac:spMkLst>
+            <pc:docMk/>
+            <pc:sldMk cId="1184446351" sldId="264"/>
+            <ac:spMk id="2" creationId="{DD0D6D82-DFC6-47FA-99CE-C59DBF12617E}"/>
+          </ac:spMkLst>
+        </pc:spChg>
+        <pc:spChg chg="mod">
+          <ac:chgData name="Xiaoran Chen" userId="6ba97237afaf783b" providerId="LiveId" clId="{760DD185-EB53-4675-BE43-FD1BFD5F6AF3}" dt="2019-10-12T02:29:02.121" v="324" actId="1076"/>
+          <ac:spMkLst>
+            <pc:docMk/>
+            <pc:sldMk cId="1184446351" sldId="264"/>
+            <ac:spMk id="3" creationId="{BDABF424-640D-4781-94C3-B6C058C50BAF}"/>
+          </ac:spMkLst>
+        </pc:spChg>
+        <pc:spChg chg="add del">
+          <ac:chgData name="Xiaoran Chen" userId="6ba97237afaf783b" providerId="LiveId" clId="{760DD185-EB53-4675-BE43-FD1BFD5F6AF3}" dt="2019-10-12T02:29:14.026" v="328"/>
+          <ac:spMkLst>
+            <pc:docMk/>
+            <pc:sldMk cId="1184446351" sldId="264"/>
+            <ac:spMk id="6" creationId="{83D14ABD-3C68-4684-A86C-EF09E13C1F7D}"/>
+          </ac:spMkLst>
+        </pc:spChg>
+        <pc:spChg chg="add del mod">
+          <ac:chgData name="Xiaoran Chen" userId="6ba97237afaf783b" providerId="LiveId" clId="{760DD185-EB53-4675-BE43-FD1BFD5F6AF3}" dt="2019-10-12T02:29:13.518" v="327"/>
+          <ac:spMkLst>
+            <pc:docMk/>
+            <pc:sldMk cId="1184446351" sldId="264"/>
+            <ac:spMk id="7" creationId="{D84CD796-40C4-42FC-8A9F-2CE134B87F58}"/>
+          </ac:spMkLst>
+        </pc:spChg>
+        <pc:spChg chg="add mod">
+          <ac:chgData name="Xiaoran Chen" userId="6ba97237afaf783b" providerId="LiveId" clId="{760DD185-EB53-4675-BE43-FD1BFD5F6AF3}" dt="2019-10-12T02:31:03.628" v="339" actId="1076"/>
+          <ac:spMkLst>
+            <pc:docMk/>
+            <pc:sldMk cId="1184446351" sldId="264"/>
+            <ac:spMk id="8" creationId="{AE9A137A-BBAA-40AA-B9FD-EFA576227576}"/>
+          </ac:spMkLst>
+        </pc:spChg>
+        <pc:picChg chg="mod">
+          <ac:chgData name="Xiaoran Chen" userId="6ba97237afaf783b" providerId="LiveId" clId="{760DD185-EB53-4675-BE43-FD1BFD5F6AF3}" dt="2019-10-12T01:06:48.432" v="92" actId="1076"/>
+          <ac:picMkLst>
+            <pc:docMk/>
+            <pc:sldMk cId="1184446351" sldId="264"/>
+            <ac:picMk id="5" creationId="{54A5FC27-77A4-4E72-B111-1D0C6B41AAFE}"/>
+          </ac:picMkLst>
+        </pc:picChg>
+        <pc:picChg chg="mod">
+          <ac:chgData name="Xiaoran Chen" userId="6ba97237afaf783b" providerId="LiveId" clId="{760DD185-EB53-4675-BE43-FD1BFD5F6AF3}" dt="2019-10-12T01:06:51.704" v="93" actId="1076"/>
+          <ac:picMkLst>
+            <pc:docMk/>
+            <pc:sldMk cId="1184446351" sldId="264"/>
+            <ac:picMk id="11" creationId="{CB008058-8638-460E-84A0-AC26BE46257B}"/>
+          </ac:picMkLst>
+        </pc:picChg>
+      </pc:sldChg>
+      <pc:sldChg chg="addSp delSp modSp">
+        <pc:chgData name="Xiaoran Chen" userId="6ba97237afaf783b" providerId="LiveId" clId="{760DD185-EB53-4675-BE43-FD1BFD5F6AF3}" dt="2019-10-12T02:31:23.484" v="344" actId="1076"/>
+        <pc:sldMkLst>
+          <pc:docMk/>
+          <pc:sldMk cId="1016048426" sldId="265"/>
+        </pc:sldMkLst>
+        <pc:spChg chg="add mod">
+          <ac:chgData name="Xiaoran Chen" userId="6ba97237afaf783b" providerId="LiveId" clId="{760DD185-EB53-4675-BE43-FD1BFD5F6AF3}" dt="2019-10-12T01:04:58.310" v="73" actId="14100"/>
+          <ac:spMkLst>
+            <pc:docMk/>
+            <pc:sldMk cId="1016048426" sldId="265"/>
+            <ac:spMk id="2" creationId="{840043E6-0F56-4484-9601-DBED16606F34}"/>
+          </ac:spMkLst>
+        </pc:spChg>
+        <pc:spChg chg="add del mod">
+          <ac:chgData name="Xiaoran Chen" userId="6ba97237afaf783b" providerId="LiveId" clId="{760DD185-EB53-4675-BE43-FD1BFD5F6AF3}" dt="2019-10-12T02:31:12.837" v="341" actId="478"/>
+          <ac:spMkLst>
+            <pc:docMk/>
+            <pc:sldMk cId="1016048426" sldId="265"/>
+            <ac:spMk id="4" creationId="{D5708A6A-C6CD-4E12-B645-7E1DFFB62BE0}"/>
+          </ac:spMkLst>
+        </pc:spChg>
+        <pc:spChg chg="add mod">
+          <ac:chgData name="Xiaoran Chen" userId="6ba97237afaf783b" providerId="LiveId" clId="{760DD185-EB53-4675-BE43-FD1BFD5F6AF3}" dt="2019-10-12T02:31:23.484" v="344" actId="1076"/>
+          <ac:spMkLst>
+            <pc:docMk/>
+            <pc:sldMk cId="1016048426" sldId="265"/>
+            <ac:spMk id="6" creationId="{BB8180F0-FC11-46D8-8287-ECB3A4087684}"/>
+          </ac:spMkLst>
+        </pc:spChg>
+      </pc:sldChg>
+      <pc:sldChg chg="addSp delSp modSp">
+        <pc:chgData name="Xiaoran Chen" userId="6ba97237afaf783b" providerId="LiveId" clId="{760DD185-EB53-4675-BE43-FD1BFD5F6AF3}" dt="2019-10-12T02:31:36.288" v="347" actId="1076"/>
+        <pc:sldMkLst>
+          <pc:docMk/>
+          <pc:sldMk cId="2361926307" sldId="266"/>
+        </pc:sldMkLst>
+        <pc:spChg chg="add del mod">
+          <ac:chgData name="Xiaoran Chen" userId="6ba97237afaf783b" providerId="LiveId" clId="{760DD185-EB53-4675-BE43-FD1BFD5F6AF3}" dt="2019-10-12T02:31:29.643" v="345" actId="478"/>
+          <ac:spMkLst>
+            <pc:docMk/>
+            <pc:sldMk cId="2361926307" sldId="266"/>
+            <ac:spMk id="2" creationId="{7522294F-F2C8-4557-A78C-98F1D1B7EED6}"/>
+          </ac:spMkLst>
+        </pc:spChg>
+        <pc:spChg chg="add mod">
+          <ac:chgData name="Xiaoran Chen" userId="6ba97237afaf783b" providerId="LiveId" clId="{760DD185-EB53-4675-BE43-FD1BFD5F6AF3}" dt="2019-10-12T01:08:33.796" v="155" actId="14100"/>
+          <ac:spMkLst>
+            <pc:docMk/>
+            <pc:sldMk cId="2361926307" sldId="266"/>
+            <ac:spMk id="4" creationId="{5756A374-3C3A-4D3C-9A89-0545C5BDC642}"/>
+          </ac:spMkLst>
+        </pc:spChg>
+        <pc:spChg chg="add mod">
+          <ac:chgData name="Xiaoran Chen" userId="6ba97237afaf783b" providerId="LiveId" clId="{760DD185-EB53-4675-BE43-FD1BFD5F6AF3}" dt="2019-10-12T02:31:36.288" v="347" actId="1076"/>
+          <ac:spMkLst>
+            <pc:docMk/>
+            <pc:sldMk cId="2361926307" sldId="266"/>
+            <ac:spMk id="6" creationId="{0936CF09-2439-405F-BFA1-B8A5FBCABE9F}"/>
+          </ac:spMkLst>
+        </pc:spChg>
+        <pc:picChg chg="mod">
+          <ac:chgData name="Xiaoran Chen" userId="6ba97237afaf783b" providerId="LiveId" clId="{760DD185-EB53-4675-BE43-FD1BFD5F6AF3}" dt="2019-10-12T01:07:01.244" v="94" actId="1076"/>
+          <ac:picMkLst>
+            <pc:docMk/>
+            <pc:sldMk cId="2361926307" sldId="266"/>
+            <ac:picMk id="3" creationId="{C19B70C7-AA85-4DFF-BE3A-0B00C1994243}"/>
+          </ac:picMkLst>
+        </pc:picChg>
+        <pc:picChg chg="mod">
+          <ac:chgData name="Xiaoran Chen" userId="6ba97237afaf783b" providerId="LiveId" clId="{760DD185-EB53-4675-BE43-FD1BFD5F6AF3}" dt="2019-10-12T01:07:02.960" v="95" actId="1076"/>
+          <ac:picMkLst>
+            <pc:docMk/>
+            <pc:sldMk cId="2361926307" sldId="266"/>
+            <ac:picMk id="5" creationId="{1CBB3BC1-2F86-4B5A-8555-4BDB879E7708}"/>
+          </ac:picMkLst>
+        </pc:picChg>
+      </pc:sldChg>
+      <pc:sldChg chg="addSp modSp add ord">
+        <pc:chgData name="Xiaoran Chen" userId="6ba97237afaf783b" providerId="LiveId" clId="{760DD185-EB53-4675-BE43-FD1BFD5F6AF3}" dt="2019-10-12T00:59:43.738" v="18" actId="1076"/>
+        <pc:sldMkLst>
+          <pc:docMk/>
+          <pc:sldMk cId="4176014697" sldId="267"/>
+        </pc:sldMkLst>
+        <pc:spChg chg="add mod">
+          <ac:chgData name="Xiaoran Chen" userId="6ba97237afaf783b" providerId="LiveId" clId="{760DD185-EB53-4675-BE43-FD1BFD5F6AF3}" dt="2019-10-12T00:59:43.738" v="18" actId="1076"/>
+          <ac:spMkLst>
+            <pc:docMk/>
+            <pc:sldMk cId="4176014697" sldId="267"/>
+            <ac:spMk id="2" creationId="{2C2BFAE1-45D3-4B3B-81D2-0BF25FA84FB8}"/>
+          </ac:spMkLst>
+        </pc:spChg>
+        <pc:spChg chg="add">
+          <ac:chgData name="Xiaoran Chen" userId="6ba97237afaf783b" providerId="LiveId" clId="{760DD185-EB53-4675-BE43-FD1BFD5F6AF3}" dt="2019-10-12T00:53:20.011" v="6"/>
+          <ac:spMkLst>
+            <pc:docMk/>
+            <pc:sldMk cId="4176014697" sldId="267"/>
+            <ac:spMk id="9" creationId="{AA9167C2-FEB5-4555-81C2-0D5D156510BF}"/>
+          </ac:spMkLst>
+        </pc:spChg>
+        <pc:spChg chg="add">
+          <ac:chgData name="Xiaoran Chen" userId="6ba97237afaf783b" providerId="LiveId" clId="{760DD185-EB53-4675-BE43-FD1BFD5F6AF3}" dt="2019-10-12T00:53:20.011" v="6"/>
+          <ac:spMkLst>
+            <pc:docMk/>
+            <pc:sldMk cId="4176014697" sldId="267"/>
+            <ac:spMk id="10" creationId="{A113D375-E95A-4E0C-804E-5928F0A87793}"/>
+          </ac:spMkLst>
+        </pc:spChg>
+        <pc:spChg chg="add">
+          <ac:chgData name="Xiaoran Chen" userId="6ba97237afaf783b" providerId="LiveId" clId="{760DD185-EB53-4675-BE43-FD1BFD5F6AF3}" dt="2019-10-12T00:53:20.011" v="6"/>
+          <ac:spMkLst>
+            <pc:docMk/>
+            <pc:sldMk cId="4176014697" sldId="267"/>
+            <ac:spMk id="11" creationId="{6A4EA969-0F64-48A5-AE1B-8075F570D19C}"/>
+          </ac:spMkLst>
+        </pc:spChg>
+        <pc:spChg chg="add">
+          <ac:chgData name="Xiaoran Chen" userId="6ba97237afaf783b" providerId="LiveId" clId="{760DD185-EB53-4675-BE43-FD1BFD5F6AF3}" dt="2019-10-12T00:53:20.011" v="6"/>
+          <ac:spMkLst>
+            <pc:docMk/>
+            <pc:sldMk cId="4176014697" sldId="267"/>
+            <ac:spMk id="12" creationId="{1CFB43E4-7D2F-4123-A07F-6960E13729F3}"/>
+          </ac:spMkLst>
+        </pc:spChg>
+        <pc:spChg chg="add">
+          <ac:chgData name="Xiaoran Chen" userId="6ba97237afaf783b" providerId="LiveId" clId="{760DD185-EB53-4675-BE43-FD1BFD5F6AF3}" dt="2019-10-12T00:53:20.011" v="6"/>
+          <ac:spMkLst>
+            <pc:docMk/>
+            <pc:sldMk cId="4176014697" sldId="267"/>
+            <ac:spMk id="13" creationId="{33B13C7A-4DF4-4C47-866C-8424289D7F44}"/>
+          </ac:spMkLst>
+        </pc:spChg>
+        <pc:spChg chg="add">
+          <ac:chgData name="Xiaoran Chen" userId="6ba97237afaf783b" providerId="LiveId" clId="{760DD185-EB53-4675-BE43-FD1BFD5F6AF3}" dt="2019-10-12T00:53:20.011" v="6"/>
+          <ac:spMkLst>
+            <pc:docMk/>
+            <pc:sldMk cId="4176014697" sldId="267"/>
+            <ac:spMk id="14" creationId="{41EE5BE4-1913-4671-8E09-06E0951954D0}"/>
+          </ac:spMkLst>
+        </pc:spChg>
+        <pc:spChg chg="add">
+          <ac:chgData name="Xiaoran Chen" userId="6ba97237afaf783b" providerId="LiveId" clId="{760DD185-EB53-4675-BE43-FD1BFD5F6AF3}" dt="2019-10-12T00:53:20.011" v="6"/>
+          <ac:spMkLst>
+            <pc:docMk/>
+            <pc:sldMk cId="4176014697" sldId="267"/>
+            <ac:spMk id="15" creationId="{75F2E9E7-8742-4963-8EBF-D31DB827FBF8}"/>
+          </ac:spMkLst>
+        </pc:spChg>
+        <pc:spChg chg="add">
+          <ac:chgData name="Xiaoran Chen" userId="6ba97237afaf783b" providerId="LiveId" clId="{760DD185-EB53-4675-BE43-FD1BFD5F6AF3}" dt="2019-10-12T00:53:20.011" v="6"/>
+          <ac:spMkLst>
+            <pc:docMk/>
+            <pc:sldMk cId="4176014697" sldId="267"/>
+            <ac:spMk id="16" creationId="{B24DAA64-BAA2-45A3-B414-4B3A95B78DF3}"/>
+          </ac:spMkLst>
+        </pc:spChg>
+        <pc:spChg chg="add">
+          <ac:chgData name="Xiaoran Chen" userId="6ba97237afaf783b" providerId="LiveId" clId="{760DD185-EB53-4675-BE43-FD1BFD5F6AF3}" dt="2019-10-12T00:53:20.011" v="6"/>
+          <ac:spMkLst>
+            <pc:docMk/>
+            <pc:sldMk cId="4176014697" sldId="267"/>
+            <ac:spMk id="17" creationId="{05AA8CA2-5913-43D7-805E-FCE1347E8471}"/>
+          </ac:spMkLst>
+        </pc:spChg>
+        <pc:spChg chg="add">
+          <ac:chgData name="Xiaoran Chen" userId="6ba97237afaf783b" providerId="LiveId" clId="{760DD185-EB53-4675-BE43-FD1BFD5F6AF3}" dt="2019-10-12T00:53:20.011" v="6"/>
+          <ac:spMkLst>
+            <pc:docMk/>
+            <pc:sldMk cId="4176014697" sldId="267"/>
+            <ac:spMk id="18" creationId="{51FC25E9-B686-461E-B9C2-7E4BFC96C143}"/>
+          </ac:spMkLst>
+        </pc:spChg>
+        <pc:spChg chg="add">
+          <ac:chgData name="Xiaoran Chen" userId="6ba97237afaf783b" providerId="LiveId" clId="{760DD185-EB53-4675-BE43-FD1BFD5F6AF3}" dt="2019-10-12T00:53:20.011" v="6"/>
+          <ac:spMkLst>
+            <pc:docMk/>
+            <pc:sldMk cId="4176014697" sldId="267"/>
+            <ac:spMk id="19" creationId="{0487445A-F158-49AA-B7B5-AFEEAA24624C}"/>
+          </ac:spMkLst>
+        </pc:spChg>
+        <pc:spChg chg="add">
+          <ac:chgData name="Xiaoran Chen" userId="6ba97237afaf783b" providerId="LiveId" clId="{760DD185-EB53-4675-BE43-FD1BFD5F6AF3}" dt="2019-10-12T00:53:20.011" v="6"/>
+          <ac:spMkLst>
+            <pc:docMk/>
+            <pc:sldMk cId="4176014697" sldId="267"/>
+            <ac:spMk id="21" creationId="{5E872451-72C1-457E-930B-5C223115D216}"/>
+          </ac:spMkLst>
+        </pc:spChg>
+        <pc:spChg chg="add">
+          <ac:chgData name="Xiaoran Chen" userId="6ba97237afaf783b" providerId="LiveId" clId="{760DD185-EB53-4675-BE43-FD1BFD5F6AF3}" dt="2019-10-12T00:53:20.011" v="6"/>
+          <ac:spMkLst>
+            <pc:docMk/>
+            <pc:sldMk cId="4176014697" sldId="267"/>
+            <ac:spMk id="22" creationId="{6216F461-5F3C-4BD6-88EF-DB572014F042}"/>
+          </ac:spMkLst>
+        </pc:spChg>
+        <pc:spChg chg="add">
+          <ac:chgData name="Xiaoran Chen" userId="6ba97237afaf783b" providerId="LiveId" clId="{760DD185-EB53-4675-BE43-FD1BFD5F6AF3}" dt="2019-10-12T00:53:20.011" v="6"/>
+          <ac:spMkLst>
+            <pc:docMk/>
+            <pc:sldMk cId="4176014697" sldId="267"/>
+            <ac:spMk id="23" creationId="{923CB9D4-C530-4EBF-A846-B7FFC7285E95}"/>
+          </ac:spMkLst>
+        </pc:spChg>
+        <pc:spChg chg="add">
+          <ac:chgData name="Xiaoran Chen" userId="6ba97237afaf783b" providerId="LiveId" clId="{760DD185-EB53-4675-BE43-FD1BFD5F6AF3}" dt="2019-10-12T00:53:20.011" v="6"/>
+          <ac:spMkLst>
+            <pc:docMk/>
+            <pc:sldMk cId="4176014697" sldId="267"/>
+            <ac:spMk id="24" creationId="{78371020-ECB8-413B-95DB-3A83E26F0B51}"/>
+          </ac:spMkLst>
+        </pc:spChg>
+        <pc:spChg chg="add">
+          <ac:chgData name="Xiaoran Chen" userId="6ba97237afaf783b" providerId="LiveId" clId="{760DD185-EB53-4675-BE43-FD1BFD5F6AF3}" dt="2019-10-12T00:53:20.011" v="6"/>
+          <ac:spMkLst>
+            <pc:docMk/>
+            <pc:sldMk cId="4176014697" sldId="267"/>
+            <ac:spMk id="26" creationId="{1C91649E-300D-4A0A-93DB-EAD304143D25}"/>
+          </ac:spMkLst>
+        </pc:spChg>
+        <pc:spChg chg="add">
+          <ac:chgData name="Xiaoran Chen" userId="6ba97237afaf783b" providerId="LiveId" clId="{760DD185-EB53-4675-BE43-FD1BFD5F6AF3}" dt="2019-10-12T00:53:20.011" v="6"/>
+          <ac:spMkLst>
+            <pc:docMk/>
+            <pc:sldMk cId="4176014697" sldId="267"/>
+            <ac:spMk id="27" creationId="{44CDADE6-0691-4FD3-99D7-55183D3D920B}"/>
+          </ac:spMkLst>
+        </pc:spChg>
+        <pc:spChg chg="add">
+          <ac:chgData name="Xiaoran Chen" userId="6ba97237afaf783b" providerId="LiveId" clId="{760DD185-EB53-4675-BE43-FD1BFD5F6AF3}" dt="2019-10-12T00:53:20.011" v="6"/>
+          <ac:spMkLst>
+            <pc:docMk/>
+            <pc:sldMk cId="4176014697" sldId="267"/>
+            <ac:spMk id="28" creationId="{11F911B2-494E-46F2-8A19-D7ADA41ED42C}"/>
+          </ac:spMkLst>
+        </pc:spChg>
+        <pc:spChg chg="add">
+          <ac:chgData name="Xiaoran Chen" userId="6ba97237afaf783b" providerId="LiveId" clId="{760DD185-EB53-4675-BE43-FD1BFD5F6AF3}" dt="2019-10-12T00:53:20.011" v="6"/>
+          <ac:spMkLst>
+            <pc:docMk/>
+            <pc:sldMk cId="4176014697" sldId="267"/>
+            <ac:spMk id="29" creationId="{3917AC18-E973-4E1B-82B4-6072B050911F}"/>
+          </ac:spMkLst>
+        </pc:spChg>
+        <pc:spChg chg="add">
+          <ac:chgData name="Xiaoran Chen" userId="6ba97237afaf783b" providerId="LiveId" clId="{760DD185-EB53-4675-BE43-FD1BFD5F6AF3}" dt="2019-10-12T00:53:20.011" v="6"/>
+          <ac:spMkLst>
+            <pc:docMk/>
+            <pc:sldMk cId="4176014697" sldId="267"/>
+            <ac:spMk id="31" creationId="{E22173C7-C324-45C3-8238-A6EBCBD8BEE2}"/>
+          </ac:spMkLst>
+        </pc:spChg>
+        <pc:spChg chg="add">
+          <ac:chgData name="Xiaoran Chen" userId="6ba97237afaf783b" providerId="LiveId" clId="{760DD185-EB53-4675-BE43-FD1BFD5F6AF3}" dt="2019-10-12T00:53:20.011" v="6"/>
+          <ac:spMkLst>
+            <pc:docMk/>
+            <pc:sldMk cId="4176014697" sldId="267"/>
+            <ac:spMk id="32" creationId="{2219176C-E7F0-4376-B617-0B84BD5342CE}"/>
+          </ac:spMkLst>
+        </pc:spChg>
+        <pc:spChg chg="add">
+          <ac:chgData name="Xiaoran Chen" userId="6ba97237afaf783b" providerId="LiveId" clId="{760DD185-EB53-4675-BE43-FD1BFD5F6AF3}" dt="2019-10-12T00:53:20.011" v="6"/>
+          <ac:spMkLst>
+            <pc:docMk/>
+            <pc:sldMk cId="4176014697" sldId="267"/>
+            <ac:spMk id="33" creationId="{21F117B5-6982-49C2-9960-36D9364089AA}"/>
+          </ac:spMkLst>
+        </pc:spChg>
+        <pc:spChg chg="add">
+          <ac:chgData name="Xiaoran Chen" userId="6ba97237afaf783b" providerId="LiveId" clId="{760DD185-EB53-4675-BE43-FD1BFD5F6AF3}" dt="2019-10-12T00:53:20.011" v="6"/>
+          <ac:spMkLst>
+            <pc:docMk/>
+            <pc:sldMk cId="4176014697" sldId="267"/>
+            <ac:spMk id="34" creationId="{85B6863F-0A26-4BF5-8102-3ABBD975FF62}"/>
+          </ac:spMkLst>
+        </pc:spChg>
+        <pc:spChg chg="add">
+          <ac:chgData name="Xiaoran Chen" userId="6ba97237afaf783b" providerId="LiveId" clId="{760DD185-EB53-4675-BE43-FD1BFD5F6AF3}" dt="2019-10-12T00:53:20.011" v="6"/>
+          <ac:spMkLst>
+            <pc:docMk/>
+            <pc:sldMk cId="4176014697" sldId="267"/>
+            <ac:spMk id="36" creationId="{510C7DD9-1823-440A-AEEA-3BC1BD9E2512}"/>
+          </ac:spMkLst>
+        </pc:spChg>
+        <pc:spChg chg="add">
+          <ac:chgData name="Xiaoran Chen" userId="6ba97237afaf783b" providerId="LiveId" clId="{760DD185-EB53-4675-BE43-FD1BFD5F6AF3}" dt="2019-10-12T00:53:20.011" v="6"/>
+          <ac:spMkLst>
+            <pc:docMk/>
+            <pc:sldMk cId="4176014697" sldId="267"/>
+            <ac:spMk id="37" creationId="{2EC9A83F-0606-4F06-A9BE-F7B5B9AA02F9}"/>
+          </ac:spMkLst>
+        </pc:spChg>
+        <pc:spChg chg="add">
+          <ac:chgData name="Xiaoran Chen" userId="6ba97237afaf783b" providerId="LiveId" clId="{760DD185-EB53-4675-BE43-FD1BFD5F6AF3}" dt="2019-10-12T00:53:20.011" v="6"/>
+          <ac:spMkLst>
+            <pc:docMk/>
+            <pc:sldMk cId="4176014697" sldId="267"/>
+            <ac:spMk id="38" creationId="{696FFF01-307E-402D-9FFB-5EB1A062C2EF}"/>
+          </ac:spMkLst>
+        </pc:spChg>
+        <pc:spChg chg="add">
+          <ac:chgData name="Xiaoran Chen" userId="6ba97237afaf783b" providerId="LiveId" clId="{760DD185-EB53-4675-BE43-FD1BFD5F6AF3}" dt="2019-10-12T00:53:20.011" v="6"/>
+          <ac:spMkLst>
+            <pc:docMk/>
+            <pc:sldMk cId="4176014697" sldId="267"/>
+            <ac:spMk id="39" creationId="{69F9D96B-E833-4E2F-B080-2FA7FE00FEC7}"/>
+          </ac:spMkLst>
+        </pc:spChg>
+        <pc:spChg chg="add">
+          <ac:chgData name="Xiaoran Chen" userId="6ba97237afaf783b" providerId="LiveId" clId="{760DD185-EB53-4675-BE43-FD1BFD5F6AF3}" dt="2019-10-12T00:53:20.011" v="6"/>
+          <ac:spMkLst>
+            <pc:docMk/>
+            <pc:sldMk cId="4176014697" sldId="267"/>
+            <ac:spMk id="41" creationId="{0B82A277-C7F2-47DE-B975-5CF4E1885E23}"/>
+          </ac:spMkLst>
+        </pc:spChg>
+        <pc:spChg chg="add">
+          <ac:chgData name="Xiaoran Chen" userId="6ba97237afaf783b" providerId="LiveId" clId="{760DD185-EB53-4675-BE43-FD1BFD5F6AF3}" dt="2019-10-12T00:53:20.011" v="6"/>
+          <ac:spMkLst>
+            <pc:docMk/>
+            <pc:sldMk cId="4176014697" sldId="267"/>
+            <ac:spMk id="42" creationId="{5D025EA4-67D4-4D07-BE6E-8A4D74A2469F}"/>
+          </ac:spMkLst>
+        </pc:spChg>
+        <pc:spChg chg="add">
+          <ac:chgData name="Xiaoran Chen" userId="6ba97237afaf783b" providerId="LiveId" clId="{760DD185-EB53-4675-BE43-FD1BFD5F6AF3}" dt="2019-10-12T00:53:20.011" v="6"/>
+          <ac:spMkLst>
+            <pc:docMk/>
+            <pc:sldMk cId="4176014697" sldId="267"/>
+            <ac:spMk id="43" creationId="{1F6D9FB4-A954-4093-8D9D-4E0A478B23AE}"/>
+          </ac:spMkLst>
+        </pc:spChg>
+        <pc:spChg chg="add">
+          <ac:chgData name="Xiaoran Chen" userId="6ba97237afaf783b" providerId="LiveId" clId="{760DD185-EB53-4675-BE43-FD1BFD5F6AF3}" dt="2019-10-12T00:53:20.011" v="6"/>
+          <ac:spMkLst>
+            <pc:docMk/>
+            <pc:sldMk cId="4176014697" sldId="267"/>
+            <ac:spMk id="44" creationId="{AB247DC4-851A-47F0-98E2-60F65F77017F}"/>
+          </ac:spMkLst>
+        </pc:spChg>
+        <pc:grpChg chg="add mod">
+          <ac:chgData name="Xiaoran Chen" userId="6ba97237afaf783b" providerId="LiveId" clId="{760DD185-EB53-4675-BE43-FD1BFD5F6AF3}" dt="2019-10-12T00:53:20.011" v="6"/>
+          <ac:grpSpMkLst>
+            <pc:docMk/>
+            <pc:sldMk cId="4176014697" sldId="267"/>
+            <ac:grpSpMk id="4" creationId="{8BA9348E-760D-405B-B6D7-97BBF6312B30}"/>
+          </ac:grpSpMkLst>
+        </pc:grpChg>
+        <pc:grpChg chg="add mod">
+          <ac:chgData name="Xiaoran Chen" userId="6ba97237afaf783b" providerId="LiveId" clId="{760DD185-EB53-4675-BE43-FD1BFD5F6AF3}" dt="2019-10-12T00:53:20.011" v="6"/>
+          <ac:grpSpMkLst>
+            <pc:docMk/>
+            <pc:sldMk cId="4176014697" sldId="267"/>
+            <ac:grpSpMk id="5" creationId="{F2015FE8-924B-4FCB-88F5-3DAE5C272B05}"/>
+          </ac:grpSpMkLst>
+        </pc:grpChg>
+        <pc:grpChg chg="add mod">
+          <ac:chgData name="Xiaoran Chen" userId="6ba97237afaf783b" providerId="LiveId" clId="{760DD185-EB53-4675-BE43-FD1BFD5F6AF3}" dt="2019-10-12T00:53:20.011" v="6"/>
+          <ac:grpSpMkLst>
+            <pc:docMk/>
+            <pc:sldMk cId="4176014697" sldId="267"/>
+            <ac:grpSpMk id="6" creationId="{17E61AEB-683F-40C5-AA7D-09CA681F265F}"/>
+          </ac:grpSpMkLst>
+        </pc:grpChg>
+        <pc:grpChg chg="add mod">
+          <ac:chgData name="Xiaoran Chen" userId="6ba97237afaf783b" providerId="LiveId" clId="{760DD185-EB53-4675-BE43-FD1BFD5F6AF3}" dt="2019-10-12T00:53:20.011" v="6"/>
+          <ac:grpSpMkLst>
+            <pc:docMk/>
+            <pc:sldMk cId="4176014697" sldId="267"/>
+            <ac:grpSpMk id="7" creationId="{0E783F9E-5245-48F1-B32B-D93E8B706354}"/>
+          </ac:grpSpMkLst>
+        </pc:grpChg>
+        <pc:grpChg chg="add mod">
+          <ac:chgData name="Xiaoran Chen" userId="6ba97237afaf783b" providerId="LiveId" clId="{760DD185-EB53-4675-BE43-FD1BFD5F6AF3}" dt="2019-10-12T00:53:20.011" v="6"/>
+          <ac:grpSpMkLst>
+            <pc:docMk/>
+            <pc:sldMk cId="4176014697" sldId="267"/>
+            <ac:grpSpMk id="8" creationId="{9F2F48F1-72A2-4D45-BBE3-348C47CD96FC}"/>
+          </ac:grpSpMkLst>
+        </pc:grpChg>
+        <pc:grpChg chg="add mod">
+          <ac:chgData name="Xiaoran Chen" userId="6ba97237afaf783b" providerId="LiveId" clId="{760DD185-EB53-4675-BE43-FD1BFD5F6AF3}" dt="2019-10-12T00:53:20.011" v="6"/>
+          <ac:grpSpMkLst>
+            <pc:docMk/>
+            <pc:sldMk cId="4176014697" sldId="267"/>
+            <ac:grpSpMk id="20" creationId="{B84F5D04-8E3D-4D83-A37F-5B97B3DC24B4}"/>
+          </ac:grpSpMkLst>
+        </pc:grpChg>
+        <pc:grpChg chg="add mod">
+          <ac:chgData name="Xiaoran Chen" userId="6ba97237afaf783b" providerId="LiveId" clId="{760DD185-EB53-4675-BE43-FD1BFD5F6AF3}" dt="2019-10-12T00:53:20.011" v="6"/>
+          <ac:grpSpMkLst>
+            <pc:docMk/>
+            <pc:sldMk cId="4176014697" sldId="267"/>
+            <ac:grpSpMk id="25" creationId="{36E90A1C-D037-46D5-8F0E-BE628AEFEE88}"/>
+          </ac:grpSpMkLst>
+        </pc:grpChg>
+        <pc:grpChg chg="add mod">
+          <ac:chgData name="Xiaoran Chen" userId="6ba97237afaf783b" providerId="LiveId" clId="{760DD185-EB53-4675-BE43-FD1BFD5F6AF3}" dt="2019-10-12T00:53:20.011" v="6"/>
+          <ac:grpSpMkLst>
+            <pc:docMk/>
+            <pc:sldMk cId="4176014697" sldId="267"/>
+            <ac:grpSpMk id="30" creationId="{5CA16343-DB99-49B6-8134-376410060C76}"/>
+          </ac:grpSpMkLst>
+        </pc:grpChg>
+        <pc:grpChg chg="add mod">
+          <ac:chgData name="Xiaoran Chen" userId="6ba97237afaf783b" providerId="LiveId" clId="{760DD185-EB53-4675-BE43-FD1BFD5F6AF3}" dt="2019-10-12T00:53:20.011" v="6"/>
+          <ac:grpSpMkLst>
+            <pc:docMk/>
+            <pc:sldMk cId="4176014697" sldId="267"/>
+            <ac:grpSpMk id="35" creationId="{1CA48AD2-6F6B-4124-BB4B-E9902D3D09B7}"/>
+          </ac:grpSpMkLst>
+        </pc:grpChg>
+        <pc:grpChg chg="add mod">
+          <ac:chgData name="Xiaoran Chen" userId="6ba97237afaf783b" providerId="LiveId" clId="{760DD185-EB53-4675-BE43-FD1BFD5F6AF3}" dt="2019-10-12T00:53:20.011" v="6"/>
+          <ac:grpSpMkLst>
+            <pc:docMk/>
+            <pc:sldMk cId="4176014697" sldId="267"/>
+            <ac:grpSpMk id="40" creationId="{28BC21E8-DB10-46B9-A46B-F460CAACFABB}"/>
+          </ac:grpSpMkLst>
+        </pc:grpChg>
+        <pc:cxnChg chg="add">
+          <ac:chgData name="Xiaoran Chen" userId="6ba97237afaf783b" providerId="LiveId" clId="{760DD185-EB53-4675-BE43-FD1BFD5F6AF3}" dt="2019-10-12T00:53:20.011" v="6"/>
+          <ac:cxnSpMkLst>
+            <pc:docMk/>
+            <pc:sldMk cId="4176014697" sldId="267"/>
+            <ac:cxnSpMk id="3" creationId="{F959E69E-6297-48EA-9959-D961B32B03F6}"/>
+          </ac:cxnSpMkLst>
+        </pc:cxnChg>
+      </pc:sldChg>
+      <pc:sldChg chg="addSp delSp modSp add mod ord setBg">
+        <pc:chgData name="Xiaoran Chen" userId="6ba97237afaf783b" providerId="LiveId" clId="{760DD185-EB53-4675-BE43-FD1BFD5F6AF3}" dt="2019-10-12T02:27:50.724" v="313"/>
+        <pc:sldMkLst>
+          <pc:docMk/>
+          <pc:sldMk cId="3769685321" sldId="268"/>
+        </pc:sldMkLst>
+        <pc:spChg chg="add mod">
+          <ac:chgData name="Xiaoran Chen" userId="6ba97237afaf783b" providerId="LiveId" clId="{760DD185-EB53-4675-BE43-FD1BFD5F6AF3}" dt="2019-10-12T02:27:10.023" v="309" actId="26606"/>
+          <ac:spMkLst>
+            <pc:docMk/>
+            <pc:sldMk cId="3769685321" sldId="268"/>
+            <ac:spMk id="4" creationId="{805A92E7-6EC3-4130-BEA0-A31FD64CE953}"/>
+          </ac:spMkLst>
+        </pc:spChg>
+        <pc:spChg chg="add del">
+          <ac:chgData name="Xiaoran Chen" userId="6ba97237afaf783b" providerId="LiveId" clId="{760DD185-EB53-4675-BE43-FD1BFD5F6AF3}" dt="2019-10-12T02:27:23.479" v="311"/>
+          <ac:spMkLst>
+            <pc:docMk/>
+            <pc:sldMk cId="3769685321" sldId="268"/>
+            <ac:spMk id="6" creationId="{79E36CC2-48D9-4625-95EC-22A7A5A684C2}"/>
+          </ac:spMkLst>
+        </pc:spChg>
+        <pc:spChg chg="add">
+          <ac:chgData name="Xiaoran Chen" userId="6ba97237afaf783b" providerId="LiveId" clId="{760DD185-EB53-4675-BE43-FD1BFD5F6AF3}" dt="2019-10-12T02:27:10.023" v="309" actId="26606"/>
+          <ac:spMkLst>
+            <pc:docMk/>
+            <pc:sldMk cId="3769685321" sldId="268"/>
+            <ac:spMk id="9" creationId="{A4AC5506-6312-4701-8D3C-40187889A947}"/>
+          </ac:spMkLst>
+        </pc:spChg>
+        <pc:picChg chg="add mod ord">
+          <ac:chgData name="Xiaoran Chen" userId="6ba97237afaf783b" providerId="LiveId" clId="{760DD185-EB53-4675-BE43-FD1BFD5F6AF3}" dt="2019-10-12T02:27:10.023" v="309" actId="26606"/>
+          <ac:picMkLst>
+            <pc:docMk/>
+            <pc:sldMk cId="3769685321" sldId="268"/>
+            <ac:picMk id="3" creationId="{CB794EC5-A2C8-4F16-9E92-CA46166FCB61}"/>
+          </ac:picMkLst>
+        </pc:picChg>
+      </pc:sldChg>
+      <pc:sldChg chg="addSp delSp modSp add del">
+        <pc:chgData name="Xiaoran Chen" userId="6ba97237afaf783b" providerId="LiveId" clId="{760DD185-EB53-4675-BE43-FD1BFD5F6AF3}" dt="2019-10-12T00:58:54.365" v="17" actId="2696"/>
+        <pc:sldMkLst>
+          <pc:docMk/>
+          <pc:sldMk cId="4244289958" sldId="268"/>
+        </pc:sldMkLst>
+        <pc:spChg chg="del">
+          <ac:chgData name="Xiaoran Chen" userId="6ba97237afaf783b" providerId="LiveId" clId="{760DD185-EB53-4675-BE43-FD1BFD5F6AF3}" dt="2019-10-12T00:54:37.439" v="8"/>
+          <ac:spMkLst>
+            <pc:docMk/>
+            <pc:sldMk cId="4244289958" sldId="268"/>
+            <ac:spMk id="2" creationId="{750AF5AA-314A-4F91-AF33-FF0EECB8EF66}"/>
+          </ac:spMkLst>
+        </pc:spChg>
+        <pc:spChg chg="del">
+          <ac:chgData name="Xiaoran Chen" userId="6ba97237afaf783b" providerId="LiveId" clId="{760DD185-EB53-4675-BE43-FD1BFD5F6AF3}" dt="2019-10-12T00:54:37.439" v="8"/>
+          <ac:spMkLst>
+            <pc:docMk/>
+            <pc:sldMk cId="4244289958" sldId="268"/>
+            <ac:spMk id="3" creationId="{A986CD66-BCA3-428D-A37E-E6508B5DF117}"/>
+          </ac:spMkLst>
+        </pc:spChg>
+        <pc:picChg chg="add del mod">
+          <ac:chgData name="Xiaoran Chen" userId="6ba97237afaf783b" providerId="LiveId" clId="{760DD185-EB53-4675-BE43-FD1BFD5F6AF3}" dt="2019-10-12T00:55:35.348" v="15" actId="478"/>
+          <ac:picMkLst>
+            <pc:docMk/>
+            <pc:sldMk cId="4244289958" sldId="268"/>
+            <ac:picMk id="5" creationId="{FE9D746E-6D8A-407B-B990-F23062C3AF90}"/>
+          </ac:picMkLst>
+        </pc:picChg>
+        <pc:picChg chg="add">
+          <ac:chgData name="Xiaoran Chen" userId="6ba97237afaf783b" providerId="LiveId" clId="{760DD185-EB53-4675-BE43-FD1BFD5F6AF3}" dt="2019-10-12T00:57:06.415" v="16"/>
+          <ac:picMkLst>
+            <pc:docMk/>
+            <pc:sldMk cId="4244289958" sldId="268"/>
+            <ac:picMk id="6" creationId="{05C46E34-1A8B-44F8-9D2C-762A1BBAB341}"/>
+          </ac:picMkLst>
+        </pc:picChg>
+      </pc:sldChg>
+      <pc:sldChg chg="addSp delSp modSp add mod setBg">
+        <pc:chgData name="Xiaoran Chen" userId="6ba97237afaf783b" providerId="LiveId" clId="{760DD185-EB53-4675-BE43-FD1BFD5F6AF3}" dt="2019-10-12T02:28:03.639" v="314" actId="26606"/>
+        <pc:sldMkLst>
+          <pc:docMk/>
+          <pc:sldMk cId="249954635" sldId="269"/>
+        </pc:sldMkLst>
+        <pc:spChg chg="add del mod">
+          <ac:chgData name="Xiaoran Chen" userId="6ba97237afaf783b" providerId="LiveId" clId="{760DD185-EB53-4675-BE43-FD1BFD5F6AF3}" dt="2019-10-12T02:17:20.881" v="251"/>
+          <ac:spMkLst>
+            <pc:docMk/>
+            <pc:sldMk cId="249954635" sldId="269"/>
+            <ac:spMk id="4" creationId="{14667E05-B81F-4776-9596-2507F8F8A33D}"/>
+          </ac:spMkLst>
+        </pc:spChg>
+        <pc:spChg chg="add mod">
+          <ac:chgData name="Xiaoran Chen" userId="6ba97237afaf783b" providerId="LiveId" clId="{760DD185-EB53-4675-BE43-FD1BFD5F6AF3}" dt="2019-10-12T02:28:03.639" v="314" actId="26606"/>
+          <ac:spMkLst>
+            <pc:docMk/>
+            <pc:sldMk cId="249954635" sldId="269"/>
+            <ac:spMk id="5" creationId="{8093DE2C-84BB-42FA-B608-7390E59A688B}"/>
+          </ac:spMkLst>
+        </pc:spChg>
+        <pc:spChg chg="add">
+          <ac:chgData name="Xiaoran Chen" userId="6ba97237afaf783b" providerId="LiveId" clId="{760DD185-EB53-4675-BE43-FD1BFD5F6AF3}" dt="2019-10-12T02:28:03.639" v="314" actId="26606"/>
+          <ac:spMkLst>
+            <pc:docMk/>
+            <pc:sldMk cId="249954635" sldId="269"/>
+            <ac:spMk id="10" creationId="{A4AC5506-6312-4701-8D3C-40187889A947}"/>
+          </ac:spMkLst>
+        </pc:spChg>
+        <pc:picChg chg="add mod ord">
+          <ac:chgData name="Xiaoran Chen" userId="6ba97237afaf783b" providerId="LiveId" clId="{760DD185-EB53-4675-BE43-FD1BFD5F6AF3}" dt="2019-10-12T02:28:03.639" v="314" actId="26606"/>
+          <ac:picMkLst>
+            <pc:docMk/>
+            <pc:sldMk cId="249954635" sldId="269"/>
+            <ac:picMk id="3" creationId="{13469802-5660-46EF-9E71-AF1C932BDED0}"/>
+          </ac:picMkLst>
+        </pc:picChg>
+      </pc:sldChg>
+      <pc:sldChg chg="addSp modSp add mod setBg">
+        <pc:chgData name="Xiaoran Chen" userId="6ba97237afaf783b" providerId="LiveId" clId="{760DD185-EB53-4675-BE43-FD1BFD5F6AF3}" dt="2019-10-12T02:28:06.924" v="315" actId="26606"/>
+        <pc:sldMkLst>
+          <pc:docMk/>
+          <pc:sldMk cId="3117606274" sldId="270"/>
+        </pc:sldMkLst>
+        <pc:spChg chg="add mod">
+          <ac:chgData name="Xiaoran Chen" userId="6ba97237afaf783b" providerId="LiveId" clId="{760DD185-EB53-4675-BE43-FD1BFD5F6AF3}" dt="2019-10-12T02:28:06.924" v="315" actId="26606"/>
+          <ac:spMkLst>
+            <pc:docMk/>
+            <pc:sldMk cId="3117606274" sldId="270"/>
+            <ac:spMk id="4" creationId="{BCC343CB-6A77-46D1-B790-A98939AA6433}"/>
+          </ac:spMkLst>
+        </pc:spChg>
+        <pc:spChg chg="add">
+          <ac:chgData name="Xiaoran Chen" userId="6ba97237afaf783b" providerId="LiveId" clId="{760DD185-EB53-4675-BE43-FD1BFD5F6AF3}" dt="2019-10-12T02:28:06.924" v="315" actId="26606"/>
+          <ac:spMkLst>
+            <pc:docMk/>
+            <pc:sldMk cId="3117606274" sldId="270"/>
+            <ac:spMk id="9" creationId="{A4AC5506-6312-4701-8D3C-40187889A947}"/>
+          </ac:spMkLst>
+        </pc:spChg>
+        <pc:picChg chg="add mod ord">
+          <ac:chgData name="Xiaoran Chen" userId="6ba97237afaf783b" providerId="LiveId" clId="{760DD185-EB53-4675-BE43-FD1BFD5F6AF3}" dt="2019-10-12T02:28:06.924" v="315" actId="26606"/>
+          <ac:picMkLst>
+            <pc:docMk/>
+            <pc:sldMk cId="3117606274" sldId="270"/>
+            <ac:picMk id="3" creationId="{D592AFBE-8CEE-4082-B179-A188C3CDC14D}"/>
+          </ac:picMkLst>
+        </pc:picChg>
+      </pc:sldChg>
+      <pc:sldChg chg="addSp modSp add mod setBg">
+        <pc:chgData name="Xiaoran Chen" userId="6ba97237afaf783b" providerId="LiveId" clId="{760DD185-EB53-4675-BE43-FD1BFD5F6AF3}" dt="2019-10-12T02:28:09.489" v="316" actId="26606"/>
+        <pc:sldMkLst>
+          <pc:docMk/>
+          <pc:sldMk cId="3848664793" sldId="271"/>
+        </pc:sldMkLst>
+        <pc:spChg chg="add mod">
+          <ac:chgData name="Xiaoran Chen" userId="6ba97237afaf783b" providerId="LiveId" clId="{760DD185-EB53-4675-BE43-FD1BFD5F6AF3}" dt="2019-10-12T02:28:09.489" v="316" actId="26606"/>
+          <ac:spMkLst>
+            <pc:docMk/>
+            <pc:sldMk cId="3848664793" sldId="271"/>
+            <ac:spMk id="4" creationId="{011EB8C8-8663-4B32-B0FE-A00CBD6EC765}"/>
+          </ac:spMkLst>
+        </pc:spChg>
+        <pc:spChg chg="add">
+          <ac:chgData name="Xiaoran Chen" userId="6ba97237afaf783b" providerId="LiveId" clId="{760DD185-EB53-4675-BE43-FD1BFD5F6AF3}" dt="2019-10-12T02:28:09.489" v="316" actId="26606"/>
+          <ac:spMkLst>
+            <pc:docMk/>
+            <pc:sldMk cId="3848664793" sldId="271"/>
+            <ac:spMk id="9" creationId="{A4AC5506-6312-4701-8D3C-40187889A947}"/>
+          </ac:spMkLst>
+        </pc:spChg>
+        <pc:picChg chg="add mod ord">
+          <ac:chgData name="Xiaoran Chen" userId="6ba97237afaf783b" providerId="LiveId" clId="{760DD185-EB53-4675-BE43-FD1BFD5F6AF3}" dt="2019-10-12T02:28:09.489" v="316" actId="26606"/>
+          <ac:picMkLst>
+            <pc:docMk/>
+            <pc:sldMk cId="3848664793" sldId="271"/>
+            <ac:picMk id="3" creationId="{46B268BD-3F06-495B-A8C9-FFE0B1B85CB8}"/>
+          </ac:picMkLst>
+        </pc:picChg>
+      </pc:sldChg>
+      <pc:sldChg chg="addSp modSp add mod setBg">
+        <pc:chgData name="Xiaoran Chen" userId="6ba97237afaf783b" providerId="LiveId" clId="{760DD185-EB53-4675-BE43-FD1BFD5F6AF3}" dt="2019-10-12T02:28:16.843" v="317" actId="26606"/>
+        <pc:sldMkLst>
+          <pc:docMk/>
+          <pc:sldMk cId="2801902698" sldId="272"/>
+        </pc:sldMkLst>
+        <pc:spChg chg="add mod">
+          <ac:chgData name="Xiaoran Chen" userId="6ba97237afaf783b" providerId="LiveId" clId="{760DD185-EB53-4675-BE43-FD1BFD5F6AF3}" dt="2019-10-12T02:28:16.843" v="317" actId="26606"/>
+          <ac:spMkLst>
+            <pc:docMk/>
+            <pc:sldMk cId="2801902698" sldId="272"/>
+            <ac:spMk id="4" creationId="{F1E8A9C6-3DA8-4A2F-A57B-59CA2E8736FA}"/>
+          </ac:spMkLst>
+        </pc:spChg>
+        <pc:spChg chg="add">
+          <ac:chgData name="Xiaoran Chen" userId="6ba97237afaf783b" providerId="LiveId" clId="{760DD185-EB53-4675-BE43-FD1BFD5F6AF3}" dt="2019-10-12T02:28:16.843" v="317" actId="26606"/>
+          <ac:spMkLst>
+            <pc:docMk/>
+            <pc:sldMk cId="2801902698" sldId="272"/>
+            <ac:spMk id="9" creationId="{A4AC5506-6312-4701-8D3C-40187889A947}"/>
+          </ac:spMkLst>
+        </pc:spChg>
+        <pc:picChg chg="add mod ord">
+          <ac:chgData name="Xiaoran Chen" userId="6ba97237afaf783b" providerId="LiveId" clId="{760DD185-EB53-4675-BE43-FD1BFD5F6AF3}" dt="2019-10-12T02:28:16.843" v="317" actId="26606"/>
+          <ac:picMkLst>
+            <pc:docMk/>
+            <pc:sldMk cId="2801902698" sldId="272"/>
+            <ac:picMk id="3" creationId="{7F83A158-5250-4521-9841-E5A15410E67B}"/>
+          </ac:picMkLst>
+        </pc:picChg>
+      </pc:sldChg>
+      <pc:sldChg chg="addSp delSp modSp add mod setBg">
+        <pc:chgData name="Xiaoran Chen" userId="6ba97237afaf783b" providerId="LiveId" clId="{760DD185-EB53-4675-BE43-FD1BFD5F6AF3}" dt="2019-10-12T02:30:43.021" v="336" actId="113"/>
+        <pc:sldMkLst>
+          <pc:docMk/>
+          <pc:sldMk cId="1848423382" sldId="273"/>
+        </pc:sldMkLst>
+        <pc:spChg chg="add mod">
+          <ac:chgData name="Xiaoran Chen" userId="6ba97237afaf783b" providerId="LiveId" clId="{760DD185-EB53-4675-BE43-FD1BFD5F6AF3}" dt="2019-10-12T02:30:43.021" v="336" actId="113"/>
+          <ac:spMkLst>
+            <pc:docMk/>
+            <pc:sldMk cId="1848423382" sldId="273"/>
+            <ac:spMk id="4" creationId="{BDBD785D-3C22-439F-98F4-91CD95AEFC07}"/>
+          </ac:spMkLst>
+        </pc:spChg>
+        <pc:spChg chg="add del">
+          <ac:chgData name="Xiaoran Chen" userId="6ba97237afaf783b" providerId="LiveId" clId="{760DD185-EB53-4675-BE43-FD1BFD5F6AF3}" dt="2019-10-12T02:29:14.601" v="329" actId="26606"/>
+          <ac:spMkLst>
+            <pc:docMk/>
+            <pc:sldMk cId="1848423382" sldId="273"/>
+            <ac:spMk id="6" creationId="{A4AC5506-6312-4701-8D3C-40187889A947}"/>
+          </ac:spMkLst>
+        </pc:spChg>
+        <pc:spChg chg="add del">
+          <ac:chgData name="Xiaoran Chen" userId="6ba97237afaf783b" providerId="LiveId" clId="{760DD185-EB53-4675-BE43-FD1BFD5F6AF3}" dt="2019-10-12T02:26:11.108" v="308" actId="26606"/>
+          <ac:spMkLst>
+            <pc:docMk/>
+            <pc:sldMk cId="1848423382" sldId="273"/>
+            <ac:spMk id="9" creationId="{6753252F-4873-4F63-801D-CC719279A7D5}"/>
+          </ac:spMkLst>
+        </pc:spChg>
+        <pc:spChg chg="add del">
+          <ac:chgData name="Xiaoran Chen" userId="6ba97237afaf783b" providerId="LiveId" clId="{760DD185-EB53-4675-BE43-FD1BFD5F6AF3}" dt="2019-10-12T02:26:11.108" v="308" actId="26606"/>
+          <ac:spMkLst>
+            <pc:docMk/>
+            <pc:sldMk cId="1848423382" sldId="273"/>
+            <ac:spMk id="11" creationId="{047C8CCB-F95D-4249-92DD-651249D3535A}"/>
+          </ac:spMkLst>
+        </pc:spChg>
+        <pc:picChg chg="add mod ord">
+          <ac:chgData name="Xiaoran Chen" userId="6ba97237afaf783b" providerId="LiveId" clId="{760DD185-EB53-4675-BE43-FD1BFD5F6AF3}" dt="2019-10-12T02:29:14.601" v="329" actId="26606"/>
+          <ac:picMkLst>
+            <pc:docMk/>
+            <pc:sldMk cId="1848423382" sldId="273"/>
+            <ac:picMk id="3" creationId="{36B505A8-C729-435C-B16E-A877B4155EFE}"/>
+          </ac:picMkLst>
+        </pc:picChg>
+      </pc:sldChg>
+    </pc:docChg>
+  </pc:docChgLst>
   <pc:docChgLst>
     <pc:chgData name="Xiaoran Chen" userId="6ba97237afaf783b" providerId="LiveId" clId="{16003460-742A-43EF-8609-8E43AE0E9EB0}"/>
     <pc:docChg chg="undo custSel addSld delSld modSld">
@@ -745,18 +1542,437 @@
 </pc:chgInfo>
 </file>
 
-<file path=ppt/comments/comment1.xml><?xml version="1.0" encoding="utf-8"?>
-<p:cmLst xmlns:a="http://schemas.openxmlformats.org/drawingml/2006/main" xmlns:r="http://schemas.openxmlformats.org/officeDocument/2006/relationships" xmlns:p="http://schemas.openxmlformats.org/presentationml/2006/main">
-  <p:cm authorId="1" dt="2019-10-07T20:37:17.385" idx="1">
-    <p:pos x="10" y="10"/>
-    <p:text/>
+<file path=ppt/notesMasters/notesMaster1.xml><?xml version="1.0" encoding="utf-8"?>
+<p:notesMaster xmlns:a="http://schemas.openxmlformats.org/drawingml/2006/main" xmlns:r="http://schemas.openxmlformats.org/officeDocument/2006/relationships" xmlns:p="http://schemas.openxmlformats.org/presentationml/2006/main">
+  <p:cSld>
+    <p:bg>
+      <p:bgRef idx="1001">
+        <a:schemeClr val="bg1"/>
+      </p:bgRef>
+    </p:bg>
+    <p:spTree>
+      <p:nvGrpSpPr>
+        <p:cNvPr id="1" name=""/>
+        <p:cNvGrpSpPr/>
+        <p:nvPr/>
+      </p:nvGrpSpPr>
+      <p:grpSpPr>
+        <a:xfrm>
+          <a:off x="0" y="0"/>
+          <a:ext cx="0" cy="0"/>
+          <a:chOff x="0" y="0"/>
+          <a:chExt cx="0" cy="0"/>
+        </a:xfrm>
+      </p:grpSpPr>
+      <p:sp>
+        <p:nvSpPr>
+          <p:cNvPr id="2" name="Header Placeholder 1"/>
+          <p:cNvSpPr>
+            <a:spLocks noGrp="1"/>
+          </p:cNvSpPr>
+          <p:nvPr>
+            <p:ph type="hdr" sz="quarter"/>
+          </p:nvPr>
+        </p:nvSpPr>
+        <p:spPr>
+          <a:xfrm>
+            <a:off x="0" y="0"/>
+            <a:ext cx="2971800" cy="458788"/>
+          </a:xfrm>
+          <a:prstGeom prst="rect">
+            <a:avLst/>
+          </a:prstGeom>
+        </p:spPr>
+        <p:txBody>
+          <a:bodyPr vert="horz" lIns="91440" tIns="45720" rIns="91440" bIns="45720" rtlCol="0"/>
+          <a:lstStyle>
+            <a:lvl1pPr algn="l">
+              <a:defRPr sz="1200"/>
+            </a:lvl1pPr>
+          </a:lstStyle>
+          <a:p>
+            <a:endParaRPr lang="en-US"/>
+          </a:p>
+        </p:txBody>
+      </p:sp>
+      <p:sp>
+        <p:nvSpPr>
+          <p:cNvPr id="3" name="Date Placeholder 2"/>
+          <p:cNvSpPr>
+            <a:spLocks noGrp="1"/>
+          </p:cNvSpPr>
+          <p:nvPr>
+            <p:ph type="dt" idx="1"/>
+          </p:nvPr>
+        </p:nvSpPr>
+        <p:spPr>
+          <a:xfrm>
+            <a:off x="3884613" y="0"/>
+            <a:ext cx="2971800" cy="458788"/>
+          </a:xfrm>
+          <a:prstGeom prst="rect">
+            <a:avLst/>
+          </a:prstGeom>
+        </p:spPr>
+        <p:txBody>
+          <a:bodyPr vert="horz" lIns="91440" tIns="45720" rIns="91440" bIns="45720" rtlCol="0"/>
+          <a:lstStyle>
+            <a:lvl1pPr algn="r">
+              <a:defRPr sz="1200"/>
+            </a:lvl1pPr>
+          </a:lstStyle>
+          <a:p>
+            <a:fld id="{EC55B971-3F28-4B93-A068-6CD7E8151036}" type="datetimeFigureOut">
+              <a:rPr lang="en-US" smtClean="0"/>
+              <a:t>10/11/2019</a:t>
+            </a:fld>
+            <a:endParaRPr lang="en-US"/>
+          </a:p>
+        </p:txBody>
+      </p:sp>
+      <p:sp>
+        <p:nvSpPr>
+          <p:cNvPr id="4" name="Slide Image Placeholder 3"/>
+          <p:cNvSpPr>
+            <a:spLocks noGrp="1" noRot="1" noChangeAspect="1"/>
+          </p:cNvSpPr>
+          <p:nvPr>
+            <p:ph type="sldImg" idx="2"/>
+          </p:nvPr>
+        </p:nvSpPr>
+        <p:spPr>
+          <a:xfrm>
+            <a:off x="685800" y="1143000"/>
+            <a:ext cx="5486400" cy="3086100"/>
+          </a:xfrm>
+          <a:prstGeom prst="rect">
+            <a:avLst/>
+          </a:prstGeom>
+          <a:noFill/>
+          <a:ln w="12700">
+            <a:solidFill>
+              <a:prstClr val="black"/>
+            </a:solidFill>
+          </a:ln>
+        </p:spPr>
+        <p:txBody>
+          <a:bodyPr vert="horz" lIns="91440" tIns="45720" rIns="91440" bIns="45720" rtlCol="0" anchor="ctr"/>
+          <a:lstStyle/>
+          <a:p>
+            <a:endParaRPr lang="en-US"/>
+          </a:p>
+        </p:txBody>
+      </p:sp>
+      <p:sp>
+        <p:nvSpPr>
+          <p:cNvPr id="5" name="Notes Placeholder 4"/>
+          <p:cNvSpPr>
+            <a:spLocks noGrp="1"/>
+          </p:cNvSpPr>
+          <p:nvPr>
+            <p:ph type="body" sz="quarter" idx="3"/>
+          </p:nvPr>
+        </p:nvSpPr>
+        <p:spPr>
+          <a:xfrm>
+            <a:off x="685800" y="4400550"/>
+            <a:ext cx="5486400" cy="3600450"/>
+          </a:xfrm>
+          <a:prstGeom prst="rect">
+            <a:avLst/>
+          </a:prstGeom>
+        </p:spPr>
+        <p:txBody>
+          <a:bodyPr vert="horz" lIns="91440" tIns="45720" rIns="91440" bIns="45720" rtlCol="0"/>
+          <a:lstStyle/>
+          <a:p>
+            <a:pPr lvl="0"/>
+            <a:r>
+              <a:rPr lang="en-US"/>
+              <a:t>Click to edit Master text styles</a:t>
+            </a:r>
+          </a:p>
+          <a:p>
+            <a:pPr lvl="1"/>
+            <a:r>
+              <a:rPr lang="en-US"/>
+              <a:t>Second level</a:t>
+            </a:r>
+          </a:p>
+          <a:p>
+            <a:pPr lvl="2"/>
+            <a:r>
+              <a:rPr lang="en-US"/>
+              <a:t>Third level</a:t>
+            </a:r>
+          </a:p>
+          <a:p>
+            <a:pPr lvl="3"/>
+            <a:r>
+              <a:rPr lang="en-US"/>
+              <a:t>Fourth level</a:t>
+            </a:r>
+          </a:p>
+          <a:p>
+            <a:pPr lvl="4"/>
+            <a:r>
+              <a:rPr lang="en-US"/>
+              <a:t>Fifth level</a:t>
+            </a:r>
+          </a:p>
+        </p:txBody>
+      </p:sp>
+      <p:sp>
+        <p:nvSpPr>
+          <p:cNvPr id="6" name="Footer Placeholder 5"/>
+          <p:cNvSpPr>
+            <a:spLocks noGrp="1"/>
+          </p:cNvSpPr>
+          <p:nvPr>
+            <p:ph type="ftr" sz="quarter" idx="4"/>
+          </p:nvPr>
+        </p:nvSpPr>
+        <p:spPr>
+          <a:xfrm>
+            <a:off x="0" y="8685213"/>
+            <a:ext cx="2971800" cy="458787"/>
+          </a:xfrm>
+          <a:prstGeom prst="rect">
+            <a:avLst/>
+          </a:prstGeom>
+        </p:spPr>
+        <p:txBody>
+          <a:bodyPr vert="horz" lIns="91440" tIns="45720" rIns="91440" bIns="45720" rtlCol="0" anchor="b"/>
+          <a:lstStyle>
+            <a:lvl1pPr algn="l">
+              <a:defRPr sz="1200"/>
+            </a:lvl1pPr>
+          </a:lstStyle>
+          <a:p>
+            <a:endParaRPr lang="en-US"/>
+          </a:p>
+        </p:txBody>
+      </p:sp>
+      <p:sp>
+        <p:nvSpPr>
+          <p:cNvPr id="7" name="Slide Number Placeholder 6"/>
+          <p:cNvSpPr>
+            <a:spLocks noGrp="1"/>
+          </p:cNvSpPr>
+          <p:nvPr>
+            <p:ph type="sldNum" sz="quarter" idx="5"/>
+          </p:nvPr>
+        </p:nvSpPr>
+        <p:spPr>
+          <a:xfrm>
+            <a:off x="3884613" y="8685213"/>
+            <a:ext cx="2971800" cy="458787"/>
+          </a:xfrm>
+          <a:prstGeom prst="rect">
+            <a:avLst/>
+          </a:prstGeom>
+        </p:spPr>
+        <p:txBody>
+          <a:bodyPr vert="horz" lIns="91440" tIns="45720" rIns="91440" bIns="45720" rtlCol="0" anchor="b"/>
+          <a:lstStyle>
+            <a:lvl1pPr algn="r">
+              <a:defRPr sz="1200"/>
+            </a:lvl1pPr>
+          </a:lstStyle>
+          <a:p>
+            <a:fld id="{98BF2843-EBD5-4ED6-B6B3-8B136C6127DC}" type="slidenum">
+              <a:rPr lang="en-US" smtClean="0"/>
+              <a:t>‹#›</a:t>
+            </a:fld>
+            <a:endParaRPr lang="en-US"/>
+          </a:p>
+        </p:txBody>
+      </p:sp>
+    </p:spTree>
     <p:extLst>
-      <p:ext uri="{C676402C-5697-4E1C-873F-D02D1690AC5C}">
-        <p15:threadingInfo xmlns:p15="http://schemas.microsoft.com/office/powerpoint/2012/main" timeZoneBias="300"/>
+      <p:ext uri="{BB962C8B-B14F-4D97-AF65-F5344CB8AC3E}">
+        <p14:creationId xmlns:p14="http://schemas.microsoft.com/office/powerpoint/2010/main" val="2060006772"/>
       </p:ext>
     </p:extLst>
-  </p:cm>
-</p:cmLst>
+  </p:cSld>
+  <p:clrMap bg1="lt1" tx1="dk1" bg2="lt2" tx2="dk2" accent1="accent1" accent2="accent2" accent3="accent3" accent4="accent4" accent5="accent5" accent6="accent6" hlink="hlink" folHlink="folHlink"/>
+  <p:notesStyle>
+    <a:lvl1pPr marL="0" algn="l" defTabSz="914400" rtl="0" eaLnBrk="1" latinLnBrk="0" hangingPunct="1">
+      <a:defRPr sz="1200" kern="1200">
+        <a:solidFill>
+          <a:schemeClr val="tx1"/>
+        </a:solidFill>
+        <a:latin typeface="+mn-lt"/>
+        <a:ea typeface="+mn-ea"/>
+        <a:cs typeface="+mn-cs"/>
+      </a:defRPr>
+    </a:lvl1pPr>
+    <a:lvl2pPr marL="457200" algn="l" defTabSz="914400" rtl="0" eaLnBrk="1" latinLnBrk="0" hangingPunct="1">
+      <a:defRPr sz="1200" kern="1200">
+        <a:solidFill>
+          <a:schemeClr val="tx1"/>
+        </a:solidFill>
+        <a:latin typeface="+mn-lt"/>
+        <a:ea typeface="+mn-ea"/>
+        <a:cs typeface="+mn-cs"/>
+      </a:defRPr>
+    </a:lvl2pPr>
+    <a:lvl3pPr marL="914400" algn="l" defTabSz="914400" rtl="0" eaLnBrk="1" latinLnBrk="0" hangingPunct="1">
+      <a:defRPr sz="1200" kern="1200">
+        <a:solidFill>
+          <a:schemeClr val="tx1"/>
+        </a:solidFill>
+        <a:latin typeface="+mn-lt"/>
+        <a:ea typeface="+mn-ea"/>
+        <a:cs typeface="+mn-cs"/>
+      </a:defRPr>
+    </a:lvl3pPr>
+    <a:lvl4pPr marL="1371600" algn="l" defTabSz="914400" rtl="0" eaLnBrk="1" latinLnBrk="0" hangingPunct="1">
+      <a:defRPr sz="1200" kern="1200">
+        <a:solidFill>
+          <a:schemeClr val="tx1"/>
+        </a:solidFill>
+        <a:latin typeface="+mn-lt"/>
+        <a:ea typeface="+mn-ea"/>
+        <a:cs typeface="+mn-cs"/>
+      </a:defRPr>
+    </a:lvl4pPr>
+    <a:lvl5pPr marL="1828800" algn="l" defTabSz="914400" rtl="0" eaLnBrk="1" latinLnBrk="0" hangingPunct="1">
+      <a:defRPr sz="1200" kern="1200">
+        <a:solidFill>
+          <a:schemeClr val="tx1"/>
+        </a:solidFill>
+        <a:latin typeface="+mn-lt"/>
+        <a:ea typeface="+mn-ea"/>
+        <a:cs typeface="+mn-cs"/>
+      </a:defRPr>
+    </a:lvl5pPr>
+    <a:lvl6pPr marL="2286000" algn="l" defTabSz="914400" rtl="0" eaLnBrk="1" latinLnBrk="0" hangingPunct="1">
+      <a:defRPr sz="1200" kern="1200">
+        <a:solidFill>
+          <a:schemeClr val="tx1"/>
+        </a:solidFill>
+        <a:latin typeface="+mn-lt"/>
+        <a:ea typeface="+mn-ea"/>
+        <a:cs typeface="+mn-cs"/>
+      </a:defRPr>
+    </a:lvl6pPr>
+    <a:lvl7pPr marL="2743200" algn="l" defTabSz="914400" rtl="0" eaLnBrk="1" latinLnBrk="0" hangingPunct="1">
+      <a:defRPr sz="1200" kern="1200">
+        <a:solidFill>
+          <a:schemeClr val="tx1"/>
+        </a:solidFill>
+        <a:latin typeface="+mn-lt"/>
+        <a:ea typeface="+mn-ea"/>
+        <a:cs typeface="+mn-cs"/>
+      </a:defRPr>
+    </a:lvl7pPr>
+    <a:lvl8pPr marL="3200400" algn="l" defTabSz="914400" rtl="0" eaLnBrk="1" latinLnBrk="0" hangingPunct="1">
+      <a:defRPr sz="1200" kern="1200">
+        <a:solidFill>
+          <a:schemeClr val="tx1"/>
+        </a:solidFill>
+        <a:latin typeface="+mn-lt"/>
+        <a:ea typeface="+mn-ea"/>
+        <a:cs typeface="+mn-cs"/>
+      </a:defRPr>
+    </a:lvl8pPr>
+    <a:lvl9pPr marL="3657600" algn="l" defTabSz="914400" rtl="0" eaLnBrk="1" latinLnBrk="0" hangingPunct="1">
+      <a:defRPr sz="1200" kern="1200">
+        <a:solidFill>
+          <a:schemeClr val="tx1"/>
+        </a:solidFill>
+        <a:latin typeface="+mn-lt"/>
+        <a:ea typeface="+mn-ea"/>
+        <a:cs typeface="+mn-cs"/>
+      </a:defRPr>
+    </a:lvl9pPr>
+  </p:notesStyle>
+</p:notesMaster>
+</file>
+
+<file path=ppt/notesSlides/notesSlide1.xml><?xml version="1.0" encoding="utf-8"?>
+<p:notes xmlns:a="http://schemas.openxmlformats.org/drawingml/2006/main" xmlns:r="http://schemas.openxmlformats.org/officeDocument/2006/relationships" xmlns:p="http://schemas.openxmlformats.org/presentationml/2006/main">
+  <p:cSld>
+    <p:spTree>
+      <p:nvGrpSpPr>
+        <p:cNvPr id="1" name=""/>
+        <p:cNvGrpSpPr/>
+        <p:nvPr/>
+      </p:nvGrpSpPr>
+      <p:grpSpPr>
+        <a:xfrm>
+          <a:off x="0" y="0"/>
+          <a:ext cx="0" cy="0"/>
+          <a:chOff x="0" y="0"/>
+          <a:chExt cx="0" cy="0"/>
+        </a:xfrm>
+      </p:grpSpPr>
+      <p:sp>
+        <p:nvSpPr>
+          <p:cNvPr id="2" name="Slide Image Placeholder 1"/>
+          <p:cNvSpPr>
+            <a:spLocks noGrp="1" noRot="1" noChangeAspect="1"/>
+          </p:cNvSpPr>
+          <p:nvPr>
+            <p:ph type="sldImg"/>
+          </p:nvPr>
+        </p:nvSpPr>
+        <p:spPr/>
+      </p:sp>
+      <p:sp>
+        <p:nvSpPr>
+          <p:cNvPr id="3" name="Notes Placeholder 2"/>
+          <p:cNvSpPr>
+            <a:spLocks noGrp="1"/>
+          </p:cNvSpPr>
+          <p:nvPr>
+            <p:ph type="body" idx="1"/>
+          </p:nvPr>
+        </p:nvSpPr>
+        <p:spPr/>
+        <p:txBody>
+          <a:bodyPr/>
+          <a:lstStyle/>
+          <a:p>
+            <a:endParaRPr lang="en-US" dirty="0"/>
+          </a:p>
+        </p:txBody>
+      </p:sp>
+      <p:sp>
+        <p:nvSpPr>
+          <p:cNvPr id="4" name="Slide Number Placeholder 3"/>
+          <p:cNvSpPr>
+            <a:spLocks noGrp="1"/>
+          </p:cNvSpPr>
+          <p:nvPr>
+            <p:ph type="sldNum" sz="quarter" idx="5"/>
+          </p:nvPr>
+        </p:nvSpPr>
+        <p:spPr/>
+        <p:txBody>
+          <a:bodyPr/>
+          <a:lstStyle/>
+          <a:p>
+            <a:fld id="{98BF2843-EBD5-4ED6-B6B3-8B136C6127DC}" type="slidenum">
+              <a:rPr lang="en-US" smtClean="0"/>
+              <a:t>11</a:t>
+            </a:fld>
+            <a:endParaRPr lang="en-US"/>
+          </a:p>
+        </p:txBody>
+      </p:sp>
+    </p:spTree>
+    <p:extLst>
+      <p:ext uri="{BB962C8B-B14F-4D97-AF65-F5344CB8AC3E}">
+        <p14:creationId xmlns:p14="http://schemas.microsoft.com/office/powerpoint/2010/main" val="1639236545"/>
+      </p:ext>
+    </p:extLst>
+  </p:cSld>
+  <p:clrMapOvr>
+    <a:masterClrMapping/>
+  </p:clrMapOvr>
+</p:notes>
 </file>
 
 <file path=ppt/slideLayouts/slideLayout1.xml><?xml version="1.0" encoding="utf-8"?>
@@ -906,7 +2122,7 @@
           <a:p>
             <a:fld id="{718078E0-33DD-411C-A098-82C736191F2F}" type="datetimeFigureOut">
               <a:rPr lang="en-US" smtClean="0"/>
-              <a:t>10/7/2019</a:t>
+              <a:t>10/11/2019</a:t>
             </a:fld>
             <a:endParaRPr lang="en-US"/>
           </a:p>
@@ -1104,7 +2320,7 @@
           <a:p>
             <a:fld id="{718078E0-33DD-411C-A098-82C736191F2F}" type="datetimeFigureOut">
               <a:rPr lang="en-US" smtClean="0"/>
-              <a:t>10/7/2019</a:t>
+              <a:t>10/11/2019</a:t>
             </a:fld>
             <a:endParaRPr lang="en-US"/>
           </a:p>
@@ -1312,7 +2528,7 @@
           <a:p>
             <a:fld id="{718078E0-33DD-411C-A098-82C736191F2F}" type="datetimeFigureOut">
               <a:rPr lang="en-US" smtClean="0"/>
-              <a:t>10/7/2019</a:t>
+              <a:t>10/11/2019</a:t>
             </a:fld>
             <a:endParaRPr lang="en-US"/>
           </a:p>
@@ -1510,7 +2726,7 @@
           <a:p>
             <a:fld id="{718078E0-33DD-411C-A098-82C736191F2F}" type="datetimeFigureOut">
               <a:rPr lang="en-US" smtClean="0"/>
-              <a:t>10/7/2019</a:t>
+              <a:t>10/11/2019</a:t>
             </a:fld>
             <a:endParaRPr lang="en-US"/>
           </a:p>
@@ -1785,7 +3001,7 @@
           <a:p>
             <a:fld id="{718078E0-33DD-411C-A098-82C736191F2F}" type="datetimeFigureOut">
               <a:rPr lang="en-US" smtClean="0"/>
-              <a:t>10/7/2019</a:t>
+              <a:t>10/11/2019</a:t>
             </a:fld>
             <a:endParaRPr lang="en-US"/>
           </a:p>
@@ -2050,7 +3266,7 @@
           <a:p>
             <a:fld id="{718078E0-33DD-411C-A098-82C736191F2F}" type="datetimeFigureOut">
               <a:rPr lang="en-US" smtClean="0"/>
-              <a:t>10/7/2019</a:t>
+              <a:t>10/11/2019</a:t>
             </a:fld>
             <a:endParaRPr lang="en-US"/>
           </a:p>
@@ -2462,7 +3678,7 @@
           <a:p>
             <a:fld id="{718078E0-33DD-411C-A098-82C736191F2F}" type="datetimeFigureOut">
               <a:rPr lang="en-US" smtClean="0"/>
-              <a:t>10/7/2019</a:t>
+              <a:t>10/11/2019</a:t>
             </a:fld>
             <a:endParaRPr lang="en-US"/>
           </a:p>
@@ -2603,7 +3819,7 @@
           <a:p>
             <a:fld id="{718078E0-33DD-411C-A098-82C736191F2F}" type="datetimeFigureOut">
               <a:rPr lang="en-US" smtClean="0"/>
-              <a:t>10/7/2019</a:t>
+              <a:t>10/11/2019</a:t>
             </a:fld>
             <a:endParaRPr lang="en-US"/>
           </a:p>
@@ -2716,7 +3932,7 @@
           <a:p>
             <a:fld id="{718078E0-33DD-411C-A098-82C736191F2F}" type="datetimeFigureOut">
               <a:rPr lang="en-US" smtClean="0"/>
-              <a:t>10/7/2019</a:t>
+              <a:t>10/11/2019</a:t>
             </a:fld>
             <a:endParaRPr lang="en-US"/>
           </a:p>
@@ -3027,7 +4243,7 @@
           <a:p>
             <a:fld id="{718078E0-33DD-411C-A098-82C736191F2F}" type="datetimeFigureOut">
               <a:rPr lang="en-US" smtClean="0"/>
-              <a:t>10/7/2019</a:t>
+              <a:t>10/11/2019</a:t>
             </a:fld>
             <a:endParaRPr lang="en-US"/>
           </a:p>
@@ -3315,7 +4531,7 @@
           <a:p>
             <a:fld id="{718078E0-33DD-411C-A098-82C736191F2F}" type="datetimeFigureOut">
               <a:rPr lang="en-US" smtClean="0"/>
-              <a:t>10/7/2019</a:t>
+              <a:t>10/11/2019</a:t>
             </a:fld>
             <a:endParaRPr lang="en-US"/>
           </a:p>
@@ -3556,7 +4772,7 @@
           <a:p>
             <a:fld id="{718078E0-33DD-411C-A098-82C736191F2F}" type="datetimeFigureOut">
               <a:rPr lang="en-US" smtClean="0"/>
-              <a:t>10/7/2019</a:t>
+              <a:t>10/11/2019</a:t>
             </a:fld>
             <a:endParaRPr lang="en-US"/>
           </a:p>
@@ -4442,6 +5658,368 @@
 </p:sld>
 </file>
 
+<file path=ppt/slides/slide10.xml><?xml version="1.0" encoding="utf-8"?>
+<p:sld xmlns:a="http://schemas.openxmlformats.org/drawingml/2006/main" xmlns:r="http://schemas.openxmlformats.org/officeDocument/2006/relationships" xmlns:p="http://schemas.openxmlformats.org/presentationml/2006/main">
+  <p:cSld>
+    <p:spTree>
+      <p:nvGrpSpPr>
+        <p:cNvPr id="1" name=""/>
+        <p:cNvGrpSpPr/>
+        <p:nvPr/>
+      </p:nvGrpSpPr>
+      <p:grpSpPr>
+        <a:xfrm>
+          <a:off x="0" y="0"/>
+          <a:ext cx="0" cy="0"/>
+          <a:chOff x="0" y="0"/>
+          <a:chExt cx="0" cy="0"/>
+        </a:xfrm>
+      </p:grpSpPr>
+      <p:pic>
+        <p:nvPicPr>
+          <p:cNvPr id="3" name="Picture 2" descr="A screenshot of a cell phone&#10;&#10;Description automatically generated">
+            <a:extLst>
+              <a:ext uri="{FF2B5EF4-FFF2-40B4-BE49-F238E27FC236}">
+                <a16:creationId xmlns:a16="http://schemas.microsoft.com/office/drawing/2014/main" id="{9F8F3FC5-F286-49F8-938A-E126D8BA3295}"/>
+              </a:ext>
+            </a:extLst>
+          </p:cNvPr>
+          <p:cNvPicPr>
+            <a:picLocks noChangeAspect="1"/>
+          </p:cNvPicPr>
+          <p:nvPr/>
+        </p:nvPicPr>
+        <p:blipFill>
+          <a:blip r:embed="rId2">
+            <a:extLst>
+              <a:ext uri="{28A0092B-C50C-407E-A947-70E740481C1C}">
+                <a14:useLocalDpi xmlns:a14="http://schemas.microsoft.com/office/drawing/2010/main" val="0"/>
+              </a:ext>
+            </a:extLst>
+          </a:blip>
+          <a:stretch>
+            <a:fillRect/>
+          </a:stretch>
+        </p:blipFill>
+        <p:spPr>
+          <a:xfrm>
+            <a:off x="176752" y="1419447"/>
+            <a:ext cx="5329967" cy="5320825"/>
+          </a:xfrm>
+          <a:prstGeom prst="rect">
+            <a:avLst/>
+          </a:prstGeom>
+        </p:spPr>
+      </p:pic>
+      <p:pic>
+        <p:nvPicPr>
+          <p:cNvPr id="5" name="Picture 4" descr="A close up of a piece of paper&#10;&#10;Description automatically generated">
+            <a:extLst>
+              <a:ext uri="{FF2B5EF4-FFF2-40B4-BE49-F238E27FC236}">
+                <a16:creationId xmlns:a16="http://schemas.microsoft.com/office/drawing/2014/main" id="{CBEB24BA-5075-4424-A815-94BF2FA417B0}"/>
+              </a:ext>
+            </a:extLst>
+          </p:cNvPr>
+          <p:cNvPicPr>
+            <a:picLocks noChangeAspect="1"/>
+          </p:cNvPicPr>
+          <p:nvPr/>
+        </p:nvPicPr>
+        <p:blipFill>
+          <a:blip r:embed="rId3">
+            <a:extLst>
+              <a:ext uri="{28A0092B-C50C-407E-A947-70E740481C1C}">
+                <a14:useLocalDpi xmlns:a14="http://schemas.microsoft.com/office/drawing/2010/main" val="0"/>
+              </a:ext>
+            </a:extLst>
+          </a:blip>
+          <a:stretch>
+            <a:fillRect/>
+          </a:stretch>
+        </p:blipFill>
+        <p:spPr>
+          <a:xfrm>
+            <a:off x="5506719" y="1419446"/>
+            <a:ext cx="6410153" cy="4991513"/>
+          </a:xfrm>
+          <a:prstGeom prst="rect">
+            <a:avLst/>
+          </a:prstGeom>
+        </p:spPr>
+      </p:pic>
+      <p:sp>
+        <p:nvSpPr>
+          <p:cNvPr id="2" name="TextBox 1">
+            <a:extLst>
+              <a:ext uri="{FF2B5EF4-FFF2-40B4-BE49-F238E27FC236}">
+                <a16:creationId xmlns:a16="http://schemas.microsoft.com/office/drawing/2014/main" id="{840043E6-0F56-4484-9601-DBED16606F34}"/>
+              </a:ext>
+            </a:extLst>
+          </p:cNvPr>
+          <p:cNvSpPr txBox="1"/>
+          <p:nvPr/>
+        </p:nvSpPr>
+        <p:spPr>
+          <a:xfrm>
+            <a:off x="4048018" y="780836"/>
+            <a:ext cx="6030930" cy="461665"/>
+          </a:xfrm>
+          <a:prstGeom prst="rect">
+            <a:avLst/>
+          </a:prstGeom>
+          <a:noFill/>
+        </p:spPr>
+        <p:txBody>
+          <a:bodyPr wrap="square" rtlCol="0">
+            <a:spAutoFit/>
+          </a:bodyPr>
+          <a:lstStyle/>
+          <a:p>
+            <a:r>
+              <a:rPr lang="en-US" sz="2400" b="1" dirty="0"/>
+              <a:t>Regression on American IPA </a:t>
+            </a:r>
+          </a:p>
+        </p:txBody>
+      </p:sp>
+      <p:sp>
+        <p:nvSpPr>
+          <p:cNvPr id="6" name="TextBox 5">
+            <a:extLst>
+              <a:ext uri="{FF2B5EF4-FFF2-40B4-BE49-F238E27FC236}">
+                <a16:creationId xmlns:a16="http://schemas.microsoft.com/office/drawing/2014/main" id="{BB8180F0-FC11-46D8-8287-ECB3A4087684}"/>
+              </a:ext>
+            </a:extLst>
+          </p:cNvPr>
+          <p:cNvSpPr txBox="1"/>
+          <p:nvPr/>
+        </p:nvSpPr>
+        <p:spPr>
+          <a:xfrm>
+            <a:off x="0" y="230698"/>
+            <a:ext cx="12192000" cy="461665"/>
+          </a:xfrm>
+          <a:prstGeom prst="rect">
+            <a:avLst/>
+          </a:prstGeom>
+          <a:solidFill>
+            <a:schemeClr val="bg2">
+              <a:lumMod val="25000"/>
+            </a:schemeClr>
+          </a:solidFill>
+        </p:spPr>
+        <p:txBody>
+          <a:bodyPr wrap="square" rtlCol="0">
+            <a:spAutoFit/>
+          </a:bodyPr>
+          <a:lstStyle/>
+          <a:p>
+            <a:pPr algn="ctr"/>
+            <a:r>
+              <a:rPr lang="en-US" sz="2400" dirty="0">
+                <a:solidFill>
+                  <a:schemeClr val="bg1"/>
+                </a:solidFill>
+              </a:rPr>
+              <a:t>Deep Dive</a:t>
+            </a:r>
+          </a:p>
+        </p:txBody>
+      </p:sp>
+    </p:spTree>
+    <p:extLst>
+      <p:ext uri="{BB962C8B-B14F-4D97-AF65-F5344CB8AC3E}">
+        <p14:creationId xmlns:p14="http://schemas.microsoft.com/office/powerpoint/2010/main" val="1016048426"/>
+      </p:ext>
+    </p:extLst>
+  </p:cSld>
+  <p:clrMapOvr>
+    <a:masterClrMapping/>
+  </p:clrMapOvr>
+</p:sld>
+</file>
+
+<file path=ppt/slides/slide11.xml><?xml version="1.0" encoding="utf-8"?>
+<p:sld xmlns:a="http://schemas.openxmlformats.org/drawingml/2006/main" xmlns:r="http://schemas.openxmlformats.org/officeDocument/2006/relationships" xmlns:p="http://schemas.openxmlformats.org/presentationml/2006/main">
+  <p:cSld>
+    <p:spTree>
+      <p:nvGrpSpPr>
+        <p:cNvPr id="1" name=""/>
+        <p:cNvGrpSpPr/>
+        <p:nvPr/>
+      </p:nvGrpSpPr>
+      <p:grpSpPr>
+        <a:xfrm>
+          <a:off x="0" y="0"/>
+          <a:ext cx="0" cy="0"/>
+          <a:chOff x="0" y="0"/>
+          <a:chExt cx="0" cy="0"/>
+        </a:xfrm>
+      </p:grpSpPr>
+      <p:pic>
+        <p:nvPicPr>
+          <p:cNvPr id="3" name="Picture 2" descr="A screenshot of a cell phone&#10;&#10;Description automatically generated">
+            <a:extLst>
+              <a:ext uri="{FF2B5EF4-FFF2-40B4-BE49-F238E27FC236}">
+                <a16:creationId xmlns:a16="http://schemas.microsoft.com/office/drawing/2014/main" id="{C19B70C7-AA85-4DFF-BE3A-0B00C1994243}"/>
+              </a:ext>
+            </a:extLst>
+          </p:cNvPr>
+          <p:cNvPicPr>
+            <a:picLocks noChangeAspect="1"/>
+          </p:cNvPicPr>
+          <p:nvPr/>
+        </p:nvPicPr>
+        <p:blipFill>
+          <a:blip r:embed="rId3">
+            <a:extLst>
+              <a:ext uri="{28A0092B-C50C-407E-A947-70E740481C1C}">
+                <a14:useLocalDpi xmlns:a14="http://schemas.microsoft.com/office/drawing/2010/main" val="0"/>
+              </a:ext>
+            </a:extLst>
+          </a:blip>
+          <a:stretch>
+            <a:fillRect/>
+          </a:stretch>
+        </p:blipFill>
+        <p:spPr>
+          <a:xfrm>
+            <a:off x="98612" y="1206069"/>
+            <a:ext cx="5191760" cy="5103313"/>
+          </a:xfrm>
+          <a:prstGeom prst="rect">
+            <a:avLst/>
+          </a:prstGeom>
+        </p:spPr>
+      </p:pic>
+      <p:pic>
+        <p:nvPicPr>
+          <p:cNvPr id="5" name="Picture 4" descr="A close up of a piece of paper&#10;&#10;Description automatically generated">
+            <a:extLst>
+              <a:ext uri="{FF2B5EF4-FFF2-40B4-BE49-F238E27FC236}">
+                <a16:creationId xmlns:a16="http://schemas.microsoft.com/office/drawing/2014/main" id="{1CBB3BC1-2F86-4B5A-8555-4BDB879E7708}"/>
+              </a:ext>
+            </a:extLst>
+          </p:cNvPr>
+          <p:cNvPicPr>
+            <a:picLocks noChangeAspect="1"/>
+          </p:cNvPicPr>
+          <p:nvPr/>
+        </p:nvPicPr>
+        <p:blipFill>
+          <a:blip r:embed="rId4">
+            <a:extLst>
+              <a:ext uri="{28A0092B-C50C-407E-A947-70E740481C1C}">
+                <a14:useLocalDpi xmlns:a14="http://schemas.microsoft.com/office/drawing/2010/main" val="0"/>
+              </a:ext>
+            </a:extLst>
+          </a:blip>
+          <a:stretch>
+            <a:fillRect/>
+          </a:stretch>
+        </p:blipFill>
+        <p:spPr>
+          <a:xfrm>
+            <a:off x="5532418" y="1425604"/>
+            <a:ext cx="6387467" cy="4883778"/>
+          </a:xfrm>
+          <a:prstGeom prst="rect">
+            <a:avLst/>
+          </a:prstGeom>
+        </p:spPr>
+      </p:pic>
+      <p:sp>
+        <p:nvSpPr>
+          <p:cNvPr id="4" name="TextBox 3">
+            <a:extLst>
+              <a:ext uri="{FF2B5EF4-FFF2-40B4-BE49-F238E27FC236}">
+                <a16:creationId xmlns:a16="http://schemas.microsoft.com/office/drawing/2014/main" id="{5756A374-3C3A-4D3C-9A89-0545C5BDC642}"/>
+              </a:ext>
+            </a:extLst>
+          </p:cNvPr>
+          <p:cNvSpPr txBox="1"/>
+          <p:nvPr/>
+        </p:nvSpPr>
+        <p:spPr>
+          <a:xfrm>
+            <a:off x="3442446" y="654424"/>
+            <a:ext cx="6113929" cy="461665"/>
+          </a:xfrm>
+          <a:prstGeom prst="rect">
+            <a:avLst/>
+          </a:prstGeom>
+          <a:noFill/>
+        </p:spPr>
+        <p:txBody>
+          <a:bodyPr wrap="square" rtlCol="0">
+            <a:spAutoFit/>
+          </a:bodyPr>
+          <a:lstStyle/>
+          <a:p>
+            <a:r>
+              <a:rPr lang="en-US" sz="2400" b="1" dirty="0"/>
+              <a:t>Regression of Fruit/Vegetable Beer</a:t>
+            </a:r>
+          </a:p>
+        </p:txBody>
+      </p:sp>
+      <p:sp>
+        <p:nvSpPr>
+          <p:cNvPr id="6" name="TextBox 5">
+            <a:extLst>
+              <a:ext uri="{FF2B5EF4-FFF2-40B4-BE49-F238E27FC236}">
+                <a16:creationId xmlns:a16="http://schemas.microsoft.com/office/drawing/2014/main" id="{0936CF09-2439-405F-BFA1-B8A5FBCABE9F}"/>
+              </a:ext>
+            </a:extLst>
+          </p:cNvPr>
+          <p:cNvSpPr txBox="1"/>
+          <p:nvPr/>
+        </p:nvSpPr>
+        <p:spPr>
+          <a:xfrm>
+            <a:off x="0" y="179363"/>
+            <a:ext cx="12192000" cy="461665"/>
+          </a:xfrm>
+          <a:prstGeom prst="rect">
+            <a:avLst/>
+          </a:prstGeom>
+          <a:solidFill>
+            <a:schemeClr val="bg2">
+              <a:lumMod val="25000"/>
+            </a:schemeClr>
+          </a:solidFill>
+        </p:spPr>
+        <p:txBody>
+          <a:bodyPr wrap="square" rtlCol="0">
+            <a:spAutoFit/>
+          </a:bodyPr>
+          <a:lstStyle/>
+          <a:p>
+            <a:pPr algn="ctr"/>
+            <a:r>
+              <a:rPr lang="en-US" sz="2400" dirty="0">
+                <a:solidFill>
+                  <a:schemeClr val="bg1"/>
+                </a:solidFill>
+              </a:rPr>
+              <a:t>Deep Dive</a:t>
+            </a:r>
+          </a:p>
+        </p:txBody>
+      </p:sp>
+    </p:spTree>
+    <p:extLst>
+      <p:ext uri="{BB962C8B-B14F-4D97-AF65-F5344CB8AC3E}">
+        <p14:creationId xmlns:p14="http://schemas.microsoft.com/office/powerpoint/2010/main" val="2361926307"/>
+      </p:ext>
+    </p:extLst>
+  </p:cSld>
+  <p:clrMapOvr>
+    <a:masterClrMapping/>
+  </p:clrMapOvr>
+</p:sld>
+</file>
+
 <file path=ppt/slides/slide2.xml><?xml version="1.0" encoding="utf-8"?>
 <p:sld xmlns:a="http://schemas.openxmlformats.org/drawingml/2006/main" xmlns:r="http://schemas.openxmlformats.org/officeDocument/2006/relationships" xmlns:p="http://schemas.openxmlformats.org/presentationml/2006/main">
   <p:cSld>
@@ -4459,12 +6037,67 @@
           <a:chExt cx="0" cy="0"/>
         </a:xfrm>
       </p:grpSpPr>
+      <p:sp>
+        <p:nvSpPr>
+          <p:cNvPr id="2" name="Title 1">
+            <a:extLst>
+              <a:ext uri="{FF2B5EF4-FFF2-40B4-BE49-F238E27FC236}">
+                <a16:creationId xmlns:a16="http://schemas.microsoft.com/office/drawing/2014/main" id="{2C2BFAE1-45D3-4B3B-81D2-0BF25FA84FB8}"/>
+              </a:ext>
+            </a:extLst>
+          </p:cNvPr>
+          <p:cNvSpPr>
+            <a:spLocks noGrp="1"/>
+          </p:cNvSpPr>
+          <p:nvPr/>
+        </p:nvSpPr>
+        <p:spPr>
+          <a:xfrm>
+            <a:off x="2152650" y="483174"/>
+            <a:ext cx="8153683" cy="739056"/>
+          </a:xfrm>
+          <a:prstGeom prst="rect">
+            <a:avLst/>
+          </a:prstGeom>
+        </p:spPr>
+        <p:txBody>
+          <a:bodyPr rIns="0">
+            <a:normAutofit/>
+          </a:bodyPr>
+          <a:lstStyle>
+            <a:lvl1pPr algn="l" defTabSz="914400" rtl="0" eaLnBrk="1" latinLnBrk="0" hangingPunct="1">
+              <a:lnSpc>
+                <a:spcPct val="90000"/>
+              </a:lnSpc>
+              <a:spcBef>
+                <a:spcPct val="0"/>
+              </a:spcBef>
+              <a:buNone/>
+              <a:defRPr lang="en-US" sz="3600" b="1" kern="1200">
+                <a:solidFill>
+                  <a:schemeClr val="tx1"/>
+                </a:solidFill>
+                <a:latin typeface="Helvetica" panose="020B0500000000000000" pitchFamily="34" charset="0"/>
+                <a:ea typeface="+mj-ea"/>
+                <a:cs typeface="+mj-cs"/>
+              </a:defRPr>
+            </a:lvl1pPr>
+          </a:lstStyle>
+          <a:p>
+            <a:pPr algn="ctr"/>
+            <a:r>
+              <a:rPr lang="en-US" dirty="0"/>
+              <a:t>Analyzing Beer Preferences</a:t>
+            </a:r>
+          </a:p>
+        </p:txBody>
+      </p:sp>
       <p:cxnSp>
         <p:nvCxnSpPr>
           <p:cNvPr id="3" name="Straight Connector 2">
             <a:extLst>
               <a:ext uri="{FF2B5EF4-FFF2-40B4-BE49-F238E27FC236}">
-                <a16:creationId xmlns:a16="http://schemas.microsoft.com/office/drawing/2014/main" id="{8B3A22BA-A901-4931-BD36-4FD15EBDB54D}"/>
+                <a16:creationId xmlns:a16="http://schemas.microsoft.com/office/drawing/2014/main" id="{F959E69E-6297-48EA-9959-D961B32B03F6}"/>
               </a:ext>
             </a:extLst>
           </p:cNvPr>
@@ -4473,12 +6106,20 @@
         </p:nvCxnSpPr>
         <p:spPr>
           <a:xfrm>
-            <a:off x="71120" y="3429000"/>
-            <a:ext cx="12120880" cy="0"/>
+            <a:off x="1884218" y="1884652"/>
+            <a:ext cx="8423564" cy="0"/>
           </a:xfrm>
           <a:prstGeom prst="line">
             <a:avLst/>
           </a:prstGeom>
+          <a:ln w="28575">
+            <a:solidFill>
+              <a:schemeClr val="bg1">
+                <a:lumMod val="65000"/>
+              </a:schemeClr>
+            </a:solidFill>
+            <a:prstDash val="sysDash"/>
+          </a:ln>
         </p:spPr>
         <p:style>
           <a:lnRef idx="1">
@@ -4495,272 +6136,3622 @@
           </a:fontRef>
         </p:style>
       </p:cxnSp>
-      <p:cxnSp>
-        <p:nvCxnSpPr>
-          <p:cNvPr id="5" name="Straight Connector 4">
+      <p:grpSp>
+        <p:nvGrpSpPr>
+          <p:cNvPr id="4" name="Group 3">
             <a:extLst>
               <a:ext uri="{FF2B5EF4-FFF2-40B4-BE49-F238E27FC236}">
-                <a16:creationId xmlns:a16="http://schemas.microsoft.com/office/drawing/2014/main" id="{413D1CFB-D64B-4AF8-9611-A9ECEA1AD659}"/>
+                <a16:creationId xmlns:a16="http://schemas.microsoft.com/office/drawing/2014/main" id="{8BA9348E-760D-405B-B6D7-97BBF6312B30}"/>
               </a:ext>
             </a:extLst>
           </p:cNvPr>
-          <p:cNvCxnSpPr>
-            <a:cxnSpLocks/>
-          </p:cNvCxnSpPr>
+          <p:cNvGrpSpPr/>
           <p:nvPr/>
-        </p:nvCxnSpPr>
-        <p:spPr>
+        </p:nvGrpSpPr>
+        <p:grpSpPr>
           <a:xfrm>
-            <a:off x="6390640" y="0"/>
-            <a:ext cx="0" cy="3429000"/>
+            <a:off x="1884218" y="2255696"/>
+            <a:ext cx="1454728" cy="3056009"/>
+            <a:chOff x="480290" y="2068947"/>
+            <a:chExt cx="1939637" cy="4074678"/>
           </a:xfrm>
-          <a:prstGeom prst="line">
-            <a:avLst/>
-          </a:prstGeom>
-        </p:spPr>
-        <p:style>
-          <a:lnRef idx="1">
-            <a:schemeClr val="accent1"/>
-          </a:lnRef>
-          <a:fillRef idx="0">
-            <a:schemeClr val="accent1"/>
-          </a:fillRef>
-          <a:effectRef idx="0">
-            <a:schemeClr val="accent1"/>
-          </a:effectRef>
-          <a:fontRef idx="minor">
-            <a:schemeClr val="tx1"/>
-          </a:fontRef>
-        </p:style>
-      </p:cxnSp>
+        </p:grpSpPr>
+        <p:grpSp>
+          <p:nvGrpSpPr>
+            <p:cNvPr id="40" name="Group 39">
+              <a:extLst>
+                <a:ext uri="{FF2B5EF4-FFF2-40B4-BE49-F238E27FC236}">
+                  <a16:creationId xmlns:a16="http://schemas.microsoft.com/office/drawing/2014/main" id="{28BC21E8-DB10-46B9-A46B-F460CAACFABB}"/>
+                </a:ext>
+              </a:extLst>
+            </p:cNvPr>
+            <p:cNvGrpSpPr/>
+            <p:nvPr/>
+          </p:nvGrpSpPr>
+          <p:grpSpPr>
+            <a:xfrm>
+              <a:off x="480291" y="2068947"/>
+              <a:ext cx="1939636" cy="1293088"/>
+              <a:chOff x="480291" y="2068947"/>
+              <a:chExt cx="1939636" cy="1293088"/>
+            </a:xfrm>
+          </p:grpSpPr>
+          <p:sp>
+            <p:nvSpPr>
+              <p:cNvPr id="43" name="Rectangle 42">
+                <a:extLst>
+                  <a:ext uri="{FF2B5EF4-FFF2-40B4-BE49-F238E27FC236}">
+                    <a16:creationId xmlns:a16="http://schemas.microsoft.com/office/drawing/2014/main" id="{1F6D9FB4-A954-4093-8D9D-4E0A478B23AE}"/>
+                  </a:ext>
+                </a:extLst>
+              </p:cNvPr>
+              <p:cNvSpPr/>
+              <p:nvPr/>
+            </p:nvSpPr>
+            <p:spPr>
+              <a:xfrm>
+                <a:off x="480291" y="2355273"/>
+                <a:ext cx="1939636" cy="1006762"/>
+              </a:xfrm>
+              <a:prstGeom prst="rect">
+                <a:avLst/>
+              </a:prstGeom>
+              <a:ln>
+                <a:noFill/>
+              </a:ln>
+            </p:spPr>
+            <p:style>
+              <a:lnRef idx="2">
+                <a:schemeClr val="accent1">
+                  <a:shade val="50000"/>
+                </a:schemeClr>
+              </a:lnRef>
+              <a:fillRef idx="1">
+                <a:schemeClr val="accent1"/>
+              </a:fillRef>
+              <a:effectRef idx="0">
+                <a:schemeClr val="accent1"/>
+              </a:effectRef>
+              <a:fontRef idx="minor">
+                <a:schemeClr val="lt1"/>
+              </a:fontRef>
+            </p:style>
+            <p:txBody>
+              <a:bodyPr rot="0" spcFirstLastPara="0" vert="horz" wrap="square" lIns="68580" tIns="34290" rIns="68580" bIns="34290" numCol="1" spcCol="0" rtlCol="0" fromWordArt="0" anchor="ctr" anchorCtr="0" forceAA="0" compatLnSpc="1">
+                <a:prstTxWarp prst="textNoShape">
+                  <a:avLst/>
+                </a:prstTxWarp>
+                <a:noAutofit/>
+              </a:bodyPr>
+              <a:lstStyle>
+                <a:defPPr>
+                  <a:defRPr lang="en-US"/>
+                </a:defPPr>
+                <a:lvl1pPr marL="0" algn="l" defTabSz="914400" rtl="0" eaLnBrk="1" latinLnBrk="0" hangingPunct="1">
+                  <a:defRPr sz="1800" kern="1200">
+                    <a:solidFill>
+                      <a:schemeClr val="lt1"/>
+                    </a:solidFill>
+                    <a:latin typeface="+mn-lt"/>
+                    <a:ea typeface="+mn-ea"/>
+                    <a:cs typeface="+mn-cs"/>
+                  </a:defRPr>
+                </a:lvl1pPr>
+                <a:lvl2pPr marL="457200" algn="l" defTabSz="914400" rtl="0" eaLnBrk="1" latinLnBrk="0" hangingPunct="1">
+                  <a:defRPr sz="1800" kern="1200">
+                    <a:solidFill>
+                      <a:schemeClr val="lt1"/>
+                    </a:solidFill>
+                    <a:latin typeface="+mn-lt"/>
+                    <a:ea typeface="+mn-ea"/>
+                    <a:cs typeface="+mn-cs"/>
+                  </a:defRPr>
+                </a:lvl2pPr>
+                <a:lvl3pPr marL="914400" algn="l" defTabSz="914400" rtl="0" eaLnBrk="1" latinLnBrk="0" hangingPunct="1">
+                  <a:defRPr sz="1800" kern="1200">
+                    <a:solidFill>
+                      <a:schemeClr val="lt1"/>
+                    </a:solidFill>
+                    <a:latin typeface="+mn-lt"/>
+                    <a:ea typeface="+mn-ea"/>
+                    <a:cs typeface="+mn-cs"/>
+                  </a:defRPr>
+                </a:lvl3pPr>
+                <a:lvl4pPr marL="1371600" algn="l" defTabSz="914400" rtl="0" eaLnBrk="1" latinLnBrk="0" hangingPunct="1">
+                  <a:defRPr sz="1800" kern="1200">
+                    <a:solidFill>
+                      <a:schemeClr val="lt1"/>
+                    </a:solidFill>
+                    <a:latin typeface="+mn-lt"/>
+                    <a:ea typeface="+mn-ea"/>
+                    <a:cs typeface="+mn-cs"/>
+                  </a:defRPr>
+                </a:lvl4pPr>
+                <a:lvl5pPr marL="1828800" algn="l" defTabSz="914400" rtl="0" eaLnBrk="1" latinLnBrk="0" hangingPunct="1">
+                  <a:defRPr sz="1800" kern="1200">
+                    <a:solidFill>
+                      <a:schemeClr val="lt1"/>
+                    </a:solidFill>
+                    <a:latin typeface="+mn-lt"/>
+                    <a:ea typeface="+mn-ea"/>
+                    <a:cs typeface="+mn-cs"/>
+                  </a:defRPr>
+                </a:lvl5pPr>
+                <a:lvl6pPr marL="2286000" algn="l" defTabSz="914400" rtl="0" eaLnBrk="1" latinLnBrk="0" hangingPunct="1">
+                  <a:defRPr sz="1800" kern="1200">
+                    <a:solidFill>
+                      <a:schemeClr val="lt1"/>
+                    </a:solidFill>
+                    <a:latin typeface="+mn-lt"/>
+                    <a:ea typeface="+mn-ea"/>
+                    <a:cs typeface="+mn-cs"/>
+                  </a:defRPr>
+                </a:lvl6pPr>
+                <a:lvl7pPr marL="2743200" algn="l" defTabSz="914400" rtl="0" eaLnBrk="1" latinLnBrk="0" hangingPunct="1">
+                  <a:defRPr sz="1800" kern="1200">
+                    <a:solidFill>
+                      <a:schemeClr val="lt1"/>
+                    </a:solidFill>
+                    <a:latin typeface="+mn-lt"/>
+                    <a:ea typeface="+mn-ea"/>
+                    <a:cs typeface="+mn-cs"/>
+                  </a:defRPr>
+                </a:lvl7pPr>
+                <a:lvl8pPr marL="3200400" algn="l" defTabSz="914400" rtl="0" eaLnBrk="1" latinLnBrk="0" hangingPunct="1">
+                  <a:defRPr sz="1800" kern="1200">
+                    <a:solidFill>
+                      <a:schemeClr val="lt1"/>
+                    </a:solidFill>
+                    <a:latin typeface="+mn-lt"/>
+                    <a:ea typeface="+mn-ea"/>
+                    <a:cs typeface="+mn-cs"/>
+                  </a:defRPr>
+                </a:lvl8pPr>
+                <a:lvl9pPr marL="3657600" algn="l" defTabSz="914400" rtl="0" eaLnBrk="1" latinLnBrk="0" hangingPunct="1">
+                  <a:defRPr sz="1800" kern="1200">
+                    <a:solidFill>
+                      <a:schemeClr val="lt1"/>
+                    </a:solidFill>
+                    <a:latin typeface="+mn-lt"/>
+                    <a:ea typeface="+mn-ea"/>
+                    <a:cs typeface="+mn-cs"/>
+                  </a:defRPr>
+                </a:lvl9pPr>
+              </a:lstStyle>
+              <a:p>
+                <a:pPr algn="ctr"/>
+                <a:endParaRPr lang="en-US" sz="1350"/>
+              </a:p>
+            </p:txBody>
+          </p:sp>
+          <p:sp>
+            <p:nvSpPr>
+              <p:cNvPr id="44" name="Isosceles Triangle 43">
+                <a:extLst>
+                  <a:ext uri="{FF2B5EF4-FFF2-40B4-BE49-F238E27FC236}">
+                    <a16:creationId xmlns:a16="http://schemas.microsoft.com/office/drawing/2014/main" id="{AB247DC4-851A-47F0-98E2-60F65F77017F}"/>
+                  </a:ext>
+                </a:extLst>
+              </p:cNvPr>
+              <p:cNvSpPr/>
+              <p:nvPr/>
+            </p:nvSpPr>
+            <p:spPr>
+              <a:xfrm>
+                <a:off x="1182254" y="2068947"/>
+                <a:ext cx="535709" cy="286326"/>
+              </a:xfrm>
+              <a:prstGeom prst="triangle">
+                <a:avLst/>
+              </a:prstGeom>
+              <a:ln>
+                <a:noFill/>
+              </a:ln>
+            </p:spPr>
+            <p:style>
+              <a:lnRef idx="2">
+                <a:schemeClr val="accent1">
+                  <a:shade val="50000"/>
+                </a:schemeClr>
+              </a:lnRef>
+              <a:fillRef idx="1">
+                <a:schemeClr val="accent1"/>
+              </a:fillRef>
+              <a:effectRef idx="0">
+                <a:schemeClr val="accent1"/>
+              </a:effectRef>
+              <a:fontRef idx="minor">
+                <a:schemeClr val="lt1"/>
+              </a:fontRef>
+            </p:style>
+            <p:txBody>
+              <a:bodyPr rot="0" spcFirstLastPara="0" vert="horz" wrap="square" lIns="68580" tIns="34290" rIns="68580" bIns="34290" numCol="1" spcCol="0" rtlCol="0" fromWordArt="0" anchor="ctr" anchorCtr="0" forceAA="0" compatLnSpc="1">
+                <a:prstTxWarp prst="textNoShape">
+                  <a:avLst/>
+                </a:prstTxWarp>
+                <a:noAutofit/>
+              </a:bodyPr>
+              <a:lstStyle>
+                <a:defPPr>
+                  <a:defRPr lang="en-US"/>
+                </a:defPPr>
+                <a:lvl1pPr marL="0" algn="l" defTabSz="914400" rtl="0" eaLnBrk="1" latinLnBrk="0" hangingPunct="1">
+                  <a:defRPr sz="1800" kern="1200">
+                    <a:solidFill>
+                      <a:schemeClr val="lt1"/>
+                    </a:solidFill>
+                    <a:latin typeface="+mn-lt"/>
+                    <a:ea typeface="+mn-ea"/>
+                    <a:cs typeface="+mn-cs"/>
+                  </a:defRPr>
+                </a:lvl1pPr>
+                <a:lvl2pPr marL="457200" algn="l" defTabSz="914400" rtl="0" eaLnBrk="1" latinLnBrk="0" hangingPunct="1">
+                  <a:defRPr sz="1800" kern="1200">
+                    <a:solidFill>
+                      <a:schemeClr val="lt1"/>
+                    </a:solidFill>
+                    <a:latin typeface="+mn-lt"/>
+                    <a:ea typeface="+mn-ea"/>
+                    <a:cs typeface="+mn-cs"/>
+                  </a:defRPr>
+                </a:lvl2pPr>
+                <a:lvl3pPr marL="914400" algn="l" defTabSz="914400" rtl="0" eaLnBrk="1" latinLnBrk="0" hangingPunct="1">
+                  <a:defRPr sz="1800" kern="1200">
+                    <a:solidFill>
+                      <a:schemeClr val="lt1"/>
+                    </a:solidFill>
+                    <a:latin typeface="+mn-lt"/>
+                    <a:ea typeface="+mn-ea"/>
+                    <a:cs typeface="+mn-cs"/>
+                  </a:defRPr>
+                </a:lvl3pPr>
+                <a:lvl4pPr marL="1371600" algn="l" defTabSz="914400" rtl="0" eaLnBrk="1" latinLnBrk="0" hangingPunct="1">
+                  <a:defRPr sz="1800" kern="1200">
+                    <a:solidFill>
+                      <a:schemeClr val="lt1"/>
+                    </a:solidFill>
+                    <a:latin typeface="+mn-lt"/>
+                    <a:ea typeface="+mn-ea"/>
+                    <a:cs typeface="+mn-cs"/>
+                  </a:defRPr>
+                </a:lvl4pPr>
+                <a:lvl5pPr marL="1828800" algn="l" defTabSz="914400" rtl="0" eaLnBrk="1" latinLnBrk="0" hangingPunct="1">
+                  <a:defRPr sz="1800" kern="1200">
+                    <a:solidFill>
+                      <a:schemeClr val="lt1"/>
+                    </a:solidFill>
+                    <a:latin typeface="+mn-lt"/>
+                    <a:ea typeface="+mn-ea"/>
+                    <a:cs typeface="+mn-cs"/>
+                  </a:defRPr>
+                </a:lvl5pPr>
+                <a:lvl6pPr marL="2286000" algn="l" defTabSz="914400" rtl="0" eaLnBrk="1" latinLnBrk="0" hangingPunct="1">
+                  <a:defRPr sz="1800" kern="1200">
+                    <a:solidFill>
+                      <a:schemeClr val="lt1"/>
+                    </a:solidFill>
+                    <a:latin typeface="+mn-lt"/>
+                    <a:ea typeface="+mn-ea"/>
+                    <a:cs typeface="+mn-cs"/>
+                  </a:defRPr>
+                </a:lvl6pPr>
+                <a:lvl7pPr marL="2743200" algn="l" defTabSz="914400" rtl="0" eaLnBrk="1" latinLnBrk="0" hangingPunct="1">
+                  <a:defRPr sz="1800" kern="1200">
+                    <a:solidFill>
+                      <a:schemeClr val="lt1"/>
+                    </a:solidFill>
+                    <a:latin typeface="+mn-lt"/>
+                    <a:ea typeface="+mn-ea"/>
+                    <a:cs typeface="+mn-cs"/>
+                  </a:defRPr>
+                </a:lvl7pPr>
+                <a:lvl8pPr marL="3200400" algn="l" defTabSz="914400" rtl="0" eaLnBrk="1" latinLnBrk="0" hangingPunct="1">
+                  <a:defRPr sz="1800" kern="1200">
+                    <a:solidFill>
+                      <a:schemeClr val="lt1"/>
+                    </a:solidFill>
+                    <a:latin typeface="+mn-lt"/>
+                    <a:ea typeface="+mn-ea"/>
+                    <a:cs typeface="+mn-cs"/>
+                  </a:defRPr>
+                </a:lvl8pPr>
+                <a:lvl9pPr marL="3657600" algn="l" defTabSz="914400" rtl="0" eaLnBrk="1" latinLnBrk="0" hangingPunct="1">
+                  <a:defRPr sz="1800" kern="1200">
+                    <a:solidFill>
+                      <a:schemeClr val="lt1"/>
+                    </a:solidFill>
+                    <a:latin typeface="+mn-lt"/>
+                    <a:ea typeface="+mn-ea"/>
+                    <a:cs typeface="+mn-cs"/>
+                  </a:defRPr>
+                </a:lvl9pPr>
+              </a:lstStyle>
+              <a:p>
+                <a:pPr algn="ctr"/>
+                <a:endParaRPr lang="en-US" sz="1350"/>
+              </a:p>
+            </p:txBody>
+          </p:sp>
+        </p:grpSp>
+        <p:sp>
+          <p:nvSpPr>
+            <p:cNvPr id="41" name="Rectangle 40">
+              <a:extLst>
+                <a:ext uri="{FF2B5EF4-FFF2-40B4-BE49-F238E27FC236}">
+                  <a16:creationId xmlns:a16="http://schemas.microsoft.com/office/drawing/2014/main" id="{0B82A277-C7F2-47DE-B975-5CF4E1885E23}"/>
+                </a:ext>
+              </a:extLst>
+            </p:cNvPr>
+            <p:cNvSpPr/>
+            <p:nvPr/>
+          </p:nvSpPr>
+          <p:spPr>
+            <a:xfrm>
+              <a:off x="480290" y="3362034"/>
+              <a:ext cx="1939636" cy="2641595"/>
+            </a:xfrm>
+            <a:prstGeom prst="rect">
+              <a:avLst/>
+            </a:prstGeom>
+            <a:solidFill>
+              <a:schemeClr val="bg1">
+                <a:lumMod val="85000"/>
+              </a:schemeClr>
+            </a:solidFill>
+            <a:ln>
+              <a:noFill/>
+            </a:ln>
+          </p:spPr>
+          <p:style>
+            <a:lnRef idx="2">
+              <a:schemeClr val="accent1">
+                <a:shade val="50000"/>
+              </a:schemeClr>
+            </a:lnRef>
+            <a:fillRef idx="1">
+              <a:schemeClr val="accent1"/>
+            </a:fillRef>
+            <a:effectRef idx="0">
+              <a:schemeClr val="accent1"/>
+            </a:effectRef>
+            <a:fontRef idx="minor">
+              <a:schemeClr val="lt1"/>
+            </a:fontRef>
+          </p:style>
+          <p:txBody>
+            <a:bodyPr rot="0" spcFirstLastPara="0" vert="horz" wrap="square" lIns="68580" tIns="34290" rIns="68580" bIns="34290" numCol="1" spcCol="0" rtlCol="0" fromWordArt="0" anchor="t" anchorCtr="0" forceAA="0" compatLnSpc="1">
+              <a:prstTxWarp prst="textNoShape">
+                <a:avLst/>
+              </a:prstTxWarp>
+              <a:noAutofit/>
+            </a:bodyPr>
+            <a:lstStyle>
+              <a:defPPr>
+                <a:defRPr lang="en-US"/>
+              </a:defPPr>
+              <a:lvl1pPr marL="0" algn="l" defTabSz="914400" rtl="0" eaLnBrk="1" latinLnBrk="0" hangingPunct="1">
+                <a:defRPr sz="1800" kern="1200">
+                  <a:solidFill>
+                    <a:schemeClr val="lt1"/>
+                  </a:solidFill>
+                  <a:latin typeface="+mn-lt"/>
+                  <a:ea typeface="+mn-ea"/>
+                  <a:cs typeface="+mn-cs"/>
+                </a:defRPr>
+              </a:lvl1pPr>
+              <a:lvl2pPr marL="457200" algn="l" defTabSz="914400" rtl="0" eaLnBrk="1" latinLnBrk="0" hangingPunct="1">
+                <a:defRPr sz="1800" kern="1200">
+                  <a:solidFill>
+                    <a:schemeClr val="lt1"/>
+                  </a:solidFill>
+                  <a:latin typeface="+mn-lt"/>
+                  <a:ea typeface="+mn-ea"/>
+                  <a:cs typeface="+mn-cs"/>
+                </a:defRPr>
+              </a:lvl2pPr>
+              <a:lvl3pPr marL="914400" algn="l" defTabSz="914400" rtl="0" eaLnBrk="1" latinLnBrk="0" hangingPunct="1">
+                <a:defRPr sz="1800" kern="1200">
+                  <a:solidFill>
+                    <a:schemeClr val="lt1"/>
+                  </a:solidFill>
+                  <a:latin typeface="+mn-lt"/>
+                  <a:ea typeface="+mn-ea"/>
+                  <a:cs typeface="+mn-cs"/>
+                </a:defRPr>
+              </a:lvl3pPr>
+              <a:lvl4pPr marL="1371600" algn="l" defTabSz="914400" rtl="0" eaLnBrk="1" latinLnBrk="0" hangingPunct="1">
+                <a:defRPr sz="1800" kern="1200">
+                  <a:solidFill>
+                    <a:schemeClr val="lt1"/>
+                  </a:solidFill>
+                  <a:latin typeface="+mn-lt"/>
+                  <a:ea typeface="+mn-ea"/>
+                  <a:cs typeface="+mn-cs"/>
+                </a:defRPr>
+              </a:lvl4pPr>
+              <a:lvl5pPr marL="1828800" algn="l" defTabSz="914400" rtl="0" eaLnBrk="1" latinLnBrk="0" hangingPunct="1">
+                <a:defRPr sz="1800" kern="1200">
+                  <a:solidFill>
+                    <a:schemeClr val="lt1"/>
+                  </a:solidFill>
+                  <a:latin typeface="+mn-lt"/>
+                  <a:ea typeface="+mn-ea"/>
+                  <a:cs typeface="+mn-cs"/>
+                </a:defRPr>
+              </a:lvl5pPr>
+              <a:lvl6pPr marL="2286000" algn="l" defTabSz="914400" rtl="0" eaLnBrk="1" latinLnBrk="0" hangingPunct="1">
+                <a:defRPr sz="1800" kern="1200">
+                  <a:solidFill>
+                    <a:schemeClr val="lt1"/>
+                  </a:solidFill>
+                  <a:latin typeface="+mn-lt"/>
+                  <a:ea typeface="+mn-ea"/>
+                  <a:cs typeface="+mn-cs"/>
+                </a:defRPr>
+              </a:lvl6pPr>
+              <a:lvl7pPr marL="2743200" algn="l" defTabSz="914400" rtl="0" eaLnBrk="1" latinLnBrk="0" hangingPunct="1">
+                <a:defRPr sz="1800" kern="1200">
+                  <a:solidFill>
+                    <a:schemeClr val="lt1"/>
+                  </a:solidFill>
+                  <a:latin typeface="+mn-lt"/>
+                  <a:ea typeface="+mn-ea"/>
+                  <a:cs typeface="+mn-cs"/>
+                </a:defRPr>
+              </a:lvl7pPr>
+              <a:lvl8pPr marL="3200400" algn="l" defTabSz="914400" rtl="0" eaLnBrk="1" latinLnBrk="0" hangingPunct="1">
+                <a:defRPr sz="1800" kern="1200">
+                  <a:solidFill>
+                    <a:schemeClr val="lt1"/>
+                  </a:solidFill>
+                  <a:latin typeface="+mn-lt"/>
+                  <a:ea typeface="+mn-ea"/>
+                  <a:cs typeface="+mn-cs"/>
+                </a:defRPr>
+              </a:lvl8pPr>
+              <a:lvl9pPr marL="3657600" algn="l" defTabSz="914400" rtl="0" eaLnBrk="1" latinLnBrk="0" hangingPunct="1">
+                <a:defRPr sz="1800" kern="1200">
+                  <a:solidFill>
+                    <a:schemeClr val="lt1"/>
+                  </a:solidFill>
+                  <a:latin typeface="+mn-lt"/>
+                  <a:ea typeface="+mn-ea"/>
+                  <a:cs typeface="+mn-cs"/>
+                </a:defRPr>
+              </a:lvl9pPr>
+            </a:lstStyle>
+            <a:p>
+              <a:pPr algn="ctr">
+                <a:spcAft>
+                  <a:spcPts val="900"/>
+                </a:spcAft>
+              </a:pPr>
+              <a:r>
+                <a:rPr lang="en-US" sz="1400" b="1" cap="all" noProof="1">
+                  <a:solidFill>
+                    <a:prstClr val="black"/>
+                  </a:solidFill>
+                </a:rPr>
+                <a:t>Overview</a:t>
+              </a:r>
+            </a:p>
+            <a:p>
+              <a:pPr algn="just">
+                <a:spcAft>
+                  <a:spcPts val="900"/>
+                </a:spcAft>
+              </a:pPr>
+              <a:r>
+                <a:rPr lang="en-US" sz="900" b="1" noProof="1">
+                  <a:solidFill>
+                    <a:prstClr val="black">
+                      <a:lumMod val="65000"/>
+                      <a:lumOff val="35000"/>
+                    </a:prstClr>
+                  </a:solidFill>
+                </a:rPr>
+                <a:t>Do preferences change by beer style?</a:t>
+              </a:r>
+            </a:p>
+            <a:p>
+              <a:pPr algn="just">
+                <a:spcAft>
+                  <a:spcPts val="900"/>
+                </a:spcAft>
+              </a:pPr>
+              <a:r>
+                <a:rPr lang="en-US" sz="900" b="1" noProof="1">
+                  <a:solidFill>
+                    <a:prstClr val="black">
+                      <a:lumMod val="65000"/>
+                      <a:lumOff val="35000"/>
+                    </a:prstClr>
+                  </a:solidFill>
+                </a:rPr>
+                <a:t>What data source did we use to help answer our question?</a:t>
+              </a:r>
+            </a:p>
+            <a:p>
+              <a:pPr algn="just">
+                <a:spcAft>
+                  <a:spcPts val="900"/>
+                </a:spcAft>
+              </a:pPr>
+              <a:endParaRPr lang="en-US" sz="900" noProof="1">
+                <a:solidFill>
+                  <a:prstClr val="black">
+                    <a:lumMod val="65000"/>
+                    <a:lumOff val="35000"/>
+                  </a:prstClr>
+                </a:solidFill>
+              </a:endParaRPr>
+            </a:p>
+            <a:p>
+              <a:pPr algn="just">
+                <a:spcAft>
+                  <a:spcPts val="900"/>
+                </a:spcAft>
+              </a:pPr>
+              <a:endParaRPr lang="en-US" sz="900" noProof="1">
+                <a:solidFill>
+                  <a:prstClr val="black">
+                    <a:lumMod val="65000"/>
+                    <a:lumOff val="35000"/>
+                  </a:prstClr>
+                </a:solidFill>
+              </a:endParaRPr>
+            </a:p>
+          </p:txBody>
+        </p:sp>
+        <p:sp>
+          <p:nvSpPr>
+            <p:cNvPr id="42" name="Rectangle 41">
+              <a:extLst>
+                <a:ext uri="{FF2B5EF4-FFF2-40B4-BE49-F238E27FC236}">
+                  <a16:creationId xmlns:a16="http://schemas.microsoft.com/office/drawing/2014/main" id="{5D025EA4-67D4-4D07-BE6E-8A4D74A2469F}"/>
+                </a:ext>
+              </a:extLst>
+            </p:cNvPr>
+            <p:cNvSpPr/>
+            <p:nvPr/>
+          </p:nvSpPr>
+          <p:spPr>
+            <a:xfrm>
+              <a:off x="480290" y="6003629"/>
+              <a:ext cx="1939636" cy="139996"/>
+            </a:xfrm>
+            <a:prstGeom prst="rect">
+              <a:avLst/>
+            </a:prstGeom>
+            <a:solidFill>
+              <a:schemeClr val="accent1">
+                <a:lumMod val="75000"/>
+              </a:schemeClr>
+            </a:solidFill>
+            <a:ln>
+              <a:noFill/>
+            </a:ln>
+          </p:spPr>
+          <p:style>
+            <a:lnRef idx="2">
+              <a:schemeClr val="accent1">
+                <a:shade val="50000"/>
+              </a:schemeClr>
+            </a:lnRef>
+            <a:fillRef idx="1">
+              <a:schemeClr val="accent1"/>
+            </a:fillRef>
+            <a:effectRef idx="0">
+              <a:schemeClr val="accent1"/>
+            </a:effectRef>
+            <a:fontRef idx="minor">
+              <a:schemeClr val="lt1"/>
+            </a:fontRef>
+          </p:style>
+          <p:txBody>
+            <a:bodyPr rot="0" spcFirstLastPara="0" vert="horz" wrap="square" lIns="68580" tIns="34290" rIns="68580" bIns="34290" numCol="1" spcCol="0" rtlCol="0" fromWordArt="0" anchor="ctr" anchorCtr="0" forceAA="0" compatLnSpc="1">
+              <a:prstTxWarp prst="textNoShape">
+                <a:avLst/>
+              </a:prstTxWarp>
+              <a:noAutofit/>
+            </a:bodyPr>
+            <a:lstStyle>
+              <a:defPPr>
+                <a:defRPr lang="en-US"/>
+              </a:defPPr>
+              <a:lvl1pPr marL="0" algn="l" defTabSz="914400" rtl="0" eaLnBrk="1" latinLnBrk="0" hangingPunct="1">
+                <a:defRPr sz="1800" kern="1200">
+                  <a:solidFill>
+                    <a:schemeClr val="lt1"/>
+                  </a:solidFill>
+                  <a:latin typeface="+mn-lt"/>
+                  <a:ea typeface="+mn-ea"/>
+                  <a:cs typeface="+mn-cs"/>
+                </a:defRPr>
+              </a:lvl1pPr>
+              <a:lvl2pPr marL="457200" algn="l" defTabSz="914400" rtl="0" eaLnBrk="1" latinLnBrk="0" hangingPunct="1">
+                <a:defRPr sz="1800" kern="1200">
+                  <a:solidFill>
+                    <a:schemeClr val="lt1"/>
+                  </a:solidFill>
+                  <a:latin typeface="+mn-lt"/>
+                  <a:ea typeface="+mn-ea"/>
+                  <a:cs typeface="+mn-cs"/>
+                </a:defRPr>
+              </a:lvl2pPr>
+              <a:lvl3pPr marL="914400" algn="l" defTabSz="914400" rtl="0" eaLnBrk="1" latinLnBrk="0" hangingPunct="1">
+                <a:defRPr sz="1800" kern="1200">
+                  <a:solidFill>
+                    <a:schemeClr val="lt1"/>
+                  </a:solidFill>
+                  <a:latin typeface="+mn-lt"/>
+                  <a:ea typeface="+mn-ea"/>
+                  <a:cs typeface="+mn-cs"/>
+                </a:defRPr>
+              </a:lvl3pPr>
+              <a:lvl4pPr marL="1371600" algn="l" defTabSz="914400" rtl="0" eaLnBrk="1" latinLnBrk="0" hangingPunct="1">
+                <a:defRPr sz="1800" kern="1200">
+                  <a:solidFill>
+                    <a:schemeClr val="lt1"/>
+                  </a:solidFill>
+                  <a:latin typeface="+mn-lt"/>
+                  <a:ea typeface="+mn-ea"/>
+                  <a:cs typeface="+mn-cs"/>
+                </a:defRPr>
+              </a:lvl4pPr>
+              <a:lvl5pPr marL="1828800" algn="l" defTabSz="914400" rtl="0" eaLnBrk="1" latinLnBrk="0" hangingPunct="1">
+                <a:defRPr sz="1800" kern="1200">
+                  <a:solidFill>
+                    <a:schemeClr val="lt1"/>
+                  </a:solidFill>
+                  <a:latin typeface="+mn-lt"/>
+                  <a:ea typeface="+mn-ea"/>
+                  <a:cs typeface="+mn-cs"/>
+                </a:defRPr>
+              </a:lvl5pPr>
+              <a:lvl6pPr marL="2286000" algn="l" defTabSz="914400" rtl="0" eaLnBrk="1" latinLnBrk="0" hangingPunct="1">
+                <a:defRPr sz="1800" kern="1200">
+                  <a:solidFill>
+                    <a:schemeClr val="lt1"/>
+                  </a:solidFill>
+                  <a:latin typeface="+mn-lt"/>
+                  <a:ea typeface="+mn-ea"/>
+                  <a:cs typeface="+mn-cs"/>
+                </a:defRPr>
+              </a:lvl6pPr>
+              <a:lvl7pPr marL="2743200" algn="l" defTabSz="914400" rtl="0" eaLnBrk="1" latinLnBrk="0" hangingPunct="1">
+                <a:defRPr sz="1800" kern="1200">
+                  <a:solidFill>
+                    <a:schemeClr val="lt1"/>
+                  </a:solidFill>
+                  <a:latin typeface="+mn-lt"/>
+                  <a:ea typeface="+mn-ea"/>
+                  <a:cs typeface="+mn-cs"/>
+                </a:defRPr>
+              </a:lvl7pPr>
+              <a:lvl8pPr marL="3200400" algn="l" defTabSz="914400" rtl="0" eaLnBrk="1" latinLnBrk="0" hangingPunct="1">
+                <a:defRPr sz="1800" kern="1200">
+                  <a:solidFill>
+                    <a:schemeClr val="lt1"/>
+                  </a:solidFill>
+                  <a:latin typeface="+mn-lt"/>
+                  <a:ea typeface="+mn-ea"/>
+                  <a:cs typeface="+mn-cs"/>
+                </a:defRPr>
+              </a:lvl8pPr>
+              <a:lvl9pPr marL="3657600" algn="l" defTabSz="914400" rtl="0" eaLnBrk="1" latinLnBrk="0" hangingPunct="1">
+                <a:defRPr sz="1800" kern="1200">
+                  <a:solidFill>
+                    <a:schemeClr val="lt1"/>
+                  </a:solidFill>
+                  <a:latin typeface="+mn-lt"/>
+                  <a:ea typeface="+mn-ea"/>
+                  <a:cs typeface="+mn-cs"/>
+                </a:defRPr>
+              </a:lvl9pPr>
+            </a:lstStyle>
+            <a:p>
+              <a:pPr algn="ctr"/>
+              <a:endParaRPr lang="en-US" sz="1350"/>
+            </a:p>
+          </p:txBody>
+        </p:sp>
+      </p:grpSp>
+      <p:grpSp>
+        <p:nvGrpSpPr>
+          <p:cNvPr id="5" name="Group 4">
+            <a:extLst>
+              <a:ext uri="{FF2B5EF4-FFF2-40B4-BE49-F238E27FC236}">
+                <a16:creationId xmlns:a16="http://schemas.microsoft.com/office/drawing/2014/main" id="{F2015FE8-924B-4FCB-88F5-3DAE5C272B05}"/>
+              </a:ext>
+            </a:extLst>
+          </p:cNvPr>
+          <p:cNvGrpSpPr/>
+          <p:nvPr/>
+        </p:nvGrpSpPr>
+        <p:grpSpPr>
+          <a:xfrm>
+            <a:off x="3626427" y="2255696"/>
+            <a:ext cx="1454729" cy="3056009"/>
+            <a:chOff x="2803235" y="2068947"/>
+            <a:chExt cx="1939638" cy="4074678"/>
+          </a:xfrm>
+        </p:grpSpPr>
+        <p:grpSp>
+          <p:nvGrpSpPr>
+            <p:cNvPr id="35" name="Group 34">
+              <a:extLst>
+                <a:ext uri="{FF2B5EF4-FFF2-40B4-BE49-F238E27FC236}">
+                  <a16:creationId xmlns:a16="http://schemas.microsoft.com/office/drawing/2014/main" id="{1CA48AD2-6F6B-4124-BB4B-E9902D3D09B7}"/>
+                </a:ext>
+              </a:extLst>
+            </p:cNvPr>
+            <p:cNvGrpSpPr/>
+            <p:nvPr/>
+          </p:nvGrpSpPr>
+          <p:grpSpPr>
+            <a:xfrm>
+              <a:off x="2803237" y="2068947"/>
+              <a:ext cx="1939636" cy="1293088"/>
+              <a:chOff x="2803237" y="2068947"/>
+              <a:chExt cx="1939636" cy="1293088"/>
+            </a:xfrm>
+            <a:solidFill>
+              <a:schemeClr val="accent2"/>
+            </a:solidFill>
+          </p:grpSpPr>
+          <p:sp>
+            <p:nvSpPr>
+              <p:cNvPr id="38" name="Rectangle 37">
+                <a:extLst>
+                  <a:ext uri="{FF2B5EF4-FFF2-40B4-BE49-F238E27FC236}">
+                    <a16:creationId xmlns:a16="http://schemas.microsoft.com/office/drawing/2014/main" id="{696FFF01-307E-402D-9FFB-5EB1A062C2EF}"/>
+                  </a:ext>
+                </a:extLst>
+              </p:cNvPr>
+              <p:cNvSpPr/>
+              <p:nvPr/>
+            </p:nvSpPr>
+            <p:spPr>
+              <a:xfrm>
+                <a:off x="2803237" y="2355273"/>
+                <a:ext cx="1939636" cy="1006762"/>
+              </a:xfrm>
+              <a:prstGeom prst="rect">
+                <a:avLst/>
+              </a:prstGeom>
+              <a:grpFill/>
+              <a:ln>
+                <a:noFill/>
+              </a:ln>
+            </p:spPr>
+            <p:style>
+              <a:lnRef idx="2">
+                <a:schemeClr val="accent1">
+                  <a:shade val="50000"/>
+                </a:schemeClr>
+              </a:lnRef>
+              <a:fillRef idx="1">
+                <a:schemeClr val="accent1"/>
+              </a:fillRef>
+              <a:effectRef idx="0">
+                <a:schemeClr val="accent1"/>
+              </a:effectRef>
+              <a:fontRef idx="minor">
+                <a:schemeClr val="lt1"/>
+              </a:fontRef>
+            </p:style>
+            <p:txBody>
+              <a:bodyPr rot="0" spcFirstLastPara="0" vert="horz" wrap="square" lIns="68580" tIns="34290" rIns="68580" bIns="34290" numCol="1" spcCol="0" rtlCol="0" fromWordArt="0" anchor="ctr" anchorCtr="0" forceAA="0" compatLnSpc="1">
+                <a:prstTxWarp prst="textNoShape">
+                  <a:avLst/>
+                </a:prstTxWarp>
+                <a:noAutofit/>
+              </a:bodyPr>
+              <a:lstStyle>
+                <a:defPPr>
+                  <a:defRPr lang="en-US"/>
+                </a:defPPr>
+                <a:lvl1pPr marL="0" algn="l" defTabSz="914400" rtl="0" eaLnBrk="1" latinLnBrk="0" hangingPunct="1">
+                  <a:defRPr sz="1800" kern="1200">
+                    <a:solidFill>
+                      <a:schemeClr val="lt1"/>
+                    </a:solidFill>
+                    <a:latin typeface="+mn-lt"/>
+                    <a:ea typeface="+mn-ea"/>
+                    <a:cs typeface="+mn-cs"/>
+                  </a:defRPr>
+                </a:lvl1pPr>
+                <a:lvl2pPr marL="457200" algn="l" defTabSz="914400" rtl="0" eaLnBrk="1" latinLnBrk="0" hangingPunct="1">
+                  <a:defRPr sz="1800" kern="1200">
+                    <a:solidFill>
+                      <a:schemeClr val="lt1"/>
+                    </a:solidFill>
+                    <a:latin typeface="+mn-lt"/>
+                    <a:ea typeface="+mn-ea"/>
+                    <a:cs typeface="+mn-cs"/>
+                  </a:defRPr>
+                </a:lvl2pPr>
+                <a:lvl3pPr marL="914400" algn="l" defTabSz="914400" rtl="0" eaLnBrk="1" latinLnBrk="0" hangingPunct="1">
+                  <a:defRPr sz="1800" kern="1200">
+                    <a:solidFill>
+                      <a:schemeClr val="lt1"/>
+                    </a:solidFill>
+                    <a:latin typeface="+mn-lt"/>
+                    <a:ea typeface="+mn-ea"/>
+                    <a:cs typeface="+mn-cs"/>
+                  </a:defRPr>
+                </a:lvl3pPr>
+                <a:lvl4pPr marL="1371600" algn="l" defTabSz="914400" rtl="0" eaLnBrk="1" latinLnBrk="0" hangingPunct="1">
+                  <a:defRPr sz="1800" kern="1200">
+                    <a:solidFill>
+                      <a:schemeClr val="lt1"/>
+                    </a:solidFill>
+                    <a:latin typeface="+mn-lt"/>
+                    <a:ea typeface="+mn-ea"/>
+                    <a:cs typeface="+mn-cs"/>
+                  </a:defRPr>
+                </a:lvl4pPr>
+                <a:lvl5pPr marL="1828800" algn="l" defTabSz="914400" rtl="0" eaLnBrk="1" latinLnBrk="0" hangingPunct="1">
+                  <a:defRPr sz="1800" kern="1200">
+                    <a:solidFill>
+                      <a:schemeClr val="lt1"/>
+                    </a:solidFill>
+                    <a:latin typeface="+mn-lt"/>
+                    <a:ea typeface="+mn-ea"/>
+                    <a:cs typeface="+mn-cs"/>
+                  </a:defRPr>
+                </a:lvl5pPr>
+                <a:lvl6pPr marL="2286000" algn="l" defTabSz="914400" rtl="0" eaLnBrk="1" latinLnBrk="0" hangingPunct="1">
+                  <a:defRPr sz="1800" kern="1200">
+                    <a:solidFill>
+                      <a:schemeClr val="lt1"/>
+                    </a:solidFill>
+                    <a:latin typeface="+mn-lt"/>
+                    <a:ea typeface="+mn-ea"/>
+                    <a:cs typeface="+mn-cs"/>
+                  </a:defRPr>
+                </a:lvl6pPr>
+                <a:lvl7pPr marL="2743200" algn="l" defTabSz="914400" rtl="0" eaLnBrk="1" latinLnBrk="0" hangingPunct="1">
+                  <a:defRPr sz="1800" kern="1200">
+                    <a:solidFill>
+                      <a:schemeClr val="lt1"/>
+                    </a:solidFill>
+                    <a:latin typeface="+mn-lt"/>
+                    <a:ea typeface="+mn-ea"/>
+                    <a:cs typeface="+mn-cs"/>
+                  </a:defRPr>
+                </a:lvl7pPr>
+                <a:lvl8pPr marL="3200400" algn="l" defTabSz="914400" rtl="0" eaLnBrk="1" latinLnBrk="0" hangingPunct="1">
+                  <a:defRPr sz="1800" kern="1200">
+                    <a:solidFill>
+                      <a:schemeClr val="lt1"/>
+                    </a:solidFill>
+                    <a:latin typeface="+mn-lt"/>
+                    <a:ea typeface="+mn-ea"/>
+                    <a:cs typeface="+mn-cs"/>
+                  </a:defRPr>
+                </a:lvl8pPr>
+                <a:lvl9pPr marL="3657600" algn="l" defTabSz="914400" rtl="0" eaLnBrk="1" latinLnBrk="0" hangingPunct="1">
+                  <a:defRPr sz="1800" kern="1200">
+                    <a:solidFill>
+                      <a:schemeClr val="lt1"/>
+                    </a:solidFill>
+                    <a:latin typeface="+mn-lt"/>
+                    <a:ea typeface="+mn-ea"/>
+                    <a:cs typeface="+mn-cs"/>
+                  </a:defRPr>
+                </a:lvl9pPr>
+              </a:lstStyle>
+              <a:p>
+                <a:pPr algn="ctr"/>
+                <a:endParaRPr lang="en-US" sz="1350"/>
+              </a:p>
+            </p:txBody>
+          </p:sp>
+          <p:sp>
+            <p:nvSpPr>
+              <p:cNvPr id="39" name="Isosceles Triangle 38">
+                <a:extLst>
+                  <a:ext uri="{FF2B5EF4-FFF2-40B4-BE49-F238E27FC236}">
+                    <a16:creationId xmlns:a16="http://schemas.microsoft.com/office/drawing/2014/main" id="{69F9D96B-E833-4E2F-B080-2FA7FE00FEC7}"/>
+                  </a:ext>
+                </a:extLst>
+              </p:cNvPr>
+              <p:cNvSpPr/>
+              <p:nvPr/>
+            </p:nvSpPr>
+            <p:spPr>
+              <a:xfrm>
+                <a:off x="3505200" y="2068947"/>
+                <a:ext cx="535709" cy="286326"/>
+              </a:xfrm>
+              <a:prstGeom prst="triangle">
+                <a:avLst/>
+              </a:prstGeom>
+              <a:grpFill/>
+              <a:ln>
+                <a:noFill/>
+              </a:ln>
+            </p:spPr>
+            <p:style>
+              <a:lnRef idx="2">
+                <a:schemeClr val="accent1">
+                  <a:shade val="50000"/>
+                </a:schemeClr>
+              </a:lnRef>
+              <a:fillRef idx="1">
+                <a:schemeClr val="accent1"/>
+              </a:fillRef>
+              <a:effectRef idx="0">
+                <a:schemeClr val="accent1"/>
+              </a:effectRef>
+              <a:fontRef idx="minor">
+                <a:schemeClr val="lt1"/>
+              </a:fontRef>
+            </p:style>
+            <p:txBody>
+              <a:bodyPr rot="0" spcFirstLastPara="0" vert="horz" wrap="square" lIns="68580" tIns="34290" rIns="68580" bIns="34290" numCol="1" spcCol="0" rtlCol="0" fromWordArt="0" anchor="ctr" anchorCtr="0" forceAA="0" compatLnSpc="1">
+                <a:prstTxWarp prst="textNoShape">
+                  <a:avLst/>
+                </a:prstTxWarp>
+                <a:noAutofit/>
+              </a:bodyPr>
+              <a:lstStyle>
+                <a:defPPr>
+                  <a:defRPr lang="en-US"/>
+                </a:defPPr>
+                <a:lvl1pPr marL="0" algn="l" defTabSz="914400" rtl="0" eaLnBrk="1" latinLnBrk="0" hangingPunct="1">
+                  <a:defRPr sz="1800" kern="1200">
+                    <a:solidFill>
+                      <a:schemeClr val="lt1"/>
+                    </a:solidFill>
+                    <a:latin typeface="+mn-lt"/>
+                    <a:ea typeface="+mn-ea"/>
+                    <a:cs typeface="+mn-cs"/>
+                  </a:defRPr>
+                </a:lvl1pPr>
+                <a:lvl2pPr marL="457200" algn="l" defTabSz="914400" rtl="0" eaLnBrk="1" latinLnBrk="0" hangingPunct="1">
+                  <a:defRPr sz="1800" kern="1200">
+                    <a:solidFill>
+                      <a:schemeClr val="lt1"/>
+                    </a:solidFill>
+                    <a:latin typeface="+mn-lt"/>
+                    <a:ea typeface="+mn-ea"/>
+                    <a:cs typeface="+mn-cs"/>
+                  </a:defRPr>
+                </a:lvl2pPr>
+                <a:lvl3pPr marL="914400" algn="l" defTabSz="914400" rtl="0" eaLnBrk="1" latinLnBrk="0" hangingPunct="1">
+                  <a:defRPr sz="1800" kern="1200">
+                    <a:solidFill>
+                      <a:schemeClr val="lt1"/>
+                    </a:solidFill>
+                    <a:latin typeface="+mn-lt"/>
+                    <a:ea typeface="+mn-ea"/>
+                    <a:cs typeface="+mn-cs"/>
+                  </a:defRPr>
+                </a:lvl3pPr>
+                <a:lvl4pPr marL="1371600" algn="l" defTabSz="914400" rtl="0" eaLnBrk="1" latinLnBrk="0" hangingPunct="1">
+                  <a:defRPr sz="1800" kern="1200">
+                    <a:solidFill>
+                      <a:schemeClr val="lt1"/>
+                    </a:solidFill>
+                    <a:latin typeface="+mn-lt"/>
+                    <a:ea typeface="+mn-ea"/>
+                    <a:cs typeface="+mn-cs"/>
+                  </a:defRPr>
+                </a:lvl4pPr>
+                <a:lvl5pPr marL="1828800" algn="l" defTabSz="914400" rtl="0" eaLnBrk="1" latinLnBrk="0" hangingPunct="1">
+                  <a:defRPr sz="1800" kern="1200">
+                    <a:solidFill>
+                      <a:schemeClr val="lt1"/>
+                    </a:solidFill>
+                    <a:latin typeface="+mn-lt"/>
+                    <a:ea typeface="+mn-ea"/>
+                    <a:cs typeface="+mn-cs"/>
+                  </a:defRPr>
+                </a:lvl5pPr>
+                <a:lvl6pPr marL="2286000" algn="l" defTabSz="914400" rtl="0" eaLnBrk="1" latinLnBrk="0" hangingPunct="1">
+                  <a:defRPr sz="1800" kern="1200">
+                    <a:solidFill>
+                      <a:schemeClr val="lt1"/>
+                    </a:solidFill>
+                    <a:latin typeface="+mn-lt"/>
+                    <a:ea typeface="+mn-ea"/>
+                    <a:cs typeface="+mn-cs"/>
+                  </a:defRPr>
+                </a:lvl6pPr>
+                <a:lvl7pPr marL="2743200" algn="l" defTabSz="914400" rtl="0" eaLnBrk="1" latinLnBrk="0" hangingPunct="1">
+                  <a:defRPr sz="1800" kern="1200">
+                    <a:solidFill>
+                      <a:schemeClr val="lt1"/>
+                    </a:solidFill>
+                    <a:latin typeface="+mn-lt"/>
+                    <a:ea typeface="+mn-ea"/>
+                    <a:cs typeface="+mn-cs"/>
+                  </a:defRPr>
+                </a:lvl7pPr>
+                <a:lvl8pPr marL="3200400" algn="l" defTabSz="914400" rtl="0" eaLnBrk="1" latinLnBrk="0" hangingPunct="1">
+                  <a:defRPr sz="1800" kern="1200">
+                    <a:solidFill>
+                      <a:schemeClr val="lt1"/>
+                    </a:solidFill>
+                    <a:latin typeface="+mn-lt"/>
+                    <a:ea typeface="+mn-ea"/>
+                    <a:cs typeface="+mn-cs"/>
+                  </a:defRPr>
+                </a:lvl8pPr>
+                <a:lvl9pPr marL="3657600" algn="l" defTabSz="914400" rtl="0" eaLnBrk="1" latinLnBrk="0" hangingPunct="1">
+                  <a:defRPr sz="1800" kern="1200">
+                    <a:solidFill>
+                      <a:schemeClr val="lt1"/>
+                    </a:solidFill>
+                    <a:latin typeface="+mn-lt"/>
+                    <a:ea typeface="+mn-ea"/>
+                    <a:cs typeface="+mn-cs"/>
+                  </a:defRPr>
+                </a:lvl9pPr>
+              </a:lstStyle>
+              <a:p>
+                <a:pPr algn="ctr"/>
+                <a:endParaRPr lang="en-US" sz="1350"/>
+              </a:p>
+            </p:txBody>
+          </p:sp>
+        </p:grpSp>
+        <p:sp>
+          <p:nvSpPr>
+            <p:cNvPr id="36" name="Rectangle 35">
+              <a:extLst>
+                <a:ext uri="{FF2B5EF4-FFF2-40B4-BE49-F238E27FC236}">
+                  <a16:creationId xmlns:a16="http://schemas.microsoft.com/office/drawing/2014/main" id="{510C7DD9-1823-440A-AEEA-3BC1BD9E2512}"/>
+                </a:ext>
+              </a:extLst>
+            </p:cNvPr>
+            <p:cNvSpPr/>
+            <p:nvPr/>
+          </p:nvSpPr>
+          <p:spPr>
+            <a:xfrm>
+              <a:off x="2803236" y="3362034"/>
+              <a:ext cx="1939636" cy="2641595"/>
+            </a:xfrm>
+            <a:prstGeom prst="rect">
+              <a:avLst/>
+            </a:prstGeom>
+            <a:solidFill>
+              <a:schemeClr val="bg1">
+                <a:lumMod val="85000"/>
+              </a:schemeClr>
+            </a:solidFill>
+            <a:ln>
+              <a:noFill/>
+            </a:ln>
+          </p:spPr>
+          <p:style>
+            <a:lnRef idx="2">
+              <a:schemeClr val="accent1">
+                <a:shade val="50000"/>
+              </a:schemeClr>
+            </a:lnRef>
+            <a:fillRef idx="1">
+              <a:schemeClr val="accent1"/>
+            </a:fillRef>
+            <a:effectRef idx="0">
+              <a:schemeClr val="accent1"/>
+            </a:effectRef>
+            <a:fontRef idx="minor">
+              <a:schemeClr val="lt1"/>
+            </a:fontRef>
+          </p:style>
+          <p:txBody>
+            <a:bodyPr rot="0" spcFirstLastPara="0" vert="horz" wrap="square" lIns="68580" tIns="34290" rIns="68580" bIns="34290" numCol="1" spcCol="0" rtlCol="0" fromWordArt="0" anchor="t" anchorCtr="0" forceAA="0" compatLnSpc="1">
+              <a:prstTxWarp prst="textNoShape">
+                <a:avLst/>
+              </a:prstTxWarp>
+              <a:noAutofit/>
+            </a:bodyPr>
+            <a:lstStyle>
+              <a:defPPr>
+                <a:defRPr lang="en-US"/>
+              </a:defPPr>
+              <a:lvl1pPr marL="0" algn="l" defTabSz="914400" rtl="0" eaLnBrk="1" latinLnBrk="0" hangingPunct="1">
+                <a:defRPr sz="1800" kern="1200">
+                  <a:solidFill>
+                    <a:schemeClr val="lt1"/>
+                  </a:solidFill>
+                  <a:latin typeface="+mn-lt"/>
+                  <a:ea typeface="+mn-ea"/>
+                  <a:cs typeface="+mn-cs"/>
+                </a:defRPr>
+              </a:lvl1pPr>
+              <a:lvl2pPr marL="457200" algn="l" defTabSz="914400" rtl="0" eaLnBrk="1" latinLnBrk="0" hangingPunct="1">
+                <a:defRPr sz="1800" kern="1200">
+                  <a:solidFill>
+                    <a:schemeClr val="lt1"/>
+                  </a:solidFill>
+                  <a:latin typeface="+mn-lt"/>
+                  <a:ea typeface="+mn-ea"/>
+                  <a:cs typeface="+mn-cs"/>
+                </a:defRPr>
+              </a:lvl2pPr>
+              <a:lvl3pPr marL="914400" algn="l" defTabSz="914400" rtl="0" eaLnBrk="1" latinLnBrk="0" hangingPunct="1">
+                <a:defRPr sz="1800" kern="1200">
+                  <a:solidFill>
+                    <a:schemeClr val="lt1"/>
+                  </a:solidFill>
+                  <a:latin typeface="+mn-lt"/>
+                  <a:ea typeface="+mn-ea"/>
+                  <a:cs typeface="+mn-cs"/>
+                </a:defRPr>
+              </a:lvl3pPr>
+              <a:lvl4pPr marL="1371600" algn="l" defTabSz="914400" rtl="0" eaLnBrk="1" latinLnBrk="0" hangingPunct="1">
+                <a:defRPr sz="1800" kern="1200">
+                  <a:solidFill>
+                    <a:schemeClr val="lt1"/>
+                  </a:solidFill>
+                  <a:latin typeface="+mn-lt"/>
+                  <a:ea typeface="+mn-ea"/>
+                  <a:cs typeface="+mn-cs"/>
+                </a:defRPr>
+              </a:lvl4pPr>
+              <a:lvl5pPr marL="1828800" algn="l" defTabSz="914400" rtl="0" eaLnBrk="1" latinLnBrk="0" hangingPunct="1">
+                <a:defRPr sz="1800" kern="1200">
+                  <a:solidFill>
+                    <a:schemeClr val="lt1"/>
+                  </a:solidFill>
+                  <a:latin typeface="+mn-lt"/>
+                  <a:ea typeface="+mn-ea"/>
+                  <a:cs typeface="+mn-cs"/>
+                </a:defRPr>
+              </a:lvl5pPr>
+              <a:lvl6pPr marL="2286000" algn="l" defTabSz="914400" rtl="0" eaLnBrk="1" latinLnBrk="0" hangingPunct="1">
+                <a:defRPr sz="1800" kern="1200">
+                  <a:solidFill>
+                    <a:schemeClr val="lt1"/>
+                  </a:solidFill>
+                  <a:latin typeface="+mn-lt"/>
+                  <a:ea typeface="+mn-ea"/>
+                  <a:cs typeface="+mn-cs"/>
+                </a:defRPr>
+              </a:lvl6pPr>
+              <a:lvl7pPr marL="2743200" algn="l" defTabSz="914400" rtl="0" eaLnBrk="1" latinLnBrk="0" hangingPunct="1">
+                <a:defRPr sz="1800" kern="1200">
+                  <a:solidFill>
+                    <a:schemeClr val="lt1"/>
+                  </a:solidFill>
+                  <a:latin typeface="+mn-lt"/>
+                  <a:ea typeface="+mn-ea"/>
+                  <a:cs typeface="+mn-cs"/>
+                </a:defRPr>
+              </a:lvl7pPr>
+              <a:lvl8pPr marL="3200400" algn="l" defTabSz="914400" rtl="0" eaLnBrk="1" latinLnBrk="0" hangingPunct="1">
+                <a:defRPr sz="1800" kern="1200">
+                  <a:solidFill>
+                    <a:schemeClr val="lt1"/>
+                  </a:solidFill>
+                  <a:latin typeface="+mn-lt"/>
+                  <a:ea typeface="+mn-ea"/>
+                  <a:cs typeface="+mn-cs"/>
+                </a:defRPr>
+              </a:lvl8pPr>
+              <a:lvl9pPr marL="3657600" algn="l" defTabSz="914400" rtl="0" eaLnBrk="1" latinLnBrk="0" hangingPunct="1">
+                <a:defRPr sz="1800" kern="1200">
+                  <a:solidFill>
+                    <a:schemeClr val="lt1"/>
+                  </a:solidFill>
+                  <a:latin typeface="+mn-lt"/>
+                  <a:ea typeface="+mn-ea"/>
+                  <a:cs typeface="+mn-cs"/>
+                </a:defRPr>
+              </a:lvl9pPr>
+            </a:lstStyle>
+            <a:p>
+              <a:pPr algn="ctr">
+                <a:spcAft>
+                  <a:spcPts val="900"/>
+                </a:spcAft>
+              </a:pPr>
+              <a:r>
+                <a:rPr lang="en-US" sz="1400" b="1" cap="all" noProof="1">
+                  <a:solidFill>
+                    <a:prstClr val="black"/>
+                  </a:solidFill>
+                </a:rPr>
+                <a:t>data scrub</a:t>
+              </a:r>
+            </a:p>
+            <a:p>
+              <a:pPr algn="just">
+                <a:spcAft>
+                  <a:spcPts val="900"/>
+                </a:spcAft>
+              </a:pPr>
+              <a:r>
+                <a:rPr lang="en-US" sz="900" b="1" noProof="1">
+                  <a:solidFill>
+                    <a:prstClr val="black">
+                      <a:lumMod val="65000"/>
+                      <a:lumOff val="35000"/>
+                    </a:prstClr>
+                  </a:solidFill>
+                </a:rPr>
+                <a:t>Dropped rows with missing data</a:t>
+              </a:r>
+            </a:p>
+            <a:p>
+              <a:pPr algn="just">
+                <a:spcAft>
+                  <a:spcPts val="900"/>
+                </a:spcAft>
+              </a:pPr>
+              <a:r>
+                <a:rPr lang="en-US" sz="900" b="1" noProof="1">
+                  <a:solidFill>
+                    <a:prstClr val="black">
+                      <a:lumMod val="65000"/>
+                      <a:lumOff val="35000"/>
+                    </a:prstClr>
+                  </a:solidFill>
+                </a:rPr>
+                <a:t>Timestamp conversion</a:t>
+              </a:r>
+            </a:p>
+            <a:p>
+              <a:pPr algn="just">
+                <a:spcAft>
+                  <a:spcPts val="900"/>
+                </a:spcAft>
+              </a:pPr>
+              <a:r>
+                <a:rPr lang="en-US" sz="900" b="1" noProof="1">
+                  <a:solidFill>
+                    <a:prstClr val="black">
+                      <a:lumMod val="65000"/>
+                      <a:lumOff val="35000"/>
+                    </a:prstClr>
+                  </a:solidFill>
+                </a:rPr>
+                <a:t>Data integrity checks</a:t>
+              </a:r>
+            </a:p>
+          </p:txBody>
+        </p:sp>
+        <p:sp>
+          <p:nvSpPr>
+            <p:cNvPr id="37" name="Rectangle 36">
+              <a:extLst>
+                <a:ext uri="{FF2B5EF4-FFF2-40B4-BE49-F238E27FC236}">
+                  <a16:creationId xmlns:a16="http://schemas.microsoft.com/office/drawing/2014/main" id="{2EC9A83F-0606-4F06-A9BE-F7B5B9AA02F9}"/>
+                </a:ext>
+              </a:extLst>
+            </p:cNvPr>
+            <p:cNvSpPr/>
+            <p:nvPr/>
+          </p:nvSpPr>
+          <p:spPr>
+            <a:xfrm>
+              <a:off x="2803235" y="6003629"/>
+              <a:ext cx="1939636" cy="139996"/>
+            </a:xfrm>
+            <a:prstGeom prst="rect">
+              <a:avLst/>
+            </a:prstGeom>
+            <a:solidFill>
+              <a:schemeClr val="accent2">
+                <a:lumMod val="75000"/>
+              </a:schemeClr>
+            </a:solidFill>
+            <a:ln>
+              <a:noFill/>
+            </a:ln>
+          </p:spPr>
+          <p:style>
+            <a:lnRef idx="2">
+              <a:schemeClr val="accent1">
+                <a:shade val="50000"/>
+              </a:schemeClr>
+            </a:lnRef>
+            <a:fillRef idx="1">
+              <a:schemeClr val="accent1"/>
+            </a:fillRef>
+            <a:effectRef idx="0">
+              <a:schemeClr val="accent1"/>
+            </a:effectRef>
+            <a:fontRef idx="minor">
+              <a:schemeClr val="lt1"/>
+            </a:fontRef>
+          </p:style>
+          <p:txBody>
+            <a:bodyPr rot="0" spcFirstLastPara="0" vert="horz" wrap="square" lIns="68580" tIns="34290" rIns="68580" bIns="34290" numCol="1" spcCol="0" rtlCol="0" fromWordArt="0" anchor="ctr" anchorCtr="0" forceAA="0" compatLnSpc="1">
+              <a:prstTxWarp prst="textNoShape">
+                <a:avLst/>
+              </a:prstTxWarp>
+              <a:noAutofit/>
+            </a:bodyPr>
+            <a:lstStyle>
+              <a:defPPr>
+                <a:defRPr lang="en-US"/>
+              </a:defPPr>
+              <a:lvl1pPr marL="0" algn="l" defTabSz="914400" rtl="0" eaLnBrk="1" latinLnBrk="0" hangingPunct="1">
+                <a:defRPr sz="1800" kern="1200">
+                  <a:solidFill>
+                    <a:schemeClr val="lt1"/>
+                  </a:solidFill>
+                  <a:latin typeface="+mn-lt"/>
+                  <a:ea typeface="+mn-ea"/>
+                  <a:cs typeface="+mn-cs"/>
+                </a:defRPr>
+              </a:lvl1pPr>
+              <a:lvl2pPr marL="457200" algn="l" defTabSz="914400" rtl="0" eaLnBrk="1" latinLnBrk="0" hangingPunct="1">
+                <a:defRPr sz="1800" kern="1200">
+                  <a:solidFill>
+                    <a:schemeClr val="lt1"/>
+                  </a:solidFill>
+                  <a:latin typeface="+mn-lt"/>
+                  <a:ea typeface="+mn-ea"/>
+                  <a:cs typeface="+mn-cs"/>
+                </a:defRPr>
+              </a:lvl2pPr>
+              <a:lvl3pPr marL="914400" algn="l" defTabSz="914400" rtl="0" eaLnBrk="1" latinLnBrk="0" hangingPunct="1">
+                <a:defRPr sz="1800" kern="1200">
+                  <a:solidFill>
+                    <a:schemeClr val="lt1"/>
+                  </a:solidFill>
+                  <a:latin typeface="+mn-lt"/>
+                  <a:ea typeface="+mn-ea"/>
+                  <a:cs typeface="+mn-cs"/>
+                </a:defRPr>
+              </a:lvl3pPr>
+              <a:lvl4pPr marL="1371600" algn="l" defTabSz="914400" rtl="0" eaLnBrk="1" latinLnBrk="0" hangingPunct="1">
+                <a:defRPr sz="1800" kern="1200">
+                  <a:solidFill>
+                    <a:schemeClr val="lt1"/>
+                  </a:solidFill>
+                  <a:latin typeface="+mn-lt"/>
+                  <a:ea typeface="+mn-ea"/>
+                  <a:cs typeface="+mn-cs"/>
+                </a:defRPr>
+              </a:lvl4pPr>
+              <a:lvl5pPr marL="1828800" algn="l" defTabSz="914400" rtl="0" eaLnBrk="1" latinLnBrk="0" hangingPunct="1">
+                <a:defRPr sz="1800" kern="1200">
+                  <a:solidFill>
+                    <a:schemeClr val="lt1"/>
+                  </a:solidFill>
+                  <a:latin typeface="+mn-lt"/>
+                  <a:ea typeface="+mn-ea"/>
+                  <a:cs typeface="+mn-cs"/>
+                </a:defRPr>
+              </a:lvl5pPr>
+              <a:lvl6pPr marL="2286000" algn="l" defTabSz="914400" rtl="0" eaLnBrk="1" latinLnBrk="0" hangingPunct="1">
+                <a:defRPr sz="1800" kern="1200">
+                  <a:solidFill>
+                    <a:schemeClr val="lt1"/>
+                  </a:solidFill>
+                  <a:latin typeface="+mn-lt"/>
+                  <a:ea typeface="+mn-ea"/>
+                  <a:cs typeface="+mn-cs"/>
+                </a:defRPr>
+              </a:lvl6pPr>
+              <a:lvl7pPr marL="2743200" algn="l" defTabSz="914400" rtl="0" eaLnBrk="1" latinLnBrk="0" hangingPunct="1">
+                <a:defRPr sz="1800" kern="1200">
+                  <a:solidFill>
+                    <a:schemeClr val="lt1"/>
+                  </a:solidFill>
+                  <a:latin typeface="+mn-lt"/>
+                  <a:ea typeface="+mn-ea"/>
+                  <a:cs typeface="+mn-cs"/>
+                </a:defRPr>
+              </a:lvl7pPr>
+              <a:lvl8pPr marL="3200400" algn="l" defTabSz="914400" rtl="0" eaLnBrk="1" latinLnBrk="0" hangingPunct="1">
+                <a:defRPr sz="1800" kern="1200">
+                  <a:solidFill>
+                    <a:schemeClr val="lt1"/>
+                  </a:solidFill>
+                  <a:latin typeface="+mn-lt"/>
+                  <a:ea typeface="+mn-ea"/>
+                  <a:cs typeface="+mn-cs"/>
+                </a:defRPr>
+              </a:lvl8pPr>
+              <a:lvl9pPr marL="3657600" algn="l" defTabSz="914400" rtl="0" eaLnBrk="1" latinLnBrk="0" hangingPunct="1">
+                <a:defRPr sz="1800" kern="1200">
+                  <a:solidFill>
+                    <a:schemeClr val="lt1"/>
+                  </a:solidFill>
+                  <a:latin typeface="+mn-lt"/>
+                  <a:ea typeface="+mn-ea"/>
+                  <a:cs typeface="+mn-cs"/>
+                </a:defRPr>
+              </a:lvl9pPr>
+            </a:lstStyle>
+            <a:p>
+              <a:pPr algn="ctr"/>
+              <a:endParaRPr lang="en-US" sz="1350"/>
+            </a:p>
+          </p:txBody>
+        </p:sp>
+      </p:grpSp>
+      <p:grpSp>
+        <p:nvGrpSpPr>
+          <p:cNvPr id="6" name="Group 5">
+            <a:extLst>
+              <a:ext uri="{FF2B5EF4-FFF2-40B4-BE49-F238E27FC236}">
+                <a16:creationId xmlns:a16="http://schemas.microsoft.com/office/drawing/2014/main" id="{17E61AEB-683F-40C5-AA7D-09CA681F265F}"/>
+              </a:ext>
+            </a:extLst>
+          </p:cNvPr>
+          <p:cNvGrpSpPr/>
+          <p:nvPr/>
+        </p:nvGrpSpPr>
+        <p:grpSpPr>
+          <a:xfrm>
+            <a:off x="5368639" y="2255696"/>
+            <a:ext cx="1454730" cy="3056009"/>
+            <a:chOff x="5126180" y="2068947"/>
+            <a:chExt cx="1939639" cy="4074678"/>
+          </a:xfrm>
+        </p:grpSpPr>
+        <p:grpSp>
+          <p:nvGrpSpPr>
+            <p:cNvPr id="30" name="Group 29">
+              <a:extLst>
+                <a:ext uri="{FF2B5EF4-FFF2-40B4-BE49-F238E27FC236}">
+                  <a16:creationId xmlns:a16="http://schemas.microsoft.com/office/drawing/2014/main" id="{5CA16343-DB99-49B6-8134-376410060C76}"/>
+                </a:ext>
+              </a:extLst>
+            </p:cNvPr>
+            <p:cNvGrpSpPr/>
+            <p:nvPr/>
+          </p:nvGrpSpPr>
+          <p:grpSpPr>
+            <a:xfrm>
+              <a:off x="5126183" y="2068947"/>
+              <a:ext cx="1939636" cy="1293088"/>
+              <a:chOff x="5126183" y="2068947"/>
+              <a:chExt cx="1939636" cy="1293088"/>
+            </a:xfrm>
+            <a:solidFill>
+              <a:schemeClr val="accent3"/>
+            </a:solidFill>
+          </p:grpSpPr>
+          <p:sp>
+            <p:nvSpPr>
+              <p:cNvPr id="33" name="Rectangle 32">
+                <a:extLst>
+                  <a:ext uri="{FF2B5EF4-FFF2-40B4-BE49-F238E27FC236}">
+                    <a16:creationId xmlns:a16="http://schemas.microsoft.com/office/drawing/2014/main" id="{21F117B5-6982-49C2-9960-36D9364089AA}"/>
+                  </a:ext>
+                </a:extLst>
+              </p:cNvPr>
+              <p:cNvSpPr/>
+              <p:nvPr/>
+            </p:nvSpPr>
+            <p:spPr>
+              <a:xfrm>
+                <a:off x="5126183" y="2355273"/>
+                <a:ext cx="1939636" cy="1006762"/>
+              </a:xfrm>
+              <a:prstGeom prst="rect">
+                <a:avLst/>
+              </a:prstGeom>
+              <a:grpFill/>
+              <a:ln>
+                <a:noFill/>
+              </a:ln>
+            </p:spPr>
+            <p:style>
+              <a:lnRef idx="2">
+                <a:schemeClr val="accent1">
+                  <a:shade val="50000"/>
+                </a:schemeClr>
+              </a:lnRef>
+              <a:fillRef idx="1">
+                <a:schemeClr val="accent1"/>
+              </a:fillRef>
+              <a:effectRef idx="0">
+                <a:schemeClr val="accent1"/>
+              </a:effectRef>
+              <a:fontRef idx="minor">
+                <a:schemeClr val="lt1"/>
+              </a:fontRef>
+            </p:style>
+            <p:txBody>
+              <a:bodyPr rot="0" spcFirstLastPara="0" vert="horz" wrap="square" lIns="68580" tIns="34290" rIns="68580" bIns="34290" numCol="1" spcCol="0" rtlCol="0" fromWordArt="0" anchor="ctr" anchorCtr="0" forceAA="0" compatLnSpc="1">
+                <a:prstTxWarp prst="textNoShape">
+                  <a:avLst/>
+                </a:prstTxWarp>
+                <a:noAutofit/>
+              </a:bodyPr>
+              <a:lstStyle>
+                <a:defPPr>
+                  <a:defRPr lang="en-US"/>
+                </a:defPPr>
+                <a:lvl1pPr marL="0" algn="l" defTabSz="914400" rtl="0" eaLnBrk="1" latinLnBrk="0" hangingPunct="1">
+                  <a:defRPr sz="1800" kern="1200">
+                    <a:solidFill>
+                      <a:schemeClr val="lt1"/>
+                    </a:solidFill>
+                    <a:latin typeface="+mn-lt"/>
+                    <a:ea typeface="+mn-ea"/>
+                    <a:cs typeface="+mn-cs"/>
+                  </a:defRPr>
+                </a:lvl1pPr>
+                <a:lvl2pPr marL="457200" algn="l" defTabSz="914400" rtl="0" eaLnBrk="1" latinLnBrk="0" hangingPunct="1">
+                  <a:defRPr sz="1800" kern="1200">
+                    <a:solidFill>
+                      <a:schemeClr val="lt1"/>
+                    </a:solidFill>
+                    <a:latin typeface="+mn-lt"/>
+                    <a:ea typeface="+mn-ea"/>
+                    <a:cs typeface="+mn-cs"/>
+                  </a:defRPr>
+                </a:lvl2pPr>
+                <a:lvl3pPr marL="914400" algn="l" defTabSz="914400" rtl="0" eaLnBrk="1" latinLnBrk="0" hangingPunct="1">
+                  <a:defRPr sz="1800" kern="1200">
+                    <a:solidFill>
+                      <a:schemeClr val="lt1"/>
+                    </a:solidFill>
+                    <a:latin typeface="+mn-lt"/>
+                    <a:ea typeface="+mn-ea"/>
+                    <a:cs typeface="+mn-cs"/>
+                  </a:defRPr>
+                </a:lvl3pPr>
+                <a:lvl4pPr marL="1371600" algn="l" defTabSz="914400" rtl="0" eaLnBrk="1" latinLnBrk="0" hangingPunct="1">
+                  <a:defRPr sz="1800" kern="1200">
+                    <a:solidFill>
+                      <a:schemeClr val="lt1"/>
+                    </a:solidFill>
+                    <a:latin typeface="+mn-lt"/>
+                    <a:ea typeface="+mn-ea"/>
+                    <a:cs typeface="+mn-cs"/>
+                  </a:defRPr>
+                </a:lvl4pPr>
+                <a:lvl5pPr marL="1828800" algn="l" defTabSz="914400" rtl="0" eaLnBrk="1" latinLnBrk="0" hangingPunct="1">
+                  <a:defRPr sz="1800" kern="1200">
+                    <a:solidFill>
+                      <a:schemeClr val="lt1"/>
+                    </a:solidFill>
+                    <a:latin typeface="+mn-lt"/>
+                    <a:ea typeface="+mn-ea"/>
+                    <a:cs typeface="+mn-cs"/>
+                  </a:defRPr>
+                </a:lvl5pPr>
+                <a:lvl6pPr marL="2286000" algn="l" defTabSz="914400" rtl="0" eaLnBrk="1" latinLnBrk="0" hangingPunct="1">
+                  <a:defRPr sz="1800" kern="1200">
+                    <a:solidFill>
+                      <a:schemeClr val="lt1"/>
+                    </a:solidFill>
+                    <a:latin typeface="+mn-lt"/>
+                    <a:ea typeface="+mn-ea"/>
+                    <a:cs typeface="+mn-cs"/>
+                  </a:defRPr>
+                </a:lvl6pPr>
+                <a:lvl7pPr marL="2743200" algn="l" defTabSz="914400" rtl="0" eaLnBrk="1" latinLnBrk="0" hangingPunct="1">
+                  <a:defRPr sz="1800" kern="1200">
+                    <a:solidFill>
+                      <a:schemeClr val="lt1"/>
+                    </a:solidFill>
+                    <a:latin typeface="+mn-lt"/>
+                    <a:ea typeface="+mn-ea"/>
+                    <a:cs typeface="+mn-cs"/>
+                  </a:defRPr>
+                </a:lvl7pPr>
+                <a:lvl8pPr marL="3200400" algn="l" defTabSz="914400" rtl="0" eaLnBrk="1" latinLnBrk="0" hangingPunct="1">
+                  <a:defRPr sz="1800" kern="1200">
+                    <a:solidFill>
+                      <a:schemeClr val="lt1"/>
+                    </a:solidFill>
+                    <a:latin typeface="+mn-lt"/>
+                    <a:ea typeface="+mn-ea"/>
+                    <a:cs typeface="+mn-cs"/>
+                  </a:defRPr>
+                </a:lvl8pPr>
+                <a:lvl9pPr marL="3657600" algn="l" defTabSz="914400" rtl="0" eaLnBrk="1" latinLnBrk="0" hangingPunct="1">
+                  <a:defRPr sz="1800" kern="1200">
+                    <a:solidFill>
+                      <a:schemeClr val="lt1"/>
+                    </a:solidFill>
+                    <a:latin typeface="+mn-lt"/>
+                    <a:ea typeface="+mn-ea"/>
+                    <a:cs typeface="+mn-cs"/>
+                  </a:defRPr>
+                </a:lvl9pPr>
+              </a:lstStyle>
+              <a:p>
+                <a:pPr algn="ctr"/>
+                <a:endParaRPr lang="en-US" sz="1350"/>
+              </a:p>
+            </p:txBody>
+          </p:sp>
+          <p:sp>
+            <p:nvSpPr>
+              <p:cNvPr id="34" name="Isosceles Triangle 33">
+                <a:extLst>
+                  <a:ext uri="{FF2B5EF4-FFF2-40B4-BE49-F238E27FC236}">
+                    <a16:creationId xmlns:a16="http://schemas.microsoft.com/office/drawing/2014/main" id="{85B6863F-0A26-4BF5-8102-3ABBD975FF62}"/>
+                  </a:ext>
+                </a:extLst>
+              </p:cNvPr>
+              <p:cNvSpPr/>
+              <p:nvPr/>
+            </p:nvSpPr>
+            <p:spPr>
+              <a:xfrm>
+                <a:off x="5828146" y="2068947"/>
+                <a:ext cx="535709" cy="286326"/>
+              </a:xfrm>
+              <a:prstGeom prst="triangle">
+                <a:avLst/>
+              </a:prstGeom>
+              <a:grpFill/>
+              <a:ln>
+                <a:noFill/>
+              </a:ln>
+            </p:spPr>
+            <p:style>
+              <a:lnRef idx="2">
+                <a:schemeClr val="accent1">
+                  <a:shade val="50000"/>
+                </a:schemeClr>
+              </a:lnRef>
+              <a:fillRef idx="1">
+                <a:schemeClr val="accent1"/>
+              </a:fillRef>
+              <a:effectRef idx="0">
+                <a:schemeClr val="accent1"/>
+              </a:effectRef>
+              <a:fontRef idx="minor">
+                <a:schemeClr val="lt1"/>
+              </a:fontRef>
+            </p:style>
+            <p:txBody>
+              <a:bodyPr rot="0" spcFirstLastPara="0" vert="horz" wrap="square" lIns="68580" tIns="34290" rIns="68580" bIns="34290" numCol="1" spcCol="0" rtlCol="0" fromWordArt="0" anchor="ctr" anchorCtr="0" forceAA="0" compatLnSpc="1">
+                <a:prstTxWarp prst="textNoShape">
+                  <a:avLst/>
+                </a:prstTxWarp>
+                <a:noAutofit/>
+              </a:bodyPr>
+              <a:lstStyle>
+                <a:defPPr>
+                  <a:defRPr lang="en-US"/>
+                </a:defPPr>
+                <a:lvl1pPr marL="0" algn="l" defTabSz="914400" rtl="0" eaLnBrk="1" latinLnBrk="0" hangingPunct="1">
+                  <a:defRPr sz="1800" kern="1200">
+                    <a:solidFill>
+                      <a:schemeClr val="lt1"/>
+                    </a:solidFill>
+                    <a:latin typeface="+mn-lt"/>
+                    <a:ea typeface="+mn-ea"/>
+                    <a:cs typeface="+mn-cs"/>
+                  </a:defRPr>
+                </a:lvl1pPr>
+                <a:lvl2pPr marL="457200" algn="l" defTabSz="914400" rtl="0" eaLnBrk="1" latinLnBrk="0" hangingPunct="1">
+                  <a:defRPr sz="1800" kern="1200">
+                    <a:solidFill>
+                      <a:schemeClr val="lt1"/>
+                    </a:solidFill>
+                    <a:latin typeface="+mn-lt"/>
+                    <a:ea typeface="+mn-ea"/>
+                    <a:cs typeface="+mn-cs"/>
+                  </a:defRPr>
+                </a:lvl2pPr>
+                <a:lvl3pPr marL="914400" algn="l" defTabSz="914400" rtl="0" eaLnBrk="1" latinLnBrk="0" hangingPunct="1">
+                  <a:defRPr sz="1800" kern="1200">
+                    <a:solidFill>
+                      <a:schemeClr val="lt1"/>
+                    </a:solidFill>
+                    <a:latin typeface="+mn-lt"/>
+                    <a:ea typeface="+mn-ea"/>
+                    <a:cs typeface="+mn-cs"/>
+                  </a:defRPr>
+                </a:lvl3pPr>
+                <a:lvl4pPr marL="1371600" algn="l" defTabSz="914400" rtl="0" eaLnBrk="1" latinLnBrk="0" hangingPunct="1">
+                  <a:defRPr sz="1800" kern="1200">
+                    <a:solidFill>
+                      <a:schemeClr val="lt1"/>
+                    </a:solidFill>
+                    <a:latin typeface="+mn-lt"/>
+                    <a:ea typeface="+mn-ea"/>
+                    <a:cs typeface="+mn-cs"/>
+                  </a:defRPr>
+                </a:lvl4pPr>
+                <a:lvl5pPr marL="1828800" algn="l" defTabSz="914400" rtl="0" eaLnBrk="1" latinLnBrk="0" hangingPunct="1">
+                  <a:defRPr sz="1800" kern="1200">
+                    <a:solidFill>
+                      <a:schemeClr val="lt1"/>
+                    </a:solidFill>
+                    <a:latin typeface="+mn-lt"/>
+                    <a:ea typeface="+mn-ea"/>
+                    <a:cs typeface="+mn-cs"/>
+                  </a:defRPr>
+                </a:lvl5pPr>
+                <a:lvl6pPr marL="2286000" algn="l" defTabSz="914400" rtl="0" eaLnBrk="1" latinLnBrk="0" hangingPunct="1">
+                  <a:defRPr sz="1800" kern="1200">
+                    <a:solidFill>
+                      <a:schemeClr val="lt1"/>
+                    </a:solidFill>
+                    <a:latin typeface="+mn-lt"/>
+                    <a:ea typeface="+mn-ea"/>
+                    <a:cs typeface="+mn-cs"/>
+                  </a:defRPr>
+                </a:lvl6pPr>
+                <a:lvl7pPr marL="2743200" algn="l" defTabSz="914400" rtl="0" eaLnBrk="1" latinLnBrk="0" hangingPunct="1">
+                  <a:defRPr sz="1800" kern="1200">
+                    <a:solidFill>
+                      <a:schemeClr val="lt1"/>
+                    </a:solidFill>
+                    <a:latin typeface="+mn-lt"/>
+                    <a:ea typeface="+mn-ea"/>
+                    <a:cs typeface="+mn-cs"/>
+                  </a:defRPr>
+                </a:lvl7pPr>
+                <a:lvl8pPr marL="3200400" algn="l" defTabSz="914400" rtl="0" eaLnBrk="1" latinLnBrk="0" hangingPunct="1">
+                  <a:defRPr sz="1800" kern="1200">
+                    <a:solidFill>
+                      <a:schemeClr val="lt1"/>
+                    </a:solidFill>
+                    <a:latin typeface="+mn-lt"/>
+                    <a:ea typeface="+mn-ea"/>
+                    <a:cs typeface="+mn-cs"/>
+                  </a:defRPr>
+                </a:lvl8pPr>
+                <a:lvl9pPr marL="3657600" algn="l" defTabSz="914400" rtl="0" eaLnBrk="1" latinLnBrk="0" hangingPunct="1">
+                  <a:defRPr sz="1800" kern="1200">
+                    <a:solidFill>
+                      <a:schemeClr val="lt1"/>
+                    </a:solidFill>
+                    <a:latin typeface="+mn-lt"/>
+                    <a:ea typeface="+mn-ea"/>
+                    <a:cs typeface="+mn-cs"/>
+                  </a:defRPr>
+                </a:lvl9pPr>
+              </a:lstStyle>
+              <a:p>
+                <a:pPr algn="ctr"/>
+                <a:endParaRPr lang="en-US" sz="1350"/>
+              </a:p>
+            </p:txBody>
+          </p:sp>
+        </p:grpSp>
+        <p:sp>
+          <p:nvSpPr>
+            <p:cNvPr id="31" name="Rectangle 30">
+              <a:extLst>
+                <a:ext uri="{FF2B5EF4-FFF2-40B4-BE49-F238E27FC236}">
+                  <a16:creationId xmlns:a16="http://schemas.microsoft.com/office/drawing/2014/main" id="{E22173C7-C324-45C3-8238-A6EBCBD8BEE2}"/>
+                </a:ext>
+              </a:extLst>
+            </p:cNvPr>
+            <p:cNvSpPr/>
+            <p:nvPr/>
+          </p:nvSpPr>
+          <p:spPr>
+            <a:xfrm>
+              <a:off x="5126182" y="3362034"/>
+              <a:ext cx="1939636" cy="2641595"/>
+            </a:xfrm>
+            <a:prstGeom prst="rect">
+              <a:avLst/>
+            </a:prstGeom>
+            <a:solidFill>
+              <a:schemeClr val="bg1">
+                <a:lumMod val="85000"/>
+              </a:schemeClr>
+            </a:solidFill>
+            <a:ln>
+              <a:noFill/>
+            </a:ln>
+          </p:spPr>
+          <p:style>
+            <a:lnRef idx="2">
+              <a:schemeClr val="accent1">
+                <a:shade val="50000"/>
+              </a:schemeClr>
+            </a:lnRef>
+            <a:fillRef idx="1">
+              <a:schemeClr val="accent1"/>
+            </a:fillRef>
+            <a:effectRef idx="0">
+              <a:schemeClr val="accent1"/>
+            </a:effectRef>
+            <a:fontRef idx="minor">
+              <a:schemeClr val="lt1"/>
+            </a:fontRef>
+          </p:style>
+          <p:txBody>
+            <a:bodyPr rot="0" spcFirstLastPara="0" vert="horz" wrap="square" lIns="68580" tIns="34290" rIns="68580" bIns="34290" numCol="1" spcCol="0" rtlCol="0" fromWordArt="0" anchor="t" anchorCtr="0" forceAA="0" compatLnSpc="1">
+              <a:prstTxWarp prst="textNoShape">
+                <a:avLst/>
+              </a:prstTxWarp>
+              <a:noAutofit/>
+            </a:bodyPr>
+            <a:lstStyle>
+              <a:defPPr>
+                <a:defRPr lang="en-US"/>
+              </a:defPPr>
+              <a:lvl1pPr marL="0" algn="l" defTabSz="914400" rtl="0" eaLnBrk="1" latinLnBrk="0" hangingPunct="1">
+                <a:defRPr sz="1800" kern="1200">
+                  <a:solidFill>
+                    <a:schemeClr val="lt1"/>
+                  </a:solidFill>
+                  <a:latin typeface="+mn-lt"/>
+                  <a:ea typeface="+mn-ea"/>
+                  <a:cs typeface="+mn-cs"/>
+                </a:defRPr>
+              </a:lvl1pPr>
+              <a:lvl2pPr marL="457200" algn="l" defTabSz="914400" rtl="0" eaLnBrk="1" latinLnBrk="0" hangingPunct="1">
+                <a:defRPr sz="1800" kern="1200">
+                  <a:solidFill>
+                    <a:schemeClr val="lt1"/>
+                  </a:solidFill>
+                  <a:latin typeface="+mn-lt"/>
+                  <a:ea typeface="+mn-ea"/>
+                  <a:cs typeface="+mn-cs"/>
+                </a:defRPr>
+              </a:lvl2pPr>
+              <a:lvl3pPr marL="914400" algn="l" defTabSz="914400" rtl="0" eaLnBrk="1" latinLnBrk="0" hangingPunct="1">
+                <a:defRPr sz="1800" kern="1200">
+                  <a:solidFill>
+                    <a:schemeClr val="lt1"/>
+                  </a:solidFill>
+                  <a:latin typeface="+mn-lt"/>
+                  <a:ea typeface="+mn-ea"/>
+                  <a:cs typeface="+mn-cs"/>
+                </a:defRPr>
+              </a:lvl3pPr>
+              <a:lvl4pPr marL="1371600" algn="l" defTabSz="914400" rtl="0" eaLnBrk="1" latinLnBrk="0" hangingPunct="1">
+                <a:defRPr sz="1800" kern="1200">
+                  <a:solidFill>
+                    <a:schemeClr val="lt1"/>
+                  </a:solidFill>
+                  <a:latin typeface="+mn-lt"/>
+                  <a:ea typeface="+mn-ea"/>
+                  <a:cs typeface="+mn-cs"/>
+                </a:defRPr>
+              </a:lvl4pPr>
+              <a:lvl5pPr marL="1828800" algn="l" defTabSz="914400" rtl="0" eaLnBrk="1" latinLnBrk="0" hangingPunct="1">
+                <a:defRPr sz="1800" kern="1200">
+                  <a:solidFill>
+                    <a:schemeClr val="lt1"/>
+                  </a:solidFill>
+                  <a:latin typeface="+mn-lt"/>
+                  <a:ea typeface="+mn-ea"/>
+                  <a:cs typeface="+mn-cs"/>
+                </a:defRPr>
+              </a:lvl5pPr>
+              <a:lvl6pPr marL="2286000" algn="l" defTabSz="914400" rtl="0" eaLnBrk="1" latinLnBrk="0" hangingPunct="1">
+                <a:defRPr sz="1800" kern="1200">
+                  <a:solidFill>
+                    <a:schemeClr val="lt1"/>
+                  </a:solidFill>
+                  <a:latin typeface="+mn-lt"/>
+                  <a:ea typeface="+mn-ea"/>
+                  <a:cs typeface="+mn-cs"/>
+                </a:defRPr>
+              </a:lvl6pPr>
+              <a:lvl7pPr marL="2743200" algn="l" defTabSz="914400" rtl="0" eaLnBrk="1" latinLnBrk="0" hangingPunct="1">
+                <a:defRPr sz="1800" kern="1200">
+                  <a:solidFill>
+                    <a:schemeClr val="lt1"/>
+                  </a:solidFill>
+                  <a:latin typeface="+mn-lt"/>
+                  <a:ea typeface="+mn-ea"/>
+                  <a:cs typeface="+mn-cs"/>
+                </a:defRPr>
+              </a:lvl7pPr>
+              <a:lvl8pPr marL="3200400" algn="l" defTabSz="914400" rtl="0" eaLnBrk="1" latinLnBrk="0" hangingPunct="1">
+                <a:defRPr sz="1800" kern="1200">
+                  <a:solidFill>
+                    <a:schemeClr val="lt1"/>
+                  </a:solidFill>
+                  <a:latin typeface="+mn-lt"/>
+                  <a:ea typeface="+mn-ea"/>
+                  <a:cs typeface="+mn-cs"/>
+                </a:defRPr>
+              </a:lvl8pPr>
+              <a:lvl9pPr marL="3657600" algn="l" defTabSz="914400" rtl="0" eaLnBrk="1" latinLnBrk="0" hangingPunct="1">
+                <a:defRPr sz="1800" kern="1200">
+                  <a:solidFill>
+                    <a:schemeClr val="lt1"/>
+                  </a:solidFill>
+                  <a:latin typeface="+mn-lt"/>
+                  <a:ea typeface="+mn-ea"/>
+                  <a:cs typeface="+mn-cs"/>
+                </a:defRPr>
+              </a:lvl9pPr>
+            </a:lstStyle>
+            <a:p>
+              <a:pPr algn="ctr">
+                <a:spcAft>
+                  <a:spcPts val="900"/>
+                </a:spcAft>
+              </a:pPr>
+              <a:r>
+                <a:rPr lang="en-US" sz="1400" b="1" cap="all" noProof="1">
+                  <a:solidFill>
+                    <a:prstClr val="black"/>
+                  </a:solidFill>
+                </a:rPr>
+                <a:t>understanding</a:t>
+              </a:r>
+            </a:p>
+            <a:p>
+              <a:pPr algn="just">
+                <a:spcAft>
+                  <a:spcPts val="900"/>
+                </a:spcAft>
+              </a:pPr>
+              <a:r>
+                <a:rPr lang="en-US" sz="900" b="1" noProof="1">
+                  <a:solidFill>
+                    <a:prstClr val="black">
+                      <a:lumMod val="65000"/>
+                      <a:lumOff val="35000"/>
+                    </a:prstClr>
+                  </a:solidFill>
+                </a:rPr>
+                <a:t>Get familiar with dataset by use of the following:</a:t>
+              </a:r>
+            </a:p>
+            <a:p>
+              <a:pPr algn="just">
+                <a:spcAft>
+                  <a:spcPts val="900"/>
+                </a:spcAft>
+              </a:pPr>
+              <a:r>
+                <a:rPr lang="en-US" sz="900" noProof="1">
+                  <a:solidFill>
+                    <a:prstClr val="black">
+                      <a:lumMod val="65000"/>
+                      <a:lumOff val="35000"/>
+                    </a:prstClr>
+                  </a:solidFill>
+                </a:rPr>
+                <a:t>   -special case dataframes</a:t>
+              </a:r>
+            </a:p>
+            <a:p>
+              <a:pPr algn="just">
+                <a:spcAft>
+                  <a:spcPts val="900"/>
+                </a:spcAft>
+              </a:pPr>
+              <a:r>
+                <a:rPr lang="en-US" sz="900" noProof="1">
+                  <a:solidFill>
+                    <a:prstClr val="black">
+                      <a:lumMod val="65000"/>
+                      <a:lumOff val="35000"/>
+                    </a:prstClr>
+                  </a:solidFill>
+                </a:rPr>
+                <a:t>   -groupby</a:t>
+              </a:r>
+            </a:p>
+            <a:p>
+              <a:pPr algn="just">
+                <a:spcAft>
+                  <a:spcPts val="900"/>
+                </a:spcAft>
+              </a:pPr>
+              <a:r>
+                <a:rPr lang="en-US" sz="900" noProof="1">
+                  <a:solidFill>
+                    <a:prstClr val="black">
+                      <a:lumMod val="65000"/>
+                      <a:lumOff val="35000"/>
+                    </a:prstClr>
+                  </a:solidFill>
+                </a:rPr>
+                <a:t>   -bar/ line charts, binning</a:t>
+              </a:r>
+            </a:p>
+          </p:txBody>
+        </p:sp>
+        <p:sp>
+          <p:nvSpPr>
+            <p:cNvPr id="32" name="Rectangle 31">
+              <a:extLst>
+                <a:ext uri="{FF2B5EF4-FFF2-40B4-BE49-F238E27FC236}">
+                  <a16:creationId xmlns:a16="http://schemas.microsoft.com/office/drawing/2014/main" id="{2219176C-E7F0-4376-B617-0B84BD5342CE}"/>
+                </a:ext>
+              </a:extLst>
+            </p:cNvPr>
+            <p:cNvSpPr/>
+            <p:nvPr/>
+          </p:nvSpPr>
+          <p:spPr>
+            <a:xfrm>
+              <a:off x="5126180" y="6003629"/>
+              <a:ext cx="1939636" cy="139996"/>
+            </a:xfrm>
+            <a:prstGeom prst="rect">
+              <a:avLst/>
+            </a:prstGeom>
+            <a:solidFill>
+              <a:schemeClr val="accent3">
+                <a:lumMod val="75000"/>
+              </a:schemeClr>
+            </a:solidFill>
+            <a:ln>
+              <a:noFill/>
+            </a:ln>
+          </p:spPr>
+          <p:style>
+            <a:lnRef idx="2">
+              <a:schemeClr val="accent1">
+                <a:shade val="50000"/>
+              </a:schemeClr>
+            </a:lnRef>
+            <a:fillRef idx="1">
+              <a:schemeClr val="accent1"/>
+            </a:fillRef>
+            <a:effectRef idx="0">
+              <a:schemeClr val="accent1"/>
+            </a:effectRef>
+            <a:fontRef idx="minor">
+              <a:schemeClr val="lt1"/>
+            </a:fontRef>
+          </p:style>
+          <p:txBody>
+            <a:bodyPr rot="0" spcFirstLastPara="0" vert="horz" wrap="square" lIns="68580" tIns="34290" rIns="68580" bIns="34290" numCol="1" spcCol="0" rtlCol="0" fromWordArt="0" anchor="ctr" anchorCtr="0" forceAA="0" compatLnSpc="1">
+              <a:prstTxWarp prst="textNoShape">
+                <a:avLst/>
+              </a:prstTxWarp>
+              <a:noAutofit/>
+            </a:bodyPr>
+            <a:lstStyle>
+              <a:defPPr>
+                <a:defRPr lang="en-US"/>
+              </a:defPPr>
+              <a:lvl1pPr marL="0" algn="l" defTabSz="914400" rtl="0" eaLnBrk="1" latinLnBrk="0" hangingPunct="1">
+                <a:defRPr sz="1800" kern="1200">
+                  <a:solidFill>
+                    <a:schemeClr val="lt1"/>
+                  </a:solidFill>
+                  <a:latin typeface="+mn-lt"/>
+                  <a:ea typeface="+mn-ea"/>
+                  <a:cs typeface="+mn-cs"/>
+                </a:defRPr>
+              </a:lvl1pPr>
+              <a:lvl2pPr marL="457200" algn="l" defTabSz="914400" rtl="0" eaLnBrk="1" latinLnBrk="0" hangingPunct="1">
+                <a:defRPr sz="1800" kern="1200">
+                  <a:solidFill>
+                    <a:schemeClr val="lt1"/>
+                  </a:solidFill>
+                  <a:latin typeface="+mn-lt"/>
+                  <a:ea typeface="+mn-ea"/>
+                  <a:cs typeface="+mn-cs"/>
+                </a:defRPr>
+              </a:lvl2pPr>
+              <a:lvl3pPr marL="914400" algn="l" defTabSz="914400" rtl="0" eaLnBrk="1" latinLnBrk="0" hangingPunct="1">
+                <a:defRPr sz="1800" kern="1200">
+                  <a:solidFill>
+                    <a:schemeClr val="lt1"/>
+                  </a:solidFill>
+                  <a:latin typeface="+mn-lt"/>
+                  <a:ea typeface="+mn-ea"/>
+                  <a:cs typeface="+mn-cs"/>
+                </a:defRPr>
+              </a:lvl3pPr>
+              <a:lvl4pPr marL="1371600" algn="l" defTabSz="914400" rtl="0" eaLnBrk="1" latinLnBrk="0" hangingPunct="1">
+                <a:defRPr sz="1800" kern="1200">
+                  <a:solidFill>
+                    <a:schemeClr val="lt1"/>
+                  </a:solidFill>
+                  <a:latin typeface="+mn-lt"/>
+                  <a:ea typeface="+mn-ea"/>
+                  <a:cs typeface="+mn-cs"/>
+                </a:defRPr>
+              </a:lvl4pPr>
+              <a:lvl5pPr marL="1828800" algn="l" defTabSz="914400" rtl="0" eaLnBrk="1" latinLnBrk="0" hangingPunct="1">
+                <a:defRPr sz="1800" kern="1200">
+                  <a:solidFill>
+                    <a:schemeClr val="lt1"/>
+                  </a:solidFill>
+                  <a:latin typeface="+mn-lt"/>
+                  <a:ea typeface="+mn-ea"/>
+                  <a:cs typeface="+mn-cs"/>
+                </a:defRPr>
+              </a:lvl5pPr>
+              <a:lvl6pPr marL="2286000" algn="l" defTabSz="914400" rtl="0" eaLnBrk="1" latinLnBrk="0" hangingPunct="1">
+                <a:defRPr sz="1800" kern="1200">
+                  <a:solidFill>
+                    <a:schemeClr val="lt1"/>
+                  </a:solidFill>
+                  <a:latin typeface="+mn-lt"/>
+                  <a:ea typeface="+mn-ea"/>
+                  <a:cs typeface="+mn-cs"/>
+                </a:defRPr>
+              </a:lvl6pPr>
+              <a:lvl7pPr marL="2743200" algn="l" defTabSz="914400" rtl="0" eaLnBrk="1" latinLnBrk="0" hangingPunct="1">
+                <a:defRPr sz="1800" kern="1200">
+                  <a:solidFill>
+                    <a:schemeClr val="lt1"/>
+                  </a:solidFill>
+                  <a:latin typeface="+mn-lt"/>
+                  <a:ea typeface="+mn-ea"/>
+                  <a:cs typeface="+mn-cs"/>
+                </a:defRPr>
+              </a:lvl7pPr>
+              <a:lvl8pPr marL="3200400" algn="l" defTabSz="914400" rtl="0" eaLnBrk="1" latinLnBrk="0" hangingPunct="1">
+                <a:defRPr sz="1800" kern="1200">
+                  <a:solidFill>
+                    <a:schemeClr val="lt1"/>
+                  </a:solidFill>
+                  <a:latin typeface="+mn-lt"/>
+                  <a:ea typeface="+mn-ea"/>
+                  <a:cs typeface="+mn-cs"/>
+                </a:defRPr>
+              </a:lvl8pPr>
+              <a:lvl9pPr marL="3657600" algn="l" defTabSz="914400" rtl="0" eaLnBrk="1" latinLnBrk="0" hangingPunct="1">
+                <a:defRPr sz="1800" kern="1200">
+                  <a:solidFill>
+                    <a:schemeClr val="lt1"/>
+                  </a:solidFill>
+                  <a:latin typeface="+mn-lt"/>
+                  <a:ea typeface="+mn-ea"/>
+                  <a:cs typeface="+mn-cs"/>
+                </a:defRPr>
+              </a:lvl9pPr>
+            </a:lstStyle>
+            <a:p>
+              <a:pPr algn="ctr"/>
+              <a:endParaRPr lang="en-US" sz="1350"/>
+            </a:p>
+          </p:txBody>
+        </p:sp>
+      </p:grpSp>
+      <p:grpSp>
+        <p:nvGrpSpPr>
+          <p:cNvPr id="7" name="Group 6">
+            <a:extLst>
+              <a:ext uri="{FF2B5EF4-FFF2-40B4-BE49-F238E27FC236}">
+                <a16:creationId xmlns:a16="http://schemas.microsoft.com/office/drawing/2014/main" id="{0E783F9E-5245-48F1-B32B-D93E8B706354}"/>
+              </a:ext>
+            </a:extLst>
+          </p:cNvPr>
+          <p:cNvGrpSpPr/>
+          <p:nvPr/>
+        </p:nvGrpSpPr>
+        <p:grpSpPr>
+          <a:xfrm>
+            <a:off x="7110844" y="2255696"/>
+            <a:ext cx="1454730" cy="3056009"/>
+            <a:chOff x="7449125" y="2068947"/>
+            <a:chExt cx="1939640" cy="4074678"/>
+          </a:xfrm>
+        </p:grpSpPr>
+        <p:grpSp>
+          <p:nvGrpSpPr>
+            <p:cNvPr id="25" name="Group 24">
+              <a:extLst>
+                <a:ext uri="{FF2B5EF4-FFF2-40B4-BE49-F238E27FC236}">
+                  <a16:creationId xmlns:a16="http://schemas.microsoft.com/office/drawing/2014/main" id="{36E90A1C-D037-46D5-8F0E-BE628AEFEE88}"/>
+                </a:ext>
+              </a:extLst>
+            </p:cNvPr>
+            <p:cNvGrpSpPr/>
+            <p:nvPr/>
+          </p:nvGrpSpPr>
+          <p:grpSpPr>
+            <a:xfrm>
+              <a:off x="7449129" y="2068947"/>
+              <a:ext cx="1939636" cy="1293088"/>
+              <a:chOff x="7449129" y="2068947"/>
+              <a:chExt cx="1939636" cy="1293088"/>
+            </a:xfrm>
+            <a:solidFill>
+              <a:schemeClr val="accent5"/>
+            </a:solidFill>
+          </p:grpSpPr>
+          <p:sp>
+            <p:nvSpPr>
+              <p:cNvPr id="28" name="Rectangle 27">
+                <a:extLst>
+                  <a:ext uri="{FF2B5EF4-FFF2-40B4-BE49-F238E27FC236}">
+                    <a16:creationId xmlns:a16="http://schemas.microsoft.com/office/drawing/2014/main" id="{11F911B2-494E-46F2-8A19-D7ADA41ED42C}"/>
+                  </a:ext>
+                </a:extLst>
+              </p:cNvPr>
+              <p:cNvSpPr/>
+              <p:nvPr/>
+            </p:nvSpPr>
+            <p:spPr>
+              <a:xfrm>
+                <a:off x="7449129" y="2355273"/>
+                <a:ext cx="1939636" cy="1006762"/>
+              </a:xfrm>
+              <a:prstGeom prst="rect">
+                <a:avLst/>
+              </a:prstGeom>
+              <a:grpFill/>
+              <a:ln>
+                <a:noFill/>
+              </a:ln>
+            </p:spPr>
+            <p:style>
+              <a:lnRef idx="2">
+                <a:schemeClr val="accent1">
+                  <a:shade val="50000"/>
+                </a:schemeClr>
+              </a:lnRef>
+              <a:fillRef idx="1">
+                <a:schemeClr val="accent1"/>
+              </a:fillRef>
+              <a:effectRef idx="0">
+                <a:schemeClr val="accent1"/>
+              </a:effectRef>
+              <a:fontRef idx="minor">
+                <a:schemeClr val="lt1"/>
+              </a:fontRef>
+            </p:style>
+            <p:txBody>
+              <a:bodyPr rot="0" spcFirstLastPara="0" vert="horz" wrap="square" lIns="68580" tIns="34290" rIns="68580" bIns="34290" numCol="1" spcCol="0" rtlCol="0" fromWordArt="0" anchor="ctr" anchorCtr="0" forceAA="0" compatLnSpc="1">
+                <a:prstTxWarp prst="textNoShape">
+                  <a:avLst/>
+                </a:prstTxWarp>
+                <a:noAutofit/>
+              </a:bodyPr>
+              <a:lstStyle>
+                <a:defPPr>
+                  <a:defRPr lang="en-US"/>
+                </a:defPPr>
+                <a:lvl1pPr marL="0" algn="l" defTabSz="914400" rtl="0" eaLnBrk="1" latinLnBrk="0" hangingPunct="1">
+                  <a:defRPr sz="1800" kern="1200">
+                    <a:solidFill>
+                      <a:schemeClr val="lt1"/>
+                    </a:solidFill>
+                    <a:latin typeface="+mn-lt"/>
+                    <a:ea typeface="+mn-ea"/>
+                    <a:cs typeface="+mn-cs"/>
+                  </a:defRPr>
+                </a:lvl1pPr>
+                <a:lvl2pPr marL="457200" algn="l" defTabSz="914400" rtl="0" eaLnBrk="1" latinLnBrk="0" hangingPunct="1">
+                  <a:defRPr sz="1800" kern="1200">
+                    <a:solidFill>
+                      <a:schemeClr val="lt1"/>
+                    </a:solidFill>
+                    <a:latin typeface="+mn-lt"/>
+                    <a:ea typeface="+mn-ea"/>
+                    <a:cs typeface="+mn-cs"/>
+                  </a:defRPr>
+                </a:lvl2pPr>
+                <a:lvl3pPr marL="914400" algn="l" defTabSz="914400" rtl="0" eaLnBrk="1" latinLnBrk="0" hangingPunct="1">
+                  <a:defRPr sz="1800" kern="1200">
+                    <a:solidFill>
+                      <a:schemeClr val="lt1"/>
+                    </a:solidFill>
+                    <a:latin typeface="+mn-lt"/>
+                    <a:ea typeface="+mn-ea"/>
+                    <a:cs typeface="+mn-cs"/>
+                  </a:defRPr>
+                </a:lvl3pPr>
+                <a:lvl4pPr marL="1371600" algn="l" defTabSz="914400" rtl="0" eaLnBrk="1" latinLnBrk="0" hangingPunct="1">
+                  <a:defRPr sz="1800" kern="1200">
+                    <a:solidFill>
+                      <a:schemeClr val="lt1"/>
+                    </a:solidFill>
+                    <a:latin typeface="+mn-lt"/>
+                    <a:ea typeface="+mn-ea"/>
+                    <a:cs typeface="+mn-cs"/>
+                  </a:defRPr>
+                </a:lvl4pPr>
+                <a:lvl5pPr marL="1828800" algn="l" defTabSz="914400" rtl="0" eaLnBrk="1" latinLnBrk="0" hangingPunct="1">
+                  <a:defRPr sz="1800" kern="1200">
+                    <a:solidFill>
+                      <a:schemeClr val="lt1"/>
+                    </a:solidFill>
+                    <a:latin typeface="+mn-lt"/>
+                    <a:ea typeface="+mn-ea"/>
+                    <a:cs typeface="+mn-cs"/>
+                  </a:defRPr>
+                </a:lvl5pPr>
+                <a:lvl6pPr marL="2286000" algn="l" defTabSz="914400" rtl="0" eaLnBrk="1" latinLnBrk="0" hangingPunct="1">
+                  <a:defRPr sz="1800" kern="1200">
+                    <a:solidFill>
+                      <a:schemeClr val="lt1"/>
+                    </a:solidFill>
+                    <a:latin typeface="+mn-lt"/>
+                    <a:ea typeface="+mn-ea"/>
+                    <a:cs typeface="+mn-cs"/>
+                  </a:defRPr>
+                </a:lvl6pPr>
+                <a:lvl7pPr marL="2743200" algn="l" defTabSz="914400" rtl="0" eaLnBrk="1" latinLnBrk="0" hangingPunct="1">
+                  <a:defRPr sz="1800" kern="1200">
+                    <a:solidFill>
+                      <a:schemeClr val="lt1"/>
+                    </a:solidFill>
+                    <a:latin typeface="+mn-lt"/>
+                    <a:ea typeface="+mn-ea"/>
+                    <a:cs typeface="+mn-cs"/>
+                  </a:defRPr>
+                </a:lvl7pPr>
+                <a:lvl8pPr marL="3200400" algn="l" defTabSz="914400" rtl="0" eaLnBrk="1" latinLnBrk="0" hangingPunct="1">
+                  <a:defRPr sz="1800" kern="1200">
+                    <a:solidFill>
+                      <a:schemeClr val="lt1"/>
+                    </a:solidFill>
+                    <a:latin typeface="+mn-lt"/>
+                    <a:ea typeface="+mn-ea"/>
+                    <a:cs typeface="+mn-cs"/>
+                  </a:defRPr>
+                </a:lvl8pPr>
+                <a:lvl9pPr marL="3657600" algn="l" defTabSz="914400" rtl="0" eaLnBrk="1" latinLnBrk="0" hangingPunct="1">
+                  <a:defRPr sz="1800" kern="1200">
+                    <a:solidFill>
+                      <a:schemeClr val="lt1"/>
+                    </a:solidFill>
+                    <a:latin typeface="+mn-lt"/>
+                    <a:ea typeface="+mn-ea"/>
+                    <a:cs typeface="+mn-cs"/>
+                  </a:defRPr>
+                </a:lvl9pPr>
+              </a:lstStyle>
+              <a:p>
+                <a:pPr algn="ctr"/>
+                <a:endParaRPr lang="en-US" sz="1350"/>
+              </a:p>
+            </p:txBody>
+          </p:sp>
+          <p:sp>
+            <p:nvSpPr>
+              <p:cNvPr id="29" name="Isosceles Triangle 28">
+                <a:extLst>
+                  <a:ext uri="{FF2B5EF4-FFF2-40B4-BE49-F238E27FC236}">
+                    <a16:creationId xmlns:a16="http://schemas.microsoft.com/office/drawing/2014/main" id="{3917AC18-E973-4E1B-82B4-6072B050911F}"/>
+                  </a:ext>
+                </a:extLst>
+              </p:cNvPr>
+              <p:cNvSpPr/>
+              <p:nvPr/>
+            </p:nvSpPr>
+            <p:spPr>
+              <a:xfrm>
+                <a:off x="8151092" y="2068947"/>
+                <a:ext cx="535709" cy="286326"/>
+              </a:xfrm>
+              <a:prstGeom prst="triangle">
+                <a:avLst/>
+              </a:prstGeom>
+              <a:grpFill/>
+              <a:ln>
+                <a:noFill/>
+              </a:ln>
+            </p:spPr>
+            <p:style>
+              <a:lnRef idx="2">
+                <a:schemeClr val="accent1">
+                  <a:shade val="50000"/>
+                </a:schemeClr>
+              </a:lnRef>
+              <a:fillRef idx="1">
+                <a:schemeClr val="accent1"/>
+              </a:fillRef>
+              <a:effectRef idx="0">
+                <a:schemeClr val="accent1"/>
+              </a:effectRef>
+              <a:fontRef idx="minor">
+                <a:schemeClr val="lt1"/>
+              </a:fontRef>
+            </p:style>
+            <p:txBody>
+              <a:bodyPr rot="0" spcFirstLastPara="0" vert="horz" wrap="square" lIns="68580" tIns="34290" rIns="68580" bIns="34290" numCol="1" spcCol="0" rtlCol="0" fromWordArt="0" anchor="ctr" anchorCtr="0" forceAA="0" compatLnSpc="1">
+                <a:prstTxWarp prst="textNoShape">
+                  <a:avLst/>
+                </a:prstTxWarp>
+                <a:noAutofit/>
+              </a:bodyPr>
+              <a:lstStyle>
+                <a:defPPr>
+                  <a:defRPr lang="en-US"/>
+                </a:defPPr>
+                <a:lvl1pPr marL="0" algn="l" defTabSz="914400" rtl="0" eaLnBrk="1" latinLnBrk="0" hangingPunct="1">
+                  <a:defRPr sz="1800" kern="1200">
+                    <a:solidFill>
+                      <a:schemeClr val="lt1"/>
+                    </a:solidFill>
+                    <a:latin typeface="+mn-lt"/>
+                    <a:ea typeface="+mn-ea"/>
+                    <a:cs typeface="+mn-cs"/>
+                  </a:defRPr>
+                </a:lvl1pPr>
+                <a:lvl2pPr marL="457200" algn="l" defTabSz="914400" rtl="0" eaLnBrk="1" latinLnBrk="0" hangingPunct="1">
+                  <a:defRPr sz="1800" kern="1200">
+                    <a:solidFill>
+                      <a:schemeClr val="lt1"/>
+                    </a:solidFill>
+                    <a:latin typeface="+mn-lt"/>
+                    <a:ea typeface="+mn-ea"/>
+                    <a:cs typeface="+mn-cs"/>
+                  </a:defRPr>
+                </a:lvl2pPr>
+                <a:lvl3pPr marL="914400" algn="l" defTabSz="914400" rtl="0" eaLnBrk="1" latinLnBrk="0" hangingPunct="1">
+                  <a:defRPr sz="1800" kern="1200">
+                    <a:solidFill>
+                      <a:schemeClr val="lt1"/>
+                    </a:solidFill>
+                    <a:latin typeface="+mn-lt"/>
+                    <a:ea typeface="+mn-ea"/>
+                    <a:cs typeface="+mn-cs"/>
+                  </a:defRPr>
+                </a:lvl3pPr>
+                <a:lvl4pPr marL="1371600" algn="l" defTabSz="914400" rtl="0" eaLnBrk="1" latinLnBrk="0" hangingPunct="1">
+                  <a:defRPr sz="1800" kern="1200">
+                    <a:solidFill>
+                      <a:schemeClr val="lt1"/>
+                    </a:solidFill>
+                    <a:latin typeface="+mn-lt"/>
+                    <a:ea typeface="+mn-ea"/>
+                    <a:cs typeface="+mn-cs"/>
+                  </a:defRPr>
+                </a:lvl4pPr>
+                <a:lvl5pPr marL="1828800" algn="l" defTabSz="914400" rtl="0" eaLnBrk="1" latinLnBrk="0" hangingPunct="1">
+                  <a:defRPr sz="1800" kern="1200">
+                    <a:solidFill>
+                      <a:schemeClr val="lt1"/>
+                    </a:solidFill>
+                    <a:latin typeface="+mn-lt"/>
+                    <a:ea typeface="+mn-ea"/>
+                    <a:cs typeface="+mn-cs"/>
+                  </a:defRPr>
+                </a:lvl5pPr>
+                <a:lvl6pPr marL="2286000" algn="l" defTabSz="914400" rtl="0" eaLnBrk="1" latinLnBrk="0" hangingPunct="1">
+                  <a:defRPr sz="1800" kern="1200">
+                    <a:solidFill>
+                      <a:schemeClr val="lt1"/>
+                    </a:solidFill>
+                    <a:latin typeface="+mn-lt"/>
+                    <a:ea typeface="+mn-ea"/>
+                    <a:cs typeface="+mn-cs"/>
+                  </a:defRPr>
+                </a:lvl6pPr>
+                <a:lvl7pPr marL="2743200" algn="l" defTabSz="914400" rtl="0" eaLnBrk="1" latinLnBrk="0" hangingPunct="1">
+                  <a:defRPr sz="1800" kern="1200">
+                    <a:solidFill>
+                      <a:schemeClr val="lt1"/>
+                    </a:solidFill>
+                    <a:latin typeface="+mn-lt"/>
+                    <a:ea typeface="+mn-ea"/>
+                    <a:cs typeface="+mn-cs"/>
+                  </a:defRPr>
+                </a:lvl7pPr>
+                <a:lvl8pPr marL="3200400" algn="l" defTabSz="914400" rtl="0" eaLnBrk="1" latinLnBrk="0" hangingPunct="1">
+                  <a:defRPr sz="1800" kern="1200">
+                    <a:solidFill>
+                      <a:schemeClr val="lt1"/>
+                    </a:solidFill>
+                    <a:latin typeface="+mn-lt"/>
+                    <a:ea typeface="+mn-ea"/>
+                    <a:cs typeface="+mn-cs"/>
+                  </a:defRPr>
+                </a:lvl8pPr>
+                <a:lvl9pPr marL="3657600" algn="l" defTabSz="914400" rtl="0" eaLnBrk="1" latinLnBrk="0" hangingPunct="1">
+                  <a:defRPr sz="1800" kern="1200">
+                    <a:solidFill>
+                      <a:schemeClr val="lt1"/>
+                    </a:solidFill>
+                    <a:latin typeface="+mn-lt"/>
+                    <a:ea typeface="+mn-ea"/>
+                    <a:cs typeface="+mn-cs"/>
+                  </a:defRPr>
+                </a:lvl9pPr>
+              </a:lstStyle>
+              <a:p>
+                <a:pPr algn="ctr"/>
+                <a:endParaRPr lang="en-US" sz="1350"/>
+              </a:p>
+            </p:txBody>
+          </p:sp>
+        </p:grpSp>
+        <p:sp>
+          <p:nvSpPr>
+            <p:cNvPr id="26" name="Rectangle 25">
+              <a:extLst>
+                <a:ext uri="{FF2B5EF4-FFF2-40B4-BE49-F238E27FC236}">
+                  <a16:creationId xmlns:a16="http://schemas.microsoft.com/office/drawing/2014/main" id="{1C91649E-300D-4A0A-93DB-EAD304143D25}"/>
+                </a:ext>
+              </a:extLst>
+            </p:cNvPr>
+            <p:cNvSpPr/>
+            <p:nvPr/>
+          </p:nvSpPr>
+          <p:spPr>
+            <a:xfrm>
+              <a:off x="7449128" y="3362034"/>
+              <a:ext cx="1939636" cy="2641595"/>
+            </a:xfrm>
+            <a:prstGeom prst="rect">
+              <a:avLst/>
+            </a:prstGeom>
+            <a:solidFill>
+              <a:schemeClr val="bg1">
+                <a:lumMod val="85000"/>
+              </a:schemeClr>
+            </a:solidFill>
+            <a:ln>
+              <a:noFill/>
+            </a:ln>
+          </p:spPr>
+          <p:style>
+            <a:lnRef idx="2">
+              <a:schemeClr val="accent1">
+                <a:shade val="50000"/>
+              </a:schemeClr>
+            </a:lnRef>
+            <a:fillRef idx="1">
+              <a:schemeClr val="accent1"/>
+            </a:fillRef>
+            <a:effectRef idx="0">
+              <a:schemeClr val="accent1"/>
+            </a:effectRef>
+            <a:fontRef idx="minor">
+              <a:schemeClr val="lt1"/>
+            </a:fontRef>
+          </p:style>
+          <p:txBody>
+            <a:bodyPr rot="0" spcFirstLastPara="0" vert="horz" wrap="square" lIns="68580" tIns="34290" rIns="68580" bIns="34290" numCol="1" spcCol="0" rtlCol="0" fromWordArt="0" anchor="t" anchorCtr="0" forceAA="0" compatLnSpc="1">
+              <a:prstTxWarp prst="textNoShape">
+                <a:avLst/>
+              </a:prstTxWarp>
+              <a:noAutofit/>
+            </a:bodyPr>
+            <a:lstStyle>
+              <a:defPPr>
+                <a:defRPr lang="en-US"/>
+              </a:defPPr>
+              <a:lvl1pPr marL="0" algn="l" defTabSz="914400" rtl="0" eaLnBrk="1" latinLnBrk="0" hangingPunct="1">
+                <a:defRPr sz="1800" kern="1200">
+                  <a:solidFill>
+                    <a:schemeClr val="lt1"/>
+                  </a:solidFill>
+                  <a:latin typeface="+mn-lt"/>
+                  <a:ea typeface="+mn-ea"/>
+                  <a:cs typeface="+mn-cs"/>
+                </a:defRPr>
+              </a:lvl1pPr>
+              <a:lvl2pPr marL="457200" algn="l" defTabSz="914400" rtl="0" eaLnBrk="1" latinLnBrk="0" hangingPunct="1">
+                <a:defRPr sz="1800" kern="1200">
+                  <a:solidFill>
+                    <a:schemeClr val="lt1"/>
+                  </a:solidFill>
+                  <a:latin typeface="+mn-lt"/>
+                  <a:ea typeface="+mn-ea"/>
+                  <a:cs typeface="+mn-cs"/>
+                </a:defRPr>
+              </a:lvl2pPr>
+              <a:lvl3pPr marL="914400" algn="l" defTabSz="914400" rtl="0" eaLnBrk="1" latinLnBrk="0" hangingPunct="1">
+                <a:defRPr sz="1800" kern="1200">
+                  <a:solidFill>
+                    <a:schemeClr val="lt1"/>
+                  </a:solidFill>
+                  <a:latin typeface="+mn-lt"/>
+                  <a:ea typeface="+mn-ea"/>
+                  <a:cs typeface="+mn-cs"/>
+                </a:defRPr>
+              </a:lvl3pPr>
+              <a:lvl4pPr marL="1371600" algn="l" defTabSz="914400" rtl="0" eaLnBrk="1" latinLnBrk="0" hangingPunct="1">
+                <a:defRPr sz="1800" kern="1200">
+                  <a:solidFill>
+                    <a:schemeClr val="lt1"/>
+                  </a:solidFill>
+                  <a:latin typeface="+mn-lt"/>
+                  <a:ea typeface="+mn-ea"/>
+                  <a:cs typeface="+mn-cs"/>
+                </a:defRPr>
+              </a:lvl4pPr>
+              <a:lvl5pPr marL="1828800" algn="l" defTabSz="914400" rtl="0" eaLnBrk="1" latinLnBrk="0" hangingPunct="1">
+                <a:defRPr sz="1800" kern="1200">
+                  <a:solidFill>
+                    <a:schemeClr val="lt1"/>
+                  </a:solidFill>
+                  <a:latin typeface="+mn-lt"/>
+                  <a:ea typeface="+mn-ea"/>
+                  <a:cs typeface="+mn-cs"/>
+                </a:defRPr>
+              </a:lvl5pPr>
+              <a:lvl6pPr marL="2286000" algn="l" defTabSz="914400" rtl="0" eaLnBrk="1" latinLnBrk="0" hangingPunct="1">
+                <a:defRPr sz="1800" kern="1200">
+                  <a:solidFill>
+                    <a:schemeClr val="lt1"/>
+                  </a:solidFill>
+                  <a:latin typeface="+mn-lt"/>
+                  <a:ea typeface="+mn-ea"/>
+                  <a:cs typeface="+mn-cs"/>
+                </a:defRPr>
+              </a:lvl6pPr>
+              <a:lvl7pPr marL="2743200" algn="l" defTabSz="914400" rtl="0" eaLnBrk="1" latinLnBrk="0" hangingPunct="1">
+                <a:defRPr sz="1800" kern="1200">
+                  <a:solidFill>
+                    <a:schemeClr val="lt1"/>
+                  </a:solidFill>
+                  <a:latin typeface="+mn-lt"/>
+                  <a:ea typeface="+mn-ea"/>
+                  <a:cs typeface="+mn-cs"/>
+                </a:defRPr>
+              </a:lvl7pPr>
+              <a:lvl8pPr marL="3200400" algn="l" defTabSz="914400" rtl="0" eaLnBrk="1" latinLnBrk="0" hangingPunct="1">
+                <a:defRPr sz="1800" kern="1200">
+                  <a:solidFill>
+                    <a:schemeClr val="lt1"/>
+                  </a:solidFill>
+                  <a:latin typeface="+mn-lt"/>
+                  <a:ea typeface="+mn-ea"/>
+                  <a:cs typeface="+mn-cs"/>
+                </a:defRPr>
+              </a:lvl8pPr>
+              <a:lvl9pPr marL="3657600" algn="l" defTabSz="914400" rtl="0" eaLnBrk="1" latinLnBrk="0" hangingPunct="1">
+                <a:defRPr sz="1800" kern="1200">
+                  <a:solidFill>
+                    <a:schemeClr val="lt1"/>
+                  </a:solidFill>
+                  <a:latin typeface="+mn-lt"/>
+                  <a:ea typeface="+mn-ea"/>
+                  <a:cs typeface="+mn-cs"/>
+                </a:defRPr>
+              </a:lvl9pPr>
+            </a:lstStyle>
+            <a:p>
+              <a:pPr algn="ctr">
+                <a:spcAft>
+                  <a:spcPts val="900"/>
+                </a:spcAft>
+              </a:pPr>
+              <a:r>
+                <a:rPr lang="en-US" sz="1400" b="1" cap="all" noProof="1">
+                  <a:solidFill>
+                    <a:prstClr val="black"/>
+                  </a:solidFill>
+                </a:rPr>
+                <a:t>Deep dive</a:t>
+              </a:r>
+            </a:p>
+            <a:p>
+              <a:pPr algn="just">
+                <a:spcAft>
+                  <a:spcPts val="900"/>
+                </a:spcAft>
+              </a:pPr>
+              <a:r>
+                <a:rPr lang="en-US" sz="900" b="1" noProof="1">
+                  <a:solidFill>
+                    <a:prstClr val="black">
+                      <a:lumMod val="65000"/>
+                      <a:lumOff val="35000"/>
+                    </a:prstClr>
+                  </a:solidFill>
+                </a:rPr>
+                <a:t>Multiple Linear Regression</a:t>
+              </a:r>
+            </a:p>
+            <a:p>
+              <a:pPr algn="just">
+                <a:spcAft>
+                  <a:spcPts val="900"/>
+                </a:spcAft>
+              </a:pPr>
+              <a:r>
+                <a:rPr lang="en-US" sz="900" noProof="1">
+                  <a:solidFill>
+                    <a:prstClr val="black">
+                      <a:lumMod val="65000"/>
+                      <a:lumOff val="35000"/>
+                    </a:prstClr>
+                  </a:solidFill>
+                </a:rPr>
+                <a:t>   -Overall Ratings</a:t>
+              </a:r>
+            </a:p>
+            <a:p>
+              <a:pPr algn="just">
+                <a:spcAft>
+                  <a:spcPts val="900"/>
+                </a:spcAft>
+              </a:pPr>
+              <a:r>
+                <a:rPr lang="en-US" sz="900" noProof="1">
+                  <a:solidFill>
+                    <a:prstClr val="black">
+                      <a:lumMod val="65000"/>
+                      <a:lumOff val="35000"/>
+                    </a:prstClr>
+                  </a:solidFill>
+                </a:rPr>
+                <a:t>   -American IPA</a:t>
+              </a:r>
+            </a:p>
+            <a:p>
+              <a:pPr algn="just">
+                <a:spcAft>
+                  <a:spcPts val="900"/>
+                </a:spcAft>
+              </a:pPr>
+              <a:r>
+                <a:rPr lang="en-US" sz="900" noProof="1">
+                  <a:solidFill>
+                    <a:prstClr val="black">
+                      <a:lumMod val="65000"/>
+                      <a:lumOff val="35000"/>
+                    </a:prstClr>
+                  </a:solidFill>
+                </a:rPr>
+                <a:t>   -Fruit Beer</a:t>
+              </a:r>
+            </a:p>
+          </p:txBody>
+        </p:sp>
+        <p:sp>
+          <p:nvSpPr>
+            <p:cNvPr id="27" name="Rectangle 26">
+              <a:extLst>
+                <a:ext uri="{FF2B5EF4-FFF2-40B4-BE49-F238E27FC236}">
+                  <a16:creationId xmlns:a16="http://schemas.microsoft.com/office/drawing/2014/main" id="{44CDADE6-0691-4FD3-99D7-55183D3D920B}"/>
+                </a:ext>
+              </a:extLst>
+            </p:cNvPr>
+            <p:cNvSpPr/>
+            <p:nvPr/>
+          </p:nvSpPr>
+          <p:spPr>
+            <a:xfrm>
+              <a:off x="7449125" y="6003629"/>
+              <a:ext cx="1939636" cy="139996"/>
+            </a:xfrm>
+            <a:prstGeom prst="rect">
+              <a:avLst/>
+            </a:prstGeom>
+            <a:solidFill>
+              <a:schemeClr val="accent5">
+                <a:lumMod val="75000"/>
+              </a:schemeClr>
+            </a:solidFill>
+            <a:ln>
+              <a:noFill/>
+            </a:ln>
+          </p:spPr>
+          <p:style>
+            <a:lnRef idx="2">
+              <a:schemeClr val="accent1">
+                <a:shade val="50000"/>
+              </a:schemeClr>
+            </a:lnRef>
+            <a:fillRef idx="1">
+              <a:schemeClr val="accent1"/>
+            </a:fillRef>
+            <a:effectRef idx="0">
+              <a:schemeClr val="accent1"/>
+            </a:effectRef>
+            <a:fontRef idx="minor">
+              <a:schemeClr val="lt1"/>
+            </a:fontRef>
+          </p:style>
+          <p:txBody>
+            <a:bodyPr rot="0" spcFirstLastPara="0" vert="horz" wrap="square" lIns="68580" tIns="34290" rIns="68580" bIns="34290" numCol="1" spcCol="0" rtlCol="0" fromWordArt="0" anchor="ctr" anchorCtr="0" forceAA="0" compatLnSpc="1">
+              <a:prstTxWarp prst="textNoShape">
+                <a:avLst/>
+              </a:prstTxWarp>
+              <a:noAutofit/>
+            </a:bodyPr>
+            <a:lstStyle>
+              <a:defPPr>
+                <a:defRPr lang="en-US"/>
+              </a:defPPr>
+              <a:lvl1pPr marL="0" algn="l" defTabSz="914400" rtl="0" eaLnBrk="1" latinLnBrk="0" hangingPunct="1">
+                <a:defRPr sz="1800" kern="1200">
+                  <a:solidFill>
+                    <a:schemeClr val="lt1"/>
+                  </a:solidFill>
+                  <a:latin typeface="+mn-lt"/>
+                  <a:ea typeface="+mn-ea"/>
+                  <a:cs typeface="+mn-cs"/>
+                </a:defRPr>
+              </a:lvl1pPr>
+              <a:lvl2pPr marL="457200" algn="l" defTabSz="914400" rtl="0" eaLnBrk="1" latinLnBrk="0" hangingPunct="1">
+                <a:defRPr sz="1800" kern="1200">
+                  <a:solidFill>
+                    <a:schemeClr val="lt1"/>
+                  </a:solidFill>
+                  <a:latin typeface="+mn-lt"/>
+                  <a:ea typeface="+mn-ea"/>
+                  <a:cs typeface="+mn-cs"/>
+                </a:defRPr>
+              </a:lvl2pPr>
+              <a:lvl3pPr marL="914400" algn="l" defTabSz="914400" rtl="0" eaLnBrk="1" latinLnBrk="0" hangingPunct="1">
+                <a:defRPr sz="1800" kern="1200">
+                  <a:solidFill>
+                    <a:schemeClr val="lt1"/>
+                  </a:solidFill>
+                  <a:latin typeface="+mn-lt"/>
+                  <a:ea typeface="+mn-ea"/>
+                  <a:cs typeface="+mn-cs"/>
+                </a:defRPr>
+              </a:lvl3pPr>
+              <a:lvl4pPr marL="1371600" algn="l" defTabSz="914400" rtl="0" eaLnBrk="1" latinLnBrk="0" hangingPunct="1">
+                <a:defRPr sz="1800" kern="1200">
+                  <a:solidFill>
+                    <a:schemeClr val="lt1"/>
+                  </a:solidFill>
+                  <a:latin typeface="+mn-lt"/>
+                  <a:ea typeface="+mn-ea"/>
+                  <a:cs typeface="+mn-cs"/>
+                </a:defRPr>
+              </a:lvl4pPr>
+              <a:lvl5pPr marL="1828800" algn="l" defTabSz="914400" rtl="0" eaLnBrk="1" latinLnBrk="0" hangingPunct="1">
+                <a:defRPr sz="1800" kern="1200">
+                  <a:solidFill>
+                    <a:schemeClr val="lt1"/>
+                  </a:solidFill>
+                  <a:latin typeface="+mn-lt"/>
+                  <a:ea typeface="+mn-ea"/>
+                  <a:cs typeface="+mn-cs"/>
+                </a:defRPr>
+              </a:lvl5pPr>
+              <a:lvl6pPr marL="2286000" algn="l" defTabSz="914400" rtl="0" eaLnBrk="1" latinLnBrk="0" hangingPunct="1">
+                <a:defRPr sz="1800" kern="1200">
+                  <a:solidFill>
+                    <a:schemeClr val="lt1"/>
+                  </a:solidFill>
+                  <a:latin typeface="+mn-lt"/>
+                  <a:ea typeface="+mn-ea"/>
+                  <a:cs typeface="+mn-cs"/>
+                </a:defRPr>
+              </a:lvl6pPr>
+              <a:lvl7pPr marL="2743200" algn="l" defTabSz="914400" rtl="0" eaLnBrk="1" latinLnBrk="0" hangingPunct="1">
+                <a:defRPr sz="1800" kern="1200">
+                  <a:solidFill>
+                    <a:schemeClr val="lt1"/>
+                  </a:solidFill>
+                  <a:latin typeface="+mn-lt"/>
+                  <a:ea typeface="+mn-ea"/>
+                  <a:cs typeface="+mn-cs"/>
+                </a:defRPr>
+              </a:lvl7pPr>
+              <a:lvl8pPr marL="3200400" algn="l" defTabSz="914400" rtl="0" eaLnBrk="1" latinLnBrk="0" hangingPunct="1">
+                <a:defRPr sz="1800" kern="1200">
+                  <a:solidFill>
+                    <a:schemeClr val="lt1"/>
+                  </a:solidFill>
+                  <a:latin typeface="+mn-lt"/>
+                  <a:ea typeface="+mn-ea"/>
+                  <a:cs typeface="+mn-cs"/>
+                </a:defRPr>
+              </a:lvl8pPr>
+              <a:lvl9pPr marL="3657600" algn="l" defTabSz="914400" rtl="0" eaLnBrk="1" latinLnBrk="0" hangingPunct="1">
+                <a:defRPr sz="1800" kern="1200">
+                  <a:solidFill>
+                    <a:schemeClr val="lt1"/>
+                  </a:solidFill>
+                  <a:latin typeface="+mn-lt"/>
+                  <a:ea typeface="+mn-ea"/>
+                  <a:cs typeface="+mn-cs"/>
+                </a:defRPr>
+              </a:lvl9pPr>
+            </a:lstStyle>
+            <a:p>
+              <a:pPr algn="ctr"/>
+              <a:endParaRPr lang="en-US" sz="1350"/>
+            </a:p>
+          </p:txBody>
+        </p:sp>
+      </p:grpSp>
+      <p:grpSp>
+        <p:nvGrpSpPr>
+          <p:cNvPr id="8" name="Group 7">
+            <a:extLst>
+              <a:ext uri="{FF2B5EF4-FFF2-40B4-BE49-F238E27FC236}">
+                <a16:creationId xmlns:a16="http://schemas.microsoft.com/office/drawing/2014/main" id="{9F2F48F1-72A2-4D45-BBE3-348C47CD96FC}"/>
+              </a:ext>
+            </a:extLst>
+          </p:cNvPr>
+          <p:cNvGrpSpPr/>
+          <p:nvPr/>
+        </p:nvGrpSpPr>
+        <p:grpSpPr>
+          <a:xfrm>
+            <a:off x="8851606" y="2255696"/>
+            <a:ext cx="1454728" cy="3056009"/>
+            <a:chOff x="9772072" y="2068947"/>
+            <a:chExt cx="1939637" cy="4074678"/>
+          </a:xfrm>
+        </p:grpSpPr>
+        <p:grpSp>
+          <p:nvGrpSpPr>
+            <p:cNvPr id="20" name="Group 19">
+              <a:extLst>
+                <a:ext uri="{FF2B5EF4-FFF2-40B4-BE49-F238E27FC236}">
+                  <a16:creationId xmlns:a16="http://schemas.microsoft.com/office/drawing/2014/main" id="{B84F5D04-8E3D-4D83-A37F-5B97B3DC24B4}"/>
+                </a:ext>
+              </a:extLst>
+            </p:cNvPr>
+            <p:cNvGrpSpPr/>
+            <p:nvPr/>
+          </p:nvGrpSpPr>
+          <p:grpSpPr>
+            <a:xfrm>
+              <a:off x="9772073" y="2068947"/>
+              <a:ext cx="1939636" cy="1293088"/>
+              <a:chOff x="9772073" y="2068947"/>
+              <a:chExt cx="1939636" cy="1293088"/>
+            </a:xfrm>
+            <a:solidFill>
+              <a:schemeClr val="accent6"/>
+            </a:solidFill>
+          </p:grpSpPr>
+          <p:sp>
+            <p:nvSpPr>
+              <p:cNvPr id="23" name="Rectangle 22">
+                <a:extLst>
+                  <a:ext uri="{FF2B5EF4-FFF2-40B4-BE49-F238E27FC236}">
+                    <a16:creationId xmlns:a16="http://schemas.microsoft.com/office/drawing/2014/main" id="{923CB9D4-C530-4EBF-A846-B7FFC7285E95}"/>
+                  </a:ext>
+                </a:extLst>
+              </p:cNvPr>
+              <p:cNvSpPr/>
+              <p:nvPr/>
+            </p:nvSpPr>
+            <p:spPr>
+              <a:xfrm>
+                <a:off x="9772073" y="2355273"/>
+                <a:ext cx="1939636" cy="1006762"/>
+              </a:xfrm>
+              <a:prstGeom prst="rect">
+                <a:avLst/>
+              </a:prstGeom>
+              <a:grpFill/>
+              <a:ln>
+                <a:noFill/>
+              </a:ln>
+            </p:spPr>
+            <p:style>
+              <a:lnRef idx="2">
+                <a:schemeClr val="accent1">
+                  <a:shade val="50000"/>
+                </a:schemeClr>
+              </a:lnRef>
+              <a:fillRef idx="1">
+                <a:schemeClr val="accent1"/>
+              </a:fillRef>
+              <a:effectRef idx="0">
+                <a:schemeClr val="accent1"/>
+              </a:effectRef>
+              <a:fontRef idx="minor">
+                <a:schemeClr val="lt1"/>
+              </a:fontRef>
+            </p:style>
+            <p:txBody>
+              <a:bodyPr rot="0" spcFirstLastPara="0" vert="horz" wrap="square" lIns="68580" tIns="34290" rIns="68580" bIns="34290" numCol="1" spcCol="0" rtlCol="0" fromWordArt="0" anchor="ctr" anchorCtr="0" forceAA="0" compatLnSpc="1">
+                <a:prstTxWarp prst="textNoShape">
+                  <a:avLst/>
+                </a:prstTxWarp>
+                <a:noAutofit/>
+              </a:bodyPr>
+              <a:lstStyle>
+                <a:defPPr>
+                  <a:defRPr lang="en-US"/>
+                </a:defPPr>
+                <a:lvl1pPr marL="0" algn="l" defTabSz="914400" rtl="0" eaLnBrk="1" latinLnBrk="0" hangingPunct="1">
+                  <a:defRPr sz="1800" kern="1200">
+                    <a:solidFill>
+                      <a:schemeClr val="lt1"/>
+                    </a:solidFill>
+                    <a:latin typeface="+mn-lt"/>
+                    <a:ea typeface="+mn-ea"/>
+                    <a:cs typeface="+mn-cs"/>
+                  </a:defRPr>
+                </a:lvl1pPr>
+                <a:lvl2pPr marL="457200" algn="l" defTabSz="914400" rtl="0" eaLnBrk="1" latinLnBrk="0" hangingPunct="1">
+                  <a:defRPr sz="1800" kern="1200">
+                    <a:solidFill>
+                      <a:schemeClr val="lt1"/>
+                    </a:solidFill>
+                    <a:latin typeface="+mn-lt"/>
+                    <a:ea typeface="+mn-ea"/>
+                    <a:cs typeface="+mn-cs"/>
+                  </a:defRPr>
+                </a:lvl2pPr>
+                <a:lvl3pPr marL="914400" algn="l" defTabSz="914400" rtl="0" eaLnBrk="1" latinLnBrk="0" hangingPunct="1">
+                  <a:defRPr sz="1800" kern="1200">
+                    <a:solidFill>
+                      <a:schemeClr val="lt1"/>
+                    </a:solidFill>
+                    <a:latin typeface="+mn-lt"/>
+                    <a:ea typeface="+mn-ea"/>
+                    <a:cs typeface="+mn-cs"/>
+                  </a:defRPr>
+                </a:lvl3pPr>
+                <a:lvl4pPr marL="1371600" algn="l" defTabSz="914400" rtl="0" eaLnBrk="1" latinLnBrk="0" hangingPunct="1">
+                  <a:defRPr sz="1800" kern="1200">
+                    <a:solidFill>
+                      <a:schemeClr val="lt1"/>
+                    </a:solidFill>
+                    <a:latin typeface="+mn-lt"/>
+                    <a:ea typeface="+mn-ea"/>
+                    <a:cs typeface="+mn-cs"/>
+                  </a:defRPr>
+                </a:lvl4pPr>
+                <a:lvl5pPr marL="1828800" algn="l" defTabSz="914400" rtl="0" eaLnBrk="1" latinLnBrk="0" hangingPunct="1">
+                  <a:defRPr sz="1800" kern="1200">
+                    <a:solidFill>
+                      <a:schemeClr val="lt1"/>
+                    </a:solidFill>
+                    <a:latin typeface="+mn-lt"/>
+                    <a:ea typeface="+mn-ea"/>
+                    <a:cs typeface="+mn-cs"/>
+                  </a:defRPr>
+                </a:lvl5pPr>
+                <a:lvl6pPr marL="2286000" algn="l" defTabSz="914400" rtl="0" eaLnBrk="1" latinLnBrk="0" hangingPunct="1">
+                  <a:defRPr sz="1800" kern="1200">
+                    <a:solidFill>
+                      <a:schemeClr val="lt1"/>
+                    </a:solidFill>
+                    <a:latin typeface="+mn-lt"/>
+                    <a:ea typeface="+mn-ea"/>
+                    <a:cs typeface="+mn-cs"/>
+                  </a:defRPr>
+                </a:lvl6pPr>
+                <a:lvl7pPr marL="2743200" algn="l" defTabSz="914400" rtl="0" eaLnBrk="1" latinLnBrk="0" hangingPunct="1">
+                  <a:defRPr sz="1800" kern="1200">
+                    <a:solidFill>
+                      <a:schemeClr val="lt1"/>
+                    </a:solidFill>
+                    <a:latin typeface="+mn-lt"/>
+                    <a:ea typeface="+mn-ea"/>
+                    <a:cs typeface="+mn-cs"/>
+                  </a:defRPr>
+                </a:lvl7pPr>
+                <a:lvl8pPr marL="3200400" algn="l" defTabSz="914400" rtl="0" eaLnBrk="1" latinLnBrk="0" hangingPunct="1">
+                  <a:defRPr sz="1800" kern="1200">
+                    <a:solidFill>
+                      <a:schemeClr val="lt1"/>
+                    </a:solidFill>
+                    <a:latin typeface="+mn-lt"/>
+                    <a:ea typeface="+mn-ea"/>
+                    <a:cs typeface="+mn-cs"/>
+                  </a:defRPr>
+                </a:lvl8pPr>
+                <a:lvl9pPr marL="3657600" algn="l" defTabSz="914400" rtl="0" eaLnBrk="1" latinLnBrk="0" hangingPunct="1">
+                  <a:defRPr sz="1800" kern="1200">
+                    <a:solidFill>
+                      <a:schemeClr val="lt1"/>
+                    </a:solidFill>
+                    <a:latin typeface="+mn-lt"/>
+                    <a:ea typeface="+mn-ea"/>
+                    <a:cs typeface="+mn-cs"/>
+                  </a:defRPr>
+                </a:lvl9pPr>
+              </a:lstStyle>
+              <a:p>
+                <a:pPr algn="ctr"/>
+                <a:endParaRPr lang="en-US" sz="1350"/>
+              </a:p>
+            </p:txBody>
+          </p:sp>
+          <p:sp>
+            <p:nvSpPr>
+              <p:cNvPr id="24" name="Isosceles Triangle 23">
+                <a:extLst>
+                  <a:ext uri="{FF2B5EF4-FFF2-40B4-BE49-F238E27FC236}">
+                    <a16:creationId xmlns:a16="http://schemas.microsoft.com/office/drawing/2014/main" id="{78371020-ECB8-413B-95DB-3A83E26F0B51}"/>
+                  </a:ext>
+                </a:extLst>
+              </p:cNvPr>
+              <p:cNvSpPr/>
+              <p:nvPr/>
+            </p:nvSpPr>
+            <p:spPr>
+              <a:xfrm>
+                <a:off x="10474036" y="2068947"/>
+                <a:ext cx="535709" cy="286326"/>
+              </a:xfrm>
+              <a:prstGeom prst="triangle">
+                <a:avLst/>
+              </a:prstGeom>
+              <a:grpFill/>
+              <a:ln>
+                <a:noFill/>
+              </a:ln>
+            </p:spPr>
+            <p:style>
+              <a:lnRef idx="2">
+                <a:schemeClr val="accent1">
+                  <a:shade val="50000"/>
+                </a:schemeClr>
+              </a:lnRef>
+              <a:fillRef idx="1">
+                <a:schemeClr val="accent1"/>
+              </a:fillRef>
+              <a:effectRef idx="0">
+                <a:schemeClr val="accent1"/>
+              </a:effectRef>
+              <a:fontRef idx="minor">
+                <a:schemeClr val="lt1"/>
+              </a:fontRef>
+            </p:style>
+            <p:txBody>
+              <a:bodyPr rot="0" spcFirstLastPara="0" vert="horz" wrap="square" lIns="68580" tIns="34290" rIns="68580" bIns="34290" numCol="1" spcCol="0" rtlCol="0" fromWordArt="0" anchor="ctr" anchorCtr="0" forceAA="0" compatLnSpc="1">
+                <a:prstTxWarp prst="textNoShape">
+                  <a:avLst/>
+                </a:prstTxWarp>
+                <a:noAutofit/>
+              </a:bodyPr>
+              <a:lstStyle>
+                <a:defPPr>
+                  <a:defRPr lang="en-US"/>
+                </a:defPPr>
+                <a:lvl1pPr marL="0" algn="l" defTabSz="914400" rtl="0" eaLnBrk="1" latinLnBrk="0" hangingPunct="1">
+                  <a:defRPr sz="1800" kern="1200">
+                    <a:solidFill>
+                      <a:schemeClr val="lt1"/>
+                    </a:solidFill>
+                    <a:latin typeface="+mn-lt"/>
+                    <a:ea typeface="+mn-ea"/>
+                    <a:cs typeface="+mn-cs"/>
+                  </a:defRPr>
+                </a:lvl1pPr>
+                <a:lvl2pPr marL="457200" algn="l" defTabSz="914400" rtl="0" eaLnBrk="1" latinLnBrk="0" hangingPunct="1">
+                  <a:defRPr sz="1800" kern="1200">
+                    <a:solidFill>
+                      <a:schemeClr val="lt1"/>
+                    </a:solidFill>
+                    <a:latin typeface="+mn-lt"/>
+                    <a:ea typeface="+mn-ea"/>
+                    <a:cs typeface="+mn-cs"/>
+                  </a:defRPr>
+                </a:lvl2pPr>
+                <a:lvl3pPr marL="914400" algn="l" defTabSz="914400" rtl="0" eaLnBrk="1" latinLnBrk="0" hangingPunct="1">
+                  <a:defRPr sz="1800" kern="1200">
+                    <a:solidFill>
+                      <a:schemeClr val="lt1"/>
+                    </a:solidFill>
+                    <a:latin typeface="+mn-lt"/>
+                    <a:ea typeface="+mn-ea"/>
+                    <a:cs typeface="+mn-cs"/>
+                  </a:defRPr>
+                </a:lvl3pPr>
+                <a:lvl4pPr marL="1371600" algn="l" defTabSz="914400" rtl="0" eaLnBrk="1" latinLnBrk="0" hangingPunct="1">
+                  <a:defRPr sz="1800" kern="1200">
+                    <a:solidFill>
+                      <a:schemeClr val="lt1"/>
+                    </a:solidFill>
+                    <a:latin typeface="+mn-lt"/>
+                    <a:ea typeface="+mn-ea"/>
+                    <a:cs typeface="+mn-cs"/>
+                  </a:defRPr>
+                </a:lvl4pPr>
+                <a:lvl5pPr marL="1828800" algn="l" defTabSz="914400" rtl="0" eaLnBrk="1" latinLnBrk="0" hangingPunct="1">
+                  <a:defRPr sz="1800" kern="1200">
+                    <a:solidFill>
+                      <a:schemeClr val="lt1"/>
+                    </a:solidFill>
+                    <a:latin typeface="+mn-lt"/>
+                    <a:ea typeface="+mn-ea"/>
+                    <a:cs typeface="+mn-cs"/>
+                  </a:defRPr>
+                </a:lvl5pPr>
+                <a:lvl6pPr marL="2286000" algn="l" defTabSz="914400" rtl="0" eaLnBrk="1" latinLnBrk="0" hangingPunct="1">
+                  <a:defRPr sz="1800" kern="1200">
+                    <a:solidFill>
+                      <a:schemeClr val="lt1"/>
+                    </a:solidFill>
+                    <a:latin typeface="+mn-lt"/>
+                    <a:ea typeface="+mn-ea"/>
+                    <a:cs typeface="+mn-cs"/>
+                  </a:defRPr>
+                </a:lvl6pPr>
+                <a:lvl7pPr marL="2743200" algn="l" defTabSz="914400" rtl="0" eaLnBrk="1" latinLnBrk="0" hangingPunct="1">
+                  <a:defRPr sz="1800" kern="1200">
+                    <a:solidFill>
+                      <a:schemeClr val="lt1"/>
+                    </a:solidFill>
+                    <a:latin typeface="+mn-lt"/>
+                    <a:ea typeface="+mn-ea"/>
+                    <a:cs typeface="+mn-cs"/>
+                  </a:defRPr>
+                </a:lvl7pPr>
+                <a:lvl8pPr marL="3200400" algn="l" defTabSz="914400" rtl="0" eaLnBrk="1" latinLnBrk="0" hangingPunct="1">
+                  <a:defRPr sz="1800" kern="1200">
+                    <a:solidFill>
+                      <a:schemeClr val="lt1"/>
+                    </a:solidFill>
+                    <a:latin typeface="+mn-lt"/>
+                    <a:ea typeface="+mn-ea"/>
+                    <a:cs typeface="+mn-cs"/>
+                  </a:defRPr>
+                </a:lvl8pPr>
+                <a:lvl9pPr marL="3657600" algn="l" defTabSz="914400" rtl="0" eaLnBrk="1" latinLnBrk="0" hangingPunct="1">
+                  <a:defRPr sz="1800" kern="1200">
+                    <a:solidFill>
+                      <a:schemeClr val="lt1"/>
+                    </a:solidFill>
+                    <a:latin typeface="+mn-lt"/>
+                    <a:ea typeface="+mn-ea"/>
+                    <a:cs typeface="+mn-cs"/>
+                  </a:defRPr>
+                </a:lvl9pPr>
+              </a:lstStyle>
+              <a:p>
+                <a:pPr algn="ctr"/>
+                <a:endParaRPr lang="en-US" sz="1350"/>
+              </a:p>
+            </p:txBody>
+          </p:sp>
+        </p:grpSp>
+        <p:sp>
+          <p:nvSpPr>
+            <p:cNvPr id="21" name="Rectangle 20">
+              <a:extLst>
+                <a:ext uri="{FF2B5EF4-FFF2-40B4-BE49-F238E27FC236}">
+                  <a16:creationId xmlns:a16="http://schemas.microsoft.com/office/drawing/2014/main" id="{5E872451-72C1-457E-930B-5C223115D216}"/>
+                </a:ext>
+              </a:extLst>
+            </p:cNvPr>
+            <p:cNvSpPr/>
+            <p:nvPr/>
+          </p:nvSpPr>
+          <p:spPr>
+            <a:xfrm>
+              <a:off x="9772072" y="3362034"/>
+              <a:ext cx="1939636" cy="2641595"/>
+            </a:xfrm>
+            <a:prstGeom prst="rect">
+              <a:avLst/>
+            </a:prstGeom>
+            <a:solidFill>
+              <a:schemeClr val="bg1">
+                <a:lumMod val="85000"/>
+              </a:schemeClr>
+            </a:solidFill>
+            <a:ln>
+              <a:noFill/>
+            </a:ln>
+          </p:spPr>
+          <p:style>
+            <a:lnRef idx="2">
+              <a:schemeClr val="accent1">
+                <a:shade val="50000"/>
+              </a:schemeClr>
+            </a:lnRef>
+            <a:fillRef idx="1">
+              <a:schemeClr val="accent1"/>
+            </a:fillRef>
+            <a:effectRef idx="0">
+              <a:schemeClr val="accent1"/>
+            </a:effectRef>
+            <a:fontRef idx="minor">
+              <a:schemeClr val="lt1"/>
+            </a:fontRef>
+          </p:style>
+          <p:txBody>
+            <a:bodyPr rot="0" spcFirstLastPara="0" vert="horz" wrap="square" lIns="68580" tIns="34290" rIns="68580" bIns="34290" numCol="1" spcCol="0" rtlCol="0" fromWordArt="0" anchor="t" anchorCtr="0" forceAA="0" compatLnSpc="1">
+              <a:prstTxWarp prst="textNoShape">
+                <a:avLst/>
+              </a:prstTxWarp>
+              <a:noAutofit/>
+            </a:bodyPr>
+            <a:lstStyle>
+              <a:defPPr>
+                <a:defRPr lang="en-US"/>
+              </a:defPPr>
+              <a:lvl1pPr marL="0" algn="l" defTabSz="914400" rtl="0" eaLnBrk="1" latinLnBrk="0" hangingPunct="1">
+                <a:defRPr sz="1800" kern="1200">
+                  <a:solidFill>
+                    <a:schemeClr val="lt1"/>
+                  </a:solidFill>
+                  <a:latin typeface="+mn-lt"/>
+                  <a:ea typeface="+mn-ea"/>
+                  <a:cs typeface="+mn-cs"/>
+                </a:defRPr>
+              </a:lvl1pPr>
+              <a:lvl2pPr marL="457200" algn="l" defTabSz="914400" rtl="0" eaLnBrk="1" latinLnBrk="0" hangingPunct="1">
+                <a:defRPr sz="1800" kern="1200">
+                  <a:solidFill>
+                    <a:schemeClr val="lt1"/>
+                  </a:solidFill>
+                  <a:latin typeface="+mn-lt"/>
+                  <a:ea typeface="+mn-ea"/>
+                  <a:cs typeface="+mn-cs"/>
+                </a:defRPr>
+              </a:lvl2pPr>
+              <a:lvl3pPr marL="914400" algn="l" defTabSz="914400" rtl="0" eaLnBrk="1" latinLnBrk="0" hangingPunct="1">
+                <a:defRPr sz="1800" kern="1200">
+                  <a:solidFill>
+                    <a:schemeClr val="lt1"/>
+                  </a:solidFill>
+                  <a:latin typeface="+mn-lt"/>
+                  <a:ea typeface="+mn-ea"/>
+                  <a:cs typeface="+mn-cs"/>
+                </a:defRPr>
+              </a:lvl3pPr>
+              <a:lvl4pPr marL="1371600" algn="l" defTabSz="914400" rtl="0" eaLnBrk="1" latinLnBrk="0" hangingPunct="1">
+                <a:defRPr sz="1800" kern="1200">
+                  <a:solidFill>
+                    <a:schemeClr val="lt1"/>
+                  </a:solidFill>
+                  <a:latin typeface="+mn-lt"/>
+                  <a:ea typeface="+mn-ea"/>
+                  <a:cs typeface="+mn-cs"/>
+                </a:defRPr>
+              </a:lvl4pPr>
+              <a:lvl5pPr marL="1828800" algn="l" defTabSz="914400" rtl="0" eaLnBrk="1" latinLnBrk="0" hangingPunct="1">
+                <a:defRPr sz="1800" kern="1200">
+                  <a:solidFill>
+                    <a:schemeClr val="lt1"/>
+                  </a:solidFill>
+                  <a:latin typeface="+mn-lt"/>
+                  <a:ea typeface="+mn-ea"/>
+                  <a:cs typeface="+mn-cs"/>
+                </a:defRPr>
+              </a:lvl5pPr>
+              <a:lvl6pPr marL="2286000" algn="l" defTabSz="914400" rtl="0" eaLnBrk="1" latinLnBrk="0" hangingPunct="1">
+                <a:defRPr sz="1800" kern="1200">
+                  <a:solidFill>
+                    <a:schemeClr val="lt1"/>
+                  </a:solidFill>
+                  <a:latin typeface="+mn-lt"/>
+                  <a:ea typeface="+mn-ea"/>
+                  <a:cs typeface="+mn-cs"/>
+                </a:defRPr>
+              </a:lvl6pPr>
+              <a:lvl7pPr marL="2743200" algn="l" defTabSz="914400" rtl="0" eaLnBrk="1" latinLnBrk="0" hangingPunct="1">
+                <a:defRPr sz="1800" kern="1200">
+                  <a:solidFill>
+                    <a:schemeClr val="lt1"/>
+                  </a:solidFill>
+                  <a:latin typeface="+mn-lt"/>
+                  <a:ea typeface="+mn-ea"/>
+                  <a:cs typeface="+mn-cs"/>
+                </a:defRPr>
+              </a:lvl7pPr>
+              <a:lvl8pPr marL="3200400" algn="l" defTabSz="914400" rtl="0" eaLnBrk="1" latinLnBrk="0" hangingPunct="1">
+                <a:defRPr sz="1800" kern="1200">
+                  <a:solidFill>
+                    <a:schemeClr val="lt1"/>
+                  </a:solidFill>
+                  <a:latin typeface="+mn-lt"/>
+                  <a:ea typeface="+mn-ea"/>
+                  <a:cs typeface="+mn-cs"/>
+                </a:defRPr>
+              </a:lvl8pPr>
+              <a:lvl9pPr marL="3657600" algn="l" defTabSz="914400" rtl="0" eaLnBrk="1" latinLnBrk="0" hangingPunct="1">
+                <a:defRPr sz="1800" kern="1200">
+                  <a:solidFill>
+                    <a:schemeClr val="lt1"/>
+                  </a:solidFill>
+                  <a:latin typeface="+mn-lt"/>
+                  <a:ea typeface="+mn-ea"/>
+                  <a:cs typeface="+mn-cs"/>
+                </a:defRPr>
+              </a:lvl9pPr>
+            </a:lstStyle>
+            <a:p>
+              <a:pPr algn="ctr">
+                <a:spcAft>
+                  <a:spcPts val="900"/>
+                </a:spcAft>
+              </a:pPr>
+              <a:r>
+                <a:rPr lang="en-US" sz="1400" b="1" cap="all" noProof="1">
+                  <a:solidFill>
+                    <a:prstClr val="black"/>
+                  </a:solidFill>
+                </a:rPr>
+                <a:t>Conclusion?</a:t>
+              </a:r>
+            </a:p>
+            <a:p>
+              <a:pPr algn="just">
+                <a:spcAft>
+                  <a:spcPts val="900"/>
+                </a:spcAft>
+              </a:pPr>
+              <a:r>
+                <a:rPr lang="en-US" sz="900" noProof="1">
+                  <a:solidFill>
+                    <a:prstClr val="black">
+                      <a:lumMod val="65000"/>
+                      <a:lumOff val="35000"/>
+                    </a:prstClr>
+                  </a:solidFill>
+                </a:rPr>
+                <a:t>Per Regression analyses, are our hypotheses correct?</a:t>
+              </a:r>
+            </a:p>
+            <a:p>
+              <a:pPr algn="just">
+                <a:spcAft>
+                  <a:spcPts val="900"/>
+                </a:spcAft>
+              </a:pPr>
+              <a:r>
+                <a:rPr lang="en-US" sz="900" noProof="1">
+                  <a:solidFill>
+                    <a:prstClr val="black">
+                      <a:lumMod val="65000"/>
+                      <a:lumOff val="35000"/>
+                    </a:prstClr>
+                  </a:solidFill>
+                </a:rPr>
+                <a:t>Other interesting findings?</a:t>
+              </a:r>
+            </a:p>
+            <a:p>
+              <a:pPr algn="just">
+                <a:spcAft>
+                  <a:spcPts val="900"/>
+                </a:spcAft>
+              </a:pPr>
+              <a:endParaRPr lang="en-US" sz="900" noProof="1">
+                <a:solidFill>
+                  <a:prstClr val="black">
+                    <a:lumMod val="65000"/>
+                    <a:lumOff val="35000"/>
+                  </a:prstClr>
+                </a:solidFill>
+              </a:endParaRPr>
+            </a:p>
+          </p:txBody>
+        </p:sp>
+        <p:sp>
+          <p:nvSpPr>
+            <p:cNvPr id="22" name="Rectangle 21">
+              <a:extLst>
+                <a:ext uri="{FF2B5EF4-FFF2-40B4-BE49-F238E27FC236}">
+                  <a16:creationId xmlns:a16="http://schemas.microsoft.com/office/drawing/2014/main" id="{6216F461-5F3C-4BD6-88EF-DB572014F042}"/>
+                </a:ext>
+              </a:extLst>
+            </p:cNvPr>
+            <p:cNvSpPr/>
+            <p:nvPr/>
+          </p:nvSpPr>
+          <p:spPr>
+            <a:xfrm>
+              <a:off x="9772072" y="6003629"/>
+              <a:ext cx="1939636" cy="139996"/>
+            </a:xfrm>
+            <a:prstGeom prst="rect">
+              <a:avLst/>
+            </a:prstGeom>
+            <a:solidFill>
+              <a:schemeClr val="accent6">
+                <a:lumMod val="75000"/>
+              </a:schemeClr>
+            </a:solidFill>
+            <a:ln>
+              <a:noFill/>
+            </a:ln>
+          </p:spPr>
+          <p:style>
+            <a:lnRef idx="2">
+              <a:schemeClr val="accent1">
+                <a:shade val="50000"/>
+              </a:schemeClr>
+            </a:lnRef>
+            <a:fillRef idx="1">
+              <a:schemeClr val="accent1"/>
+            </a:fillRef>
+            <a:effectRef idx="0">
+              <a:schemeClr val="accent1"/>
+            </a:effectRef>
+            <a:fontRef idx="minor">
+              <a:schemeClr val="lt1"/>
+            </a:fontRef>
+          </p:style>
+          <p:txBody>
+            <a:bodyPr rot="0" spcFirstLastPara="0" vert="horz" wrap="square" lIns="68580" tIns="34290" rIns="68580" bIns="34290" numCol="1" spcCol="0" rtlCol="0" fromWordArt="0" anchor="ctr" anchorCtr="0" forceAA="0" compatLnSpc="1">
+              <a:prstTxWarp prst="textNoShape">
+                <a:avLst/>
+              </a:prstTxWarp>
+              <a:noAutofit/>
+            </a:bodyPr>
+            <a:lstStyle>
+              <a:defPPr>
+                <a:defRPr lang="en-US"/>
+              </a:defPPr>
+              <a:lvl1pPr marL="0" algn="l" defTabSz="914400" rtl="0" eaLnBrk="1" latinLnBrk="0" hangingPunct="1">
+                <a:defRPr sz="1800" kern="1200">
+                  <a:solidFill>
+                    <a:schemeClr val="lt1"/>
+                  </a:solidFill>
+                  <a:latin typeface="+mn-lt"/>
+                  <a:ea typeface="+mn-ea"/>
+                  <a:cs typeface="+mn-cs"/>
+                </a:defRPr>
+              </a:lvl1pPr>
+              <a:lvl2pPr marL="457200" algn="l" defTabSz="914400" rtl="0" eaLnBrk="1" latinLnBrk="0" hangingPunct="1">
+                <a:defRPr sz="1800" kern="1200">
+                  <a:solidFill>
+                    <a:schemeClr val="lt1"/>
+                  </a:solidFill>
+                  <a:latin typeface="+mn-lt"/>
+                  <a:ea typeface="+mn-ea"/>
+                  <a:cs typeface="+mn-cs"/>
+                </a:defRPr>
+              </a:lvl2pPr>
+              <a:lvl3pPr marL="914400" algn="l" defTabSz="914400" rtl="0" eaLnBrk="1" latinLnBrk="0" hangingPunct="1">
+                <a:defRPr sz="1800" kern="1200">
+                  <a:solidFill>
+                    <a:schemeClr val="lt1"/>
+                  </a:solidFill>
+                  <a:latin typeface="+mn-lt"/>
+                  <a:ea typeface="+mn-ea"/>
+                  <a:cs typeface="+mn-cs"/>
+                </a:defRPr>
+              </a:lvl3pPr>
+              <a:lvl4pPr marL="1371600" algn="l" defTabSz="914400" rtl="0" eaLnBrk="1" latinLnBrk="0" hangingPunct="1">
+                <a:defRPr sz="1800" kern="1200">
+                  <a:solidFill>
+                    <a:schemeClr val="lt1"/>
+                  </a:solidFill>
+                  <a:latin typeface="+mn-lt"/>
+                  <a:ea typeface="+mn-ea"/>
+                  <a:cs typeface="+mn-cs"/>
+                </a:defRPr>
+              </a:lvl4pPr>
+              <a:lvl5pPr marL="1828800" algn="l" defTabSz="914400" rtl="0" eaLnBrk="1" latinLnBrk="0" hangingPunct="1">
+                <a:defRPr sz="1800" kern="1200">
+                  <a:solidFill>
+                    <a:schemeClr val="lt1"/>
+                  </a:solidFill>
+                  <a:latin typeface="+mn-lt"/>
+                  <a:ea typeface="+mn-ea"/>
+                  <a:cs typeface="+mn-cs"/>
+                </a:defRPr>
+              </a:lvl5pPr>
+              <a:lvl6pPr marL="2286000" algn="l" defTabSz="914400" rtl="0" eaLnBrk="1" latinLnBrk="0" hangingPunct="1">
+                <a:defRPr sz="1800" kern="1200">
+                  <a:solidFill>
+                    <a:schemeClr val="lt1"/>
+                  </a:solidFill>
+                  <a:latin typeface="+mn-lt"/>
+                  <a:ea typeface="+mn-ea"/>
+                  <a:cs typeface="+mn-cs"/>
+                </a:defRPr>
+              </a:lvl6pPr>
+              <a:lvl7pPr marL="2743200" algn="l" defTabSz="914400" rtl="0" eaLnBrk="1" latinLnBrk="0" hangingPunct="1">
+                <a:defRPr sz="1800" kern="1200">
+                  <a:solidFill>
+                    <a:schemeClr val="lt1"/>
+                  </a:solidFill>
+                  <a:latin typeface="+mn-lt"/>
+                  <a:ea typeface="+mn-ea"/>
+                  <a:cs typeface="+mn-cs"/>
+                </a:defRPr>
+              </a:lvl7pPr>
+              <a:lvl8pPr marL="3200400" algn="l" defTabSz="914400" rtl="0" eaLnBrk="1" latinLnBrk="0" hangingPunct="1">
+                <a:defRPr sz="1800" kern="1200">
+                  <a:solidFill>
+                    <a:schemeClr val="lt1"/>
+                  </a:solidFill>
+                  <a:latin typeface="+mn-lt"/>
+                  <a:ea typeface="+mn-ea"/>
+                  <a:cs typeface="+mn-cs"/>
+                </a:defRPr>
+              </a:lvl8pPr>
+              <a:lvl9pPr marL="3657600" algn="l" defTabSz="914400" rtl="0" eaLnBrk="1" latinLnBrk="0" hangingPunct="1">
+                <a:defRPr sz="1800" kern="1200">
+                  <a:solidFill>
+                    <a:schemeClr val="lt1"/>
+                  </a:solidFill>
+                  <a:latin typeface="+mn-lt"/>
+                  <a:ea typeface="+mn-ea"/>
+                  <a:cs typeface="+mn-cs"/>
+                </a:defRPr>
+              </a:lvl9pPr>
+            </a:lstStyle>
+            <a:p>
+              <a:pPr algn="ctr"/>
+              <a:endParaRPr lang="en-US" sz="1350"/>
+            </a:p>
+          </p:txBody>
+        </p:sp>
+      </p:grpSp>
       <p:sp>
         <p:nvSpPr>
-          <p:cNvPr id="7" name="TextBox 6">
+          <p:cNvPr id="9" name="Oval 8">
             <a:extLst>
               <a:ext uri="{FF2B5EF4-FFF2-40B4-BE49-F238E27FC236}">
-                <a16:creationId xmlns:a16="http://schemas.microsoft.com/office/drawing/2014/main" id="{87B7BC8B-922B-4C99-AB7B-77898FEF1DBA}"/>
-              </a:ext>
-            </a:extLst>
-          </p:cNvPr>
-          <p:cNvSpPr txBox="1"/>
-          <p:nvPr/>
-        </p:nvSpPr>
-        <p:spPr>
-          <a:xfrm>
-            <a:off x="426721" y="487680"/>
-            <a:ext cx="4104640" cy="4247317"/>
-          </a:xfrm>
-          <a:prstGeom prst="rect">
-            <a:avLst/>
-          </a:prstGeom>
-          <a:noFill/>
-        </p:spPr>
-        <p:txBody>
-          <a:bodyPr wrap="square" rtlCol="0">
-            <a:spAutoFit/>
-          </a:bodyPr>
-          <a:lstStyle/>
-          <a:p>
-            <a:r>
-              <a:rPr lang="en-US" dirty="0"/>
-              <a:t>Questions:</a:t>
-            </a:r>
-          </a:p>
-          <a:p>
-            <a:endParaRPr lang="en-US" dirty="0"/>
-          </a:p>
-          <a:p>
-            <a:pPr marL="285750" indent="-285750">
-              <a:buFont typeface="Arial" panose="020B0604020202020204" pitchFamily="34" charset="0"/>
-              <a:buChar char="•"/>
-            </a:pPr>
-            <a:r>
-              <a:rPr lang="en-US" dirty="0"/>
-              <a:t>What do people enjoy most about beer?                                                       </a:t>
-            </a:r>
-          </a:p>
-          <a:p>
-            <a:pPr marL="285750" indent="-285750">
-              <a:buFont typeface="Arial" panose="020B0604020202020204" pitchFamily="34" charset="0"/>
-              <a:buChar char="•"/>
-            </a:pPr>
-            <a:r>
-              <a:rPr lang="en-US" dirty="0"/>
-              <a:t>Do preferences change by beer styles?</a:t>
-            </a:r>
-          </a:p>
-          <a:p>
-            <a:endParaRPr lang="en-US" dirty="0"/>
-          </a:p>
-          <a:p>
-            <a:endParaRPr lang="en-US" dirty="0"/>
-          </a:p>
-          <a:p>
-            <a:endParaRPr lang="en-US" dirty="0"/>
-          </a:p>
-          <a:p>
-            <a:endParaRPr lang="en-US" dirty="0"/>
-          </a:p>
-          <a:p>
-            <a:endParaRPr lang="en-US" dirty="0"/>
-          </a:p>
-          <a:p>
-            <a:endParaRPr lang="en-US" dirty="0"/>
-          </a:p>
-          <a:p>
-            <a:endParaRPr lang="en-US" dirty="0"/>
-          </a:p>
-          <a:p>
-            <a:endParaRPr lang="en-US" dirty="0"/>
-          </a:p>
-          <a:p>
-            <a:endParaRPr lang="en-US" dirty="0"/>
-          </a:p>
-          <a:p>
-            <a:endParaRPr lang="en-US" dirty="0"/>
-          </a:p>
-        </p:txBody>
-      </p:sp>
-      <p:sp>
-        <p:nvSpPr>
-          <p:cNvPr id="9" name="TextBox 8">
-            <a:extLst>
-              <a:ext uri="{FF2B5EF4-FFF2-40B4-BE49-F238E27FC236}">
-                <a16:creationId xmlns:a16="http://schemas.microsoft.com/office/drawing/2014/main" id="{174980C8-A6C4-4771-85DB-EF28FDD0FEEB}"/>
-              </a:ext>
-            </a:extLst>
-          </p:cNvPr>
-          <p:cNvSpPr txBox="1"/>
-          <p:nvPr/>
-        </p:nvSpPr>
-        <p:spPr>
-          <a:xfrm>
-            <a:off x="6948562" y="487679"/>
-            <a:ext cx="5243433" cy="4524315"/>
-          </a:xfrm>
-          <a:prstGeom prst="rect">
-            <a:avLst/>
-          </a:prstGeom>
-          <a:noFill/>
-        </p:spPr>
-        <p:txBody>
-          <a:bodyPr wrap="square" rtlCol="0">
-            <a:spAutoFit/>
-          </a:bodyPr>
-          <a:lstStyle/>
-          <a:p>
-            <a:r>
-              <a:rPr lang="en-US" dirty="0"/>
-              <a:t>Data Overview</a:t>
-            </a:r>
-          </a:p>
-          <a:p>
-            <a:endParaRPr lang="en-US" dirty="0"/>
-          </a:p>
-          <a:p>
-            <a:pPr marL="285750" indent="-285750">
-              <a:buFont typeface="Arial" panose="020B0604020202020204" pitchFamily="34" charset="0"/>
-              <a:buChar char="•"/>
-            </a:pPr>
-            <a:r>
-              <a:rPr lang="en-US" dirty="0"/>
-              <a:t>Source: </a:t>
-            </a:r>
-            <a:r>
-              <a:rPr lang="en-US" dirty="0" err="1"/>
-              <a:t>Data.World</a:t>
-            </a:r>
-            <a:r>
-              <a:rPr lang="en-US" dirty="0"/>
-              <a:t>: BeerAdvocate</a:t>
-            </a:r>
-          </a:p>
-          <a:p>
-            <a:pPr marL="285750" indent="-285750">
-              <a:buFont typeface="Arial" panose="020B0604020202020204" pitchFamily="34" charset="0"/>
-              <a:buChar char="•"/>
-            </a:pPr>
-            <a:r>
-              <a:rPr lang="en-US" dirty="0"/>
-              <a:t>Timespan: 16 years( 1996—2012)</a:t>
-            </a:r>
-          </a:p>
-          <a:p>
-            <a:pPr marL="285750" indent="-285750">
-              <a:buFont typeface="Arial" panose="020B0604020202020204" pitchFamily="34" charset="0"/>
-              <a:buChar char="•"/>
-            </a:pPr>
-            <a:r>
-              <a:rPr lang="en-US" dirty="0"/>
-              <a:t>1.05 million reviews</a:t>
-            </a:r>
-          </a:p>
-          <a:p>
-            <a:pPr marL="285750" indent="-285750">
-              <a:buFont typeface="Arial" panose="020B0604020202020204" pitchFamily="34" charset="0"/>
-              <a:buChar char="•"/>
-            </a:pPr>
-            <a:r>
-              <a:rPr lang="en-US" dirty="0"/>
-              <a:t>104 beer styles</a:t>
-            </a:r>
-          </a:p>
-          <a:p>
-            <a:pPr marL="285750" indent="-285750">
-              <a:buFont typeface="Arial" panose="020B0604020202020204" pitchFamily="34" charset="0"/>
-              <a:buChar char="•"/>
-            </a:pPr>
-            <a:r>
-              <a:rPr lang="en-US" dirty="0"/>
-              <a:t>29,256 beers</a:t>
-            </a:r>
-          </a:p>
-          <a:p>
-            <a:pPr marL="285750" indent="-285750">
-              <a:buFont typeface="Arial" panose="020B0604020202020204" pitchFamily="34" charset="0"/>
-              <a:buChar char="•"/>
-            </a:pPr>
-            <a:r>
-              <a:rPr lang="en-US" dirty="0"/>
-              <a:t>270,174 reviews were above 4</a:t>
-            </a:r>
-          </a:p>
-          <a:p>
-            <a:pPr marL="285750" indent="-285750">
-              <a:buFont typeface="Arial" panose="020B0604020202020204" pitchFamily="34" charset="0"/>
-              <a:buChar char="•"/>
-            </a:pPr>
-            <a:endParaRPr lang="en-US" dirty="0"/>
-          </a:p>
-          <a:p>
-            <a:endParaRPr lang="en-US" dirty="0"/>
-          </a:p>
-          <a:p>
-            <a:endParaRPr lang="en-US" dirty="0"/>
-          </a:p>
-          <a:p>
-            <a:endParaRPr lang="en-US" dirty="0"/>
-          </a:p>
-          <a:p>
-            <a:endParaRPr lang="en-US" dirty="0"/>
-          </a:p>
-          <a:p>
-            <a:endParaRPr lang="en-US" dirty="0"/>
-          </a:p>
-          <a:p>
-            <a:endParaRPr lang="en-US" dirty="0"/>
-          </a:p>
-          <a:p>
-            <a:endParaRPr lang="en-US" dirty="0"/>
-          </a:p>
-        </p:txBody>
-      </p:sp>
-      <p:sp>
-        <p:nvSpPr>
-          <p:cNvPr id="11" name="Rectangle 10">
-            <a:extLst>
-              <a:ext uri="{FF2B5EF4-FFF2-40B4-BE49-F238E27FC236}">
-                <a16:creationId xmlns:a16="http://schemas.microsoft.com/office/drawing/2014/main" id="{1F695427-EBF5-4B42-AF27-F12B493C74AA}"/>
+                <a16:creationId xmlns:a16="http://schemas.microsoft.com/office/drawing/2014/main" id="{AA9167C2-FEB5-4555-81C2-0D5D156510BF}"/>
               </a:ext>
             </a:extLst>
           </p:cNvPr>
@@ -4769,8 +9760,1475 @@
         </p:nvSpPr>
         <p:spPr>
           <a:xfrm>
-            <a:off x="426720" y="3758988"/>
-            <a:ext cx="2357120" cy="731514"/>
+            <a:off x="2281671" y="1554742"/>
+            <a:ext cx="659822" cy="659822"/>
+          </a:xfrm>
+          <a:prstGeom prst="ellipse">
+            <a:avLst/>
+          </a:prstGeom>
+          <a:ln>
+            <a:noFill/>
+          </a:ln>
+        </p:spPr>
+        <p:style>
+          <a:lnRef idx="2">
+            <a:schemeClr val="accent1">
+              <a:shade val="50000"/>
+            </a:schemeClr>
+          </a:lnRef>
+          <a:fillRef idx="1">
+            <a:schemeClr val="accent1"/>
+          </a:fillRef>
+          <a:effectRef idx="0">
+            <a:schemeClr val="accent1"/>
+          </a:effectRef>
+          <a:fontRef idx="minor">
+            <a:schemeClr val="lt1"/>
+          </a:fontRef>
+        </p:style>
+        <p:txBody>
+          <a:bodyPr rot="0" spcFirstLastPara="0" vert="horz" wrap="square" lIns="68580" tIns="0" rIns="68580" bIns="0" numCol="1" spcCol="0" rtlCol="0" fromWordArt="0" anchor="ctr" anchorCtr="0" forceAA="0" compatLnSpc="1">
+            <a:prstTxWarp prst="textNoShape">
+              <a:avLst/>
+            </a:prstTxWarp>
+            <a:noAutofit/>
+          </a:bodyPr>
+          <a:lstStyle>
+            <a:defPPr>
+              <a:defRPr lang="en-US"/>
+            </a:defPPr>
+            <a:lvl1pPr marL="0" algn="l" defTabSz="914400" rtl="0" eaLnBrk="1" latinLnBrk="0" hangingPunct="1">
+              <a:defRPr sz="1800" kern="1200">
+                <a:solidFill>
+                  <a:schemeClr val="lt1"/>
+                </a:solidFill>
+                <a:latin typeface="+mn-lt"/>
+                <a:ea typeface="+mn-ea"/>
+                <a:cs typeface="+mn-cs"/>
+              </a:defRPr>
+            </a:lvl1pPr>
+            <a:lvl2pPr marL="457200" algn="l" defTabSz="914400" rtl="0" eaLnBrk="1" latinLnBrk="0" hangingPunct="1">
+              <a:defRPr sz="1800" kern="1200">
+                <a:solidFill>
+                  <a:schemeClr val="lt1"/>
+                </a:solidFill>
+                <a:latin typeface="+mn-lt"/>
+                <a:ea typeface="+mn-ea"/>
+                <a:cs typeface="+mn-cs"/>
+              </a:defRPr>
+            </a:lvl2pPr>
+            <a:lvl3pPr marL="914400" algn="l" defTabSz="914400" rtl="0" eaLnBrk="1" latinLnBrk="0" hangingPunct="1">
+              <a:defRPr sz="1800" kern="1200">
+                <a:solidFill>
+                  <a:schemeClr val="lt1"/>
+                </a:solidFill>
+                <a:latin typeface="+mn-lt"/>
+                <a:ea typeface="+mn-ea"/>
+                <a:cs typeface="+mn-cs"/>
+              </a:defRPr>
+            </a:lvl3pPr>
+            <a:lvl4pPr marL="1371600" algn="l" defTabSz="914400" rtl="0" eaLnBrk="1" latinLnBrk="0" hangingPunct="1">
+              <a:defRPr sz="1800" kern="1200">
+                <a:solidFill>
+                  <a:schemeClr val="lt1"/>
+                </a:solidFill>
+                <a:latin typeface="+mn-lt"/>
+                <a:ea typeface="+mn-ea"/>
+                <a:cs typeface="+mn-cs"/>
+              </a:defRPr>
+            </a:lvl4pPr>
+            <a:lvl5pPr marL="1828800" algn="l" defTabSz="914400" rtl="0" eaLnBrk="1" latinLnBrk="0" hangingPunct="1">
+              <a:defRPr sz="1800" kern="1200">
+                <a:solidFill>
+                  <a:schemeClr val="lt1"/>
+                </a:solidFill>
+                <a:latin typeface="+mn-lt"/>
+                <a:ea typeface="+mn-ea"/>
+                <a:cs typeface="+mn-cs"/>
+              </a:defRPr>
+            </a:lvl5pPr>
+            <a:lvl6pPr marL="2286000" algn="l" defTabSz="914400" rtl="0" eaLnBrk="1" latinLnBrk="0" hangingPunct="1">
+              <a:defRPr sz="1800" kern="1200">
+                <a:solidFill>
+                  <a:schemeClr val="lt1"/>
+                </a:solidFill>
+                <a:latin typeface="+mn-lt"/>
+                <a:ea typeface="+mn-ea"/>
+                <a:cs typeface="+mn-cs"/>
+              </a:defRPr>
+            </a:lvl6pPr>
+            <a:lvl7pPr marL="2743200" algn="l" defTabSz="914400" rtl="0" eaLnBrk="1" latinLnBrk="0" hangingPunct="1">
+              <a:defRPr sz="1800" kern="1200">
+                <a:solidFill>
+                  <a:schemeClr val="lt1"/>
+                </a:solidFill>
+                <a:latin typeface="+mn-lt"/>
+                <a:ea typeface="+mn-ea"/>
+                <a:cs typeface="+mn-cs"/>
+              </a:defRPr>
+            </a:lvl7pPr>
+            <a:lvl8pPr marL="3200400" algn="l" defTabSz="914400" rtl="0" eaLnBrk="1" latinLnBrk="0" hangingPunct="1">
+              <a:defRPr sz="1800" kern="1200">
+                <a:solidFill>
+                  <a:schemeClr val="lt1"/>
+                </a:solidFill>
+                <a:latin typeface="+mn-lt"/>
+                <a:ea typeface="+mn-ea"/>
+                <a:cs typeface="+mn-cs"/>
+              </a:defRPr>
+            </a:lvl8pPr>
+            <a:lvl9pPr marL="3657600" algn="l" defTabSz="914400" rtl="0" eaLnBrk="1" latinLnBrk="0" hangingPunct="1">
+              <a:defRPr sz="1800" kern="1200">
+                <a:solidFill>
+                  <a:schemeClr val="lt1"/>
+                </a:solidFill>
+                <a:latin typeface="+mn-lt"/>
+                <a:ea typeface="+mn-ea"/>
+                <a:cs typeface="+mn-cs"/>
+              </a:defRPr>
+            </a:lvl9pPr>
+          </a:lstStyle>
+          <a:p>
+            <a:pPr algn="ctr"/>
+            <a:endParaRPr lang="en-US" sz="1200" b="1" dirty="0"/>
+          </a:p>
+        </p:txBody>
+      </p:sp>
+      <p:sp>
+        <p:nvSpPr>
+          <p:cNvPr id="10" name="Oval 9">
+            <a:extLst>
+              <a:ext uri="{FF2B5EF4-FFF2-40B4-BE49-F238E27FC236}">
+                <a16:creationId xmlns:a16="http://schemas.microsoft.com/office/drawing/2014/main" id="{A113D375-E95A-4E0C-804E-5928F0A87793}"/>
+              </a:ext>
+            </a:extLst>
+          </p:cNvPr>
+          <p:cNvSpPr/>
+          <p:nvPr/>
+        </p:nvSpPr>
+        <p:spPr>
+          <a:xfrm>
+            <a:off x="4023879" y="1554742"/>
+            <a:ext cx="659822" cy="659822"/>
+          </a:xfrm>
+          <a:prstGeom prst="ellipse">
+            <a:avLst/>
+          </a:prstGeom>
+          <a:solidFill>
+            <a:schemeClr val="accent2"/>
+          </a:solidFill>
+          <a:ln>
+            <a:noFill/>
+          </a:ln>
+        </p:spPr>
+        <p:style>
+          <a:lnRef idx="2">
+            <a:schemeClr val="accent1">
+              <a:shade val="50000"/>
+            </a:schemeClr>
+          </a:lnRef>
+          <a:fillRef idx="1">
+            <a:schemeClr val="accent1"/>
+          </a:fillRef>
+          <a:effectRef idx="0">
+            <a:schemeClr val="accent1"/>
+          </a:effectRef>
+          <a:fontRef idx="minor">
+            <a:schemeClr val="lt1"/>
+          </a:fontRef>
+        </p:style>
+        <p:txBody>
+          <a:bodyPr rot="0" spcFirstLastPara="0" vert="horz" wrap="square" lIns="68580" tIns="0" rIns="68580" bIns="0" numCol="1" spcCol="0" rtlCol="0" fromWordArt="0" anchor="ctr" anchorCtr="0" forceAA="0" compatLnSpc="1">
+            <a:prstTxWarp prst="textNoShape">
+              <a:avLst/>
+            </a:prstTxWarp>
+            <a:noAutofit/>
+          </a:bodyPr>
+          <a:lstStyle>
+            <a:defPPr>
+              <a:defRPr lang="en-US"/>
+            </a:defPPr>
+            <a:lvl1pPr marL="0" algn="l" defTabSz="914400" rtl="0" eaLnBrk="1" latinLnBrk="0" hangingPunct="1">
+              <a:defRPr sz="1800" kern="1200">
+                <a:solidFill>
+                  <a:schemeClr val="lt1"/>
+                </a:solidFill>
+                <a:latin typeface="+mn-lt"/>
+                <a:ea typeface="+mn-ea"/>
+                <a:cs typeface="+mn-cs"/>
+              </a:defRPr>
+            </a:lvl1pPr>
+            <a:lvl2pPr marL="457200" algn="l" defTabSz="914400" rtl="0" eaLnBrk="1" latinLnBrk="0" hangingPunct="1">
+              <a:defRPr sz="1800" kern="1200">
+                <a:solidFill>
+                  <a:schemeClr val="lt1"/>
+                </a:solidFill>
+                <a:latin typeface="+mn-lt"/>
+                <a:ea typeface="+mn-ea"/>
+                <a:cs typeface="+mn-cs"/>
+              </a:defRPr>
+            </a:lvl2pPr>
+            <a:lvl3pPr marL="914400" algn="l" defTabSz="914400" rtl="0" eaLnBrk="1" latinLnBrk="0" hangingPunct="1">
+              <a:defRPr sz="1800" kern="1200">
+                <a:solidFill>
+                  <a:schemeClr val="lt1"/>
+                </a:solidFill>
+                <a:latin typeface="+mn-lt"/>
+                <a:ea typeface="+mn-ea"/>
+                <a:cs typeface="+mn-cs"/>
+              </a:defRPr>
+            </a:lvl3pPr>
+            <a:lvl4pPr marL="1371600" algn="l" defTabSz="914400" rtl="0" eaLnBrk="1" latinLnBrk="0" hangingPunct="1">
+              <a:defRPr sz="1800" kern="1200">
+                <a:solidFill>
+                  <a:schemeClr val="lt1"/>
+                </a:solidFill>
+                <a:latin typeface="+mn-lt"/>
+                <a:ea typeface="+mn-ea"/>
+                <a:cs typeface="+mn-cs"/>
+              </a:defRPr>
+            </a:lvl4pPr>
+            <a:lvl5pPr marL="1828800" algn="l" defTabSz="914400" rtl="0" eaLnBrk="1" latinLnBrk="0" hangingPunct="1">
+              <a:defRPr sz="1800" kern="1200">
+                <a:solidFill>
+                  <a:schemeClr val="lt1"/>
+                </a:solidFill>
+                <a:latin typeface="+mn-lt"/>
+                <a:ea typeface="+mn-ea"/>
+                <a:cs typeface="+mn-cs"/>
+              </a:defRPr>
+            </a:lvl5pPr>
+            <a:lvl6pPr marL="2286000" algn="l" defTabSz="914400" rtl="0" eaLnBrk="1" latinLnBrk="0" hangingPunct="1">
+              <a:defRPr sz="1800" kern="1200">
+                <a:solidFill>
+                  <a:schemeClr val="lt1"/>
+                </a:solidFill>
+                <a:latin typeface="+mn-lt"/>
+                <a:ea typeface="+mn-ea"/>
+                <a:cs typeface="+mn-cs"/>
+              </a:defRPr>
+            </a:lvl6pPr>
+            <a:lvl7pPr marL="2743200" algn="l" defTabSz="914400" rtl="0" eaLnBrk="1" latinLnBrk="0" hangingPunct="1">
+              <a:defRPr sz="1800" kern="1200">
+                <a:solidFill>
+                  <a:schemeClr val="lt1"/>
+                </a:solidFill>
+                <a:latin typeface="+mn-lt"/>
+                <a:ea typeface="+mn-ea"/>
+                <a:cs typeface="+mn-cs"/>
+              </a:defRPr>
+            </a:lvl7pPr>
+            <a:lvl8pPr marL="3200400" algn="l" defTabSz="914400" rtl="0" eaLnBrk="1" latinLnBrk="0" hangingPunct="1">
+              <a:defRPr sz="1800" kern="1200">
+                <a:solidFill>
+                  <a:schemeClr val="lt1"/>
+                </a:solidFill>
+                <a:latin typeface="+mn-lt"/>
+                <a:ea typeface="+mn-ea"/>
+                <a:cs typeface="+mn-cs"/>
+              </a:defRPr>
+            </a:lvl8pPr>
+            <a:lvl9pPr marL="3657600" algn="l" defTabSz="914400" rtl="0" eaLnBrk="1" latinLnBrk="0" hangingPunct="1">
+              <a:defRPr sz="1800" kern="1200">
+                <a:solidFill>
+                  <a:schemeClr val="lt1"/>
+                </a:solidFill>
+                <a:latin typeface="+mn-lt"/>
+                <a:ea typeface="+mn-ea"/>
+                <a:cs typeface="+mn-cs"/>
+              </a:defRPr>
+            </a:lvl9pPr>
+          </a:lstStyle>
+          <a:p>
+            <a:pPr algn="ctr"/>
+            <a:endParaRPr lang="en-US" sz="1200" b="1" dirty="0"/>
+          </a:p>
+        </p:txBody>
+      </p:sp>
+      <p:sp>
+        <p:nvSpPr>
+          <p:cNvPr id="11" name="Oval 10">
+            <a:extLst>
+              <a:ext uri="{FF2B5EF4-FFF2-40B4-BE49-F238E27FC236}">
+                <a16:creationId xmlns:a16="http://schemas.microsoft.com/office/drawing/2014/main" id="{6A4EA969-0F64-48A5-AE1B-8075F570D19C}"/>
+              </a:ext>
+            </a:extLst>
+          </p:cNvPr>
+          <p:cNvSpPr/>
+          <p:nvPr/>
+        </p:nvSpPr>
+        <p:spPr>
+          <a:xfrm>
+            <a:off x="5766089" y="1554742"/>
+            <a:ext cx="659822" cy="659822"/>
+          </a:xfrm>
+          <a:prstGeom prst="ellipse">
+            <a:avLst/>
+          </a:prstGeom>
+          <a:solidFill>
+            <a:schemeClr val="accent3"/>
+          </a:solidFill>
+          <a:ln>
+            <a:noFill/>
+          </a:ln>
+        </p:spPr>
+        <p:style>
+          <a:lnRef idx="2">
+            <a:schemeClr val="accent1">
+              <a:shade val="50000"/>
+            </a:schemeClr>
+          </a:lnRef>
+          <a:fillRef idx="1">
+            <a:schemeClr val="accent1"/>
+          </a:fillRef>
+          <a:effectRef idx="0">
+            <a:schemeClr val="accent1"/>
+          </a:effectRef>
+          <a:fontRef idx="minor">
+            <a:schemeClr val="lt1"/>
+          </a:fontRef>
+        </p:style>
+        <p:txBody>
+          <a:bodyPr rot="0" spcFirstLastPara="0" vert="horz" wrap="square" lIns="68580" tIns="0" rIns="68580" bIns="0" numCol="1" spcCol="0" rtlCol="0" fromWordArt="0" anchor="ctr" anchorCtr="0" forceAA="0" compatLnSpc="1">
+            <a:prstTxWarp prst="textNoShape">
+              <a:avLst/>
+            </a:prstTxWarp>
+            <a:noAutofit/>
+          </a:bodyPr>
+          <a:lstStyle>
+            <a:defPPr>
+              <a:defRPr lang="en-US"/>
+            </a:defPPr>
+            <a:lvl1pPr marL="0" algn="l" defTabSz="914400" rtl="0" eaLnBrk="1" latinLnBrk="0" hangingPunct="1">
+              <a:defRPr sz="1800" kern="1200">
+                <a:solidFill>
+                  <a:schemeClr val="lt1"/>
+                </a:solidFill>
+                <a:latin typeface="+mn-lt"/>
+                <a:ea typeface="+mn-ea"/>
+                <a:cs typeface="+mn-cs"/>
+              </a:defRPr>
+            </a:lvl1pPr>
+            <a:lvl2pPr marL="457200" algn="l" defTabSz="914400" rtl="0" eaLnBrk="1" latinLnBrk="0" hangingPunct="1">
+              <a:defRPr sz="1800" kern="1200">
+                <a:solidFill>
+                  <a:schemeClr val="lt1"/>
+                </a:solidFill>
+                <a:latin typeface="+mn-lt"/>
+                <a:ea typeface="+mn-ea"/>
+                <a:cs typeface="+mn-cs"/>
+              </a:defRPr>
+            </a:lvl2pPr>
+            <a:lvl3pPr marL="914400" algn="l" defTabSz="914400" rtl="0" eaLnBrk="1" latinLnBrk="0" hangingPunct="1">
+              <a:defRPr sz="1800" kern="1200">
+                <a:solidFill>
+                  <a:schemeClr val="lt1"/>
+                </a:solidFill>
+                <a:latin typeface="+mn-lt"/>
+                <a:ea typeface="+mn-ea"/>
+                <a:cs typeface="+mn-cs"/>
+              </a:defRPr>
+            </a:lvl3pPr>
+            <a:lvl4pPr marL="1371600" algn="l" defTabSz="914400" rtl="0" eaLnBrk="1" latinLnBrk="0" hangingPunct="1">
+              <a:defRPr sz="1800" kern="1200">
+                <a:solidFill>
+                  <a:schemeClr val="lt1"/>
+                </a:solidFill>
+                <a:latin typeface="+mn-lt"/>
+                <a:ea typeface="+mn-ea"/>
+                <a:cs typeface="+mn-cs"/>
+              </a:defRPr>
+            </a:lvl4pPr>
+            <a:lvl5pPr marL="1828800" algn="l" defTabSz="914400" rtl="0" eaLnBrk="1" latinLnBrk="0" hangingPunct="1">
+              <a:defRPr sz="1800" kern="1200">
+                <a:solidFill>
+                  <a:schemeClr val="lt1"/>
+                </a:solidFill>
+                <a:latin typeface="+mn-lt"/>
+                <a:ea typeface="+mn-ea"/>
+                <a:cs typeface="+mn-cs"/>
+              </a:defRPr>
+            </a:lvl5pPr>
+            <a:lvl6pPr marL="2286000" algn="l" defTabSz="914400" rtl="0" eaLnBrk="1" latinLnBrk="0" hangingPunct="1">
+              <a:defRPr sz="1800" kern="1200">
+                <a:solidFill>
+                  <a:schemeClr val="lt1"/>
+                </a:solidFill>
+                <a:latin typeface="+mn-lt"/>
+                <a:ea typeface="+mn-ea"/>
+                <a:cs typeface="+mn-cs"/>
+              </a:defRPr>
+            </a:lvl6pPr>
+            <a:lvl7pPr marL="2743200" algn="l" defTabSz="914400" rtl="0" eaLnBrk="1" latinLnBrk="0" hangingPunct="1">
+              <a:defRPr sz="1800" kern="1200">
+                <a:solidFill>
+                  <a:schemeClr val="lt1"/>
+                </a:solidFill>
+                <a:latin typeface="+mn-lt"/>
+                <a:ea typeface="+mn-ea"/>
+                <a:cs typeface="+mn-cs"/>
+              </a:defRPr>
+            </a:lvl7pPr>
+            <a:lvl8pPr marL="3200400" algn="l" defTabSz="914400" rtl="0" eaLnBrk="1" latinLnBrk="0" hangingPunct="1">
+              <a:defRPr sz="1800" kern="1200">
+                <a:solidFill>
+                  <a:schemeClr val="lt1"/>
+                </a:solidFill>
+                <a:latin typeface="+mn-lt"/>
+                <a:ea typeface="+mn-ea"/>
+                <a:cs typeface="+mn-cs"/>
+              </a:defRPr>
+            </a:lvl8pPr>
+            <a:lvl9pPr marL="3657600" algn="l" defTabSz="914400" rtl="0" eaLnBrk="1" latinLnBrk="0" hangingPunct="1">
+              <a:defRPr sz="1800" kern="1200">
+                <a:solidFill>
+                  <a:schemeClr val="lt1"/>
+                </a:solidFill>
+                <a:latin typeface="+mn-lt"/>
+                <a:ea typeface="+mn-ea"/>
+                <a:cs typeface="+mn-cs"/>
+              </a:defRPr>
+            </a:lvl9pPr>
+          </a:lstStyle>
+          <a:p>
+            <a:pPr algn="ctr"/>
+            <a:endParaRPr lang="en-US" sz="1200" b="1" dirty="0"/>
+          </a:p>
+        </p:txBody>
+      </p:sp>
+      <p:sp>
+        <p:nvSpPr>
+          <p:cNvPr id="12" name="Oval 11">
+            <a:extLst>
+              <a:ext uri="{FF2B5EF4-FFF2-40B4-BE49-F238E27FC236}">
+                <a16:creationId xmlns:a16="http://schemas.microsoft.com/office/drawing/2014/main" id="{1CFB43E4-7D2F-4123-A07F-6960E13729F3}"/>
+              </a:ext>
+            </a:extLst>
+          </p:cNvPr>
+          <p:cNvSpPr/>
+          <p:nvPr/>
+        </p:nvSpPr>
+        <p:spPr>
+          <a:xfrm>
+            <a:off x="7508298" y="1554742"/>
+            <a:ext cx="659822" cy="659822"/>
+          </a:xfrm>
+          <a:prstGeom prst="ellipse">
+            <a:avLst/>
+          </a:prstGeom>
+          <a:solidFill>
+            <a:schemeClr val="accent5"/>
+          </a:solidFill>
+          <a:ln>
+            <a:noFill/>
+          </a:ln>
+        </p:spPr>
+        <p:style>
+          <a:lnRef idx="2">
+            <a:schemeClr val="accent1">
+              <a:shade val="50000"/>
+            </a:schemeClr>
+          </a:lnRef>
+          <a:fillRef idx="1">
+            <a:schemeClr val="accent1"/>
+          </a:fillRef>
+          <a:effectRef idx="0">
+            <a:schemeClr val="accent1"/>
+          </a:effectRef>
+          <a:fontRef idx="minor">
+            <a:schemeClr val="lt1"/>
+          </a:fontRef>
+        </p:style>
+        <p:txBody>
+          <a:bodyPr rot="0" spcFirstLastPara="0" vert="horz" wrap="square" lIns="68580" tIns="0" rIns="68580" bIns="0" numCol="1" spcCol="0" rtlCol="0" fromWordArt="0" anchor="ctr" anchorCtr="0" forceAA="0" compatLnSpc="1">
+            <a:prstTxWarp prst="textNoShape">
+              <a:avLst/>
+            </a:prstTxWarp>
+            <a:noAutofit/>
+          </a:bodyPr>
+          <a:lstStyle>
+            <a:defPPr>
+              <a:defRPr lang="en-US"/>
+            </a:defPPr>
+            <a:lvl1pPr marL="0" algn="l" defTabSz="914400" rtl="0" eaLnBrk="1" latinLnBrk="0" hangingPunct="1">
+              <a:defRPr sz="1800" kern="1200">
+                <a:solidFill>
+                  <a:schemeClr val="lt1"/>
+                </a:solidFill>
+                <a:latin typeface="+mn-lt"/>
+                <a:ea typeface="+mn-ea"/>
+                <a:cs typeface="+mn-cs"/>
+              </a:defRPr>
+            </a:lvl1pPr>
+            <a:lvl2pPr marL="457200" algn="l" defTabSz="914400" rtl="0" eaLnBrk="1" latinLnBrk="0" hangingPunct="1">
+              <a:defRPr sz="1800" kern="1200">
+                <a:solidFill>
+                  <a:schemeClr val="lt1"/>
+                </a:solidFill>
+                <a:latin typeface="+mn-lt"/>
+                <a:ea typeface="+mn-ea"/>
+                <a:cs typeface="+mn-cs"/>
+              </a:defRPr>
+            </a:lvl2pPr>
+            <a:lvl3pPr marL="914400" algn="l" defTabSz="914400" rtl="0" eaLnBrk="1" latinLnBrk="0" hangingPunct="1">
+              <a:defRPr sz="1800" kern="1200">
+                <a:solidFill>
+                  <a:schemeClr val="lt1"/>
+                </a:solidFill>
+                <a:latin typeface="+mn-lt"/>
+                <a:ea typeface="+mn-ea"/>
+                <a:cs typeface="+mn-cs"/>
+              </a:defRPr>
+            </a:lvl3pPr>
+            <a:lvl4pPr marL="1371600" algn="l" defTabSz="914400" rtl="0" eaLnBrk="1" latinLnBrk="0" hangingPunct="1">
+              <a:defRPr sz="1800" kern="1200">
+                <a:solidFill>
+                  <a:schemeClr val="lt1"/>
+                </a:solidFill>
+                <a:latin typeface="+mn-lt"/>
+                <a:ea typeface="+mn-ea"/>
+                <a:cs typeface="+mn-cs"/>
+              </a:defRPr>
+            </a:lvl4pPr>
+            <a:lvl5pPr marL="1828800" algn="l" defTabSz="914400" rtl="0" eaLnBrk="1" latinLnBrk="0" hangingPunct="1">
+              <a:defRPr sz="1800" kern="1200">
+                <a:solidFill>
+                  <a:schemeClr val="lt1"/>
+                </a:solidFill>
+                <a:latin typeface="+mn-lt"/>
+                <a:ea typeface="+mn-ea"/>
+                <a:cs typeface="+mn-cs"/>
+              </a:defRPr>
+            </a:lvl5pPr>
+            <a:lvl6pPr marL="2286000" algn="l" defTabSz="914400" rtl="0" eaLnBrk="1" latinLnBrk="0" hangingPunct="1">
+              <a:defRPr sz="1800" kern="1200">
+                <a:solidFill>
+                  <a:schemeClr val="lt1"/>
+                </a:solidFill>
+                <a:latin typeface="+mn-lt"/>
+                <a:ea typeface="+mn-ea"/>
+                <a:cs typeface="+mn-cs"/>
+              </a:defRPr>
+            </a:lvl6pPr>
+            <a:lvl7pPr marL="2743200" algn="l" defTabSz="914400" rtl="0" eaLnBrk="1" latinLnBrk="0" hangingPunct="1">
+              <a:defRPr sz="1800" kern="1200">
+                <a:solidFill>
+                  <a:schemeClr val="lt1"/>
+                </a:solidFill>
+                <a:latin typeface="+mn-lt"/>
+                <a:ea typeface="+mn-ea"/>
+                <a:cs typeface="+mn-cs"/>
+              </a:defRPr>
+            </a:lvl7pPr>
+            <a:lvl8pPr marL="3200400" algn="l" defTabSz="914400" rtl="0" eaLnBrk="1" latinLnBrk="0" hangingPunct="1">
+              <a:defRPr sz="1800" kern="1200">
+                <a:solidFill>
+                  <a:schemeClr val="lt1"/>
+                </a:solidFill>
+                <a:latin typeface="+mn-lt"/>
+                <a:ea typeface="+mn-ea"/>
+                <a:cs typeface="+mn-cs"/>
+              </a:defRPr>
+            </a:lvl8pPr>
+            <a:lvl9pPr marL="3657600" algn="l" defTabSz="914400" rtl="0" eaLnBrk="1" latinLnBrk="0" hangingPunct="1">
+              <a:defRPr sz="1800" kern="1200">
+                <a:solidFill>
+                  <a:schemeClr val="lt1"/>
+                </a:solidFill>
+                <a:latin typeface="+mn-lt"/>
+                <a:ea typeface="+mn-ea"/>
+                <a:cs typeface="+mn-cs"/>
+              </a:defRPr>
+            </a:lvl9pPr>
+          </a:lstStyle>
+          <a:p>
+            <a:pPr algn="ctr"/>
+            <a:endParaRPr lang="en-US" sz="1200" b="1" dirty="0"/>
+          </a:p>
+        </p:txBody>
+      </p:sp>
+      <p:sp>
+        <p:nvSpPr>
+          <p:cNvPr id="13" name="Oval 12">
+            <a:extLst>
+              <a:ext uri="{FF2B5EF4-FFF2-40B4-BE49-F238E27FC236}">
+                <a16:creationId xmlns:a16="http://schemas.microsoft.com/office/drawing/2014/main" id="{33B13C7A-4DF4-4C47-866C-8424289D7F44}"/>
+              </a:ext>
+            </a:extLst>
+          </p:cNvPr>
+          <p:cNvSpPr/>
+          <p:nvPr/>
+        </p:nvSpPr>
+        <p:spPr>
+          <a:xfrm>
+            <a:off x="9249059" y="1554742"/>
+            <a:ext cx="659822" cy="659822"/>
+          </a:xfrm>
+          <a:prstGeom prst="ellipse">
+            <a:avLst/>
+          </a:prstGeom>
+          <a:solidFill>
+            <a:schemeClr val="accent6"/>
+          </a:solidFill>
+          <a:ln>
+            <a:noFill/>
+          </a:ln>
+        </p:spPr>
+        <p:style>
+          <a:lnRef idx="2">
+            <a:schemeClr val="accent1">
+              <a:shade val="50000"/>
+            </a:schemeClr>
+          </a:lnRef>
+          <a:fillRef idx="1">
+            <a:schemeClr val="accent1"/>
+          </a:fillRef>
+          <a:effectRef idx="0">
+            <a:schemeClr val="accent1"/>
+          </a:effectRef>
+          <a:fontRef idx="minor">
+            <a:schemeClr val="lt1"/>
+          </a:fontRef>
+        </p:style>
+        <p:txBody>
+          <a:bodyPr rot="0" spcFirstLastPara="0" vert="horz" wrap="square" lIns="68580" tIns="0" rIns="68580" bIns="0" numCol="1" spcCol="0" rtlCol="0" fromWordArt="0" anchor="ctr" anchorCtr="0" forceAA="0" compatLnSpc="1">
+            <a:prstTxWarp prst="textNoShape">
+              <a:avLst/>
+            </a:prstTxWarp>
+            <a:noAutofit/>
+          </a:bodyPr>
+          <a:lstStyle>
+            <a:defPPr>
+              <a:defRPr lang="en-US"/>
+            </a:defPPr>
+            <a:lvl1pPr marL="0" algn="l" defTabSz="914400" rtl="0" eaLnBrk="1" latinLnBrk="0" hangingPunct="1">
+              <a:defRPr sz="1800" kern="1200">
+                <a:solidFill>
+                  <a:schemeClr val="lt1"/>
+                </a:solidFill>
+                <a:latin typeface="+mn-lt"/>
+                <a:ea typeface="+mn-ea"/>
+                <a:cs typeface="+mn-cs"/>
+              </a:defRPr>
+            </a:lvl1pPr>
+            <a:lvl2pPr marL="457200" algn="l" defTabSz="914400" rtl="0" eaLnBrk="1" latinLnBrk="0" hangingPunct="1">
+              <a:defRPr sz="1800" kern="1200">
+                <a:solidFill>
+                  <a:schemeClr val="lt1"/>
+                </a:solidFill>
+                <a:latin typeface="+mn-lt"/>
+                <a:ea typeface="+mn-ea"/>
+                <a:cs typeface="+mn-cs"/>
+              </a:defRPr>
+            </a:lvl2pPr>
+            <a:lvl3pPr marL="914400" algn="l" defTabSz="914400" rtl="0" eaLnBrk="1" latinLnBrk="0" hangingPunct="1">
+              <a:defRPr sz="1800" kern="1200">
+                <a:solidFill>
+                  <a:schemeClr val="lt1"/>
+                </a:solidFill>
+                <a:latin typeface="+mn-lt"/>
+                <a:ea typeface="+mn-ea"/>
+                <a:cs typeface="+mn-cs"/>
+              </a:defRPr>
+            </a:lvl3pPr>
+            <a:lvl4pPr marL="1371600" algn="l" defTabSz="914400" rtl="0" eaLnBrk="1" latinLnBrk="0" hangingPunct="1">
+              <a:defRPr sz="1800" kern="1200">
+                <a:solidFill>
+                  <a:schemeClr val="lt1"/>
+                </a:solidFill>
+                <a:latin typeface="+mn-lt"/>
+                <a:ea typeface="+mn-ea"/>
+                <a:cs typeface="+mn-cs"/>
+              </a:defRPr>
+            </a:lvl4pPr>
+            <a:lvl5pPr marL="1828800" algn="l" defTabSz="914400" rtl="0" eaLnBrk="1" latinLnBrk="0" hangingPunct="1">
+              <a:defRPr sz="1800" kern="1200">
+                <a:solidFill>
+                  <a:schemeClr val="lt1"/>
+                </a:solidFill>
+                <a:latin typeface="+mn-lt"/>
+                <a:ea typeface="+mn-ea"/>
+                <a:cs typeface="+mn-cs"/>
+              </a:defRPr>
+            </a:lvl5pPr>
+            <a:lvl6pPr marL="2286000" algn="l" defTabSz="914400" rtl="0" eaLnBrk="1" latinLnBrk="0" hangingPunct="1">
+              <a:defRPr sz="1800" kern="1200">
+                <a:solidFill>
+                  <a:schemeClr val="lt1"/>
+                </a:solidFill>
+                <a:latin typeface="+mn-lt"/>
+                <a:ea typeface="+mn-ea"/>
+                <a:cs typeface="+mn-cs"/>
+              </a:defRPr>
+            </a:lvl6pPr>
+            <a:lvl7pPr marL="2743200" algn="l" defTabSz="914400" rtl="0" eaLnBrk="1" latinLnBrk="0" hangingPunct="1">
+              <a:defRPr sz="1800" kern="1200">
+                <a:solidFill>
+                  <a:schemeClr val="lt1"/>
+                </a:solidFill>
+                <a:latin typeface="+mn-lt"/>
+                <a:ea typeface="+mn-ea"/>
+                <a:cs typeface="+mn-cs"/>
+              </a:defRPr>
+            </a:lvl7pPr>
+            <a:lvl8pPr marL="3200400" algn="l" defTabSz="914400" rtl="0" eaLnBrk="1" latinLnBrk="0" hangingPunct="1">
+              <a:defRPr sz="1800" kern="1200">
+                <a:solidFill>
+                  <a:schemeClr val="lt1"/>
+                </a:solidFill>
+                <a:latin typeface="+mn-lt"/>
+                <a:ea typeface="+mn-ea"/>
+                <a:cs typeface="+mn-cs"/>
+              </a:defRPr>
+            </a:lvl8pPr>
+            <a:lvl9pPr marL="3657600" algn="l" defTabSz="914400" rtl="0" eaLnBrk="1" latinLnBrk="0" hangingPunct="1">
+              <a:defRPr sz="1800" kern="1200">
+                <a:solidFill>
+                  <a:schemeClr val="lt1"/>
+                </a:solidFill>
+                <a:latin typeface="+mn-lt"/>
+                <a:ea typeface="+mn-ea"/>
+                <a:cs typeface="+mn-cs"/>
+              </a:defRPr>
+            </a:lvl9pPr>
+          </a:lstStyle>
+          <a:p>
+            <a:pPr algn="ctr"/>
+            <a:endParaRPr lang="en-US" sz="1200" b="1" dirty="0"/>
+          </a:p>
+        </p:txBody>
+      </p:sp>
+      <p:sp>
+        <p:nvSpPr>
+          <p:cNvPr id="14" name="Rectangle 13">
+            <a:extLst>
+              <a:ext uri="{FF2B5EF4-FFF2-40B4-BE49-F238E27FC236}">
+                <a16:creationId xmlns:a16="http://schemas.microsoft.com/office/drawing/2014/main" id="{41EE5BE4-1913-4671-8E09-06E0951954D0}"/>
+              </a:ext>
+            </a:extLst>
+          </p:cNvPr>
+          <p:cNvSpPr/>
+          <p:nvPr/>
+        </p:nvSpPr>
+        <p:spPr>
+          <a:xfrm>
+            <a:off x="2451120" y="1711528"/>
+            <a:ext cx="320922" cy="415498"/>
+          </a:xfrm>
+          <a:prstGeom prst="rect">
+            <a:avLst/>
+          </a:prstGeom>
+          <a:ln>
+            <a:noFill/>
+          </a:ln>
+        </p:spPr>
+        <p:txBody>
+          <a:bodyPr wrap="none">
+            <a:spAutoFit/>
+          </a:bodyPr>
+          <a:lstStyle>
+            <a:defPPr>
+              <a:defRPr lang="en-US"/>
+            </a:defPPr>
+            <a:lvl1pPr marL="0" algn="l" defTabSz="914400" rtl="0" eaLnBrk="1" latinLnBrk="0" hangingPunct="1">
+              <a:defRPr sz="1800" kern="1200">
+                <a:solidFill>
+                  <a:schemeClr val="tx1"/>
+                </a:solidFill>
+                <a:latin typeface="+mn-lt"/>
+                <a:ea typeface="+mn-ea"/>
+                <a:cs typeface="+mn-cs"/>
+              </a:defRPr>
+            </a:lvl1pPr>
+            <a:lvl2pPr marL="457200" algn="l" defTabSz="914400" rtl="0" eaLnBrk="1" latinLnBrk="0" hangingPunct="1">
+              <a:defRPr sz="1800" kern="1200">
+                <a:solidFill>
+                  <a:schemeClr val="tx1"/>
+                </a:solidFill>
+                <a:latin typeface="+mn-lt"/>
+                <a:ea typeface="+mn-ea"/>
+                <a:cs typeface="+mn-cs"/>
+              </a:defRPr>
+            </a:lvl2pPr>
+            <a:lvl3pPr marL="914400" algn="l" defTabSz="914400" rtl="0" eaLnBrk="1" latinLnBrk="0" hangingPunct="1">
+              <a:defRPr sz="1800" kern="1200">
+                <a:solidFill>
+                  <a:schemeClr val="tx1"/>
+                </a:solidFill>
+                <a:latin typeface="+mn-lt"/>
+                <a:ea typeface="+mn-ea"/>
+                <a:cs typeface="+mn-cs"/>
+              </a:defRPr>
+            </a:lvl3pPr>
+            <a:lvl4pPr marL="1371600" algn="l" defTabSz="914400" rtl="0" eaLnBrk="1" latinLnBrk="0" hangingPunct="1">
+              <a:defRPr sz="1800" kern="1200">
+                <a:solidFill>
+                  <a:schemeClr val="tx1"/>
+                </a:solidFill>
+                <a:latin typeface="+mn-lt"/>
+                <a:ea typeface="+mn-ea"/>
+                <a:cs typeface="+mn-cs"/>
+              </a:defRPr>
+            </a:lvl4pPr>
+            <a:lvl5pPr marL="1828800" algn="l" defTabSz="914400" rtl="0" eaLnBrk="1" latinLnBrk="0" hangingPunct="1">
+              <a:defRPr sz="1800" kern="1200">
+                <a:solidFill>
+                  <a:schemeClr val="tx1"/>
+                </a:solidFill>
+                <a:latin typeface="+mn-lt"/>
+                <a:ea typeface="+mn-ea"/>
+                <a:cs typeface="+mn-cs"/>
+              </a:defRPr>
+            </a:lvl5pPr>
+            <a:lvl6pPr marL="2286000" algn="l" defTabSz="914400" rtl="0" eaLnBrk="1" latinLnBrk="0" hangingPunct="1">
+              <a:defRPr sz="1800" kern="1200">
+                <a:solidFill>
+                  <a:schemeClr val="tx1"/>
+                </a:solidFill>
+                <a:latin typeface="+mn-lt"/>
+                <a:ea typeface="+mn-ea"/>
+                <a:cs typeface="+mn-cs"/>
+              </a:defRPr>
+            </a:lvl6pPr>
+            <a:lvl7pPr marL="2743200" algn="l" defTabSz="914400" rtl="0" eaLnBrk="1" latinLnBrk="0" hangingPunct="1">
+              <a:defRPr sz="1800" kern="1200">
+                <a:solidFill>
+                  <a:schemeClr val="tx1"/>
+                </a:solidFill>
+                <a:latin typeface="+mn-lt"/>
+                <a:ea typeface="+mn-ea"/>
+                <a:cs typeface="+mn-cs"/>
+              </a:defRPr>
+            </a:lvl7pPr>
+            <a:lvl8pPr marL="3200400" algn="l" defTabSz="914400" rtl="0" eaLnBrk="1" latinLnBrk="0" hangingPunct="1">
+              <a:defRPr sz="1800" kern="1200">
+                <a:solidFill>
+                  <a:schemeClr val="tx1"/>
+                </a:solidFill>
+                <a:latin typeface="+mn-lt"/>
+                <a:ea typeface="+mn-ea"/>
+                <a:cs typeface="+mn-cs"/>
+              </a:defRPr>
+            </a:lvl8pPr>
+            <a:lvl9pPr marL="3657600" algn="l" defTabSz="914400" rtl="0" eaLnBrk="1" latinLnBrk="0" hangingPunct="1">
+              <a:defRPr sz="1800" kern="1200">
+                <a:solidFill>
+                  <a:schemeClr val="tx1"/>
+                </a:solidFill>
+                <a:latin typeface="+mn-lt"/>
+                <a:ea typeface="+mn-ea"/>
+                <a:cs typeface="+mn-cs"/>
+              </a:defRPr>
+            </a:lvl9pPr>
+          </a:lstStyle>
+          <a:p>
+            <a:pPr algn="ctr"/>
+            <a:r>
+              <a:rPr lang="en-US" sz="2100" b="1" dirty="0">
+                <a:solidFill>
+                  <a:prstClr val="white"/>
+                </a:solidFill>
+              </a:rPr>
+              <a:t>1</a:t>
+            </a:r>
+            <a:endParaRPr lang="en-US" sz="2100" dirty="0"/>
+          </a:p>
+        </p:txBody>
+      </p:sp>
+      <p:sp>
+        <p:nvSpPr>
+          <p:cNvPr id="15" name="Rectangle 14">
+            <a:extLst>
+              <a:ext uri="{FF2B5EF4-FFF2-40B4-BE49-F238E27FC236}">
+                <a16:creationId xmlns:a16="http://schemas.microsoft.com/office/drawing/2014/main" id="{75F2E9E7-8742-4963-8EBF-D31DB827FBF8}"/>
+              </a:ext>
+            </a:extLst>
+          </p:cNvPr>
+          <p:cNvSpPr/>
+          <p:nvPr/>
+        </p:nvSpPr>
+        <p:spPr>
+          <a:xfrm>
+            <a:off x="4193329" y="1711528"/>
+            <a:ext cx="320922" cy="415498"/>
+          </a:xfrm>
+          <a:prstGeom prst="rect">
+            <a:avLst/>
+          </a:prstGeom>
+          <a:ln>
+            <a:noFill/>
+          </a:ln>
+        </p:spPr>
+        <p:txBody>
+          <a:bodyPr wrap="none">
+            <a:spAutoFit/>
+          </a:bodyPr>
+          <a:lstStyle>
+            <a:defPPr>
+              <a:defRPr lang="en-US"/>
+            </a:defPPr>
+            <a:lvl1pPr marL="0" algn="l" defTabSz="914400" rtl="0" eaLnBrk="1" latinLnBrk="0" hangingPunct="1">
+              <a:defRPr sz="1800" kern="1200">
+                <a:solidFill>
+                  <a:schemeClr val="tx1"/>
+                </a:solidFill>
+                <a:latin typeface="+mn-lt"/>
+                <a:ea typeface="+mn-ea"/>
+                <a:cs typeface="+mn-cs"/>
+              </a:defRPr>
+            </a:lvl1pPr>
+            <a:lvl2pPr marL="457200" algn="l" defTabSz="914400" rtl="0" eaLnBrk="1" latinLnBrk="0" hangingPunct="1">
+              <a:defRPr sz="1800" kern="1200">
+                <a:solidFill>
+                  <a:schemeClr val="tx1"/>
+                </a:solidFill>
+                <a:latin typeface="+mn-lt"/>
+                <a:ea typeface="+mn-ea"/>
+                <a:cs typeface="+mn-cs"/>
+              </a:defRPr>
+            </a:lvl2pPr>
+            <a:lvl3pPr marL="914400" algn="l" defTabSz="914400" rtl="0" eaLnBrk="1" latinLnBrk="0" hangingPunct="1">
+              <a:defRPr sz="1800" kern="1200">
+                <a:solidFill>
+                  <a:schemeClr val="tx1"/>
+                </a:solidFill>
+                <a:latin typeface="+mn-lt"/>
+                <a:ea typeface="+mn-ea"/>
+                <a:cs typeface="+mn-cs"/>
+              </a:defRPr>
+            </a:lvl3pPr>
+            <a:lvl4pPr marL="1371600" algn="l" defTabSz="914400" rtl="0" eaLnBrk="1" latinLnBrk="0" hangingPunct="1">
+              <a:defRPr sz="1800" kern="1200">
+                <a:solidFill>
+                  <a:schemeClr val="tx1"/>
+                </a:solidFill>
+                <a:latin typeface="+mn-lt"/>
+                <a:ea typeface="+mn-ea"/>
+                <a:cs typeface="+mn-cs"/>
+              </a:defRPr>
+            </a:lvl4pPr>
+            <a:lvl5pPr marL="1828800" algn="l" defTabSz="914400" rtl="0" eaLnBrk="1" latinLnBrk="0" hangingPunct="1">
+              <a:defRPr sz="1800" kern="1200">
+                <a:solidFill>
+                  <a:schemeClr val="tx1"/>
+                </a:solidFill>
+                <a:latin typeface="+mn-lt"/>
+                <a:ea typeface="+mn-ea"/>
+                <a:cs typeface="+mn-cs"/>
+              </a:defRPr>
+            </a:lvl5pPr>
+            <a:lvl6pPr marL="2286000" algn="l" defTabSz="914400" rtl="0" eaLnBrk="1" latinLnBrk="0" hangingPunct="1">
+              <a:defRPr sz="1800" kern="1200">
+                <a:solidFill>
+                  <a:schemeClr val="tx1"/>
+                </a:solidFill>
+                <a:latin typeface="+mn-lt"/>
+                <a:ea typeface="+mn-ea"/>
+                <a:cs typeface="+mn-cs"/>
+              </a:defRPr>
+            </a:lvl6pPr>
+            <a:lvl7pPr marL="2743200" algn="l" defTabSz="914400" rtl="0" eaLnBrk="1" latinLnBrk="0" hangingPunct="1">
+              <a:defRPr sz="1800" kern="1200">
+                <a:solidFill>
+                  <a:schemeClr val="tx1"/>
+                </a:solidFill>
+                <a:latin typeface="+mn-lt"/>
+                <a:ea typeface="+mn-ea"/>
+                <a:cs typeface="+mn-cs"/>
+              </a:defRPr>
+            </a:lvl7pPr>
+            <a:lvl8pPr marL="3200400" algn="l" defTabSz="914400" rtl="0" eaLnBrk="1" latinLnBrk="0" hangingPunct="1">
+              <a:defRPr sz="1800" kern="1200">
+                <a:solidFill>
+                  <a:schemeClr val="tx1"/>
+                </a:solidFill>
+                <a:latin typeface="+mn-lt"/>
+                <a:ea typeface="+mn-ea"/>
+                <a:cs typeface="+mn-cs"/>
+              </a:defRPr>
+            </a:lvl8pPr>
+            <a:lvl9pPr marL="3657600" algn="l" defTabSz="914400" rtl="0" eaLnBrk="1" latinLnBrk="0" hangingPunct="1">
+              <a:defRPr sz="1800" kern="1200">
+                <a:solidFill>
+                  <a:schemeClr val="tx1"/>
+                </a:solidFill>
+                <a:latin typeface="+mn-lt"/>
+                <a:ea typeface="+mn-ea"/>
+                <a:cs typeface="+mn-cs"/>
+              </a:defRPr>
+            </a:lvl9pPr>
+          </a:lstStyle>
+          <a:p>
+            <a:pPr algn="ctr"/>
+            <a:r>
+              <a:rPr lang="en-US" sz="2100" b="1" dirty="0">
+                <a:solidFill>
+                  <a:schemeClr val="tx1">
+                    <a:lumMod val="75000"/>
+                    <a:lumOff val="25000"/>
+                  </a:schemeClr>
+                </a:solidFill>
+              </a:rPr>
+              <a:t>2</a:t>
+            </a:r>
+            <a:endParaRPr lang="en-US" sz="2100" dirty="0">
+              <a:solidFill>
+                <a:schemeClr val="tx1">
+                  <a:lumMod val="75000"/>
+                  <a:lumOff val="25000"/>
+                </a:schemeClr>
+              </a:solidFill>
+            </a:endParaRPr>
+          </a:p>
+        </p:txBody>
+      </p:sp>
+      <p:sp>
+        <p:nvSpPr>
+          <p:cNvPr id="16" name="Rectangle 15">
+            <a:extLst>
+              <a:ext uri="{FF2B5EF4-FFF2-40B4-BE49-F238E27FC236}">
+                <a16:creationId xmlns:a16="http://schemas.microsoft.com/office/drawing/2014/main" id="{B24DAA64-BAA2-45A3-B414-4B3A95B78DF3}"/>
+              </a:ext>
+            </a:extLst>
+          </p:cNvPr>
+          <p:cNvSpPr/>
+          <p:nvPr/>
+        </p:nvSpPr>
+        <p:spPr>
+          <a:xfrm>
+            <a:off x="5935539" y="1711528"/>
+            <a:ext cx="320922" cy="415498"/>
+          </a:xfrm>
+          <a:prstGeom prst="rect">
+            <a:avLst/>
+          </a:prstGeom>
+          <a:ln>
+            <a:noFill/>
+          </a:ln>
+        </p:spPr>
+        <p:txBody>
+          <a:bodyPr wrap="none">
+            <a:spAutoFit/>
+          </a:bodyPr>
+          <a:lstStyle>
+            <a:defPPr>
+              <a:defRPr lang="en-US"/>
+            </a:defPPr>
+            <a:lvl1pPr marL="0" algn="l" defTabSz="914400" rtl="0" eaLnBrk="1" latinLnBrk="0" hangingPunct="1">
+              <a:defRPr sz="1800" kern="1200">
+                <a:solidFill>
+                  <a:schemeClr val="tx1"/>
+                </a:solidFill>
+                <a:latin typeface="+mn-lt"/>
+                <a:ea typeface="+mn-ea"/>
+                <a:cs typeface="+mn-cs"/>
+              </a:defRPr>
+            </a:lvl1pPr>
+            <a:lvl2pPr marL="457200" algn="l" defTabSz="914400" rtl="0" eaLnBrk="1" latinLnBrk="0" hangingPunct="1">
+              <a:defRPr sz="1800" kern="1200">
+                <a:solidFill>
+                  <a:schemeClr val="tx1"/>
+                </a:solidFill>
+                <a:latin typeface="+mn-lt"/>
+                <a:ea typeface="+mn-ea"/>
+                <a:cs typeface="+mn-cs"/>
+              </a:defRPr>
+            </a:lvl2pPr>
+            <a:lvl3pPr marL="914400" algn="l" defTabSz="914400" rtl="0" eaLnBrk="1" latinLnBrk="0" hangingPunct="1">
+              <a:defRPr sz="1800" kern="1200">
+                <a:solidFill>
+                  <a:schemeClr val="tx1"/>
+                </a:solidFill>
+                <a:latin typeface="+mn-lt"/>
+                <a:ea typeface="+mn-ea"/>
+                <a:cs typeface="+mn-cs"/>
+              </a:defRPr>
+            </a:lvl3pPr>
+            <a:lvl4pPr marL="1371600" algn="l" defTabSz="914400" rtl="0" eaLnBrk="1" latinLnBrk="0" hangingPunct="1">
+              <a:defRPr sz="1800" kern="1200">
+                <a:solidFill>
+                  <a:schemeClr val="tx1"/>
+                </a:solidFill>
+                <a:latin typeface="+mn-lt"/>
+                <a:ea typeface="+mn-ea"/>
+                <a:cs typeface="+mn-cs"/>
+              </a:defRPr>
+            </a:lvl4pPr>
+            <a:lvl5pPr marL="1828800" algn="l" defTabSz="914400" rtl="0" eaLnBrk="1" latinLnBrk="0" hangingPunct="1">
+              <a:defRPr sz="1800" kern="1200">
+                <a:solidFill>
+                  <a:schemeClr val="tx1"/>
+                </a:solidFill>
+                <a:latin typeface="+mn-lt"/>
+                <a:ea typeface="+mn-ea"/>
+                <a:cs typeface="+mn-cs"/>
+              </a:defRPr>
+            </a:lvl5pPr>
+            <a:lvl6pPr marL="2286000" algn="l" defTabSz="914400" rtl="0" eaLnBrk="1" latinLnBrk="0" hangingPunct="1">
+              <a:defRPr sz="1800" kern="1200">
+                <a:solidFill>
+                  <a:schemeClr val="tx1"/>
+                </a:solidFill>
+                <a:latin typeface="+mn-lt"/>
+                <a:ea typeface="+mn-ea"/>
+                <a:cs typeface="+mn-cs"/>
+              </a:defRPr>
+            </a:lvl6pPr>
+            <a:lvl7pPr marL="2743200" algn="l" defTabSz="914400" rtl="0" eaLnBrk="1" latinLnBrk="0" hangingPunct="1">
+              <a:defRPr sz="1800" kern="1200">
+                <a:solidFill>
+                  <a:schemeClr val="tx1"/>
+                </a:solidFill>
+                <a:latin typeface="+mn-lt"/>
+                <a:ea typeface="+mn-ea"/>
+                <a:cs typeface="+mn-cs"/>
+              </a:defRPr>
+            </a:lvl7pPr>
+            <a:lvl8pPr marL="3200400" algn="l" defTabSz="914400" rtl="0" eaLnBrk="1" latinLnBrk="0" hangingPunct="1">
+              <a:defRPr sz="1800" kern="1200">
+                <a:solidFill>
+                  <a:schemeClr val="tx1"/>
+                </a:solidFill>
+                <a:latin typeface="+mn-lt"/>
+                <a:ea typeface="+mn-ea"/>
+                <a:cs typeface="+mn-cs"/>
+              </a:defRPr>
+            </a:lvl8pPr>
+            <a:lvl9pPr marL="3657600" algn="l" defTabSz="914400" rtl="0" eaLnBrk="1" latinLnBrk="0" hangingPunct="1">
+              <a:defRPr sz="1800" kern="1200">
+                <a:solidFill>
+                  <a:schemeClr val="tx1"/>
+                </a:solidFill>
+                <a:latin typeface="+mn-lt"/>
+                <a:ea typeface="+mn-ea"/>
+                <a:cs typeface="+mn-cs"/>
+              </a:defRPr>
+            </a:lvl9pPr>
+          </a:lstStyle>
+          <a:p>
+            <a:pPr algn="ctr"/>
+            <a:r>
+              <a:rPr lang="en-US" sz="2100" b="1" dirty="0">
+                <a:solidFill>
+                  <a:schemeClr val="tx1">
+                    <a:lumMod val="75000"/>
+                    <a:lumOff val="25000"/>
+                  </a:schemeClr>
+                </a:solidFill>
+              </a:rPr>
+              <a:t>3</a:t>
+            </a:r>
+            <a:endParaRPr lang="en-US" sz="2100" dirty="0">
+              <a:solidFill>
+                <a:schemeClr val="tx1">
+                  <a:lumMod val="75000"/>
+                  <a:lumOff val="25000"/>
+                </a:schemeClr>
+              </a:solidFill>
+            </a:endParaRPr>
+          </a:p>
+        </p:txBody>
+      </p:sp>
+      <p:sp>
+        <p:nvSpPr>
+          <p:cNvPr id="17" name="Rectangle 16">
+            <a:extLst>
+              <a:ext uri="{FF2B5EF4-FFF2-40B4-BE49-F238E27FC236}">
+                <a16:creationId xmlns:a16="http://schemas.microsoft.com/office/drawing/2014/main" id="{05AA8CA2-5913-43D7-805E-FCE1347E8471}"/>
+              </a:ext>
+            </a:extLst>
+          </p:cNvPr>
+          <p:cNvSpPr/>
+          <p:nvPr/>
+        </p:nvSpPr>
+        <p:spPr>
+          <a:xfrm>
+            <a:off x="7687367" y="1711528"/>
+            <a:ext cx="301685" cy="369332"/>
+          </a:xfrm>
+          <a:prstGeom prst="rect">
+            <a:avLst/>
+          </a:prstGeom>
+          <a:ln>
+            <a:noFill/>
+          </a:ln>
+        </p:spPr>
+        <p:txBody>
+          <a:bodyPr wrap="none">
+            <a:spAutoFit/>
+          </a:bodyPr>
+          <a:lstStyle>
+            <a:defPPr>
+              <a:defRPr lang="en-US"/>
+            </a:defPPr>
+            <a:lvl1pPr marL="0" algn="l" defTabSz="914400" rtl="0" eaLnBrk="1" latinLnBrk="0" hangingPunct="1">
+              <a:defRPr sz="1800" kern="1200">
+                <a:solidFill>
+                  <a:schemeClr val="tx1"/>
+                </a:solidFill>
+                <a:latin typeface="+mn-lt"/>
+                <a:ea typeface="+mn-ea"/>
+                <a:cs typeface="+mn-cs"/>
+              </a:defRPr>
+            </a:lvl1pPr>
+            <a:lvl2pPr marL="457200" algn="l" defTabSz="914400" rtl="0" eaLnBrk="1" latinLnBrk="0" hangingPunct="1">
+              <a:defRPr sz="1800" kern="1200">
+                <a:solidFill>
+                  <a:schemeClr val="tx1"/>
+                </a:solidFill>
+                <a:latin typeface="+mn-lt"/>
+                <a:ea typeface="+mn-ea"/>
+                <a:cs typeface="+mn-cs"/>
+              </a:defRPr>
+            </a:lvl2pPr>
+            <a:lvl3pPr marL="914400" algn="l" defTabSz="914400" rtl="0" eaLnBrk="1" latinLnBrk="0" hangingPunct="1">
+              <a:defRPr sz="1800" kern="1200">
+                <a:solidFill>
+                  <a:schemeClr val="tx1"/>
+                </a:solidFill>
+                <a:latin typeface="+mn-lt"/>
+                <a:ea typeface="+mn-ea"/>
+                <a:cs typeface="+mn-cs"/>
+              </a:defRPr>
+            </a:lvl3pPr>
+            <a:lvl4pPr marL="1371600" algn="l" defTabSz="914400" rtl="0" eaLnBrk="1" latinLnBrk="0" hangingPunct="1">
+              <a:defRPr sz="1800" kern="1200">
+                <a:solidFill>
+                  <a:schemeClr val="tx1"/>
+                </a:solidFill>
+                <a:latin typeface="+mn-lt"/>
+                <a:ea typeface="+mn-ea"/>
+                <a:cs typeface="+mn-cs"/>
+              </a:defRPr>
+            </a:lvl4pPr>
+            <a:lvl5pPr marL="1828800" algn="l" defTabSz="914400" rtl="0" eaLnBrk="1" latinLnBrk="0" hangingPunct="1">
+              <a:defRPr sz="1800" kern="1200">
+                <a:solidFill>
+                  <a:schemeClr val="tx1"/>
+                </a:solidFill>
+                <a:latin typeface="+mn-lt"/>
+                <a:ea typeface="+mn-ea"/>
+                <a:cs typeface="+mn-cs"/>
+              </a:defRPr>
+            </a:lvl5pPr>
+            <a:lvl6pPr marL="2286000" algn="l" defTabSz="914400" rtl="0" eaLnBrk="1" latinLnBrk="0" hangingPunct="1">
+              <a:defRPr sz="1800" kern="1200">
+                <a:solidFill>
+                  <a:schemeClr val="tx1"/>
+                </a:solidFill>
+                <a:latin typeface="+mn-lt"/>
+                <a:ea typeface="+mn-ea"/>
+                <a:cs typeface="+mn-cs"/>
+              </a:defRPr>
+            </a:lvl6pPr>
+            <a:lvl7pPr marL="2743200" algn="l" defTabSz="914400" rtl="0" eaLnBrk="1" latinLnBrk="0" hangingPunct="1">
+              <a:defRPr sz="1800" kern="1200">
+                <a:solidFill>
+                  <a:schemeClr val="tx1"/>
+                </a:solidFill>
+                <a:latin typeface="+mn-lt"/>
+                <a:ea typeface="+mn-ea"/>
+                <a:cs typeface="+mn-cs"/>
+              </a:defRPr>
+            </a:lvl7pPr>
+            <a:lvl8pPr marL="3200400" algn="l" defTabSz="914400" rtl="0" eaLnBrk="1" latinLnBrk="0" hangingPunct="1">
+              <a:defRPr sz="1800" kern="1200">
+                <a:solidFill>
+                  <a:schemeClr val="tx1"/>
+                </a:solidFill>
+                <a:latin typeface="+mn-lt"/>
+                <a:ea typeface="+mn-ea"/>
+                <a:cs typeface="+mn-cs"/>
+              </a:defRPr>
+            </a:lvl8pPr>
+            <a:lvl9pPr marL="3657600" algn="l" defTabSz="914400" rtl="0" eaLnBrk="1" latinLnBrk="0" hangingPunct="1">
+              <a:defRPr sz="1800" kern="1200">
+                <a:solidFill>
+                  <a:schemeClr val="tx1"/>
+                </a:solidFill>
+                <a:latin typeface="+mn-lt"/>
+                <a:ea typeface="+mn-ea"/>
+                <a:cs typeface="+mn-cs"/>
+              </a:defRPr>
+            </a:lvl9pPr>
+          </a:lstStyle>
+          <a:p>
+            <a:pPr algn="ctr"/>
+            <a:r>
+              <a:rPr lang="en-US" b="1" dirty="0">
+                <a:solidFill>
+                  <a:prstClr val="white"/>
+                </a:solidFill>
+              </a:rPr>
+              <a:t>4</a:t>
+            </a:r>
+            <a:endParaRPr lang="en-US" sz="2100" dirty="0"/>
+          </a:p>
+        </p:txBody>
+      </p:sp>
+      <p:sp>
+        <p:nvSpPr>
+          <p:cNvPr id="18" name="Rectangle 17">
+            <a:extLst>
+              <a:ext uri="{FF2B5EF4-FFF2-40B4-BE49-F238E27FC236}">
+                <a16:creationId xmlns:a16="http://schemas.microsoft.com/office/drawing/2014/main" id="{51FC25E9-B686-461E-B9C2-7E4BFC96C143}"/>
+              </a:ext>
+            </a:extLst>
+          </p:cNvPr>
+          <p:cNvSpPr/>
+          <p:nvPr/>
+        </p:nvSpPr>
+        <p:spPr>
+          <a:xfrm>
+            <a:off x="9428128" y="1711528"/>
+            <a:ext cx="301685" cy="369332"/>
+          </a:xfrm>
+          <a:prstGeom prst="rect">
+            <a:avLst/>
+          </a:prstGeom>
+          <a:ln>
+            <a:noFill/>
+          </a:ln>
+        </p:spPr>
+        <p:txBody>
+          <a:bodyPr wrap="none">
+            <a:spAutoFit/>
+          </a:bodyPr>
+          <a:lstStyle>
+            <a:defPPr>
+              <a:defRPr lang="en-US"/>
+            </a:defPPr>
+            <a:lvl1pPr marL="0" algn="l" defTabSz="914400" rtl="0" eaLnBrk="1" latinLnBrk="0" hangingPunct="1">
+              <a:defRPr sz="1800" kern="1200">
+                <a:solidFill>
+                  <a:schemeClr val="tx1"/>
+                </a:solidFill>
+                <a:latin typeface="+mn-lt"/>
+                <a:ea typeface="+mn-ea"/>
+                <a:cs typeface="+mn-cs"/>
+              </a:defRPr>
+            </a:lvl1pPr>
+            <a:lvl2pPr marL="457200" algn="l" defTabSz="914400" rtl="0" eaLnBrk="1" latinLnBrk="0" hangingPunct="1">
+              <a:defRPr sz="1800" kern="1200">
+                <a:solidFill>
+                  <a:schemeClr val="tx1"/>
+                </a:solidFill>
+                <a:latin typeface="+mn-lt"/>
+                <a:ea typeface="+mn-ea"/>
+                <a:cs typeface="+mn-cs"/>
+              </a:defRPr>
+            </a:lvl2pPr>
+            <a:lvl3pPr marL="914400" algn="l" defTabSz="914400" rtl="0" eaLnBrk="1" latinLnBrk="0" hangingPunct="1">
+              <a:defRPr sz="1800" kern="1200">
+                <a:solidFill>
+                  <a:schemeClr val="tx1"/>
+                </a:solidFill>
+                <a:latin typeface="+mn-lt"/>
+                <a:ea typeface="+mn-ea"/>
+                <a:cs typeface="+mn-cs"/>
+              </a:defRPr>
+            </a:lvl3pPr>
+            <a:lvl4pPr marL="1371600" algn="l" defTabSz="914400" rtl="0" eaLnBrk="1" latinLnBrk="0" hangingPunct="1">
+              <a:defRPr sz="1800" kern="1200">
+                <a:solidFill>
+                  <a:schemeClr val="tx1"/>
+                </a:solidFill>
+                <a:latin typeface="+mn-lt"/>
+                <a:ea typeface="+mn-ea"/>
+                <a:cs typeface="+mn-cs"/>
+              </a:defRPr>
+            </a:lvl4pPr>
+            <a:lvl5pPr marL="1828800" algn="l" defTabSz="914400" rtl="0" eaLnBrk="1" latinLnBrk="0" hangingPunct="1">
+              <a:defRPr sz="1800" kern="1200">
+                <a:solidFill>
+                  <a:schemeClr val="tx1"/>
+                </a:solidFill>
+                <a:latin typeface="+mn-lt"/>
+                <a:ea typeface="+mn-ea"/>
+                <a:cs typeface="+mn-cs"/>
+              </a:defRPr>
+            </a:lvl5pPr>
+            <a:lvl6pPr marL="2286000" algn="l" defTabSz="914400" rtl="0" eaLnBrk="1" latinLnBrk="0" hangingPunct="1">
+              <a:defRPr sz="1800" kern="1200">
+                <a:solidFill>
+                  <a:schemeClr val="tx1"/>
+                </a:solidFill>
+                <a:latin typeface="+mn-lt"/>
+                <a:ea typeface="+mn-ea"/>
+                <a:cs typeface="+mn-cs"/>
+              </a:defRPr>
+            </a:lvl6pPr>
+            <a:lvl7pPr marL="2743200" algn="l" defTabSz="914400" rtl="0" eaLnBrk="1" latinLnBrk="0" hangingPunct="1">
+              <a:defRPr sz="1800" kern="1200">
+                <a:solidFill>
+                  <a:schemeClr val="tx1"/>
+                </a:solidFill>
+                <a:latin typeface="+mn-lt"/>
+                <a:ea typeface="+mn-ea"/>
+                <a:cs typeface="+mn-cs"/>
+              </a:defRPr>
+            </a:lvl7pPr>
+            <a:lvl8pPr marL="3200400" algn="l" defTabSz="914400" rtl="0" eaLnBrk="1" latinLnBrk="0" hangingPunct="1">
+              <a:defRPr sz="1800" kern="1200">
+                <a:solidFill>
+                  <a:schemeClr val="tx1"/>
+                </a:solidFill>
+                <a:latin typeface="+mn-lt"/>
+                <a:ea typeface="+mn-ea"/>
+                <a:cs typeface="+mn-cs"/>
+              </a:defRPr>
+            </a:lvl8pPr>
+            <a:lvl9pPr marL="3657600" algn="l" defTabSz="914400" rtl="0" eaLnBrk="1" latinLnBrk="0" hangingPunct="1">
+              <a:defRPr sz="1800" kern="1200">
+                <a:solidFill>
+                  <a:schemeClr val="tx1"/>
+                </a:solidFill>
+                <a:latin typeface="+mn-lt"/>
+                <a:ea typeface="+mn-ea"/>
+                <a:cs typeface="+mn-cs"/>
+              </a:defRPr>
+            </a:lvl9pPr>
+          </a:lstStyle>
+          <a:p>
+            <a:pPr algn="ctr"/>
+            <a:r>
+              <a:rPr lang="en-US" b="1" dirty="0">
+                <a:solidFill>
+                  <a:schemeClr val="tx1">
+                    <a:lumMod val="75000"/>
+                    <a:lumOff val="25000"/>
+                  </a:schemeClr>
+                </a:solidFill>
+              </a:rPr>
+              <a:t>5</a:t>
+            </a:r>
+            <a:endParaRPr lang="en-US" sz="2100" dirty="0">
+              <a:solidFill>
+                <a:schemeClr val="tx1">
+                  <a:lumMod val="75000"/>
+                  <a:lumOff val="25000"/>
+                </a:schemeClr>
+              </a:solidFill>
+            </a:endParaRPr>
+          </a:p>
+        </p:txBody>
+      </p:sp>
+      <p:sp>
+        <p:nvSpPr>
+          <p:cNvPr id="19" name="Rectangle 18">
+            <a:extLst>
+              <a:ext uri="{FF2B5EF4-FFF2-40B4-BE49-F238E27FC236}">
+                <a16:creationId xmlns:a16="http://schemas.microsoft.com/office/drawing/2014/main" id="{0487445A-F158-49AA-B7B5-AFEEAA24624C}"/>
+              </a:ext>
+            </a:extLst>
+          </p:cNvPr>
+          <p:cNvSpPr/>
+          <p:nvPr/>
+        </p:nvSpPr>
+        <p:spPr>
+          <a:xfrm>
+            <a:off x="1524000" y="6163053"/>
+            <a:ext cx="9144000" cy="541683"/>
           </a:xfrm>
           <a:prstGeom prst="rect">
             <a:avLst/>
@@ -4794,36 +11252,182 @@
         </p:style>
         <p:txBody>
           <a:bodyPr rtlCol="0" anchor="ctr"/>
-          <a:lstStyle/>
+          <a:lstStyle>
+            <a:defPPr>
+              <a:defRPr lang="en-US"/>
+            </a:defPPr>
+            <a:lvl1pPr marL="0" algn="l" defTabSz="914400" rtl="0" eaLnBrk="1" latinLnBrk="0" hangingPunct="1">
+              <a:defRPr sz="1800" kern="1200">
+                <a:solidFill>
+                  <a:schemeClr val="lt1"/>
+                </a:solidFill>
+                <a:latin typeface="+mn-lt"/>
+                <a:ea typeface="+mn-ea"/>
+                <a:cs typeface="+mn-cs"/>
+              </a:defRPr>
+            </a:lvl1pPr>
+            <a:lvl2pPr marL="457200" algn="l" defTabSz="914400" rtl="0" eaLnBrk="1" latinLnBrk="0" hangingPunct="1">
+              <a:defRPr sz="1800" kern="1200">
+                <a:solidFill>
+                  <a:schemeClr val="lt1"/>
+                </a:solidFill>
+                <a:latin typeface="+mn-lt"/>
+                <a:ea typeface="+mn-ea"/>
+                <a:cs typeface="+mn-cs"/>
+              </a:defRPr>
+            </a:lvl2pPr>
+            <a:lvl3pPr marL="914400" algn="l" defTabSz="914400" rtl="0" eaLnBrk="1" latinLnBrk="0" hangingPunct="1">
+              <a:defRPr sz="1800" kern="1200">
+                <a:solidFill>
+                  <a:schemeClr val="lt1"/>
+                </a:solidFill>
+                <a:latin typeface="+mn-lt"/>
+                <a:ea typeface="+mn-ea"/>
+                <a:cs typeface="+mn-cs"/>
+              </a:defRPr>
+            </a:lvl3pPr>
+            <a:lvl4pPr marL="1371600" algn="l" defTabSz="914400" rtl="0" eaLnBrk="1" latinLnBrk="0" hangingPunct="1">
+              <a:defRPr sz="1800" kern="1200">
+                <a:solidFill>
+                  <a:schemeClr val="lt1"/>
+                </a:solidFill>
+                <a:latin typeface="+mn-lt"/>
+                <a:ea typeface="+mn-ea"/>
+                <a:cs typeface="+mn-cs"/>
+              </a:defRPr>
+            </a:lvl4pPr>
+            <a:lvl5pPr marL="1828800" algn="l" defTabSz="914400" rtl="0" eaLnBrk="1" latinLnBrk="0" hangingPunct="1">
+              <a:defRPr sz="1800" kern="1200">
+                <a:solidFill>
+                  <a:schemeClr val="lt1"/>
+                </a:solidFill>
+                <a:latin typeface="+mn-lt"/>
+                <a:ea typeface="+mn-ea"/>
+                <a:cs typeface="+mn-cs"/>
+              </a:defRPr>
+            </a:lvl5pPr>
+            <a:lvl6pPr marL="2286000" algn="l" defTabSz="914400" rtl="0" eaLnBrk="1" latinLnBrk="0" hangingPunct="1">
+              <a:defRPr sz="1800" kern="1200">
+                <a:solidFill>
+                  <a:schemeClr val="lt1"/>
+                </a:solidFill>
+                <a:latin typeface="+mn-lt"/>
+                <a:ea typeface="+mn-ea"/>
+                <a:cs typeface="+mn-cs"/>
+              </a:defRPr>
+            </a:lvl6pPr>
+            <a:lvl7pPr marL="2743200" algn="l" defTabSz="914400" rtl="0" eaLnBrk="1" latinLnBrk="0" hangingPunct="1">
+              <a:defRPr sz="1800" kern="1200">
+                <a:solidFill>
+                  <a:schemeClr val="lt1"/>
+                </a:solidFill>
+                <a:latin typeface="+mn-lt"/>
+                <a:ea typeface="+mn-ea"/>
+                <a:cs typeface="+mn-cs"/>
+              </a:defRPr>
+            </a:lvl7pPr>
+            <a:lvl8pPr marL="3200400" algn="l" defTabSz="914400" rtl="0" eaLnBrk="1" latinLnBrk="0" hangingPunct="1">
+              <a:defRPr sz="1800" kern="1200">
+                <a:solidFill>
+                  <a:schemeClr val="lt1"/>
+                </a:solidFill>
+                <a:latin typeface="+mn-lt"/>
+                <a:ea typeface="+mn-ea"/>
+                <a:cs typeface="+mn-cs"/>
+              </a:defRPr>
+            </a:lvl8pPr>
+            <a:lvl9pPr marL="3657600" algn="l" defTabSz="914400" rtl="0" eaLnBrk="1" latinLnBrk="0" hangingPunct="1">
+              <a:defRPr sz="1800" kern="1200">
+                <a:solidFill>
+                  <a:schemeClr val="lt1"/>
+                </a:solidFill>
+                <a:latin typeface="+mn-lt"/>
+                <a:ea typeface="+mn-ea"/>
+                <a:cs typeface="+mn-cs"/>
+              </a:defRPr>
+            </a:lvl9pPr>
+          </a:lstStyle>
           <a:p>
             <a:pPr algn="ctr"/>
-            <a:r>
-              <a:rPr lang="en-US" dirty="0"/>
-              <a:t>Data Cleansing</a:t>
-            </a:r>
+            <a:endParaRPr lang="en-US"/>
           </a:p>
         </p:txBody>
       </p:sp>
+    </p:spTree>
+    <p:extLst>
+      <p:ext uri="{BB962C8B-B14F-4D97-AF65-F5344CB8AC3E}">
+        <p14:creationId xmlns:p14="http://schemas.microsoft.com/office/powerpoint/2010/main" val="4176014697"/>
+      </p:ext>
+    </p:extLst>
+  </p:cSld>
+  <p:clrMapOvr>
+    <a:masterClrMapping/>
+  </p:clrMapOvr>
+</p:sld>
+</file>
+
+<file path=ppt/slides/slide3.xml><?xml version="1.0" encoding="utf-8"?>
+<p:sld xmlns:a="http://schemas.openxmlformats.org/drawingml/2006/main" xmlns:r="http://schemas.openxmlformats.org/officeDocument/2006/relationships" xmlns:p="http://schemas.openxmlformats.org/presentationml/2006/main">
+  <p:cSld>
+    <p:bg>
+      <p:bgPr>
+        <a:solidFill>
+          <a:schemeClr val="bg1"/>
+        </a:solidFill>
+        <a:effectLst/>
+      </p:bgPr>
+    </p:bg>
+    <p:spTree>
+      <p:nvGrpSpPr>
+        <p:cNvPr id="1" name=""/>
+        <p:cNvGrpSpPr/>
+        <p:nvPr/>
+      </p:nvGrpSpPr>
+      <p:grpSpPr>
+        <a:xfrm>
+          <a:off x="0" y="0"/>
+          <a:ext cx="0" cy="0"/>
+          <a:chOff x="0" y="0"/>
+          <a:chExt cx="0" cy="0"/>
+        </a:xfrm>
+      </p:grpSpPr>
       <p:sp>
         <p:nvSpPr>
-          <p:cNvPr id="12" name="Rectangle 11">
+          <p:cNvPr id="9" name="Rectangle 8">
             <a:extLst>
               <a:ext uri="{FF2B5EF4-FFF2-40B4-BE49-F238E27FC236}">
-                <a16:creationId xmlns:a16="http://schemas.microsoft.com/office/drawing/2014/main" id="{C622381A-C143-4618-A2D2-9A06060DB22A}"/>
+                <a16:creationId xmlns:a16="http://schemas.microsoft.com/office/drawing/2014/main" id="{A4AC5506-6312-4701-8D3C-40187889A947}"/>
+              </a:ext>
+              <a:ext uri="{C183D7F6-B498-43B3-948B-1728B52AA6E4}">
+                <adec:decorative xmlns:adec="http://schemas.microsoft.com/office/drawing/2017/decorative" val="1"/>
               </a:ext>
             </a:extLst>
           </p:cNvPr>
-          <p:cNvSpPr/>
-          <p:nvPr/>
+          <p:cNvSpPr>
+            <a:spLocks noGrp="1" noRot="1" noChangeAspect="1" noMove="1" noResize="1" noEditPoints="1" noAdjustHandles="1" noChangeArrowheads="1" noChangeShapeType="1" noTextEdit="1"/>
+          </p:cNvSpPr>
+          <p:nvPr>
+            <p:extLst>
+              <p:ext uri="{386F3935-93C4-4BCD-93E2-E3B085C9AB24}">
+                <p16:designElem xmlns:p16="http://schemas.microsoft.com/office/powerpoint/2015/main" val="1"/>
+              </p:ext>
+            </p:extLst>
+          </p:nvPr>
         </p:nvSpPr>
         <p:spPr>
           <a:xfrm>
-            <a:off x="4744720" y="3763294"/>
-            <a:ext cx="2407920" cy="727208"/>
+            <a:off x="0" y="651752"/>
+            <a:ext cx="12192000" cy="736551"/>
           </a:xfrm>
           <a:prstGeom prst="rect">
             <a:avLst/>
           </a:prstGeom>
+          <a:solidFill>
+            <a:schemeClr val="tx1"/>
+          </a:solidFill>
+          <a:ln>
+            <a:noFill/>
+          </a:ln>
         </p:spPr>
         <p:style>
           <a:lnRef idx="2">
@@ -4846,33 +11450,173 @@
           <a:lstStyle/>
           <a:p>
             <a:pPr algn="ctr"/>
-            <a:r>
-              <a:rPr lang="en-US" dirty="0"/>
-              <a:t>Understanding</a:t>
-            </a:r>
+            <a:endParaRPr lang="en-US"/>
           </a:p>
         </p:txBody>
       </p:sp>
       <p:sp>
         <p:nvSpPr>
-          <p:cNvPr id="13" name="Rectangle 12">
+          <p:cNvPr id="4" name="TextBox 3">
             <a:extLst>
               <a:ext uri="{FF2B5EF4-FFF2-40B4-BE49-F238E27FC236}">
-                <a16:creationId xmlns:a16="http://schemas.microsoft.com/office/drawing/2014/main" id="{57665213-5E83-40E4-9601-F8126EE7E230}"/>
+                <a16:creationId xmlns:a16="http://schemas.microsoft.com/office/drawing/2014/main" id="{805A92E7-6EC3-4130-BEA0-A31FD64CE953}"/>
               </a:ext>
             </a:extLst>
           </p:cNvPr>
-          <p:cNvSpPr/>
+          <p:cNvSpPr txBox="1"/>
           <p:nvPr/>
         </p:nvSpPr>
         <p:spPr>
           <a:xfrm>
-            <a:off x="8717280" y="3758988"/>
-            <a:ext cx="2682240" cy="727198"/>
+            <a:off x="556532" y="643467"/>
+            <a:ext cx="11210925" cy="744836"/>
           </a:xfrm>
           <a:prstGeom prst="rect">
             <a:avLst/>
           </a:prstGeom>
+        </p:spPr>
+        <p:txBody>
+          <a:bodyPr vert="horz" lIns="91440" tIns="45720" rIns="91440" bIns="45720" rtlCol="0" anchor="ctr">
+            <a:normAutofit/>
+          </a:bodyPr>
+          <a:lstStyle/>
+          <a:p>
+            <a:pPr algn="ctr">
+              <a:lnSpc>
+                <a:spcPct val="90000"/>
+              </a:lnSpc>
+              <a:spcBef>
+                <a:spcPct val="0"/>
+              </a:spcBef>
+              <a:spcAft>
+                <a:spcPts val="600"/>
+              </a:spcAft>
+            </a:pPr>
+            <a:r>
+              <a:rPr lang="en-US" sz="3200" b="1" kern="1200">
+                <a:solidFill>
+                  <a:schemeClr val="bg1"/>
+                </a:solidFill>
+                <a:latin typeface="+mj-lt"/>
+                <a:ea typeface="+mj-ea"/>
+                <a:cs typeface="+mj-cs"/>
+              </a:rPr>
+              <a:t>Understanding Data—Beer Rating Trend(1)</a:t>
+            </a:r>
+          </a:p>
+        </p:txBody>
+      </p:sp>
+      <p:pic>
+        <p:nvPicPr>
+          <p:cNvPr id="3" name="Picture 2" descr="A close up of a map&#10;&#10;Description automatically generated">
+            <a:extLst>
+              <a:ext uri="{FF2B5EF4-FFF2-40B4-BE49-F238E27FC236}">
+                <a16:creationId xmlns:a16="http://schemas.microsoft.com/office/drawing/2014/main" id="{CB794EC5-A2C8-4F16-9E92-CA46166FCB61}"/>
+              </a:ext>
+            </a:extLst>
+          </p:cNvPr>
+          <p:cNvPicPr>
+            <a:picLocks noChangeAspect="1"/>
+          </p:cNvPicPr>
+          <p:nvPr/>
+        </p:nvPicPr>
+        <p:blipFill>
+          <a:blip r:embed="rId2">
+            <a:extLst>
+              <a:ext uri="{28A0092B-C50C-407E-A947-70E740481C1C}">
+                <a14:useLocalDpi xmlns:a14="http://schemas.microsoft.com/office/drawing/2010/main" val="0"/>
+              </a:ext>
+            </a:extLst>
+          </a:blip>
+          <a:stretch>
+            <a:fillRect/>
+          </a:stretch>
+        </p:blipFill>
+        <p:spPr>
+          <a:xfrm>
+            <a:off x="1930882" y="1675227"/>
+            <a:ext cx="8330235" cy="4394199"/>
+          </a:xfrm>
+          <a:prstGeom prst="rect">
+            <a:avLst/>
+          </a:prstGeom>
+        </p:spPr>
+      </p:pic>
+    </p:spTree>
+    <p:extLst>
+      <p:ext uri="{BB962C8B-B14F-4D97-AF65-F5344CB8AC3E}">
+        <p14:creationId xmlns:p14="http://schemas.microsoft.com/office/powerpoint/2010/main" val="3769685321"/>
+      </p:ext>
+    </p:extLst>
+  </p:cSld>
+  <p:clrMapOvr>
+    <a:masterClrMapping/>
+  </p:clrMapOvr>
+</p:sld>
+</file>
+
+<file path=ppt/slides/slide4.xml><?xml version="1.0" encoding="utf-8"?>
+<p:sld xmlns:a="http://schemas.openxmlformats.org/drawingml/2006/main" xmlns:r="http://schemas.openxmlformats.org/officeDocument/2006/relationships" xmlns:p="http://schemas.openxmlformats.org/presentationml/2006/main">
+  <p:cSld>
+    <p:bg>
+      <p:bgPr>
+        <a:solidFill>
+          <a:schemeClr val="bg1"/>
+        </a:solidFill>
+        <a:effectLst/>
+      </p:bgPr>
+    </p:bg>
+    <p:spTree>
+      <p:nvGrpSpPr>
+        <p:cNvPr id="1" name=""/>
+        <p:cNvGrpSpPr/>
+        <p:nvPr/>
+      </p:nvGrpSpPr>
+      <p:grpSpPr>
+        <a:xfrm>
+          <a:off x="0" y="0"/>
+          <a:ext cx="0" cy="0"/>
+          <a:chOff x="0" y="0"/>
+          <a:chExt cx="0" cy="0"/>
+        </a:xfrm>
+      </p:grpSpPr>
+      <p:sp>
+        <p:nvSpPr>
+          <p:cNvPr id="10" name="Rectangle 9">
+            <a:extLst>
+              <a:ext uri="{FF2B5EF4-FFF2-40B4-BE49-F238E27FC236}">
+                <a16:creationId xmlns:a16="http://schemas.microsoft.com/office/drawing/2014/main" id="{A4AC5506-6312-4701-8D3C-40187889A947}"/>
+              </a:ext>
+              <a:ext uri="{C183D7F6-B498-43B3-948B-1728B52AA6E4}">
+                <adec:decorative xmlns:adec="http://schemas.microsoft.com/office/drawing/2017/decorative" val="1"/>
+              </a:ext>
+            </a:extLst>
+          </p:cNvPr>
+          <p:cNvSpPr>
+            <a:spLocks noGrp="1" noRot="1" noChangeAspect="1" noMove="1" noResize="1" noEditPoints="1" noAdjustHandles="1" noChangeArrowheads="1" noChangeShapeType="1" noTextEdit="1"/>
+          </p:cNvSpPr>
+          <p:nvPr>
+            <p:extLst>
+              <p:ext uri="{386F3935-93C4-4BCD-93E2-E3B085C9AB24}">
+                <p16:designElem xmlns:p16="http://schemas.microsoft.com/office/powerpoint/2015/main" val="1"/>
+              </p:ext>
+            </p:extLst>
+          </p:nvPr>
+        </p:nvSpPr>
+        <p:spPr>
+          <a:xfrm>
+            <a:off x="0" y="651752"/>
+            <a:ext cx="12192000" cy="736551"/>
+          </a:xfrm>
+          <a:prstGeom prst="rect">
+            <a:avLst/>
+          </a:prstGeom>
+          <a:solidFill>
+            <a:schemeClr val="tx1"/>
+          </a:solidFill>
+          <a:ln>
+            <a:noFill/>
+          </a:ln>
         </p:spPr>
         <p:style>
           <a:lnRef idx="2">
@@ -4895,248 +11639,68 @@
           <a:lstStyle/>
           <a:p>
             <a:pPr algn="ctr"/>
-            <a:r>
-              <a:rPr lang="en-US" dirty="0"/>
-              <a:t>Deep Dive</a:t>
-            </a:r>
+            <a:endParaRPr lang="en-US"/>
           </a:p>
         </p:txBody>
       </p:sp>
       <p:sp>
         <p:nvSpPr>
-          <p:cNvPr id="14" name="TextBox 13">
+          <p:cNvPr id="5" name="Rectangle 4">
             <a:extLst>
               <a:ext uri="{FF2B5EF4-FFF2-40B4-BE49-F238E27FC236}">
-                <a16:creationId xmlns:a16="http://schemas.microsoft.com/office/drawing/2014/main" id="{D926FD96-31FF-4CD0-BC2E-4894E8CC13AE}"/>
+                <a16:creationId xmlns:a16="http://schemas.microsoft.com/office/drawing/2014/main" id="{8093DE2C-84BB-42FA-B608-7390E59A688B}"/>
               </a:ext>
             </a:extLst>
           </p:cNvPr>
-          <p:cNvSpPr txBox="1"/>
+          <p:cNvSpPr/>
           <p:nvPr/>
         </p:nvSpPr>
         <p:spPr>
           <a:xfrm>
-            <a:off x="180458" y="4880318"/>
-            <a:ext cx="3994876" cy="1754326"/>
+            <a:off x="556532" y="643467"/>
+            <a:ext cx="11210925" cy="744836"/>
           </a:xfrm>
           <a:prstGeom prst="rect">
             <a:avLst/>
           </a:prstGeom>
-          <a:noFill/>
         </p:spPr>
         <p:txBody>
-          <a:bodyPr wrap="none" rtlCol="0">
-            <a:spAutoFit/>
+          <a:bodyPr vert="horz" lIns="91440" tIns="45720" rIns="91440" bIns="45720" rtlCol="0" anchor="ctr">
+            <a:normAutofit/>
           </a:bodyPr>
           <a:lstStyle/>
           <a:p>
-            <a:pPr marL="285750" indent="-285750">
-              <a:buFont typeface="Arial" panose="020B0604020202020204" pitchFamily="34" charset="0"/>
-              <a:buChar char="•"/>
+            <a:pPr algn="ctr">
+              <a:lnSpc>
+                <a:spcPct val="90000"/>
+              </a:lnSpc>
+              <a:spcBef>
+                <a:spcPct val="0"/>
+              </a:spcBef>
+              <a:spcAft>
+                <a:spcPts val="600"/>
+              </a:spcAft>
             </a:pPr>
             <a:r>
-              <a:rPr lang="en-US" dirty="0"/>
-              <a:t>Drop off rows which miss information</a:t>
+              <a:rPr lang="en-US" sz="3200" b="1" kern="1200">
+                <a:solidFill>
+                  <a:schemeClr val="bg1"/>
+                </a:solidFill>
+                <a:latin typeface="+mj-lt"/>
+                <a:ea typeface="+mj-ea"/>
+                <a:cs typeface="+mj-cs"/>
+              </a:rPr>
+              <a:t>Understanding Data—Beer Rating Trend(2)</a:t>
             </a:r>
-          </a:p>
-          <a:p>
-            <a:pPr marL="285750" indent="-285750">
-              <a:buFont typeface="Arial" panose="020B0604020202020204" pitchFamily="34" charset="0"/>
-              <a:buChar char="•"/>
-            </a:pPr>
-            <a:r>
-              <a:rPr lang="en-US" dirty="0"/>
-              <a:t>Convert timestamp to date</a:t>
-            </a:r>
-          </a:p>
-          <a:p>
-            <a:pPr marL="285750" indent="-285750">
-              <a:buFont typeface="Arial" panose="020B0604020202020204" pitchFamily="34" charset="0"/>
-              <a:buChar char="•"/>
-            </a:pPr>
-            <a:r>
-              <a:rPr lang="en-US" dirty="0"/>
-              <a:t>Checked integrity of data</a:t>
-            </a:r>
-          </a:p>
-          <a:p>
-            <a:endParaRPr lang="en-US" dirty="0"/>
-          </a:p>
-          <a:p>
-            <a:endParaRPr lang="en-US" dirty="0"/>
-          </a:p>
-          <a:p>
-            <a:endParaRPr lang="en-US" dirty="0"/>
           </a:p>
         </p:txBody>
       </p:sp>
-      <p:sp>
-        <p:nvSpPr>
-          <p:cNvPr id="16" name="TextBox 15">
+      <p:pic>
+        <p:nvPicPr>
+          <p:cNvPr id="3" name="Picture 2" descr="A screenshot of a map&#10;&#10;Description automatically generated">
             <a:extLst>
               <a:ext uri="{FF2B5EF4-FFF2-40B4-BE49-F238E27FC236}">
-                <a16:creationId xmlns:a16="http://schemas.microsoft.com/office/drawing/2014/main" id="{C943F229-D918-4F8B-8195-C66E3E647C28}"/>
-              </a:ext>
-            </a:extLst>
-          </p:cNvPr>
-          <p:cNvSpPr txBox="1"/>
-          <p:nvPr/>
-        </p:nvSpPr>
-        <p:spPr>
-          <a:xfrm>
-            <a:off x="4531361" y="4906657"/>
-            <a:ext cx="3723263" cy="1200329"/>
-          </a:xfrm>
-          <a:prstGeom prst="rect">
-            <a:avLst/>
-          </a:prstGeom>
-          <a:noFill/>
-        </p:spPr>
-        <p:txBody>
-          <a:bodyPr wrap="none" rtlCol="0">
-            <a:spAutoFit/>
-          </a:bodyPr>
-          <a:lstStyle/>
-          <a:p>
-            <a:pPr marL="285750" indent="-285750">
-              <a:buFont typeface="Arial" panose="020B0604020202020204" pitchFamily="34" charset="0"/>
-              <a:buChar char="•"/>
-            </a:pPr>
-            <a:r>
-              <a:rPr lang="en-US" dirty="0"/>
-              <a:t>Group data by overall review score</a:t>
-            </a:r>
-          </a:p>
-          <a:p>
-            <a:pPr marL="285750" indent="-285750">
-              <a:buFont typeface="Arial" panose="020B0604020202020204" pitchFamily="34" charset="0"/>
-              <a:buChar char="•"/>
-            </a:pPr>
-            <a:r>
-              <a:rPr lang="en-US" dirty="0"/>
-              <a:t>Created separate data frames</a:t>
-            </a:r>
-          </a:p>
-          <a:p>
-            <a:pPr marL="285750" indent="-285750">
-              <a:buFont typeface="Arial" panose="020B0604020202020204" pitchFamily="34" charset="0"/>
-              <a:buChar char="•"/>
-            </a:pPr>
-            <a:r>
-              <a:rPr lang="en-US" dirty="0"/>
-              <a:t>Created bar charts</a:t>
-            </a:r>
-          </a:p>
-          <a:p>
-            <a:endParaRPr lang="en-US" dirty="0"/>
-          </a:p>
-        </p:txBody>
-      </p:sp>
-      <p:sp>
-        <p:nvSpPr>
-          <p:cNvPr id="17" name="TextBox 16">
-            <a:extLst>
-              <a:ext uri="{FF2B5EF4-FFF2-40B4-BE49-F238E27FC236}">
-                <a16:creationId xmlns:a16="http://schemas.microsoft.com/office/drawing/2014/main" id="{435AE7B9-EB1B-4A28-92B0-13F71ECE2A02}"/>
-              </a:ext>
-            </a:extLst>
-          </p:cNvPr>
-          <p:cNvSpPr txBox="1"/>
-          <p:nvPr/>
-        </p:nvSpPr>
-        <p:spPr>
-          <a:xfrm>
-            <a:off x="8624914" y="5011994"/>
-            <a:ext cx="2874890" cy="1200329"/>
-          </a:xfrm>
-          <a:prstGeom prst="rect">
-            <a:avLst/>
-          </a:prstGeom>
-          <a:noFill/>
-        </p:spPr>
-        <p:txBody>
-          <a:bodyPr wrap="none" rtlCol="0">
-            <a:spAutoFit/>
-          </a:bodyPr>
-          <a:lstStyle/>
-          <a:p>
-            <a:pPr marL="285750" indent="-285750">
-              <a:buFont typeface="Arial" panose="020B0604020202020204" pitchFamily="34" charset="0"/>
-              <a:buChar char="•"/>
-            </a:pPr>
-            <a:r>
-              <a:rPr lang="en-US" dirty="0"/>
-              <a:t>Multiple linear regression</a:t>
-            </a:r>
-          </a:p>
-          <a:p>
-            <a:pPr marL="742950" lvl="1" indent="-285750">
-              <a:buFont typeface="Arial" panose="020B0604020202020204" pitchFamily="34" charset="0"/>
-              <a:buChar char="•"/>
-            </a:pPr>
-            <a:r>
-              <a:rPr lang="en-US" dirty="0"/>
-              <a:t>Overall ratings</a:t>
-            </a:r>
-          </a:p>
-          <a:p>
-            <a:pPr marL="742950" lvl="1" indent="-285750">
-              <a:buFont typeface="Arial" panose="020B0604020202020204" pitchFamily="34" charset="0"/>
-              <a:buChar char="•"/>
-            </a:pPr>
-            <a:r>
-              <a:rPr lang="en-US" dirty="0"/>
-              <a:t>American IPA </a:t>
-            </a:r>
-          </a:p>
-          <a:p>
-            <a:pPr marL="742950" lvl="1" indent="-285750">
-              <a:buFont typeface="Arial" panose="020B0604020202020204" pitchFamily="34" charset="0"/>
-              <a:buChar char="•"/>
-            </a:pPr>
-            <a:r>
-              <a:rPr lang="en-US" dirty="0"/>
-              <a:t>Fruit beer</a:t>
-            </a:r>
-          </a:p>
-        </p:txBody>
-      </p:sp>
-    </p:spTree>
-    <p:extLst>
-      <p:ext uri="{BB962C8B-B14F-4D97-AF65-F5344CB8AC3E}">
-        <p14:creationId xmlns:p14="http://schemas.microsoft.com/office/powerpoint/2010/main" val="2197661827"/>
-      </p:ext>
-    </p:extLst>
-  </p:cSld>
-  <p:clrMapOvr>
-    <a:masterClrMapping/>
-  </p:clrMapOvr>
-</p:sld>
-</file>
-
-<file path=ppt/slides/slide3.xml><?xml version="1.0" encoding="utf-8"?>
-<p:sld xmlns:a="http://schemas.openxmlformats.org/drawingml/2006/main" xmlns:r="http://schemas.openxmlformats.org/officeDocument/2006/relationships" xmlns:p="http://schemas.openxmlformats.org/presentationml/2006/main">
-  <p:cSld>
-    <p:spTree>
-      <p:nvGrpSpPr>
-        <p:cNvPr id="1" name=""/>
-        <p:cNvGrpSpPr/>
-        <p:nvPr/>
-      </p:nvGrpSpPr>
-      <p:grpSpPr>
-        <a:xfrm>
-          <a:off x="0" y="0"/>
-          <a:ext cx="0" cy="0"/>
-          <a:chOff x="0" y="0"/>
-          <a:chExt cx="0" cy="0"/>
-        </a:xfrm>
-      </p:grpSpPr>
-      <p:pic>
-        <p:nvPicPr>
-          <p:cNvPr id="3" name="Picture 2" descr="A screenshot of a cell phone&#10;&#10;Description automatically generated">
-            <a:extLst>
-              <a:ext uri="{FF2B5EF4-FFF2-40B4-BE49-F238E27FC236}">
-                <a16:creationId xmlns:a16="http://schemas.microsoft.com/office/drawing/2014/main" id="{917B4495-745A-452D-8CB0-D3333FE30BD5}"/>
+                <a16:creationId xmlns:a16="http://schemas.microsoft.com/office/drawing/2014/main" id="{13469802-5660-46EF-9E71-AF1C932BDED0}"/>
               </a:ext>
             </a:extLst>
           </p:cNvPr>
@@ -5159,260 +11723,18 @@
         </p:blipFill>
         <p:spPr>
           <a:xfrm>
-            <a:off x="495223" y="1753800"/>
-            <a:ext cx="4601437" cy="4149159"/>
+            <a:off x="1787962" y="1675227"/>
+            <a:ext cx="8616075" cy="4394199"/>
           </a:xfrm>
           <a:prstGeom prst="rect">
             <a:avLst/>
           </a:prstGeom>
         </p:spPr>
       </p:pic>
-      <p:pic>
-        <p:nvPicPr>
-          <p:cNvPr id="5" name="Picture 4" descr="A screenshot of a cell phone&#10;&#10;Description automatically generated">
-            <a:extLst>
-              <a:ext uri="{FF2B5EF4-FFF2-40B4-BE49-F238E27FC236}">
-                <a16:creationId xmlns:a16="http://schemas.microsoft.com/office/drawing/2014/main" id="{FA8BF8CC-0529-4697-896D-F66D947D86C0}"/>
-              </a:ext>
-            </a:extLst>
-          </p:cNvPr>
-          <p:cNvPicPr>
-            <a:picLocks noChangeAspect="1"/>
-          </p:cNvPicPr>
-          <p:nvPr/>
-        </p:nvPicPr>
-        <p:blipFill>
-          <a:blip r:embed="rId3">
-            <a:extLst>
-              <a:ext uri="{28A0092B-C50C-407E-A947-70E740481C1C}">
-                <a14:useLocalDpi xmlns:a14="http://schemas.microsoft.com/office/drawing/2010/main" val="0"/>
-              </a:ext>
-            </a:extLst>
-          </a:blip>
-          <a:stretch>
-            <a:fillRect/>
-          </a:stretch>
-        </p:blipFill>
-        <p:spPr>
-          <a:xfrm>
-            <a:off x="6297841" y="1711218"/>
-            <a:ext cx="4775205" cy="4313661"/>
-          </a:xfrm>
-          <a:prstGeom prst="rect">
-            <a:avLst/>
-          </a:prstGeom>
-        </p:spPr>
-      </p:pic>
-      <p:sp>
-        <p:nvSpPr>
-          <p:cNvPr id="6" name="TextBox 5">
-            <a:extLst>
-              <a:ext uri="{FF2B5EF4-FFF2-40B4-BE49-F238E27FC236}">
-                <a16:creationId xmlns:a16="http://schemas.microsoft.com/office/drawing/2014/main" id="{D6B9A687-422C-4E51-ACE5-1F8DB994A536}"/>
-              </a:ext>
-            </a:extLst>
-          </p:cNvPr>
-          <p:cNvSpPr txBox="1"/>
-          <p:nvPr/>
-        </p:nvSpPr>
-        <p:spPr>
-          <a:xfrm>
-            <a:off x="629920" y="589280"/>
-            <a:ext cx="1571136" cy="369332"/>
-          </a:xfrm>
-          <a:prstGeom prst="rect">
-            <a:avLst/>
-          </a:prstGeom>
-          <a:noFill/>
-        </p:spPr>
-        <p:txBody>
-          <a:bodyPr wrap="none" rtlCol="0">
-            <a:spAutoFit/>
-          </a:bodyPr>
-          <a:lstStyle/>
-          <a:p>
-            <a:r>
-              <a:rPr lang="en-US" dirty="0"/>
-              <a:t>Data Cleansing</a:t>
-            </a:r>
-          </a:p>
-        </p:txBody>
-      </p:sp>
-      <p:sp>
-        <p:nvSpPr>
-          <p:cNvPr id="7" name="TextBox 6">
-            <a:extLst>
-              <a:ext uri="{FF2B5EF4-FFF2-40B4-BE49-F238E27FC236}">
-                <a16:creationId xmlns:a16="http://schemas.microsoft.com/office/drawing/2014/main" id="{FEA42030-EA78-4581-A246-390D7E462266}"/>
-              </a:ext>
-            </a:extLst>
-          </p:cNvPr>
-          <p:cNvSpPr txBox="1"/>
-          <p:nvPr/>
-        </p:nvSpPr>
-        <p:spPr>
-          <a:xfrm>
-            <a:off x="762000" y="1384468"/>
-            <a:ext cx="6619504" cy="369332"/>
-          </a:xfrm>
-          <a:prstGeom prst="rect">
-            <a:avLst/>
-          </a:prstGeom>
-          <a:noFill/>
-        </p:spPr>
-        <p:txBody>
-          <a:bodyPr wrap="none" rtlCol="0">
-            <a:spAutoFit/>
-          </a:bodyPr>
-          <a:lstStyle/>
-          <a:p>
-            <a:r>
-              <a:rPr lang="en-US" dirty="0"/>
-              <a:t>Before                                                                                                     After</a:t>
-            </a:r>
-          </a:p>
-        </p:txBody>
-      </p:sp>
     </p:spTree>
     <p:extLst>
       <p:ext uri="{BB962C8B-B14F-4D97-AF65-F5344CB8AC3E}">
-        <p14:creationId xmlns:p14="http://schemas.microsoft.com/office/powerpoint/2010/main" val="2373640018"/>
-      </p:ext>
-    </p:extLst>
-  </p:cSld>
-  <p:clrMapOvr>
-    <a:masterClrMapping/>
-  </p:clrMapOvr>
-</p:sld>
-</file>
-
-<file path=ppt/slides/slide4.xml><?xml version="1.0" encoding="utf-8"?>
-<p:sld xmlns:a="http://schemas.openxmlformats.org/drawingml/2006/main" xmlns:r="http://schemas.openxmlformats.org/officeDocument/2006/relationships" xmlns:p="http://schemas.openxmlformats.org/presentationml/2006/main">
-  <p:cSld>
-    <p:spTree>
-      <p:nvGrpSpPr>
-        <p:cNvPr id="1" name=""/>
-        <p:cNvGrpSpPr/>
-        <p:nvPr/>
-      </p:nvGrpSpPr>
-      <p:grpSpPr>
-        <a:xfrm>
-          <a:off x="0" y="0"/>
-          <a:ext cx="0" cy="0"/>
-          <a:chOff x="0" y="0"/>
-          <a:chExt cx="0" cy="0"/>
-        </a:xfrm>
-      </p:grpSpPr>
-      <p:pic>
-        <p:nvPicPr>
-          <p:cNvPr id="3" name="Picture 2" descr="A screenshot of a cell phone&#10;&#10;Description automatically generated">
-            <a:extLst>
-              <a:ext uri="{FF2B5EF4-FFF2-40B4-BE49-F238E27FC236}">
-                <a16:creationId xmlns:a16="http://schemas.microsoft.com/office/drawing/2014/main" id="{C24D069A-45BC-48DF-BFEE-0A184B176EBB}"/>
-              </a:ext>
-            </a:extLst>
-          </p:cNvPr>
-          <p:cNvPicPr>
-            <a:picLocks noChangeAspect="1"/>
-          </p:cNvPicPr>
-          <p:nvPr/>
-        </p:nvPicPr>
-        <p:blipFill>
-          <a:blip r:embed="rId2">
-            <a:extLst>
-              <a:ext uri="{28A0092B-C50C-407E-A947-70E740481C1C}">
-                <a14:useLocalDpi xmlns:a14="http://schemas.microsoft.com/office/drawing/2010/main" val="0"/>
-              </a:ext>
-            </a:extLst>
-          </a:blip>
-          <a:stretch>
-            <a:fillRect/>
-          </a:stretch>
-        </p:blipFill>
-        <p:spPr>
-          <a:xfrm>
-            <a:off x="719884" y="1374101"/>
-            <a:ext cx="10601630" cy="1988859"/>
-          </a:xfrm>
-          <a:prstGeom prst="rect">
-            <a:avLst/>
-          </a:prstGeom>
-        </p:spPr>
-      </p:pic>
-      <p:sp>
-        <p:nvSpPr>
-          <p:cNvPr id="4" name="TextBox 3">
-            <a:extLst>
-              <a:ext uri="{FF2B5EF4-FFF2-40B4-BE49-F238E27FC236}">
-                <a16:creationId xmlns:a16="http://schemas.microsoft.com/office/drawing/2014/main" id="{D6882283-1DBD-48AF-91D0-6D0AA40A61E9}"/>
-              </a:ext>
-            </a:extLst>
-          </p:cNvPr>
-          <p:cNvSpPr txBox="1"/>
-          <p:nvPr/>
-        </p:nvSpPr>
-        <p:spPr>
-          <a:xfrm>
-            <a:off x="965200" y="599440"/>
-            <a:ext cx="1571136" cy="369332"/>
-          </a:xfrm>
-          <a:prstGeom prst="rect">
-            <a:avLst/>
-          </a:prstGeom>
-          <a:noFill/>
-        </p:spPr>
-        <p:txBody>
-          <a:bodyPr wrap="none" rtlCol="0">
-            <a:spAutoFit/>
-          </a:bodyPr>
-          <a:lstStyle/>
-          <a:p>
-            <a:r>
-              <a:rPr lang="en-US" dirty="0"/>
-              <a:t>Data Cleansing</a:t>
-            </a:r>
-          </a:p>
-        </p:txBody>
-      </p:sp>
-      <p:sp>
-        <p:nvSpPr>
-          <p:cNvPr id="5" name="TextBox 4">
-            <a:extLst>
-              <a:ext uri="{FF2B5EF4-FFF2-40B4-BE49-F238E27FC236}">
-                <a16:creationId xmlns:a16="http://schemas.microsoft.com/office/drawing/2014/main" id="{FD85D2CE-F20B-4139-9CC2-2C810EC82FB1}"/>
-              </a:ext>
-            </a:extLst>
-          </p:cNvPr>
-          <p:cNvSpPr txBox="1"/>
-          <p:nvPr/>
-        </p:nvSpPr>
-        <p:spPr>
-          <a:xfrm>
-            <a:off x="965200" y="1150084"/>
-            <a:ext cx="1970989" cy="369332"/>
-          </a:xfrm>
-          <a:prstGeom prst="rect">
-            <a:avLst/>
-          </a:prstGeom>
-          <a:noFill/>
-        </p:spPr>
-        <p:txBody>
-          <a:bodyPr wrap="none" rtlCol="0">
-            <a:spAutoFit/>
-          </a:bodyPr>
-          <a:lstStyle/>
-          <a:p>
-            <a:r>
-              <a:rPr lang="en-US" dirty="0"/>
-              <a:t>Timestamp to Date</a:t>
-            </a:r>
-          </a:p>
-        </p:txBody>
-      </p:sp>
-    </p:spTree>
-    <p:extLst>
-      <p:ext uri="{BB962C8B-B14F-4D97-AF65-F5344CB8AC3E}">
-        <p14:creationId xmlns:p14="http://schemas.microsoft.com/office/powerpoint/2010/main" val="1260644930"/>
+        <p14:creationId xmlns:p14="http://schemas.microsoft.com/office/powerpoint/2010/main" val="249954635"/>
       </p:ext>
     </p:extLst>
   </p:cSld>
@@ -5425,142 +11747,14 @@
 <file path=ppt/slides/slide5.xml><?xml version="1.0" encoding="utf-8"?>
 <p:sld xmlns:a="http://schemas.openxmlformats.org/drawingml/2006/main" xmlns:r="http://schemas.openxmlformats.org/officeDocument/2006/relationships" xmlns:p="http://schemas.openxmlformats.org/presentationml/2006/main">
   <p:cSld>
-    <p:spTree>
-      <p:nvGrpSpPr>
-        <p:cNvPr id="1" name=""/>
-        <p:cNvGrpSpPr/>
-        <p:nvPr/>
-      </p:nvGrpSpPr>
-      <p:grpSpPr>
-        <a:xfrm>
-          <a:off x="0" y="0"/>
-          <a:ext cx="0" cy="0"/>
-          <a:chOff x="0" y="0"/>
-          <a:chExt cx="0" cy="0"/>
-        </a:xfrm>
-      </p:grpSpPr>
-      <p:pic>
-        <p:nvPicPr>
-          <p:cNvPr id="2" name="Picture 1" descr="A screenshot of a cell phone&#10;&#10;Description automatically generated">
-            <a:extLst>
-              <a:ext uri="{FF2B5EF4-FFF2-40B4-BE49-F238E27FC236}">
-                <a16:creationId xmlns:a16="http://schemas.microsoft.com/office/drawing/2014/main" id="{3F63AFD0-5199-4F96-BE8A-BECB9A2E5FCA}"/>
-              </a:ext>
-            </a:extLst>
-          </p:cNvPr>
-          <p:cNvPicPr>
-            <a:picLocks noChangeAspect="1"/>
-          </p:cNvPicPr>
-          <p:nvPr/>
-        </p:nvPicPr>
-        <p:blipFill>
-          <a:blip r:embed="rId2">
-            <a:extLst>
-              <a:ext uri="{28A0092B-C50C-407E-A947-70E740481C1C}">
-                <a14:useLocalDpi xmlns:a14="http://schemas.microsoft.com/office/drawing/2010/main" val="0"/>
-              </a:ext>
-            </a:extLst>
-          </a:blip>
-          <a:stretch>
-            <a:fillRect/>
-          </a:stretch>
-        </p:blipFill>
-        <p:spPr>
-          <a:xfrm>
-            <a:off x="985520" y="2537372"/>
-            <a:ext cx="4754880" cy="3429176"/>
-          </a:xfrm>
-          <a:prstGeom prst="rect">
-            <a:avLst/>
-          </a:prstGeom>
-        </p:spPr>
-      </p:pic>
-      <p:sp>
-        <p:nvSpPr>
-          <p:cNvPr id="4" name="TextBox 3">
-            <a:extLst>
-              <a:ext uri="{FF2B5EF4-FFF2-40B4-BE49-F238E27FC236}">
-                <a16:creationId xmlns:a16="http://schemas.microsoft.com/office/drawing/2014/main" id="{AE384700-7307-414A-8FC3-CF98C8B98B12}"/>
-              </a:ext>
-            </a:extLst>
-          </p:cNvPr>
-          <p:cNvSpPr txBox="1"/>
-          <p:nvPr/>
-        </p:nvSpPr>
-        <p:spPr>
-          <a:xfrm>
-            <a:off x="985520" y="589280"/>
-            <a:ext cx="1571136" cy="369332"/>
-          </a:xfrm>
-          <a:prstGeom prst="rect">
-            <a:avLst/>
-          </a:prstGeom>
-          <a:noFill/>
-        </p:spPr>
-        <p:txBody>
-          <a:bodyPr wrap="none" rtlCol="0">
-            <a:spAutoFit/>
-          </a:bodyPr>
-          <a:lstStyle/>
-          <a:p>
-            <a:r>
-              <a:rPr lang="en-US" dirty="0"/>
-              <a:t>Data Cleansing</a:t>
-            </a:r>
-          </a:p>
-        </p:txBody>
-      </p:sp>
-      <p:sp>
-        <p:nvSpPr>
-          <p:cNvPr id="5" name="TextBox 4">
-            <a:extLst>
-              <a:ext uri="{FF2B5EF4-FFF2-40B4-BE49-F238E27FC236}">
-                <a16:creationId xmlns:a16="http://schemas.microsoft.com/office/drawing/2014/main" id="{5C17709D-F3AB-4A98-B1A6-FD77383764F7}"/>
-              </a:ext>
-            </a:extLst>
-          </p:cNvPr>
-          <p:cNvSpPr txBox="1"/>
-          <p:nvPr/>
-        </p:nvSpPr>
-        <p:spPr>
-          <a:xfrm>
-            <a:off x="1198880" y="1859280"/>
-            <a:ext cx="2079480" cy="369332"/>
-          </a:xfrm>
-          <a:prstGeom prst="rect">
-            <a:avLst/>
-          </a:prstGeom>
-          <a:noFill/>
-        </p:spPr>
-        <p:txBody>
-          <a:bodyPr wrap="none" rtlCol="0">
-            <a:spAutoFit/>
-          </a:bodyPr>
-          <a:lstStyle/>
-          <a:p>
-            <a:r>
-              <a:rPr lang="en-US" dirty="0"/>
-              <a:t>Data Integrity Check</a:t>
-            </a:r>
-          </a:p>
-        </p:txBody>
-      </p:sp>
-    </p:spTree>
-    <p:extLst>
-      <p:ext uri="{BB962C8B-B14F-4D97-AF65-F5344CB8AC3E}">
-        <p14:creationId xmlns:p14="http://schemas.microsoft.com/office/powerpoint/2010/main" val="959446322"/>
-      </p:ext>
-    </p:extLst>
-  </p:cSld>
-  <p:clrMapOvr>
-    <a:masterClrMapping/>
-  </p:clrMapOvr>
-</p:sld>
-</file>
-
-<file path=ppt/slides/slide6.xml><?xml version="1.0" encoding="utf-8"?>
-<p:sld xmlns:a="http://schemas.openxmlformats.org/drawingml/2006/main" xmlns:r="http://schemas.openxmlformats.org/officeDocument/2006/relationships" xmlns:p="http://schemas.openxmlformats.org/presentationml/2006/main">
-  <p:cSld>
+    <p:bg>
+      <p:bgPr>
+        <a:solidFill>
+          <a:schemeClr val="bg1"/>
+        </a:solidFill>
+        <a:effectLst/>
+      </p:bgPr>
+    </p:bg>
     <p:spTree>
       <p:nvGrpSpPr>
         <p:cNvPr id="1" name=""/>
@@ -5577,80 +11771,125 @@
       </p:grpSpPr>
       <p:sp>
         <p:nvSpPr>
-          <p:cNvPr id="2" name="TextBox 1">
+          <p:cNvPr id="9" name="Rectangle 8">
             <a:extLst>
               <a:ext uri="{FF2B5EF4-FFF2-40B4-BE49-F238E27FC236}">
-                <a16:creationId xmlns:a16="http://schemas.microsoft.com/office/drawing/2014/main" id="{DD0D6D82-DFC6-47FA-99CE-C59DBF12617E}"/>
+                <a16:creationId xmlns:a16="http://schemas.microsoft.com/office/drawing/2014/main" id="{A4AC5506-6312-4701-8D3C-40187889A947}"/>
+              </a:ext>
+              <a:ext uri="{C183D7F6-B498-43B3-948B-1728B52AA6E4}">
+                <adec:decorative xmlns:adec="http://schemas.microsoft.com/office/drawing/2017/decorative" val="1"/>
               </a:ext>
             </a:extLst>
           </p:cNvPr>
-          <p:cNvSpPr txBox="1"/>
+          <p:cNvSpPr>
+            <a:spLocks noGrp="1" noRot="1" noChangeAspect="1" noMove="1" noResize="1" noEditPoints="1" noAdjustHandles="1" noChangeArrowheads="1" noChangeShapeType="1" noTextEdit="1"/>
+          </p:cNvSpPr>
+          <p:nvPr>
+            <p:extLst>
+              <p:ext uri="{386F3935-93C4-4BCD-93E2-E3B085C9AB24}">
+                <p16:designElem xmlns:p16="http://schemas.microsoft.com/office/powerpoint/2015/main" val="1"/>
+              </p:ext>
+            </p:extLst>
+          </p:nvPr>
+        </p:nvSpPr>
+        <p:spPr>
+          <a:xfrm>
+            <a:off x="0" y="651752"/>
+            <a:ext cx="12192000" cy="736551"/>
+          </a:xfrm>
+          <a:prstGeom prst="rect">
+            <a:avLst/>
+          </a:prstGeom>
+          <a:solidFill>
+            <a:schemeClr val="tx1"/>
+          </a:solidFill>
+          <a:ln>
+            <a:noFill/>
+          </a:ln>
+        </p:spPr>
+        <p:style>
+          <a:lnRef idx="2">
+            <a:schemeClr val="accent1">
+              <a:shade val="50000"/>
+            </a:schemeClr>
+          </a:lnRef>
+          <a:fillRef idx="1">
+            <a:schemeClr val="accent1"/>
+          </a:fillRef>
+          <a:effectRef idx="0">
+            <a:schemeClr val="accent1"/>
+          </a:effectRef>
+          <a:fontRef idx="minor">
+            <a:schemeClr val="lt1"/>
+          </a:fontRef>
+        </p:style>
+        <p:txBody>
+          <a:bodyPr rtlCol="0" anchor="ctr"/>
+          <a:lstStyle/>
+          <a:p>
+            <a:pPr algn="ctr"/>
+            <a:endParaRPr lang="en-US"/>
+          </a:p>
+        </p:txBody>
+      </p:sp>
+      <p:sp>
+        <p:nvSpPr>
+          <p:cNvPr id="4" name="Rectangle 3">
+            <a:extLst>
+              <a:ext uri="{FF2B5EF4-FFF2-40B4-BE49-F238E27FC236}">
+                <a16:creationId xmlns:a16="http://schemas.microsoft.com/office/drawing/2014/main" id="{BCC343CB-6A77-46D1-B790-A98939AA6433}"/>
+              </a:ext>
+            </a:extLst>
+          </p:cNvPr>
+          <p:cNvSpPr/>
           <p:nvPr/>
         </p:nvSpPr>
         <p:spPr>
           <a:xfrm>
-            <a:off x="629920" y="375920"/>
-            <a:ext cx="1145826" cy="369332"/>
+            <a:off x="556532" y="643467"/>
+            <a:ext cx="11210925" cy="744836"/>
           </a:xfrm>
           <a:prstGeom prst="rect">
             <a:avLst/>
           </a:prstGeom>
-          <a:noFill/>
         </p:spPr>
         <p:txBody>
-          <a:bodyPr wrap="none" rtlCol="0">
-            <a:spAutoFit/>
+          <a:bodyPr vert="horz" lIns="91440" tIns="45720" rIns="91440" bIns="45720" rtlCol="0" anchor="ctr">
+            <a:normAutofit/>
           </a:bodyPr>
           <a:lstStyle/>
           <a:p>
+            <a:pPr algn="ctr">
+              <a:lnSpc>
+                <a:spcPct val="90000"/>
+              </a:lnSpc>
+              <a:spcBef>
+                <a:spcPct val="0"/>
+              </a:spcBef>
+              <a:spcAft>
+                <a:spcPts val="600"/>
+              </a:spcAft>
+            </a:pPr>
             <a:r>
-              <a:rPr lang="en-US" dirty="0"/>
-              <a:t>Deep Dive</a:t>
-            </a:r>
-          </a:p>
-        </p:txBody>
-      </p:sp>
-      <p:sp>
-        <p:nvSpPr>
-          <p:cNvPr id="3" name="TextBox 2">
-            <a:extLst>
-              <a:ext uri="{FF2B5EF4-FFF2-40B4-BE49-F238E27FC236}">
-                <a16:creationId xmlns:a16="http://schemas.microsoft.com/office/drawing/2014/main" id="{BDABF424-640D-4781-94C3-B6C058C50BAF}"/>
-              </a:ext>
-            </a:extLst>
-          </p:cNvPr>
-          <p:cNvSpPr txBox="1"/>
-          <p:nvPr/>
-        </p:nvSpPr>
-        <p:spPr>
-          <a:xfrm>
-            <a:off x="751840" y="1320800"/>
-            <a:ext cx="2905411" cy="369332"/>
-          </a:xfrm>
-          <a:prstGeom prst="rect">
-            <a:avLst/>
-          </a:prstGeom>
-          <a:noFill/>
-        </p:spPr>
-        <p:txBody>
-          <a:bodyPr wrap="none" rtlCol="0">
-            <a:spAutoFit/>
-          </a:bodyPr>
-          <a:lstStyle/>
-          <a:p>
-            <a:r>
-              <a:rPr lang="en-US" dirty="0"/>
-              <a:t>Regression on full population</a:t>
+              <a:rPr lang="en-US" sz="3200" b="1" kern="1200">
+                <a:solidFill>
+                  <a:schemeClr val="bg1"/>
+                </a:solidFill>
+                <a:latin typeface="+mj-lt"/>
+                <a:ea typeface="+mj-ea"/>
+                <a:cs typeface="+mj-cs"/>
+              </a:rPr>
+              <a:t>Understanding Data—Beer Rating Trend(3)</a:t>
             </a:r>
           </a:p>
         </p:txBody>
       </p:sp>
       <p:pic>
         <p:nvPicPr>
-          <p:cNvPr id="5" name="Picture 4" descr="A screenshot of a cell phone&#10;&#10;Description automatically generated">
+          <p:cNvPr id="3" name="Picture 2" descr="A close up of a map&#10;&#10;Description automatically generated">
             <a:extLst>
               <a:ext uri="{FF2B5EF4-FFF2-40B4-BE49-F238E27FC236}">
-                <a16:creationId xmlns:a16="http://schemas.microsoft.com/office/drawing/2014/main" id="{54A5FC27-77A4-4E72-B111-1D0C6B41AAFE}"/>
+                <a16:creationId xmlns:a16="http://schemas.microsoft.com/office/drawing/2014/main" id="{D592AFBE-8CEE-4082-B179-A188C3CDC14D}"/>
               </a:ext>
             </a:extLst>
           </p:cNvPr>
@@ -5673,44 +11912,8 @@
         </p:blipFill>
         <p:spPr>
           <a:xfrm>
-            <a:off x="1274982" y="1690132"/>
-            <a:ext cx="5033078" cy="4924028"/>
-          </a:xfrm>
-          <a:prstGeom prst="rect">
-            <a:avLst/>
-          </a:prstGeom>
-        </p:spPr>
-      </p:pic>
-      <p:pic>
-        <p:nvPicPr>
-          <p:cNvPr id="11" name="Picture 10" descr="A screenshot of a cell phone&#10;&#10;Description automatically generated">
-            <a:extLst>
-              <a:ext uri="{FF2B5EF4-FFF2-40B4-BE49-F238E27FC236}">
-                <a16:creationId xmlns:a16="http://schemas.microsoft.com/office/drawing/2014/main" id="{CB008058-8638-460E-84A0-AC26BE46257B}"/>
-              </a:ext>
-            </a:extLst>
-          </p:cNvPr>
-          <p:cNvPicPr>
-            <a:picLocks noChangeAspect="1"/>
-          </p:cNvPicPr>
-          <p:nvPr/>
-        </p:nvPicPr>
-        <p:blipFill>
-          <a:blip r:embed="rId3">
-            <a:extLst>
-              <a:ext uri="{28A0092B-C50C-407E-A947-70E740481C1C}">
-                <a14:useLocalDpi xmlns:a14="http://schemas.microsoft.com/office/drawing/2010/main" val="0"/>
-              </a:ext>
-            </a:extLst>
-          </a:blip>
-          <a:stretch>
-            <a:fillRect/>
-          </a:stretch>
-        </p:blipFill>
-        <p:spPr>
-          <a:xfrm>
-            <a:off x="6096000" y="1705372"/>
-            <a:ext cx="6106344" cy="4756388"/>
+            <a:off x="2027295" y="1675227"/>
+            <a:ext cx="8137409" cy="4394199"/>
           </a:xfrm>
           <a:prstGeom prst="rect">
             <a:avLst/>
@@ -5720,7 +11923,7 @@
     </p:spTree>
     <p:extLst>
       <p:ext uri="{BB962C8B-B14F-4D97-AF65-F5344CB8AC3E}">
-        <p14:creationId xmlns:p14="http://schemas.microsoft.com/office/powerpoint/2010/main" val="1184446351"/>
+        <p14:creationId xmlns:p14="http://schemas.microsoft.com/office/powerpoint/2010/main" val="3117606274"/>
       </p:ext>
     </p:extLst>
   </p:cSld>
@@ -5730,9 +11933,17 @@
 </p:sld>
 </file>
 
-<file path=ppt/slides/slide7.xml><?xml version="1.0" encoding="utf-8"?>
+<file path=ppt/slides/slide6.xml><?xml version="1.0" encoding="utf-8"?>
 <p:sld xmlns:a="http://schemas.openxmlformats.org/drawingml/2006/main" xmlns:r="http://schemas.openxmlformats.org/officeDocument/2006/relationships" xmlns:p="http://schemas.openxmlformats.org/presentationml/2006/main">
   <p:cSld>
+    <p:bg>
+      <p:bgPr>
+        <a:solidFill>
+          <a:schemeClr val="bg1"/>
+        </a:solidFill>
+        <a:effectLst/>
+      </p:bgPr>
+    </p:bg>
     <p:spTree>
       <p:nvGrpSpPr>
         <p:cNvPr id="1" name=""/>
@@ -5747,12 +11958,127 @@
           <a:chExt cx="0" cy="0"/>
         </a:xfrm>
       </p:grpSpPr>
+      <p:sp>
+        <p:nvSpPr>
+          <p:cNvPr id="9" name="Rectangle 8">
+            <a:extLst>
+              <a:ext uri="{FF2B5EF4-FFF2-40B4-BE49-F238E27FC236}">
+                <a16:creationId xmlns:a16="http://schemas.microsoft.com/office/drawing/2014/main" id="{A4AC5506-6312-4701-8D3C-40187889A947}"/>
+              </a:ext>
+              <a:ext uri="{C183D7F6-B498-43B3-948B-1728B52AA6E4}">
+                <adec:decorative xmlns:adec="http://schemas.microsoft.com/office/drawing/2017/decorative" val="1"/>
+              </a:ext>
+            </a:extLst>
+          </p:cNvPr>
+          <p:cNvSpPr>
+            <a:spLocks noGrp="1" noRot="1" noChangeAspect="1" noMove="1" noResize="1" noEditPoints="1" noAdjustHandles="1" noChangeArrowheads="1" noChangeShapeType="1" noTextEdit="1"/>
+          </p:cNvSpPr>
+          <p:nvPr>
+            <p:extLst>
+              <p:ext uri="{386F3935-93C4-4BCD-93E2-E3B085C9AB24}">
+                <p16:designElem xmlns:p16="http://schemas.microsoft.com/office/powerpoint/2015/main" val="1"/>
+              </p:ext>
+            </p:extLst>
+          </p:nvPr>
+        </p:nvSpPr>
+        <p:spPr>
+          <a:xfrm>
+            <a:off x="0" y="651752"/>
+            <a:ext cx="12192000" cy="736551"/>
+          </a:xfrm>
+          <a:prstGeom prst="rect">
+            <a:avLst/>
+          </a:prstGeom>
+          <a:solidFill>
+            <a:schemeClr val="tx1"/>
+          </a:solidFill>
+          <a:ln>
+            <a:noFill/>
+          </a:ln>
+        </p:spPr>
+        <p:style>
+          <a:lnRef idx="2">
+            <a:schemeClr val="accent1">
+              <a:shade val="50000"/>
+            </a:schemeClr>
+          </a:lnRef>
+          <a:fillRef idx="1">
+            <a:schemeClr val="accent1"/>
+          </a:fillRef>
+          <a:effectRef idx="0">
+            <a:schemeClr val="accent1"/>
+          </a:effectRef>
+          <a:fontRef idx="minor">
+            <a:schemeClr val="lt1"/>
+          </a:fontRef>
+        </p:style>
+        <p:txBody>
+          <a:bodyPr rtlCol="0" anchor="ctr"/>
+          <a:lstStyle/>
+          <a:p>
+            <a:pPr algn="ctr"/>
+            <a:endParaRPr lang="en-US"/>
+          </a:p>
+        </p:txBody>
+      </p:sp>
+      <p:sp>
+        <p:nvSpPr>
+          <p:cNvPr id="4" name="Rectangle 3">
+            <a:extLst>
+              <a:ext uri="{FF2B5EF4-FFF2-40B4-BE49-F238E27FC236}">
+                <a16:creationId xmlns:a16="http://schemas.microsoft.com/office/drawing/2014/main" id="{011EB8C8-8663-4B32-B0FE-A00CBD6EC765}"/>
+              </a:ext>
+            </a:extLst>
+          </p:cNvPr>
+          <p:cNvSpPr/>
+          <p:nvPr/>
+        </p:nvSpPr>
+        <p:spPr>
+          <a:xfrm>
+            <a:off x="556532" y="643467"/>
+            <a:ext cx="11210925" cy="744836"/>
+          </a:xfrm>
+          <a:prstGeom prst="rect">
+            <a:avLst/>
+          </a:prstGeom>
+        </p:spPr>
+        <p:txBody>
+          <a:bodyPr vert="horz" lIns="91440" tIns="45720" rIns="91440" bIns="45720" rtlCol="0" anchor="ctr">
+            <a:normAutofit/>
+          </a:bodyPr>
+          <a:lstStyle/>
+          <a:p>
+            <a:pPr algn="ctr">
+              <a:lnSpc>
+                <a:spcPct val="90000"/>
+              </a:lnSpc>
+              <a:spcBef>
+                <a:spcPct val="0"/>
+              </a:spcBef>
+              <a:spcAft>
+                <a:spcPts val="600"/>
+              </a:spcAft>
+            </a:pPr>
+            <a:r>
+              <a:rPr lang="en-US" sz="3200" b="1" kern="1200">
+                <a:solidFill>
+                  <a:schemeClr val="bg1"/>
+                </a:solidFill>
+                <a:latin typeface="+mj-lt"/>
+                <a:ea typeface="+mj-ea"/>
+                <a:cs typeface="+mj-cs"/>
+              </a:rPr>
+              <a:t>Understanding Data—Beer Rating Trend(4)</a:t>
+            </a:r>
+          </a:p>
+        </p:txBody>
+      </p:sp>
       <p:pic>
         <p:nvPicPr>
-          <p:cNvPr id="3" name="Picture 2" descr="A screenshot of a cell phone&#10;&#10;Description automatically generated">
+          <p:cNvPr id="3" name="Picture 2" descr="A close up of a map&#10;&#10;Description automatically generated">
             <a:extLst>
               <a:ext uri="{FF2B5EF4-FFF2-40B4-BE49-F238E27FC236}">
-                <a16:creationId xmlns:a16="http://schemas.microsoft.com/office/drawing/2014/main" id="{9F8F3FC5-F286-49F8-938A-E126D8BA3295}"/>
+                <a16:creationId xmlns:a16="http://schemas.microsoft.com/office/drawing/2014/main" id="{46B268BD-3F06-495B-A8C9-FFE0B1B85CB8}"/>
               </a:ext>
             </a:extLst>
           </p:cNvPr>
@@ -5775,44 +12101,8 @@
         </p:blipFill>
         <p:spPr>
           <a:xfrm>
-            <a:off x="176752" y="1419447"/>
-            <a:ext cx="5329967" cy="5320825"/>
-          </a:xfrm>
-          <a:prstGeom prst="rect">
-            <a:avLst/>
-          </a:prstGeom>
-        </p:spPr>
-      </p:pic>
-      <p:pic>
-        <p:nvPicPr>
-          <p:cNvPr id="5" name="Picture 4" descr="A close up of a piece of paper&#10;&#10;Description automatically generated">
-            <a:extLst>
-              <a:ext uri="{FF2B5EF4-FFF2-40B4-BE49-F238E27FC236}">
-                <a16:creationId xmlns:a16="http://schemas.microsoft.com/office/drawing/2014/main" id="{CBEB24BA-5075-4424-A815-94BF2FA417B0}"/>
-              </a:ext>
-            </a:extLst>
-          </p:cNvPr>
-          <p:cNvPicPr>
-            <a:picLocks noChangeAspect="1"/>
-          </p:cNvPicPr>
-          <p:nvPr/>
-        </p:nvPicPr>
-        <p:blipFill>
-          <a:blip r:embed="rId3">
-            <a:extLst>
-              <a:ext uri="{28A0092B-C50C-407E-A947-70E740481C1C}">
-                <a14:useLocalDpi xmlns:a14="http://schemas.microsoft.com/office/drawing/2010/main" val="0"/>
-              </a:ext>
-            </a:extLst>
-          </a:blip>
-          <a:stretch>
-            <a:fillRect/>
-          </a:stretch>
-        </p:blipFill>
-        <p:spPr>
-          <a:xfrm>
-            <a:off x="5506719" y="1419446"/>
-            <a:ext cx="6410153" cy="4991513"/>
+            <a:off x="2137260" y="1675227"/>
+            <a:ext cx="7917479" cy="4394199"/>
           </a:xfrm>
           <a:prstGeom prst="rect">
             <a:avLst/>
@@ -5822,7 +12112,196 @@
     </p:spTree>
     <p:extLst>
       <p:ext uri="{BB962C8B-B14F-4D97-AF65-F5344CB8AC3E}">
-        <p14:creationId xmlns:p14="http://schemas.microsoft.com/office/powerpoint/2010/main" val="1016048426"/>
+        <p14:creationId xmlns:p14="http://schemas.microsoft.com/office/powerpoint/2010/main" val="3848664793"/>
+      </p:ext>
+    </p:extLst>
+  </p:cSld>
+  <p:clrMapOvr>
+    <a:masterClrMapping/>
+  </p:clrMapOvr>
+</p:sld>
+</file>
+
+<file path=ppt/slides/slide7.xml><?xml version="1.0" encoding="utf-8"?>
+<p:sld xmlns:a="http://schemas.openxmlformats.org/drawingml/2006/main" xmlns:r="http://schemas.openxmlformats.org/officeDocument/2006/relationships" xmlns:p="http://schemas.openxmlformats.org/presentationml/2006/main">
+  <p:cSld>
+    <p:bg>
+      <p:bgPr>
+        <a:solidFill>
+          <a:schemeClr val="bg1"/>
+        </a:solidFill>
+        <a:effectLst/>
+      </p:bgPr>
+    </p:bg>
+    <p:spTree>
+      <p:nvGrpSpPr>
+        <p:cNvPr id="1" name=""/>
+        <p:cNvGrpSpPr/>
+        <p:nvPr/>
+      </p:nvGrpSpPr>
+      <p:grpSpPr>
+        <a:xfrm>
+          <a:off x="0" y="0"/>
+          <a:ext cx="0" cy="0"/>
+          <a:chOff x="0" y="0"/>
+          <a:chExt cx="0" cy="0"/>
+        </a:xfrm>
+      </p:grpSpPr>
+      <p:sp>
+        <p:nvSpPr>
+          <p:cNvPr id="9" name="Rectangle 8">
+            <a:extLst>
+              <a:ext uri="{FF2B5EF4-FFF2-40B4-BE49-F238E27FC236}">
+                <a16:creationId xmlns:a16="http://schemas.microsoft.com/office/drawing/2014/main" id="{A4AC5506-6312-4701-8D3C-40187889A947}"/>
+              </a:ext>
+              <a:ext uri="{C183D7F6-B498-43B3-948B-1728B52AA6E4}">
+                <adec:decorative xmlns:adec="http://schemas.microsoft.com/office/drawing/2017/decorative" val="1"/>
+              </a:ext>
+            </a:extLst>
+          </p:cNvPr>
+          <p:cNvSpPr>
+            <a:spLocks noGrp="1" noRot="1" noChangeAspect="1" noMove="1" noResize="1" noEditPoints="1" noAdjustHandles="1" noChangeArrowheads="1" noChangeShapeType="1" noTextEdit="1"/>
+          </p:cNvSpPr>
+          <p:nvPr>
+            <p:extLst>
+              <p:ext uri="{386F3935-93C4-4BCD-93E2-E3B085C9AB24}">
+                <p16:designElem xmlns:p16="http://schemas.microsoft.com/office/powerpoint/2015/main" val="1"/>
+              </p:ext>
+            </p:extLst>
+          </p:nvPr>
+        </p:nvSpPr>
+        <p:spPr>
+          <a:xfrm>
+            <a:off x="0" y="651752"/>
+            <a:ext cx="12192000" cy="736551"/>
+          </a:xfrm>
+          <a:prstGeom prst="rect">
+            <a:avLst/>
+          </a:prstGeom>
+          <a:solidFill>
+            <a:schemeClr val="tx1"/>
+          </a:solidFill>
+          <a:ln>
+            <a:noFill/>
+          </a:ln>
+        </p:spPr>
+        <p:style>
+          <a:lnRef idx="2">
+            <a:schemeClr val="accent1">
+              <a:shade val="50000"/>
+            </a:schemeClr>
+          </a:lnRef>
+          <a:fillRef idx="1">
+            <a:schemeClr val="accent1"/>
+          </a:fillRef>
+          <a:effectRef idx="0">
+            <a:schemeClr val="accent1"/>
+          </a:effectRef>
+          <a:fontRef idx="minor">
+            <a:schemeClr val="lt1"/>
+          </a:fontRef>
+        </p:style>
+        <p:txBody>
+          <a:bodyPr rtlCol="0" anchor="ctr"/>
+          <a:lstStyle/>
+          <a:p>
+            <a:pPr algn="ctr"/>
+            <a:endParaRPr lang="en-US"/>
+          </a:p>
+        </p:txBody>
+      </p:sp>
+      <p:sp>
+        <p:nvSpPr>
+          <p:cNvPr id="4" name="TextBox 3">
+            <a:extLst>
+              <a:ext uri="{FF2B5EF4-FFF2-40B4-BE49-F238E27FC236}">
+                <a16:creationId xmlns:a16="http://schemas.microsoft.com/office/drawing/2014/main" id="{F1E8A9C6-3DA8-4A2F-A57B-59CA2E8736FA}"/>
+              </a:ext>
+            </a:extLst>
+          </p:cNvPr>
+          <p:cNvSpPr txBox="1"/>
+          <p:nvPr/>
+        </p:nvSpPr>
+        <p:spPr>
+          <a:xfrm>
+            <a:off x="556532" y="643467"/>
+            <a:ext cx="11210925" cy="744836"/>
+          </a:xfrm>
+          <a:prstGeom prst="rect">
+            <a:avLst/>
+          </a:prstGeom>
+        </p:spPr>
+        <p:txBody>
+          <a:bodyPr vert="horz" lIns="91440" tIns="45720" rIns="91440" bIns="45720" rtlCol="0" anchor="ctr">
+            <a:normAutofit/>
+          </a:bodyPr>
+          <a:lstStyle/>
+          <a:p>
+            <a:pPr algn="ctr">
+              <a:lnSpc>
+                <a:spcPct val="90000"/>
+              </a:lnSpc>
+              <a:spcBef>
+                <a:spcPct val="0"/>
+              </a:spcBef>
+              <a:spcAft>
+                <a:spcPts val="600"/>
+              </a:spcAft>
+            </a:pPr>
+            <a:r>
+              <a:rPr lang="en-US" sz="3200" b="1" kern="1200" dirty="0">
+                <a:solidFill>
+                  <a:schemeClr val="bg1"/>
+                </a:solidFill>
+                <a:latin typeface="+mj-lt"/>
+                <a:ea typeface="+mj-ea"/>
+                <a:cs typeface="+mj-cs"/>
+              </a:rPr>
+              <a:t>Deep Dive</a:t>
+            </a:r>
+          </a:p>
+        </p:txBody>
+      </p:sp>
+      <p:pic>
+        <p:nvPicPr>
+          <p:cNvPr id="3" name="Picture 2" descr="A screenshot of a social media post&#10;&#10;Description automatically generated">
+            <a:extLst>
+              <a:ext uri="{FF2B5EF4-FFF2-40B4-BE49-F238E27FC236}">
+                <a16:creationId xmlns:a16="http://schemas.microsoft.com/office/drawing/2014/main" id="{7F83A158-5250-4521-9841-E5A15410E67B}"/>
+              </a:ext>
+            </a:extLst>
+          </p:cNvPr>
+          <p:cNvPicPr>
+            <a:picLocks noChangeAspect="1"/>
+          </p:cNvPicPr>
+          <p:nvPr/>
+        </p:nvPicPr>
+        <p:blipFill>
+          <a:blip r:embed="rId2">
+            <a:extLst>
+              <a:ext uri="{28A0092B-C50C-407E-A947-70E740481C1C}">
+                <a14:useLocalDpi xmlns:a14="http://schemas.microsoft.com/office/drawing/2010/main" val="0"/>
+              </a:ext>
+            </a:extLst>
+          </a:blip>
+          <a:stretch>
+            <a:fillRect/>
+          </a:stretch>
+        </p:blipFill>
+        <p:spPr>
+          <a:xfrm>
+            <a:off x="2566522" y="1675227"/>
+            <a:ext cx="7058956" cy="4394199"/>
+          </a:xfrm>
+          <a:prstGeom prst="rect">
+            <a:avLst/>
+          </a:prstGeom>
+        </p:spPr>
+      </p:pic>
+    </p:spTree>
+    <p:extLst>
+      <p:ext uri="{BB962C8B-B14F-4D97-AF65-F5344CB8AC3E}">
+        <p14:creationId xmlns:p14="http://schemas.microsoft.com/office/powerpoint/2010/main" val="2801902698"/>
       </p:ext>
     </p:extLst>
   </p:cSld>
@@ -5851,10 +12330,10 @@
       </p:grpSpPr>
       <p:pic>
         <p:nvPicPr>
-          <p:cNvPr id="3" name="Picture 2" descr="A screenshot of a cell phone&#10;&#10;Description automatically generated">
+          <p:cNvPr id="3" name="Picture 2" descr="A picture containing drawing&#10;&#10;Description automatically generated">
             <a:extLst>
               <a:ext uri="{FF2B5EF4-FFF2-40B4-BE49-F238E27FC236}">
-                <a16:creationId xmlns:a16="http://schemas.microsoft.com/office/drawing/2014/main" id="{C19B70C7-AA85-4DFF-BE3A-0B00C1994243}"/>
+                <a16:creationId xmlns:a16="http://schemas.microsoft.com/office/drawing/2014/main" id="{36B505A8-C729-435C-B16E-A877B4155EFE}"/>
               </a:ext>
             </a:extLst>
           </p:cNvPr>
@@ -5877,8 +12356,153 @@
         </p:blipFill>
         <p:spPr>
           <a:xfrm>
-            <a:off x="0" y="1475010"/>
-            <a:ext cx="5191760" cy="5103313"/>
+            <a:off x="1607006" y="1155626"/>
+            <a:ext cx="8977988" cy="5679257"/>
+          </a:xfrm>
+          <a:prstGeom prst="rect">
+            <a:avLst/>
+          </a:prstGeom>
+        </p:spPr>
+      </p:pic>
+      <p:sp>
+        <p:nvSpPr>
+          <p:cNvPr id="4" name="TextBox 3">
+            <a:extLst>
+              <a:ext uri="{FF2B5EF4-FFF2-40B4-BE49-F238E27FC236}">
+                <a16:creationId xmlns:a16="http://schemas.microsoft.com/office/drawing/2014/main" id="{BDBD785D-3C22-439F-98F4-91CD95AEFC07}"/>
+              </a:ext>
+            </a:extLst>
+          </p:cNvPr>
+          <p:cNvSpPr txBox="1"/>
+          <p:nvPr/>
+        </p:nvSpPr>
+        <p:spPr>
+          <a:xfrm>
+            <a:off x="-164386" y="437564"/>
+            <a:ext cx="12192000" cy="461665"/>
+          </a:xfrm>
+          <a:prstGeom prst="rect">
+            <a:avLst/>
+          </a:prstGeom>
+          <a:solidFill>
+            <a:schemeClr val="bg2">
+              <a:lumMod val="25000"/>
+            </a:schemeClr>
+          </a:solidFill>
+        </p:spPr>
+        <p:txBody>
+          <a:bodyPr wrap="square" rtlCol="0">
+            <a:spAutoFit/>
+          </a:bodyPr>
+          <a:lstStyle/>
+          <a:p>
+            <a:pPr algn="ctr"/>
+            <a:r>
+              <a:rPr lang="en-US" sz="2400" dirty="0">
+                <a:solidFill>
+                  <a:schemeClr val="bg1"/>
+                </a:solidFill>
+              </a:rPr>
+              <a:t>Deep Dive</a:t>
+            </a:r>
+          </a:p>
+        </p:txBody>
+      </p:sp>
+    </p:spTree>
+    <p:extLst>
+      <p:ext uri="{BB962C8B-B14F-4D97-AF65-F5344CB8AC3E}">
+        <p14:creationId xmlns:p14="http://schemas.microsoft.com/office/powerpoint/2010/main" val="1848423382"/>
+      </p:ext>
+    </p:extLst>
+  </p:cSld>
+  <p:clrMapOvr>
+    <a:masterClrMapping/>
+  </p:clrMapOvr>
+</p:sld>
+</file>
+
+<file path=ppt/slides/slide9.xml><?xml version="1.0" encoding="utf-8"?>
+<p:sld xmlns:a="http://schemas.openxmlformats.org/drawingml/2006/main" xmlns:r="http://schemas.openxmlformats.org/officeDocument/2006/relationships" xmlns:p="http://schemas.openxmlformats.org/presentationml/2006/main">
+  <p:cSld>
+    <p:spTree>
+      <p:nvGrpSpPr>
+        <p:cNvPr id="1" name=""/>
+        <p:cNvGrpSpPr/>
+        <p:nvPr/>
+      </p:nvGrpSpPr>
+      <p:grpSpPr>
+        <a:xfrm>
+          <a:off x="0" y="0"/>
+          <a:ext cx="0" cy="0"/>
+          <a:chOff x="0" y="0"/>
+          <a:chExt cx="0" cy="0"/>
+        </a:xfrm>
+      </p:grpSpPr>
+      <p:sp>
+        <p:nvSpPr>
+          <p:cNvPr id="3" name="TextBox 2">
+            <a:extLst>
+              <a:ext uri="{FF2B5EF4-FFF2-40B4-BE49-F238E27FC236}">
+                <a16:creationId xmlns:a16="http://schemas.microsoft.com/office/drawing/2014/main" id="{BDABF424-640D-4781-94C3-B6C058C50BAF}"/>
+              </a:ext>
+            </a:extLst>
+          </p:cNvPr>
+          <p:cNvSpPr txBox="1"/>
+          <p:nvPr/>
+        </p:nvSpPr>
+        <p:spPr>
+          <a:xfrm>
+            <a:off x="4455458" y="1030942"/>
+            <a:ext cx="7380369" cy="461665"/>
+          </a:xfrm>
+          <a:prstGeom prst="rect">
+            <a:avLst/>
+          </a:prstGeom>
+          <a:noFill/>
+        </p:spPr>
+        <p:txBody>
+          <a:bodyPr wrap="square" rtlCol="0">
+            <a:spAutoFit/>
+          </a:bodyPr>
+          <a:lstStyle/>
+          <a:p>
+            <a:r>
+              <a:rPr lang="en-US" sz="2400" b="1" dirty="0"/>
+              <a:t>Regression on full population</a:t>
+            </a:r>
+          </a:p>
+        </p:txBody>
+      </p:sp>
+      <p:pic>
+        <p:nvPicPr>
+          <p:cNvPr id="5" name="Picture 4" descr="A screenshot of a cell phone&#10;&#10;Description automatically generated">
+            <a:extLst>
+              <a:ext uri="{FF2B5EF4-FFF2-40B4-BE49-F238E27FC236}">
+                <a16:creationId xmlns:a16="http://schemas.microsoft.com/office/drawing/2014/main" id="{54A5FC27-77A4-4E72-B111-1D0C6B41AAFE}"/>
+              </a:ext>
+            </a:extLst>
+          </p:cNvPr>
+          <p:cNvPicPr>
+            <a:picLocks noChangeAspect="1"/>
+          </p:cNvPicPr>
+          <p:nvPr/>
+        </p:nvPicPr>
+        <p:blipFill>
+          <a:blip r:embed="rId2">
+            <a:extLst>
+              <a:ext uri="{28A0092B-C50C-407E-A947-70E740481C1C}">
+                <a14:useLocalDpi xmlns:a14="http://schemas.microsoft.com/office/drawing/2010/main" val="0"/>
+              </a:ext>
+            </a:extLst>
+          </a:blip>
+          <a:stretch>
+            <a:fillRect/>
+          </a:stretch>
+        </p:blipFill>
+        <p:spPr>
+          <a:xfrm>
+            <a:off x="842158" y="1423877"/>
+            <a:ext cx="5033078" cy="4924028"/>
           </a:xfrm>
           <a:prstGeom prst="rect">
             <a:avLst/>
@@ -5887,10 +12511,10 @@
       </p:pic>
       <p:pic>
         <p:nvPicPr>
-          <p:cNvPr id="5" name="Picture 4" descr="A close up of a piece of paper&#10;&#10;Description automatically generated">
+          <p:cNvPr id="11" name="Picture 10" descr="A screenshot of a cell phone&#10;&#10;Description automatically generated">
             <a:extLst>
               <a:ext uri="{FF2B5EF4-FFF2-40B4-BE49-F238E27FC236}">
-                <a16:creationId xmlns:a16="http://schemas.microsoft.com/office/drawing/2014/main" id="{1CBB3BC1-2F86-4B5A-8555-4BDB879E7708}"/>
+                <a16:creationId xmlns:a16="http://schemas.microsoft.com/office/drawing/2014/main" id="{CB008058-8638-460E-84A0-AC26BE46257B}"/>
               </a:ext>
             </a:extLst>
           </p:cNvPr>
@@ -5913,18 +12537,62 @@
         </p:blipFill>
         <p:spPr>
           <a:xfrm>
-            <a:off x="5191759" y="1547502"/>
-            <a:ext cx="6387467" cy="4883778"/>
+            <a:off x="5875236" y="1423877"/>
+            <a:ext cx="6106344" cy="4756388"/>
           </a:xfrm>
           <a:prstGeom prst="rect">
             <a:avLst/>
           </a:prstGeom>
         </p:spPr>
       </p:pic>
+      <p:sp>
+        <p:nvSpPr>
+          <p:cNvPr id="8" name="TextBox 7">
+            <a:extLst>
+              <a:ext uri="{FF2B5EF4-FFF2-40B4-BE49-F238E27FC236}">
+                <a16:creationId xmlns:a16="http://schemas.microsoft.com/office/drawing/2014/main" id="{AE9A137A-BBAA-40AA-B9FD-EFA576227576}"/>
+              </a:ext>
+            </a:extLst>
+          </p:cNvPr>
+          <p:cNvSpPr txBox="1"/>
+          <p:nvPr/>
+        </p:nvSpPr>
+        <p:spPr>
+          <a:xfrm>
+            <a:off x="0" y="446902"/>
+            <a:ext cx="12192000" cy="461665"/>
+          </a:xfrm>
+          <a:prstGeom prst="rect">
+            <a:avLst/>
+          </a:prstGeom>
+          <a:solidFill>
+            <a:schemeClr val="bg2">
+              <a:lumMod val="25000"/>
+            </a:schemeClr>
+          </a:solidFill>
+        </p:spPr>
+        <p:txBody>
+          <a:bodyPr wrap="square" rtlCol="0">
+            <a:spAutoFit/>
+          </a:bodyPr>
+          <a:lstStyle/>
+          <a:p>
+            <a:pPr algn="ctr"/>
+            <a:r>
+              <a:rPr lang="en-US" sz="2400" dirty="0">
+                <a:solidFill>
+                  <a:schemeClr val="bg1"/>
+                </a:solidFill>
+              </a:rPr>
+              <a:t>Deep Dive</a:t>
+            </a:r>
+          </a:p>
+        </p:txBody>
+      </p:sp>
     </p:spTree>
     <p:extLst>
       <p:ext uri="{BB962C8B-B14F-4D97-AF65-F5344CB8AC3E}">
-        <p14:creationId xmlns:p14="http://schemas.microsoft.com/office/powerpoint/2010/main" val="2361926307"/>
+        <p14:creationId xmlns:p14="http://schemas.microsoft.com/office/powerpoint/2010/main" val="1184446351"/>
       </p:ext>
     </p:extLst>
   </p:cSld>
@@ -6227,4 +12895,299 @@
     </a:ext>
   </a:extLst>
 </a:theme>
+</file>
+
+<file path=ppt/theme/theme2.xml><?xml version="1.0" encoding="utf-8"?>
+<a:theme xmlns:a="http://schemas.openxmlformats.org/drawingml/2006/main" name="Office Theme">
+  <a:themeElements>
+    <a:clrScheme name="Office">
+      <a:dk1>
+        <a:sysClr val="windowText" lastClr="000000"/>
+      </a:dk1>
+      <a:lt1>
+        <a:sysClr val="window" lastClr="FFFFFF"/>
+      </a:lt1>
+      <a:dk2>
+        <a:srgbClr val="44546A"/>
+      </a:dk2>
+      <a:lt2>
+        <a:srgbClr val="E7E6E6"/>
+      </a:lt2>
+      <a:accent1>
+        <a:srgbClr val="4472C4"/>
+      </a:accent1>
+      <a:accent2>
+        <a:srgbClr val="ED7D31"/>
+      </a:accent2>
+      <a:accent3>
+        <a:srgbClr val="A5A5A5"/>
+      </a:accent3>
+      <a:accent4>
+        <a:srgbClr val="FFC000"/>
+      </a:accent4>
+      <a:accent5>
+        <a:srgbClr val="5B9BD5"/>
+      </a:accent5>
+      <a:accent6>
+        <a:srgbClr val="70AD47"/>
+      </a:accent6>
+      <a:hlink>
+        <a:srgbClr val="0563C1"/>
+      </a:hlink>
+      <a:folHlink>
+        <a:srgbClr val="954F72"/>
+      </a:folHlink>
+    </a:clrScheme>
+    <a:fontScheme name="Office">
+      <a:majorFont>
+        <a:latin typeface="Calibri Light" panose="020F0302020204030204"/>
+        <a:ea typeface=""/>
+        <a:cs typeface=""/>
+        <a:font script="Jpan" typeface="游ゴシック Light"/>
+        <a:font script="Hang" typeface="맑은 고딕"/>
+        <a:font script="Hans" typeface="等线 Light"/>
+        <a:font script="Hant" typeface="新細明體"/>
+        <a:font script="Arab" typeface="Times New Roman"/>
+        <a:font script="Hebr" typeface="Times New Roman"/>
+        <a:font script="Thai" typeface="Angsana New"/>
+        <a:font script="Ethi" typeface="Nyala"/>
+        <a:font script="Beng" typeface="Vrinda"/>
+        <a:font script="Gujr" typeface="Shruti"/>
+        <a:font script="Khmr" typeface="MoolBoran"/>
+        <a:font script="Knda" typeface="Tunga"/>
+        <a:font script="Guru" typeface="Raavi"/>
+        <a:font script="Cans" typeface="Euphemia"/>
+        <a:font script="Cher" typeface="Plantagenet Cherokee"/>
+        <a:font script="Yiii" typeface="Microsoft Yi Baiti"/>
+        <a:font script="Tibt" typeface="Microsoft Himalaya"/>
+        <a:font script="Thaa" typeface="MV Boli"/>
+        <a:font script="Deva" typeface="Mangal"/>
+        <a:font script="Telu" typeface="Gautami"/>
+        <a:font script="Taml" typeface="Latha"/>
+        <a:font script="Syrc" typeface="Estrangelo Edessa"/>
+        <a:font script="Orya" typeface="Kalinga"/>
+        <a:font script="Mlym" typeface="Kartika"/>
+        <a:font script="Laoo" typeface="DokChampa"/>
+        <a:font script="Sinh" typeface="Iskoola Pota"/>
+        <a:font script="Mong" typeface="Mongolian Baiti"/>
+        <a:font script="Viet" typeface="Times New Roman"/>
+        <a:font script="Uigh" typeface="Microsoft Uighur"/>
+        <a:font script="Geor" typeface="Sylfaen"/>
+        <a:font script="Armn" typeface="Arial"/>
+        <a:font script="Bugi" typeface="Leelawadee UI"/>
+        <a:font script="Bopo" typeface="Microsoft JhengHei"/>
+        <a:font script="Java" typeface="Javanese Text"/>
+        <a:font script="Lisu" typeface="Segoe UI"/>
+        <a:font script="Mymr" typeface="Myanmar Text"/>
+        <a:font script="Nkoo" typeface="Ebrima"/>
+        <a:font script="Olck" typeface="Nirmala UI"/>
+        <a:font script="Osma" typeface="Ebrima"/>
+        <a:font script="Phag" typeface="Phagspa"/>
+        <a:font script="Syrn" typeface="Estrangelo Edessa"/>
+        <a:font script="Syrj" typeface="Estrangelo Edessa"/>
+        <a:font script="Syre" typeface="Estrangelo Edessa"/>
+        <a:font script="Sora" typeface="Nirmala UI"/>
+        <a:font script="Tale" typeface="Microsoft Tai Le"/>
+        <a:font script="Talu" typeface="Microsoft New Tai Lue"/>
+        <a:font script="Tfng" typeface="Ebrima"/>
+      </a:majorFont>
+      <a:minorFont>
+        <a:latin typeface="Calibri" panose="020F0502020204030204"/>
+        <a:ea typeface=""/>
+        <a:cs typeface=""/>
+        <a:font script="Jpan" typeface="游ゴシック"/>
+        <a:font script="Hang" typeface="맑은 고딕"/>
+        <a:font script="Hans" typeface="等线"/>
+        <a:font script="Hant" typeface="新細明體"/>
+        <a:font script="Arab" typeface="Arial"/>
+        <a:font script="Hebr" typeface="Arial"/>
+        <a:font script="Thai" typeface="Cordia New"/>
+        <a:font script="Ethi" typeface="Nyala"/>
+        <a:font script="Beng" typeface="Vrinda"/>
+        <a:font script="Gujr" typeface="Shruti"/>
+        <a:font script="Khmr" typeface="DaunPenh"/>
+        <a:font script="Knda" typeface="Tunga"/>
+        <a:font script="Guru" typeface="Raavi"/>
+        <a:font script="Cans" typeface="Euphemia"/>
+        <a:font script="Cher" typeface="Plantagenet Cherokee"/>
+        <a:font script="Yiii" typeface="Microsoft Yi Baiti"/>
+        <a:font script="Tibt" typeface="Microsoft Himalaya"/>
+        <a:font script="Thaa" typeface="MV Boli"/>
+        <a:font script="Deva" typeface="Mangal"/>
+        <a:font script="Telu" typeface="Gautami"/>
+        <a:font script="Taml" typeface="Latha"/>
+        <a:font script="Syrc" typeface="Estrangelo Edessa"/>
+        <a:font script="Orya" typeface="Kalinga"/>
+        <a:font script="Mlym" typeface="Kartika"/>
+        <a:font script="Laoo" typeface="DokChampa"/>
+        <a:font script="Sinh" typeface="Iskoola Pota"/>
+        <a:font script="Mong" typeface="Mongolian Baiti"/>
+        <a:font script="Viet" typeface="Arial"/>
+        <a:font script="Uigh" typeface="Microsoft Uighur"/>
+        <a:font script="Geor" typeface="Sylfaen"/>
+        <a:font script="Armn" typeface="Arial"/>
+        <a:font script="Bugi" typeface="Leelawadee UI"/>
+        <a:font script="Bopo" typeface="Microsoft JhengHei"/>
+        <a:font script="Java" typeface="Javanese Text"/>
+        <a:font script="Lisu" typeface="Segoe UI"/>
+        <a:font script="Mymr" typeface="Myanmar Text"/>
+        <a:font script="Nkoo" typeface="Ebrima"/>
+        <a:font script="Olck" typeface="Nirmala UI"/>
+        <a:font script="Osma" typeface="Ebrima"/>
+        <a:font script="Phag" typeface="Phagspa"/>
+        <a:font script="Syrn" typeface="Estrangelo Edessa"/>
+        <a:font script="Syrj" typeface="Estrangelo Edessa"/>
+        <a:font script="Syre" typeface="Estrangelo Edessa"/>
+        <a:font script="Sora" typeface="Nirmala UI"/>
+        <a:font script="Tale" typeface="Microsoft Tai Le"/>
+        <a:font script="Talu" typeface="Microsoft New Tai Lue"/>
+        <a:font script="Tfng" typeface="Ebrima"/>
+      </a:minorFont>
+    </a:fontScheme>
+    <a:fmtScheme name="Office">
+      <a:fillStyleLst>
+        <a:solidFill>
+          <a:schemeClr val="phClr"/>
+        </a:solidFill>
+        <a:gradFill rotWithShape="1">
+          <a:gsLst>
+            <a:gs pos="0">
+              <a:schemeClr val="phClr">
+                <a:lumMod val="110000"/>
+                <a:satMod val="105000"/>
+                <a:tint val="67000"/>
+              </a:schemeClr>
+            </a:gs>
+            <a:gs pos="50000">
+              <a:schemeClr val="phClr">
+                <a:lumMod val="105000"/>
+                <a:satMod val="103000"/>
+                <a:tint val="73000"/>
+              </a:schemeClr>
+            </a:gs>
+            <a:gs pos="100000">
+              <a:schemeClr val="phClr">
+                <a:lumMod val="105000"/>
+                <a:satMod val="109000"/>
+                <a:tint val="81000"/>
+              </a:schemeClr>
+            </a:gs>
+          </a:gsLst>
+          <a:lin ang="5400000" scaled="0"/>
+        </a:gradFill>
+        <a:gradFill rotWithShape="1">
+          <a:gsLst>
+            <a:gs pos="0">
+              <a:schemeClr val="phClr">
+                <a:satMod val="103000"/>
+                <a:lumMod val="102000"/>
+                <a:tint val="94000"/>
+              </a:schemeClr>
+            </a:gs>
+            <a:gs pos="50000">
+              <a:schemeClr val="phClr">
+                <a:satMod val="110000"/>
+                <a:lumMod val="100000"/>
+                <a:shade val="100000"/>
+              </a:schemeClr>
+            </a:gs>
+            <a:gs pos="100000">
+              <a:schemeClr val="phClr">
+                <a:lumMod val="99000"/>
+                <a:satMod val="120000"/>
+                <a:shade val="78000"/>
+              </a:schemeClr>
+            </a:gs>
+          </a:gsLst>
+          <a:lin ang="5400000" scaled="0"/>
+        </a:gradFill>
+      </a:fillStyleLst>
+      <a:lnStyleLst>
+        <a:ln w="6350" cap="flat" cmpd="sng" algn="ctr">
+          <a:solidFill>
+            <a:schemeClr val="phClr"/>
+          </a:solidFill>
+          <a:prstDash val="solid"/>
+          <a:miter lim="800000"/>
+        </a:ln>
+        <a:ln w="12700" cap="flat" cmpd="sng" algn="ctr">
+          <a:solidFill>
+            <a:schemeClr val="phClr"/>
+          </a:solidFill>
+          <a:prstDash val="solid"/>
+          <a:miter lim="800000"/>
+        </a:ln>
+        <a:ln w="19050" cap="flat" cmpd="sng" algn="ctr">
+          <a:solidFill>
+            <a:schemeClr val="phClr"/>
+          </a:solidFill>
+          <a:prstDash val="solid"/>
+          <a:miter lim="800000"/>
+        </a:ln>
+      </a:lnStyleLst>
+      <a:effectStyleLst>
+        <a:effectStyle>
+          <a:effectLst/>
+        </a:effectStyle>
+        <a:effectStyle>
+          <a:effectLst/>
+        </a:effectStyle>
+        <a:effectStyle>
+          <a:effectLst>
+            <a:outerShdw blurRad="57150" dist="19050" dir="5400000" algn="ctr" rotWithShape="0">
+              <a:srgbClr val="000000">
+                <a:alpha val="63000"/>
+              </a:srgbClr>
+            </a:outerShdw>
+          </a:effectLst>
+        </a:effectStyle>
+      </a:effectStyleLst>
+      <a:bgFillStyleLst>
+        <a:solidFill>
+          <a:schemeClr val="phClr"/>
+        </a:solidFill>
+        <a:solidFill>
+          <a:schemeClr val="phClr">
+            <a:tint val="95000"/>
+            <a:satMod val="170000"/>
+          </a:schemeClr>
+        </a:solidFill>
+        <a:gradFill rotWithShape="1">
+          <a:gsLst>
+            <a:gs pos="0">
+              <a:schemeClr val="phClr">
+                <a:tint val="93000"/>
+                <a:satMod val="150000"/>
+                <a:shade val="98000"/>
+                <a:lumMod val="102000"/>
+              </a:schemeClr>
+            </a:gs>
+            <a:gs pos="50000">
+              <a:schemeClr val="phClr">
+                <a:tint val="98000"/>
+                <a:satMod val="130000"/>
+                <a:shade val="90000"/>
+                <a:lumMod val="103000"/>
+              </a:schemeClr>
+            </a:gs>
+            <a:gs pos="100000">
+              <a:schemeClr val="phClr">
+                <a:shade val="63000"/>
+                <a:satMod val="120000"/>
+              </a:schemeClr>
+            </a:gs>
+          </a:gsLst>
+          <a:lin ang="5400000" scaled="0"/>
+        </a:gradFill>
+      </a:bgFillStyleLst>
+    </a:fmtScheme>
+  </a:themeElements>
+  <a:objectDefaults/>
+  <a:extraClrSchemeLst/>
+  <a:extLst>
+    <a:ext uri="{05A4C25C-085E-4340-85A3-A5531E510DB2}">
+      <thm15:themeFamily xmlns:thm15="http://schemas.microsoft.com/office/thememl/2012/main" name="Office Theme" id="{62F939B6-93AF-4DB8-9C6B-D6C7DFDC589F}" vid="{4A3C46E8-61CC-4603-A589-7422A47A8E4A}"/>
+    </a:ext>
+  </a:extLst>
+</a:theme>
 </file>